--- a/lect-6/二分变量的检验以及样本量估计.pptx
+++ b/lect-6/二分变量的检验以及样本量估计.pptx
@@ -25,6 +25,24 @@
     <p:sldId id="274" r:id="rId19"/>
     <p:sldId id="275" r:id="rId20"/>
     <p:sldId id="276" r:id="rId21"/>
+    <p:sldId id="277" r:id="rId22"/>
+    <p:sldId id="278" r:id="rId23"/>
+    <p:sldId id="279" r:id="rId24"/>
+    <p:sldId id="280" r:id="rId25"/>
+    <p:sldId id="281" r:id="rId26"/>
+    <p:sldId id="282" r:id="rId27"/>
+    <p:sldId id="283" r:id="rId28"/>
+    <p:sldId id="284" r:id="rId29"/>
+    <p:sldId id="285" r:id="rId30"/>
+    <p:sldId id="286" r:id="rId31"/>
+    <p:sldId id="287" r:id="rId32"/>
+    <p:sldId id="288" r:id="rId33"/>
+    <p:sldId id="289" r:id="rId34"/>
+    <p:sldId id="290" r:id="rId35"/>
+    <p:sldId id="291" r:id="rId36"/>
+    <p:sldId id="292" r:id="rId37"/>
+    <p:sldId id="293" r:id="rId38"/>
+    <p:sldId id="294" r:id="rId39"/>
   </p:sldIdLst>
   <p:sldSz cx="12192000" cy="6858000"/>
   <p:notesSz cx="6858000" cy="9144000"/>
@@ -123,6 +141,11 @@
       </a:defRPr>
     </a:lvl9pPr>
   </p:defaultTextStyle>
+  <p:extLst>
+    <p:ext uri="{EFAFB233-063F-42B5-8137-9DF3F51BA10A}">
+      <p15:sldGuideLst xmlns:p15="http://schemas.microsoft.com/office/powerpoint/2012/main"/>
+    </p:ext>
+  </p:extLst>
 </p:presentation>
 </file>
 
@@ -3825,42 +3848,42 @@
   <p:extLst mod="1">
     <p:ext uri="{27BBF7A9-308A-43DC-89C8-2F10F3537804}">
       <p15:sldGuideLst xmlns:p15="http://schemas.microsoft.com/office/powerpoint/2012/main">
-        <p15:guide id="4294967295" orient="horz" pos="1368">
+        <p15:guide id="1" orient="horz" pos="1368">
           <p15:clr>
             <a:srgbClr val="F26B43"/>
           </p15:clr>
         </p15:guide>
-        <p15:guide id="4294967295" orient="horz" pos="1440">
+        <p15:guide id="2" orient="horz" pos="1440">
           <p15:clr>
             <a:srgbClr val="F26B43"/>
           </p15:clr>
         </p15:guide>
-        <p15:guide id="4294967295" orient="horz" pos="3696">
+        <p15:guide id="3" orient="horz" pos="3696">
           <p15:clr>
             <a:srgbClr val="F26B43"/>
           </p15:clr>
         </p15:guide>
-        <p15:guide id="4294967295" orient="horz" pos="432">
+        <p15:guide id="4" orient="horz" pos="432">
           <p15:clr>
             <a:srgbClr val="F26B43"/>
           </p15:clr>
         </p15:guide>
-        <p15:guide id="4294967295" orient="horz" pos="1512">
+        <p15:guide id="5" orient="horz" pos="1512">
           <p15:clr>
             <a:srgbClr val="F26B43"/>
           </p15:clr>
         </p15:guide>
-        <p15:guide id="4294967295" pos="6912">
+        <p15:guide id="6" pos="6912">
           <p15:clr>
             <a:srgbClr val="F26B43"/>
           </p15:clr>
         </p15:guide>
-        <p15:guide id="4294967295" pos="936">
+        <p15:guide id="7" pos="936">
           <p15:clr>
             <a:srgbClr val="F26B43"/>
           </p15:clr>
         </p15:guide>
-        <p15:guide id="4294967295" pos="864">
+        <p15:guide id="8" pos="864">
           <p15:clr>
             <a:srgbClr val="F26B43"/>
           </p15:clr>
@@ -3987,8 +4010,8 @@
           </a:p>
         </p:txBody>
       </p:sp>
-      <mc:AlternateContent xmlns:mc="http://schemas.openxmlformats.org/markup-compatibility/2006">
-        <mc:Choice xmlns:a14="http://schemas.microsoft.com/office/drawing/2010/main" Requires="a14">
+      <mc:AlternateContent xmlns:mc="http://schemas.openxmlformats.org/markup-compatibility/2006" xmlns:a14="http://schemas.microsoft.com/office/drawing/2010/main">
+        <mc:Choice Requires="a14">
           <p:sp>
             <p:nvSpPr>
               <p:cNvPr id="3" name="内容占位符 2"/>
@@ -4319,7 +4342,7 @@
             </p:txBody>
           </p:sp>
         </mc:Choice>
-        <mc:Fallback>
+        <mc:Fallback xmlns="">
           <p:sp>
             <p:nvSpPr>
               <p:cNvPr id="3" name="内容占位符 2"/>
@@ -4578,8 +4601,8 @@
           </a:p>
         </p:txBody>
       </p:sp>
-      <mc:AlternateContent xmlns:mc="http://schemas.openxmlformats.org/markup-compatibility/2006">
-        <mc:Choice xmlns:a14="http://schemas.microsoft.com/office/drawing/2010/main" Requires="a14">
+      <mc:AlternateContent xmlns:mc="http://schemas.openxmlformats.org/markup-compatibility/2006" xmlns:a14="http://schemas.microsoft.com/office/drawing/2010/main">
+        <mc:Choice Requires="a14">
           <p:sp>
             <p:nvSpPr>
               <p:cNvPr id="3" name="内容占位符 2"/>
@@ -4759,7 +4782,7 @@
             </p:txBody>
           </p:sp>
         </mc:Choice>
-        <mc:Fallback>
+        <mc:Fallback xmlns="">
           <p:sp>
             <p:nvSpPr>
               <p:cNvPr id="3" name="内容占位符 2"/>
@@ -5376,8 +5399,8 @@
           </a:p>
         </p:txBody>
       </p:sp>
-      <mc:AlternateContent xmlns:mc="http://schemas.openxmlformats.org/markup-compatibility/2006">
-        <mc:Choice xmlns:a14="http://schemas.microsoft.com/office/drawing/2010/main" Requires="a14">
+      <mc:AlternateContent xmlns:mc="http://schemas.openxmlformats.org/markup-compatibility/2006" xmlns:a14="http://schemas.microsoft.com/office/drawing/2010/main">
+        <mc:Choice Requires="a14">
           <p:sp>
             <p:nvSpPr>
               <p:cNvPr id="3" name="内容占位符 2"/>
@@ -5774,7 +5797,7 @@
             </p:txBody>
           </p:sp>
         </mc:Choice>
-        <mc:Fallback>
+        <mc:Fallback xmlns="">
           <p:sp>
             <p:nvSpPr>
               <p:cNvPr id="3" name="内容占位符 2"/>
@@ -5994,8 +6017,8 @@
           </a:p>
         </p:txBody>
       </p:sp>
-      <mc:AlternateContent xmlns:mc="http://schemas.openxmlformats.org/markup-compatibility/2006">
-        <mc:Choice xmlns:a14="http://schemas.microsoft.com/office/drawing/2010/main" Requires="a14">
+      <mc:AlternateContent xmlns:mc="http://schemas.openxmlformats.org/markup-compatibility/2006" xmlns:a14="http://schemas.microsoft.com/office/drawing/2010/main">
+        <mc:Choice Requires="a14">
           <p:sp>
             <p:nvSpPr>
               <p:cNvPr id="3" name="内容占位符 2"/>
@@ -6188,7 +6211,7 @@
             </p:txBody>
           </p:sp>
         </mc:Choice>
-        <mc:Fallback>
+        <mc:Fallback xmlns="">
           <p:sp>
             <p:nvSpPr>
               <p:cNvPr id="3" name="内容占位符 2"/>
@@ -6784,6 +6807,2313 @@
 </p:sld>
 </file>
 
+<file path=ppt/slides/slide21.xml><?xml version="1.0" encoding="utf-8"?>
+<p:sld xmlns:a="http://schemas.openxmlformats.org/drawingml/2006/main" xmlns:r="http://schemas.openxmlformats.org/officeDocument/2006/relationships" xmlns:p="http://schemas.openxmlformats.org/presentationml/2006/main">
+  <p:cSld>
+    <p:spTree>
+      <p:nvGrpSpPr>
+        <p:cNvPr id="1" name=""/>
+        <p:cNvGrpSpPr/>
+        <p:nvPr/>
+      </p:nvGrpSpPr>
+      <p:grpSpPr>
+        <a:xfrm>
+          <a:off x="0" y="0"/>
+          <a:ext cx="0" cy="0"/>
+          <a:chOff x="0" y="0"/>
+          <a:chExt cx="0" cy="0"/>
+        </a:xfrm>
+      </p:grpSpPr>
+      <p:sp>
+        <p:nvSpPr>
+          <p:cNvPr id="2" name="标题 1"/>
+          <p:cNvSpPr>
+            <a:spLocks noGrp="1"/>
+          </p:cNvSpPr>
+          <p:nvPr>
+            <p:ph type="title"/>
+          </p:nvPr>
+        </p:nvSpPr>
+        <p:spPr/>
+        <p:txBody>
+          <a:bodyPr/>
+          <a:lstStyle/>
+          <a:p>
+            <a:r>
+              <a:rPr lang="zh-CN" altLang="en-US" dirty="0"/>
+              <a:t>二项分布的假设检验</a:t>
+            </a:r>
+            <a:r>
+              <a:rPr lang="en-US" altLang="zh-CN" dirty="0"/>
+              <a:t>: </a:t>
+            </a:r>
+            <a:r>
+              <a:rPr lang="en-US" altLang="zh-CN" dirty="0" smtClean="0"/>
+              <a:t>2</a:t>
+            </a:r>
+            <a:r>
+              <a:rPr lang="zh-CN" altLang="en-US" dirty="0" smtClean="0"/>
+              <a:t>独立样本</a:t>
+            </a:r>
+            <a:endParaRPr lang="zh-CN" altLang="en-US" dirty="0"/>
+          </a:p>
+        </p:txBody>
+      </p:sp>
+      <p:sp>
+        <p:nvSpPr>
+          <p:cNvPr id="3" name="内容占位符 2"/>
+          <p:cNvSpPr>
+            <a:spLocks noGrp="1"/>
+          </p:cNvSpPr>
+          <p:nvPr>
+            <p:ph idx="1"/>
+          </p:nvPr>
+        </p:nvSpPr>
+        <p:spPr>
+          <a:xfrm>
+            <a:off x="1371600" y="2939719"/>
+            <a:ext cx="9601200" cy="3842081"/>
+          </a:xfrm>
+        </p:spPr>
+        <p:txBody>
+          <a:bodyPr>
+            <a:normAutofit/>
+          </a:bodyPr>
+          <a:lstStyle/>
+          <a:p>
+            <a:r>
+              <a:rPr lang="zh-CN" altLang="en-US" dirty="0" smtClean="0"/>
+              <a:t>第一组样本量为</a:t>
+            </a:r>
+            <a:r>
+              <a:rPr lang="en-US" altLang="zh-CN" dirty="0" smtClean="0"/>
+              <a:t>n1</a:t>
+            </a:r>
+            <a:r>
+              <a:rPr lang="zh-CN" altLang="en-US" dirty="0" smtClean="0"/>
+              <a:t>，成功的数量是</a:t>
+            </a:r>
+            <a:r>
+              <a:rPr lang="en-US" altLang="zh-CN" dirty="0" smtClean="0"/>
+              <a:t>x1</a:t>
+            </a:r>
+          </a:p>
+          <a:p>
+            <a:r>
+              <a:rPr lang="zh-CN" altLang="en-US" dirty="0"/>
+              <a:t>第二</a:t>
+            </a:r>
+            <a:r>
+              <a:rPr lang="zh-CN" altLang="en-US" dirty="0" smtClean="0"/>
+              <a:t>组</a:t>
+            </a:r>
+            <a:r>
+              <a:rPr lang="zh-CN" altLang="en-US" dirty="0"/>
+              <a:t>样本量为</a:t>
+            </a:r>
+            <a:r>
+              <a:rPr lang="en-US" altLang="zh-CN" dirty="0" smtClean="0"/>
+              <a:t>n2</a:t>
+            </a:r>
+            <a:r>
+              <a:rPr lang="zh-CN" altLang="en-US" dirty="0" smtClean="0"/>
+              <a:t>，</a:t>
+            </a:r>
+            <a:r>
+              <a:rPr lang="zh-CN" altLang="en-US" dirty="0"/>
+              <a:t>成功的数量</a:t>
+            </a:r>
+            <a:r>
+              <a:rPr lang="zh-CN" altLang="en-US" dirty="0" smtClean="0"/>
+              <a:t>是</a:t>
+            </a:r>
+            <a:r>
+              <a:rPr lang="en-US" altLang="zh-CN" dirty="0" smtClean="0"/>
+              <a:t>x2</a:t>
+            </a:r>
+          </a:p>
+          <a:p>
+            <a:r>
+              <a:rPr lang="zh-CN" altLang="en-US" dirty="0" smtClean="0"/>
+              <a:t>当</a:t>
+            </a:r>
+            <a:r>
+              <a:rPr lang="en-US" altLang="zh-CN" dirty="0" err="1" smtClean="0"/>
+              <a:t>p_hat</a:t>
+            </a:r>
+            <a:r>
+              <a:rPr lang="zh-CN" altLang="en-US" dirty="0" smtClean="0"/>
+              <a:t>*</a:t>
+            </a:r>
+            <a:r>
+              <a:rPr lang="en-US" altLang="zh-CN" dirty="0" smtClean="0"/>
+              <a:t>n&gt;=10, (1-p_hat)*n&gt;=10</a:t>
+            </a:r>
+            <a:r>
+              <a:rPr lang="zh-CN" altLang="en-US" dirty="0" smtClean="0"/>
+              <a:t>，抽样随机，样本与总体相对很小的时候，可以作正态近似</a:t>
+            </a:r>
+            <a:r>
+              <a:rPr lang="en-US" altLang="zh-CN" dirty="0" smtClean="0"/>
+              <a:t>, </a:t>
+            </a:r>
+            <a:r>
+              <a:rPr lang="zh-CN" altLang="en-US" dirty="0" smtClean="0"/>
+              <a:t>参照</a:t>
+            </a:r>
+            <a:r>
+              <a:rPr lang="en-US" altLang="zh-CN" dirty="0" smtClean="0"/>
+              <a:t>2</a:t>
+            </a:r>
+            <a:r>
+              <a:rPr lang="zh-CN" altLang="en-US" dirty="0" smtClean="0"/>
+              <a:t>独立样本</a:t>
+            </a:r>
+            <a:r>
+              <a:rPr lang="en-US" altLang="zh-CN" dirty="0" smtClean="0"/>
+              <a:t>t</a:t>
+            </a:r>
+            <a:r>
+              <a:rPr lang="zh-CN" altLang="en-US" dirty="0" smtClean="0"/>
+              <a:t>检验计算</a:t>
+            </a:r>
+            <a:r>
+              <a:rPr lang="en-US" altLang="zh-CN" dirty="0" smtClean="0"/>
+              <a:t>z</a:t>
+            </a:r>
+            <a:r>
+              <a:rPr lang="zh-CN" altLang="en-US" dirty="0" smtClean="0"/>
+              <a:t>值</a:t>
+            </a:r>
+            <a:endParaRPr lang="en-US" altLang="zh-CN" dirty="0" smtClean="0"/>
+          </a:p>
+          <a:p>
+            <a:r>
+              <a:rPr lang="zh-CN" altLang="en-US" b="1" dirty="0" smtClean="0"/>
+              <a:t>注：</a:t>
+            </a:r>
+            <a:r>
+              <a:rPr lang="en-US" altLang="zh-CN" b="1" dirty="0" smtClean="0"/>
+              <a:t>2</a:t>
+            </a:r>
+            <a:r>
+              <a:rPr lang="zh-CN" altLang="en-US" b="1" dirty="0" smtClean="0"/>
+              <a:t>独立样本比率比较其实更常用的是卡方检验</a:t>
+            </a:r>
+            <a:endParaRPr lang="en-US" altLang="zh-CN" b="1" dirty="0" smtClean="0"/>
+          </a:p>
+          <a:p>
+            <a:endParaRPr lang="en-US" altLang="zh-CN" dirty="0"/>
+          </a:p>
+          <a:p>
+            <a:endParaRPr lang="zh-CN" altLang="en-US" dirty="0"/>
+          </a:p>
+        </p:txBody>
+      </p:sp>
+      <p:pic>
+        <p:nvPicPr>
+          <p:cNvPr id="4" name="图片 3"/>
+          <p:cNvPicPr>
+            <a:picLocks noChangeAspect="1"/>
+          </p:cNvPicPr>
+          <p:nvPr/>
+        </p:nvPicPr>
+        <p:blipFill>
+          <a:blip r:embed="rId2"/>
+          <a:stretch>
+            <a:fillRect/>
+          </a:stretch>
+        </p:blipFill>
+        <p:spPr>
+          <a:xfrm>
+            <a:off x="5143500" y="1824567"/>
+            <a:ext cx="2057400" cy="990600"/>
+          </a:xfrm>
+          <a:prstGeom prst="rect">
+            <a:avLst/>
+          </a:prstGeom>
+        </p:spPr>
+      </p:pic>
+      <p:pic>
+        <p:nvPicPr>
+          <p:cNvPr id="5" name="图片 4"/>
+          <p:cNvPicPr>
+            <a:picLocks noChangeAspect="1"/>
+          </p:cNvPicPr>
+          <p:nvPr/>
+        </p:nvPicPr>
+        <p:blipFill>
+          <a:blip r:embed="rId3"/>
+          <a:stretch>
+            <a:fillRect/>
+          </a:stretch>
+        </p:blipFill>
+        <p:spPr>
+          <a:xfrm>
+            <a:off x="2967037" y="2014372"/>
+            <a:ext cx="1838325" cy="581025"/>
+          </a:xfrm>
+          <a:prstGeom prst="rect">
+            <a:avLst/>
+          </a:prstGeom>
+        </p:spPr>
+      </p:pic>
+      <p:pic>
+        <p:nvPicPr>
+          <p:cNvPr id="6" name="图片 5"/>
+          <p:cNvPicPr>
+            <a:picLocks noChangeAspect="1"/>
+          </p:cNvPicPr>
+          <p:nvPr/>
+        </p:nvPicPr>
+        <p:blipFill>
+          <a:blip r:embed="rId4"/>
+          <a:stretch>
+            <a:fillRect/>
+          </a:stretch>
+        </p:blipFill>
+        <p:spPr>
+          <a:xfrm>
+            <a:off x="7539038" y="2038184"/>
+            <a:ext cx="1190625" cy="533400"/>
+          </a:xfrm>
+          <a:prstGeom prst="rect">
+            <a:avLst/>
+          </a:prstGeom>
+        </p:spPr>
+      </p:pic>
+      <p:cxnSp>
+        <p:nvCxnSpPr>
+          <p:cNvPr id="8" name="直接箭头连接符 7"/>
+          <p:cNvCxnSpPr/>
+          <p:nvPr/>
+        </p:nvCxnSpPr>
+        <p:spPr>
+          <a:xfrm flipH="1">
+            <a:off x="6062133" y="2319867"/>
+            <a:ext cx="1701800" cy="275530"/>
+          </a:xfrm>
+          <a:prstGeom prst="straightConnector1">
+            <a:avLst/>
+          </a:prstGeom>
+          <a:ln>
+            <a:solidFill>
+              <a:schemeClr val="tx1"/>
+            </a:solidFill>
+            <a:tailEnd type="triangle"/>
+          </a:ln>
+        </p:spPr>
+        <p:style>
+          <a:lnRef idx="1">
+            <a:schemeClr val="accent1"/>
+          </a:lnRef>
+          <a:fillRef idx="0">
+            <a:schemeClr val="accent1"/>
+          </a:fillRef>
+          <a:effectRef idx="0">
+            <a:schemeClr val="accent1"/>
+          </a:effectRef>
+          <a:fontRef idx="minor">
+            <a:schemeClr val="tx1"/>
+          </a:fontRef>
+        </p:style>
+      </p:cxnSp>
+      <p:cxnSp>
+        <p:nvCxnSpPr>
+          <p:cNvPr id="10" name="肘形连接符 9"/>
+          <p:cNvCxnSpPr/>
+          <p:nvPr/>
+        </p:nvCxnSpPr>
+        <p:spPr>
+          <a:xfrm flipV="1">
+            <a:off x="3234267" y="2038184"/>
+            <a:ext cx="2827866" cy="103883"/>
+          </a:xfrm>
+          <a:prstGeom prst="bentConnector3">
+            <a:avLst>
+              <a:gd name="adj1" fmla="val 0"/>
+            </a:avLst>
+          </a:prstGeom>
+          <a:ln>
+            <a:tailEnd type="triangle"/>
+          </a:ln>
+        </p:spPr>
+        <p:style>
+          <a:lnRef idx="1">
+            <a:schemeClr val="accent1"/>
+          </a:lnRef>
+          <a:fillRef idx="0">
+            <a:schemeClr val="accent1"/>
+          </a:fillRef>
+          <a:effectRef idx="0">
+            <a:schemeClr val="accent1"/>
+          </a:effectRef>
+          <a:fontRef idx="minor">
+            <a:schemeClr val="tx1"/>
+          </a:fontRef>
+        </p:style>
+      </p:cxnSp>
+      <p:cxnSp>
+        <p:nvCxnSpPr>
+          <p:cNvPr id="13" name="肘形连接符 12"/>
+          <p:cNvCxnSpPr/>
+          <p:nvPr/>
+        </p:nvCxnSpPr>
+        <p:spPr>
+          <a:xfrm flipV="1">
+            <a:off x="4131733" y="2127084"/>
+            <a:ext cx="2175934" cy="68230"/>
+          </a:xfrm>
+          <a:prstGeom prst="bentConnector3">
+            <a:avLst>
+              <a:gd name="adj1" fmla="val -584"/>
+            </a:avLst>
+          </a:prstGeom>
+          <a:ln>
+            <a:tailEnd type="triangle"/>
+          </a:ln>
+        </p:spPr>
+        <p:style>
+          <a:lnRef idx="1">
+            <a:schemeClr val="accent1"/>
+          </a:lnRef>
+          <a:fillRef idx="0">
+            <a:schemeClr val="accent1"/>
+          </a:fillRef>
+          <a:effectRef idx="0">
+            <a:schemeClr val="accent1"/>
+          </a:effectRef>
+          <a:fontRef idx="minor">
+            <a:schemeClr val="tx1"/>
+          </a:fontRef>
+        </p:style>
+      </p:cxnSp>
+    </p:spTree>
+    <p:extLst>
+      <p:ext uri="{BB962C8B-B14F-4D97-AF65-F5344CB8AC3E}">
+        <p14:creationId xmlns:p14="http://schemas.microsoft.com/office/powerpoint/2010/main" val="2663056995"/>
+      </p:ext>
+    </p:extLst>
+  </p:cSld>
+  <p:clrMapOvr>
+    <a:masterClrMapping/>
+  </p:clrMapOvr>
+  <p:timing>
+    <p:tnLst>
+      <p:par>
+        <p:cTn id="1" dur="indefinite" restart="never" nodeType="tmRoot">
+          <p:childTnLst>
+            <p:seq concurrent="1" nextAc="seek">
+              <p:cTn id="2" dur="indefinite" nodeType="mainSeq">
+                <p:childTnLst>
+                  <p:par>
+                    <p:cTn id="3" fill="hold">
+                      <p:stCondLst>
+                        <p:cond delay="indefinite"/>
+                      </p:stCondLst>
+                      <p:childTnLst>
+                        <p:par>
+                          <p:cTn id="4" fill="hold">
+                            <p:stCondLst>
+                              <p:cond delay="0"/>
+                            </p:stCondLst>
+                            <p:childTnLst>
+                              <p:par>
+                                <p:cTn id="5" presetID="1" presetClass="entr" presetSubtype="0" fill="hold" nodeType="clickEffect">
+                                  <p:stCondLst>
+                                    <p:cond delay="0"/>
+                                  </p:stCondLst>
+                                  <p:childTnLst>
+                                    <p:set>
+                                      <p:cBhvr>
+                                        <p:cTn id="6" dur="1" fill="hold">
+                                          <p:stCondLst>
+                                            <p:cond delay="0"/>
+                                          </p:stCondLst>
+                                        </p:cTn>
+                                        <p:tgtEl>
+                                          <p:spTgt spid="13"/>
+                                        </p:tgtEl>
+                                        <p:attrNameLst>
+                                          <p:attrName>style.visibility</p:attrName>
+                                        </p:attrNameLst>
+                                      </p:cBhvr>
+                                      <p:to>
+                                        <p:strVal val="visible"/>
+                                      </p:to>
+                                    </p:set>
+                                  </p:childTnLst>
+                                </p:cTn>
+                              </p:par>
+                              <p:par>
+                                <p:cTn id="7" presetID="1" presetClass="entr" presetSubtype="0" fill="hold" nodeType="withEffect">
+                                  <p:stCondLst>
+                                    <p:cond delay="0"/>
+                                  </p:stCondLst>
+                                  <p:childTnLst>
+                                    <p:set>
+                                      <p:cBhvr>
+                                        <p:cTn id="8" dur="1" fill="hold">
+                                          <p:stCondLst>
+                                            <p:cond delay="0"/>
+                                          </p:stCondLst>
+                                        </p:cTn>
+                                        <p:tgtEl>
+                                          <p:spTgt spid="10"/>
+                                        </p:tgtEl>
+                                        <p:attrNameLst>
+                                          <p:attrName>style.visibility</p:attrName>
+                                        </p:attrNameLst>
+                                      </p:cBhvr>
+                                      <p:to>
+                                        <p:strVal val="visible"/>
+                                      </p:to>
+                                    </p:set>
+                                  </p:childTnLst>
+                                </p:cTn>
+                              </p:par>
+                              <p:par>
+                                <p:cTn id="9" presetID="1" presetClass="entr" presetSubtype="0" fill="hold" nodeType="withEffect">
+                                  <p:stCondLst>
+                                    <p:cond delay="0"/>
+                                  </p:stCondLst>
+                                  <p:childTnLst>
+                                    <p:set>
+                                      <p:cBhvr>
+                                        <p:cTn id="10" dur="1" fill="hold">
+                                          <p:stCondLst>
+                                            <p:cond delay="0"/>
+                                          </p:stCondLst>
+                                        </p:cTn>
+                                        <p:tgtEl>
+                                          <p:spTgt spid="8"/>
+                                        </p:tgtEl>
+                                        <p:attrNameLst>
+                                          <p:attrName>style.visibility</p:attrName>
+                                        </p:attrNameLst>
+                                      </p:cBhvr>
+                                      <p:to>
+                                        <p:strVal val="visible"/>
+                                      </p:to>
+                                    </p:set>
+                                  </p:childTnLst>
+                                </p:cTn>
+                              </p:par>
+                            </p:childTnLst>
+                          </p:cTn>
+                        </p:par>
+                      </p:childTnLst>
+                    </p:cTn>
+                  </p:par>
+                </p:childTnLst>
+              </p:cTn>
+              <p:prevCondLst>
+                <p:cond evt="onPrev" delay="0">
+                  <p:tgtEl>
+                    <p:sldTgt/>
+                  </p:tgtEl>
+                </p:cond>
+              </p:prevCondLst>
+              <p:nextCondLst>
+                <p:cond evt="onNext" delay="0">
+                  <p:tgtEl>
+                    <p:sldTgt/>
+                  </p:tgtEl>
+                </p:cond>
+              </p:nextCondLst>
+            </p:seq>
+          </p:childTnLst>
+        </p:cTn>
+      </p:par>
+    </p:tnLst>
+  </p:timing>
+</p:sld>
+</file>
+
+<file path=ppt/slides/slide22.xml><?xml version="1.0" encoding="utf-8"?>
+<p:sld xmlns:a="http://schemas.openxmlformats.org/drawingml/2006/main" xmlns:r="http://schemas.openxmlformats.org/officeDocument/2006/relationships" xmlns:p="http://schemas.openxmlformats.org/presentationml/2006/main">
+  <p:cSld>
+    <p:spTree>
+      <p:nvGrpSpPr>
+        <p:cNvPr id="1" name=""/>
+        <p:cNvGrpSpPr/>
+        <p:nvPr/>
+      </p:nvGrpSpPr>
+      <p:grpSpPr>
+        <a:xfrm>
+          <a:off x="0" y="0"/>
+          <a:ext cx="0" cy="0"/>
+          <a:chOff x="0" y="0"/>
+          <a:chExt cx="0" cy="0"/>
+        </a:xfrm>
+      </p:grpSpPr>
+      <p:sp>
+        <p:nvSpPr>
+          <p:cNvPr id="2" name="标题 1"/>
+          <p:cNvSpPr>
+            <a:spLocks noGrp="1"/>
+          </p:cNvSpPr>
+          <p:nvPr>
+            <p:ph type="title"/>
+          </p:nvPr>
+        </p:nvSpPr>
+        <p:spPr/>
+        <p:txBody>
+          <a:bodyPr/>
+          <a:lstStyle/>
+          <a:p>
+            <a:r>
+              <a:rPr lang="zh-CN" altLang="en-US" dirty="0"/>
+              <a:t>练习题</a:t>
+            </a:r>
+          </a:p>
+        </p:txBody>
+      </p:sp>
+      <p:sp>
+        <p:nvSpPr>
+          <p:cNvPr id="3" name="内容占位符 2"/>
+          <p:cNvSpPr>
+            <a:spLocks noGrp="1"/>
+          </p:cNvSpPr>
+          <p:nvPr>
+            <p:ph idx="1"/>
+          </p:nvPr>
+        </p:nvSpPr>
+        <p:spPr>
+          <a:xfrm>
+            <a:off x="1371600" y="3522133"/>
+            <a:ext cx="9601200" cy="2861733"/>
+          </a:xfrm>
+        </p:spPr>
+        <p:txBody>
+          <a:bodyPr/>
+          <a:lstStyle/>
+          <a:p>
+            <a:r>
+              <a:rPr lang="zh-CN" altLang="en-US" dirty="0" smtClean="0"/>
+              <a:t>研究者从某地抽取</a:t>
+            </a:r>
+            <a:r>
+              <a:rPr lang="en-US" altLang="zh-CN" dirty="0" smtClean="0"/>
+              <a:t>3799</a:t>
+            </a:r>
+            <a:r>
+              <a:rPr lang="zh-CN" altLang="en-US" dirty="0" smtClean="0"/>
+              <a:t>人进行调查，比较是否吸烟人群的心血管疾病发病率与非吸烟人群有区别</a:t>
+            </a:r>
+            <a:endParaRPr lang="zh-CN" altLang="en-US" dirty="0"/>
+          </a:p>
+        </p:txBody>
+      </p:sp>
+      <p:graphicFrame>
+        <p:nvGraphicFramePr>
+          <p:cNvPr id="4" name="表格 3"/>
+          <p:cNvGraphicFramePr>
+            <a:graphicFrameLocks noGrp="1"/>
+          </p:cNvGraphicFramePr>
+          <p:nvPr>
+            <p:extLst>
+              <p:ext uri="{D42A27DB-BD31-4B8C-83A1-F6EECF244321}">
+                <p14:modId xmlns:p14="http://schemas.microsoft.com/office/powerpoint/2010/main" val="679789159"/>
+              </p:ext>
+            </p:extLst>
+          </p:nvPr>
+        </p:nvGraphicFramePr>
+        <p:xfrm>
+          <a:off x="2158999" y="1617134"/>
+          <a:ext cx="8128000" cy="1483360"/>
+        </p:xfrm>
+        <a:graphic>
+          <a:graphicData uri="http://schemas.openxmlformats.org/drawingml/2006/table">
+            <a:tbl>
+              <a:tblPr firstRow="1" bandRow="1">
+                <a:tableStyleId>{5C22544A-7EE6-4342-B048-85BDC9FD1C3A}</a:tableStyleId>
+              </a:tblPr>
+              <a:tblGrid>
+                <a:gridCol w="2032000"/>
+                <a:gridCol w="2032000"/>
+                <a:gridCol w="2032000"/>
+                <a:gridCol w="2032000"/>
+              </a:tblGrid>
+              <a:tr h="370840">
+                <a:tc>
+                  <a:txBody>
+                    <a:bodyPr/>
+                    <a:lstStyle/>
+                    <a:p>
+                      <a:pPr fontAlgn="t"/>
+                      <a:endParaRPr lang="zh-CN" altLang="en-US" dirty="0">
+                        <a:effectLst/>
+                      </a:endParaRPr>
+                    </a:p>
+                  </a:txBody>
+                  <a:tcPr/>
+                </a:tc>
+                <a:tc>
+                  <a:txBody>
+                    <a:bodyPr/>
+                    <a:lstStyle/>
+                    <a:p>
+                      <a:pPr algn="ctr" fontAlgn="t"/>
+                      <a:r>
+                        <a:rPr lang="zh-CN" altLang="en-US" dirty="0" smtClean="0">
+                          <a:effectLst/>
+                        </a:rPr>
+                        <a:t>无心血管疾病</a:t>
+                      </a:r>
+                      <a:endParaRPr lang="en-US" dirty="0">
+                        <a:effectLst/>
+                      </a:endParaRPr>
+                    </a:p>
+                  </a:txBody>
+                  <a:tcPr/>
+                </a:tc>
+                <a:tc>
+                  <a:txBody>
+                    <a:bodyPr/>
+                    <a:lstStyle/>
+                    <a:p>
+                      <a:pPr algn="ctr" fontAlgn="t"/>
+                      <a:r>
+                        <a:rPr lang="zh-CN" altLang="en-US" dirty="0" smtClean="0">
+                          <a:effectLst/>
+                        </a:rPr>
+                        <a:t>有心血管疾病史</a:t>
+                      </a:r>
+                      <a:endParaRPr lang="en-US" dirty="0">
+                        <a:effectLst/>
+                      </a:endParaRPr>
+                    </a:p>
+                  </a:txBody>
+                  <a:tcPr/>
+                </a:tc>
+                <a:tc>
+                  <a:txBody>
+                    <a:bodyPr/>
+                    <a:lstStyle/>
+                    <a:p>
+                      <a:pPr algn="ctr" fontAlgn="t"/>
+                      <a:r>
+                        <a:rPr lang="zh-CN" altLang="en-US" dirty="0" smtClean="0">
+                          <a:effectLst/>
+                        </a:rPr>
+                        <a:t>总计</a:t>
+                      </a:r>
+                      <a:endParaRPr lang="en-US" dirty="0">
+                        <a:effectLst/>
+                      </a:endParaRPr>
+                    </a:p>
+                  </a:txBody>
+                  <a:tcPr/>
+                </a:tc>
+              </a:tr>
+              <a:tr h="370840">
+                <a:tc>
+                  <a:txBody>
+                    <a:bodyPr/>
+                    <a:lstStyle/>
+                    <a:p>
+                      <a:pPr fontAlgn="t"/>
+                      <a:r>
+                        <a:rPr lang="zh-CN" altLang="en-US" dirty="0" smtClean="0">
+                          <a:effectLst/>
+                        </a:rPr>
+                        <a:t>当前未吸烟</a:t>
+                      </a:r>
+                      <a:endParaRPr lang="en-US" dirty="0">
+                        <a:effectLst/>
+                      </a:endParaRPr>
+                    </a:p>
+                  </a:txBody>
+                  <a:tcPr/>
+                </a:tc>
+                <a:tc>
+                  <a:txBody>
+                    <a:bodyPr/>
+                    <a:lstStyle/>
+                    <a:p>
+                      <a:pPr algn="ctr" fontAlgn="t"/>
+                      <a:r>
+                        <a:rPr lang="en-US" altLang="zh-CN">
+                          <a:effectLst/>
+                        </a:rPr>
+                        <a:t>2,757</a:t>
+                      </a:r>
+                    </a:p>
+                  </a:txBody>
+                  <a:tcPr/>
+                </a:tc>
+                <a:tc>
+                  <a:txBody>
+                    <a:bodyPr/>
+                    <a:lstStyle/>
+                    <a:p>
+                      <a:pPr algn="ctr" fontAlgn="t"/>
+                      <a:r>
+                        <a:rPr lang="en-US" altLang="zh-CN">
+                          <a:effectLst/>
+                        </a:rPr>
+                        <a:t>298</a:t>
+                      </a:r>
+                    </a:p>
+                  </a:txBody>
+                  <a:tcPr/>
+                </a:tc>
+                <a:tc>
+                  <a:txBody>
+                    <a:bodyPr/>
+                    <a:lstStyle/>
+                    <a:p>
+                      <a:pPr algn="ctr" fontAlgn="t"/>
+                      <a:r>
+                        <a:rPr lang="en-US" altLang="zh-CN">
+                          <a:effectLst/>
+                        </a:rPr>
+                        <a:t>3,055</a:t>
+                      </a:r>
+                    </a:p>
+                  </a:txBody>
+                  <a:tcPr/>
+                </a:tc>
+              </a:tr>
+              <a:tr h="370840">
+                <a:tc>
+                  <a:txBody>
+                    <a:bodyPr/>
+                    <a:lstStyle/>
+                    <a:p>
+                      <a:pPr fontAlgn="t"/>
+                      <a:r>
+                        <a:rPr lang="zh-CN" altLang="en-US" dirty="0" smtClean="0">
+                          <a:effectLst/>
+                        </a:rPr>
+                        <a:t>正在吸烟</a:t>
+                      </a:r>
+                      <a:endParaRPr lang="en-US" dirty="0">
+                        <a:effectLst/>
+                      </a:endParaRPr>
+                    </a:p>
+                  </a:txBody>
+                  <a:tcPr/>
+                </a:tc>
+                <a:tc>
+                  <a:txBody>
+                    <a:bodyPr/>
+                    <a:lstStyle/>
+                    <a:p>
+                      <a:pPr algn="ctr" fontAlgn="t"/>
+                      <a:r>
+                        <a:rPr lang="en-US" altLang="zh-CN">
+                          <a:effectLst/>
+                        </a:rPr>
+                        <a:t>663</a:t>
+                      </a:r>
+                    </a:p>
+                  </a:txBody>
+                  <a:tcPr/>
+                </a:tc>
+                <a:tc>
+                  <a:txBody>
+                    <a:bodyPr/>
+                    <a:lstStyle/>
+                    <a:p>
+                      <a:pPr algn="ctr" fontAlgn="t"/>
+                      <a:r>
+                        <a:rPr lang="en-US" altLang="zh-CN">
+                          <a:effectLst/>
+                        </a:rPr>
+                        <a:t>81</a:t>
+                      </a:r>
+                    </a:p>
+                  </a:txBody>
+                  <a:tcPr/>
+                </a:tc>
+                <a:tc>
+                  <a:txBody>
+                    <a:bodyPr/>
+                    <a:lstStyle/>
+                    <a:p>
+                      <a:pPr algn="ctr" fontAlgn="t"/>
+                      <a:r>
+                        <a:rPr lang="en-US" altLang="zh-CN">
+                          <a:effectLst/>
+                        </a:rPr>
+                        <a:t>744</a:t>
+                      </a:r>
+                    </a:p>
+                  </a:txBody>
+                  <a:tcPr/>
+                </a:tc>
+              </a:tr>
+              <a:tr h="370840">
+                <a:tc>
+                  <a:txBody>
+                    <a:bodyPr/>
+                    <a:lstStyle/>
+                    <a:p>
+                      <a:pPr fontAlgn="t"/>
+                      <a:r>
+                        <a:rPr lang="zh-CN" altLang="en-US" dirty="0" smtClean="0">
+                          <a:effectLst/>
+                        </a:rPr>
+                        <a:t>总计</a:t>
+                      </a:r>
+                      <a:endParaRPr lang="en-US" dirty="0">
+                        <a:effectLst/>
+                      </a:endParaRPr>
+                    </a:p>
+                  </a:txBody>
+                  <a:tcPr/>
+                </a:tc>
+                <a:tc>
+                  <a:txBody>
+                    <a:bodyPr/>
+                    <a:lstStyle/>
+                    <a:p>
+                      <a:pPr algn="ctr" fontAlgn="t"/>
+                      <a:r>
+                        <a:rPr lang="en-US" altLang="zh-CN" dirty="0">
+                          <a:effectLst/>
+                        </a:rPr>
+                        <a:t>3,420</a:t>
+                      </a:r>
+                    </a:p>
+                  </a:txBody>
+                  <a:tcPr/>
+                </a:tc>
+                <a:tc>
+                  <a:txBody>
+                    <a:bodyPr/>
+                    <a:lstStyle/>
+                    <a:p>
+                      <a:pPr algn="ctr" fontAlgn="t"/>
+                      <a:r>
+                        <a:rPr lang="en-US" altLang="zh-CN">
+                          <a:effectLst/>
+                        </a:rPr>
+                        <a:t>379</a:t>
+                      </a:r>
+                    </a:p>
+                  </a:txBody>
+                  <a:tcPr/>
+                </a:tc>
+                <a:tc>
+                  <a:txBody>
+                    <a:bodyPr/>
+                    <a:lstStyle/>
+                    <a:p>
+                      <a:pPr algn="ctr" fontAlgn="t"/>
+                      <a:r>
+                        <a:rPr lang="en-US" altLang="zh-CN" dirty="0" smtClean="0">
+                          <a:effectLst/>
+                        </a:rPr>
+                        <a:t>3,799</a:t>
+                      </a:r>
+                      <a:endParaRPr lang="en-US" altLang="zh-CN" dirty="0">
+                        <a:effectLst/>
+                      </a:endParaRPr>
+                    </a:p>
+                  </a:txBody>
+                  <a:tcPr/>
+                </a:tc>
+              </a:tr>
+            </a:tbl>
+          </a:graphicData>
+        </a:graphic>
+      </p:graphicFrame>
+      <p:sp>
+        <p:nvSpPr>
+          <p:cNvPr id="5" name="矩形 4"/>
+          <p:cNvSpPr/>
+          <p:nvPr/>
+        </p:nvSpPr>
+        <p:spPr>
+          <a:xfrm>
+            <a:off x="1609818" y="4573822"/>
+            <a:ext cx="6096000" cy="2246769"/>
+          </a:xfrm>
+          <a:prstGeom prst="rect">
+            <a:avLst/>
+          </a:prstGeom>
+        </p:spPr>
+        <p:txBody>
+          <a:bodyPr>
+            <a:spAutoFit/>
+          </a:bodyPr>
+          <a:lstStyle/>
+          <a:p>
+            <a:pPr marL="514350" indent="-514350">
+              <a:buFont typeface="+mj-lt"/>
+              <a:buAutoNum type="arabicPeriod"/>
+            </a:pPr>
+            <a:r>
+              <a:rPr lang="zh-CN" altLang="en-US" sz="2800" dirty="0" smtClean="0"/>
+              <a:t>决定假设以及检验水平</a:t>
+            </a:r>
+            <a:endParaRPr lang="en-US" altLang="zh-CN" sz="2800" dirty="0" smtClean="0"/>
+          </a:p>
+          <a:p>
+            <a:pPr marL="514350" indent="-514350">
+              <a:buFont typeface="+mj-lt"/>
+              <a:buAutoNum type="arabicPeriod"/>
+            </a:pPr>
+            <a:r>
+              <a:rPr lang="zh-CN" altLang="en-US" sz="2800" dirty="0" smtClean="0"/>
+              <a:t>选择恰当的统计量</a:t>
+            </a:r>
+            <a:endParaRPr lang="en-US" altLang="zh-CN" sz="2800" dirty="0" smtClean="0"/>
+          </a:p>
+          <a:p>
+            <a:pPr marL="514350" indent="-514350">
+              <a:buFont typeface="+mj-lt"/>
+              <a:buAutoNum type="arabicPeriod"/>
+            </a:pPr>
+            <a:r>
+              <a:rPr lang="zh-CN" altLang="en-US" sz="2800" dirty="0" smtClean="0"/>
+              <a:t>决定判定标准</a:t>
+            </a:r>
+            <a:endParaRPr lang="en-US" altLang="zh-CN" sz="2800" dirty="0" smtClean="0"/>
+          </a:p>
+          <a:p>
+            <a:pPr marL="514350" indent="-514350">
+              <a:buFont typeface="+mj-lt"/>
+              <a:buAutoNum type="arabicPeriod"/>
+            </a:pPr>
+            <a:r>
+              <a:rPr lang="zh-CN" altLang="en-US" sz="2800" dirty="0" smtClean="0"/>
+              <a:t>计算统计量</a:t>
+            </a:r>
+            <a:endParaRPr lang="en-US" altLang="zh-CN" sz="2800" dirty="0" smtClean="0"/>
+          </a:p>
+          <a:p>
+            <a:pPr marL="514350" indent="-514350">
+              <a:buFont typeface="+mj-lt"/>
+              <a:buAutoNum type="arabicPeriod"/>
+            </a:pPr>
+            <a:r>
+              <a:rPr lang="zh-CN" altLang="en-US" sz="2800" dirty="0" smtClean="0"/>
+              <a:t>给出结论</a:t>
+            </a:r>
+            <a:endParaRPr lang="en-US" altLang="zh-CN" sz="2800" dirty="0" smtClean="0"/>
+          </a:p>
+        </p:txBody>
+      </p:sp>
+    </p:spTree>
+    <p:extLst>
+      <p:ext uri="{BB962C8B-B14F-4D97-AF65-F5344CB8AC3E}">
+        <p14:creationId xmlns:p14="http://schemas.microsoft.com/office/powerpoint/2010/main" val="1234635518"/>
+      </p:ext>
+    </p:extLst>
+  </p:cSld>
+  <p:clrMapOvr>
+    <a:masterClrMapping/>
+  </p:clrMapOvr>
+  <p:timing>
+    <p:tnLst>
+      <p:par>
+        <p:cTn id="1" dur="indefinite" restart="never" nodeType="tmRoot"/>
+      </p:par>
+    </p:tnLst>
+  </p:timing>
+</p:sld>
+</file>
+
+<file path=ppt/slides/slide23.xml><?xml version="1.0" encoding="utf-8"?>
+<p:sld xmlns:a="http://schemas.openxmlformats.org/drawingml/2006/main" xmlns:r="http://schemas.openxmlformats.org/officeDocument/2006/relationships" xmlns:p="http://schemas.openxmlformats.org/presentationml/2006/main">
+  <p:cSld>
+    <p:spTree>
+      <p:nvGrpSpPr>
+        <p:cNvPr id="1" name=""/>
+        <p:cNvGrpSpPr/>
+        <p:nvPr/>
+      </p:nvGrpSpPr>
+      <p:grpSpPr>
+        <a:xfrm>
+          <a:off x="0" y="0"/>
+          <a:ext cx="0" cy="0"/>
+          <a:chOff x="0" y="0"/>
+          <a:chExt cx="0" cy="0"/>
+        </a:xfrm>
+      </p:grpSpPr>
+      <p:sp>
+        <p:nvSpPr>
+          <p:cNvPr id="2" name="标题 1"/>
+          <p:cNvSpPr>
+            <a:spLocks noGrp="1"/>
+          </p:cNvSpPr>
+          <p:nvPr>
+            <p:ph type="title"/>
+          </p:nvPr>
+        </p:nvSpPr>
+        <p:spPr/>
+        <p:txBody>
+          <a:bodyPr/>
+          <a:lstStyle/>
+          <a:p>
+            <a:r>
+              <a:rPr lang="zh-CN" altLang="en-US" dirty="0"/>
+              <a:t>决定假设以及检验水平</a:t>
+            </a:r>
+            <a:r>
+              <a:rPr lang="en-US" altLang="zh-CN" dirty="0"/>
+              <a:t/>
+            </a:r>
+            <a:br>
+              <a:rPr lang="en-US" altLang="zh-CN" dirty="0"/>
+            </a:br>
+            <a:endParaRPr lang="zh-CN" altLang="en-US" dirty="0"/>
+          </a:p>
+        </p:txBody>
+      </p:sp>
+      <p:sp>
+        <p:nvSpPr>
+          <p:cNvPr id="3" name="内容占位符 2"/>
+          <p:cNvSpPr>
+            <a:spLocks noGrp="1"/>
+          </p:cNvSpPr>
+          <p:nvPr>
+            <p:ph idx="1"/>
+          </p:nvPr>
+        </p:nvSpPr>
+        <p:spPr>
+          <a:xfrm>
+            <a:off x="1371600" y="1731086"/>
+            <a:ext cx="9601200" cy="961314"/>
+          </a:xfrm>
+        </p:spPr>
+        <p:txBody>
+          <a:bodyPr/>
+          <a:lstStyle/>
+          <a:p>
+            <a:r>
+              <a:rPr lang="pt-BR" altLang="zh-CN" dirty="0"/>
+              <a:t>H</a:t>
+            </a:r>
+            <a:r>
+              <a:rPr lang="pt-BR" altLang="zh-CN" baseline="-25000" dirty="0"/>
+              <a:t>0</a:t>
+            </a:r>
+            <a:r>
+              <a:rPr lang="pt-BR" altLang="zh-CN" dirty="0"/>
+              <a:t>: p</a:t>
+            </a:r>
+            <a:r>
+              <a:rPr lang="pt-BR" altLang="zh-CN" baseline="-25000" dirty="0"/>
+              <a:t>1</a:t>
+            </a:r>
+            <a:r>
+              <a:rPr lang="pt-BR" altLang="zh-CN" dirty="0"/>
+              <a:t> = p</a:t>
+            </a:r>
+            <a:r>
+              <a:rPr lang="pt-BR" altLang="zh-CN" baseline="-25000" dirty="0"/>
+              <a:t>2</a:t>
+            </a:r>
+            <a:r>
+              <a:rPr lang="pt-BR" altLang="zh-CN" dirty="0"/>
+              <a:t>     H</a:t>
+            </a:r>
+            <a:r>
+              <a:rPr lang="pt-BR" altLang="zh-CN" baseline="-25000" dirty="0"/>
+              <a:t>1</a:t>
+            </a:r>
+            <a:r>
+              <a:rPr lang="pt-BR" altLang="zh-CN" dirty="0"/>
+              <a:t>: p</a:t>
+            </a:r>
+            <a:r>
+              <a:rPr lang="pt-BR" altLang="zh-CN" baseline="-25000" dirty="0"/>
+              <a:t>1</a:t>
+            </a:r>
+            <a:r>
+              <a:rPr lang="pt-BR" altLang="zh-CN" dirty="0"/>
+              <a:t> ≠ p</a:t>
+            </a:r>
+            <a:r>
+              <a:rPr lang="pt-BR" altLang="zh-CN" baseline="-25000" dirty="0"/>
+              <a:t>2</a:t>
+            </a:r>
+            <a:r>
+              <a:rPr lang="pt-BR" altLang="zh-CN" dirty="0"/>
+              <a:t>                 α=0.05</a:t>
+            </a:r>
+            <a:endParaRPr lang="zh-CN" altLang="en-US" dirty="0"/>
+          </a:p>
+        </p:txBody>
+      </p:sp>
+    </p:spTree>
+    <p:extLst>
+      <p:ext uri="{BB962C8B-B14F-4D97-AF65-F5344CB8AC3E}">
+        <p14:creationId xmlns:p14="http://schemas.microsoft.com/office/powerpoint/2010/main" val="1330859857"/>
+      </p:ext>
+    </p:extLst>
+  </p:cSld>
+  <p:clrMapOvr>
+    <a:masterClrMapping/>
+  </p:clrMapOvr>
+  <p:timing>
+    <p:tnLst>
+      <p:par>
+        <p:cTn id="1" dur="indefinite" restart="never" nodeType="tmRoot"/>
+      </p:par>
+    </p:tnLst>
+  </p:timing>
+</p:sld>
+</file>
+
+<file path=ppt/slides/slide24.xml><?xml version="1.0" encoding="utf-8"?>
+<p:sld xmlns:a="http://schemas.openxmlformats.org/drawingml/2006/main" xmlns:r="http://schemas.openxmlformats.org/officeDocument/2006/relationships" xmlns:p="http://schemas.openxmlformats.org/presentationml/2006/main">
+  <p:cSld>
+    <p:spTree>
+      <p:nvGrpSpPr>
+        <p:cNvPr id="1" name=""/>
+        <p:cNvGrpSpPr/>
+        <p:nvPr/>
+      </p:nvGrpSpPr>
+      <p:grpSpPr>
+        <a:xfrm>
+          <a:off x="0" y="0"/>
+          <a:ext cx="0" cy="0"/>
+          <a:chOff x="0" y="0"/>
+          <a:chExt cx="0" cy="0"/>
+        </a:xfrm>
+      </p:grpSpPr>
+      <p:sp>
+        <p:nvSpPr>
+          <p:cNvPr id="2" name="标题 1"/>
+          <p:cNvSpPr>
+            <a:spLocks noGrp="1"/>
+          </p:cNvSpPr>
+          <p:nvPr>
+            <p:ph type="title"/>
+          </p:nvPr>
+        </p:nvSpPr>
+        <p:spPr/>
+        <p:txBody>
+          <a:bodyPr/>
+          <a:lstStyle/>
+          <a:p>
+            <a:r>
+              <a:rPr lang="zh-CN" altLang="en-US" dirty="0"/>
+              <a:t>选择恰当的统计量</a:t>
+            </a:r>
+            <a:r>
+              <a:rPr lang="en-US" altLang="zh-CN" dirty="0"/>
+              <a:t/>
+            </a:r>
+            <a:br>
+              <a:rPr lang="en-US" altLang="zh-CN" dirty="0"/>
+            </a:br>
+            <a:endParaRPr lang="zh-CN" altLang="en-US" dirty="0"/>
+          </a:p>
+        </p:txBody>
+      </p:sp>
+      <p:sp>
+        <p:nvSpPr>
+          <p:cNvPr id="3" name="内容占位符 2"/>
+          <p:cNvSpPr>
+            <a:spLocks noGrp="1"/>
+          </p:cNvSpPr>
+          <p:nvPr>
+            <p:ph idx="1"/>
+          </p:nvPr>
+        </p:nvSpPr>
+        <p:spPr/>
+        <p:txBody>
+          <a:bodyPr/>
+          <a:lstStyle/>
+          <a:p>
+            <a:r>
+              <a:rPr lang="zh-CN" altLang="en-US" dirty="0" smtClean="0"/>
+              <a:t>首先明确这个问题是否适合做正态近似，所以</a:t>
+            </a:r>
+            <a:r>
+              <a:rPr lang="en-US" altLang="zh-CN" dirty="0" smtClean="0"/>
+              <a:t>4</a:t>
+            </a:r>
+            <a:r>
+              <a:rPr lang="zh-CN" altLang="en-US" dirty="0" smtClean="0"/>
+              <a:t>个格子里面至少都应该大于</a:t>
+            </a:r>
+            <a:r>
+              <a:rPr lang="en-US" altLang="zh-CN" dirty="0" smtClean="0"/>
+              <a:t>10</a:t>
+            </a:r>
+          </a:p>
+          <a:p>
+            <a:r>
+              <a:rPr lang="zh-CN" altLang="en-US" dirty="0" smtClean="0"/>
+              <a:t>所以可以作正态近似，使用</a:t>
+            </a:r>
+            <a:r>
+              <a:rPr lang="en-US" altLang="zh-CN" dirty="0" smtClean="0"/>
+              <a:t>z</a:t>
+            </a:r>
+            <a:r>
+              <a:rPr lang="zh-CN" altLang="en-US" dirty="0" smtClean="0"/>
+              <a:t>值作为统计量</a:t>
+            </a:r>
+            <a:endParaRPr lang="zh-CN" altLang="en-US" dirty="0"/>
+          </a:p>
+        </p:txBody>
+      </p:sp>
+      <p:pic>
+        <p:nvPicPr>
+          <p:cNvPr id="4" name="图片 3"/>
+          <p:cNvPicPr>
+            <a:picLocks noChangeAspect="1"/>
+          </p:cNvPicPr>
+          <p:nvPr/>
+        </p:nvPicPr>
+        <p:blipFill>
+          <a:blip r:embed="rId2"/>
+          <a:stretch>
+            <a:fillRect/>
+          </a:stretch>
+        </p:blipFill>
+        <p:spPr>
+          <a:xfrm>
+            <a:off x="1883833" y="3881967"/>
+            <a:ext cx="2057400" cy="990600"/>
+          </a:xfrm>
+          <a:prstGeom prst="rect">
+            <a:avLst/>
+          </a:prstGeom>
+        </p:spPr>
+      </p:pic>
+    </p:spTree>
+    <p:extLst>
+      <p:ext uri="{BB962C8B-B14F-4D97-AF65-F5344CB8AC3E}">
+        <p14:creationId xmlns:p14="http://schemas.microsoft.com/office/powerpoint/2010/main" val="1340452685"/>
+      </p:ext>
+    </p:extLst>
+  </p:cSld>
+  <p:clrMapOvr>
+    <a:masterClrMapping/>
+  </p:clrMapOvr>
+  <p:timing>
+    <p:tnLst>
+      <p:par>
+        <p:cTn id="1" dur="indefinite" restart="never" nodeType="tmRoot"/>
+      </p:par>
+    </p:tnLst>
+  </p:timing>
+</p:sld>
+</file>
+
+<file path=ppt/slides/slide25.xml><?xml version="1.0" encoding="utf-8"?>
+<p:sld xmlns:a="http://schemas.openxmlformats.org/drawingml/2006/main" xmlns:r="http://schemas.openxmlformats.org/officeDocument/2006/relationships" xmlns:p="http://schemas.openxmlformats.org/presentationml/2006/main">
+  <p:cSld>
+    <p:spTree>
+      <p:nvGrpSpPr>
+        <p:cNvPr id="1" name=""/>
+        <p:cNvGrpSpPr/>
+        <p:nvPr/>
+      </p:nvGrpSpPr>
+      <p:grpSpPr>
+        <a:xfrm>
+          <a:off x="0" y="0"/>
+          <a:ext cx="0" cy="0"/>
+          <a:chOff x="0" y="0"/>
+          <a:chExt cx="0" cy="0"/>
+        </a:xfrm>
+      </p:grpSpPr>
+      <p:sp>
+        <p:nvSpPr>
+          <p:cNvPr id="2" name="标题 1"/>
+          <p:cNvSpPr>
+            <a:spLocks noGrp="1"/>
+          </p:cNvSpPr>
+          <p:nvPr>
+            <p:ph type="title"/>
+          </p:nvPr>
+        </p:nvSpPr>
+        <p:spPr/>
+        <p:txBody>
+          <a:bodyPr/>
+          <a:lstStyle/>
+          <a:p>
+            <a:r>
+              <a:rPr lang="zh-CN" altLang="en-US" dirty="0"/>
+              <a:t>决定判定</a:t>
+            </a:r>
+            <a:r>
+              <a:rPr lang="zh-CN" altLang="en-US" dirty="0" smtClean="0"/>
+              <a:t>标准</a:t>
+            </a:r>
+            <a:endParaRPr lang="zh-CN" altLang="en-US" dirty="0"/>
+          </a:p>
+        </p:txBody>
+      </p:sp>
+      <p:sp>
+        <p:nvSpPr>
+          <p:cNvPr id="3" name="内容占位符 2"/>
+          <p:cNvSpPr>
+            <a:spLocks noGrp="1"/>
+          </p:cNvSpPr>
+          <p:nvPr>
+            <p:ph idx="1"/>
+          </p:nvPr>
+        </p:nvSpPr>
+        <p:spPr/>
+        <p:txBody>
+          <a:bodyPr/>
+          <a:lstStyle/>
+          <a:p>
+            <a:r>
+              <a:rPr lang="zh-CN" altLang="en-US" dirty="0" smtClean="0"/>
+              <a:t>采用双侧检验，</a:t>
+            </a:r>
+            <a:r>
+              <a:rPr lang="en-US" altLang="zh-CN" dirty="0"/>
+              <a:t>Z </a:t>
+            </a:r>
+            <a:r>
+              <a:rPr lang="en-US" altLang="zh-CN" u="sng" dirty="0"/>
+              <a:t>&lt;</a:t>
+            </a:r>
+            <a:r>
+              <a:rPr lang="en-US" altLang="zh-CN" dirty="0"/>
+              <a:t> -1.960 </a:t>
+            </a:r>
+            <a:r>
+              <a:rPr lang="zh-CN" altLang="en-US" dirty="0" smtClean="0"/>
+              <a:t>或</a:t>
+            </a:r>
+            <a:r>
+              <a:rPr lang="en-US" altLang="zh-CN" dirty="0" smtClean="0"/>
+              <a:t> </a:t>
+            </a:r>
+            <a:r>
+              <a:rPr lang="en-US" altLang="zh-CN" dirty="0"/>
+              <a:t>Z </a:t>
+            </a:r>
+            <a:r>
+              <a:rPr lang="en-US" altLang="zh-CN" u="sng" dirty="0"/>
+              <a:t>&gt;</a:t>
+            </a:r>
+            <a:r>
+              <a:rPr lang="en-US" altLang="zh-CN" dirty="0"/>
+              <a:t> </a:t>
+            </a:r>
+            <a:r>
+              <a:rPr lang="en-US" altLang="zh-CN" dirty="0" smtClean="0"/>
+              <a:t>1.960</a:t>
+            </a:r>
+            <a:r>
+              <a:rPr lang="zh-CN" altLang="en-US" dirty="0" smtClean="0"/>
+              <a:t>的时候拒绝</a:t>
+            </a:r>
+            <a:r>
+              <a:rPr lang="en-US" altLang="zh-CN" dirty="0" smtClean="0"/>
+              <a:t>H0</a:t>
+            </a:r>
+          </a:p>
+        </p:txBody>
+      </p:sp>
+    </p:spTree>
+    <p:extLst>
+      <p:ext uri="{BB962C8B-B14F-4D97-AF65-F5344CB8AC3E}">
+        <p14:creationId xmlns:p14="http://schemas.microsoft.com/office/powerpoint/2010/main" val="2609849966"/>
+      </p:ext>
+    </p:extLst>
+  </p:cSld>
+  <p:clrMapOvr>
+    <a:masterClrMapping/>
+  </p:clrMapOvr>
+  <p:timing>
+    <p:tnLst>
+      <p:par>
+        <p:cTn id="1" dur="indefinite" restart="never" nodeType="tmRoot"/>
+      </p:par>
+    </p:tnLst>
+  </p:timing>
+</p:sld>
+</file>
+
+<file path=ppt/slides/slide26.xml><?xml version="1.0" encoding="utf-8"?>
+<p:sld xmlns:a="http://schemas.openxmlformats.org/drawingml/2006/main" xmlns:r="http://schemas.openxmlformats.org/officeDocument/2006/relationships" xmlns:p="http://schemas.openxmlformats.org/presentationml/2006/main">
+  <p:cSld>
+    <p:spTree>
+      <p:nvGrpSpPr>
+        <p:cNvPr id="1" name=""/>
+        <p:cNvGrpSpPr/>
+        <p:nvPr/>
+      </p:nvGrpSpPr>
+      <p:grpSpPr>
+        <a:xfrm>
+          <a:off x="0" y="0"/>
+          <a:ext cx="0" cy="0"/>
+          <a:chOff x="0" y="0"/>
+          <a:chExt cx="0" cy="0"/>
+        </a:xfrm>
+      </p:grpSpPr>
+      <p:sp>
+        <p:nvSpPr>
+          <p:cNvPr id="2" name="标题 1"/>
+          <p:cNvSpPr>
+            <a:spLocks noGrp="1"/>
+          </p:cNvSpPr>
+          <p:nvPr>
+            <p:ph type="title"/>
+          </p:nvPr>
+        </p:nvSpPr>
+        <p:spPr/>
+        <p:txBody>
+          <a:bodyPr/>
+          <a:lstStyle/>
+          <a:p>
+            <a:r>
+              <a:rPr lang="zh-CN" altLang="en-US" dirty="0"/>
+              <a:t>计算</a:t>
+            </a:r>
+            <a:r>
+              <a:rPr lang="zh-CN" altLang="en-US" dirty="0" smtClean="0"/>
+              <a:t>统计量</a:t>
+            </a:r>
+            <a:endParaRPr lang="zh-CN" altLang="en-US" dirty="0"/>
+          </a:p>
+        </p:txBody>
+      </p:sp>
+      <p:sp>
+        <p:nvSpPr>
+          <p:cNvPr id="3" name="内容占位符 2"/>
+          <p:cNvSpPr>
+            <a:spLocks noGrp="1"/>
+          </p:cNvSpPr>
+          <p:nvPr>
+            <p:ph idx="1"/>
+          </p:nvPr>
+        </p:nvSpPr>
+        <p:spPr/>
+        <p:txBody>
+          <a:bodyPr/>
+          <a:lstStyle/>
+          <a:p>
+            <a:endParaRPr lang="zh-CN" altLang="en-US"/>
+          </a:p>
+        </p:txBody>
+      </p:sp>
+      <p:pic>
+        <p:nvPicPr>
+          <p:cNvPr id="5" name="图片 4"/>
+          <p:cNvPicPr>
+            <a:picLocks noChangeAspect="1"/>
+          </p:cNvPicPr>
+          <p:nvPr/>
+        </p:nvPicPr>
+        <p:blipFill>
+          <a:blip r:embed="rId2"/>
+          <a:stretch>
+            <a:fillRect/>
+          </a:stretch>
+        </p:blipFill>
+        <p:spPr>
+          <a:xfrm>
+            <a:off x="1816100" y="2606486"/>
+            <a:ext cx="3314700" cy="523875"/>
+          </a:xfrm>
+          <a:prstGeom prst="rect">
+            <a:avLst/>
+          </a:prstGeom>
+        </p:spPr>
+      </p:pic>
+      <p:pic>
+        <p:nvPicPr>
+          <p:cNvPr id="6" name="图片 5"/>
+          <p:cNvPicPr>
+            <a:picLocks noChangeAspect="1"/>
+          </p:cNvPicPr>
+          <p:nvPr/>
+        </p:nvPicPr>
+        <p:blipFill>
+          <a:blip r:embed="rId3"/>
+          <a:stretch>
+            <a:fillRect/>
+          </a:stretch>
+        </p:blipFill>
+        <p:spPr>
+          <a:xfrm>
+            <a:off x="1816100" y="3440642"/>
+            <a:ext cx="5534025" cy="1009650"/>
+          </a:xfrm>
+          <a:prstGeom prst="rect">
+            <a:avLst/>
+          </a:prstGeom>
+        </p:spPr>
+      </p:pic>
+    </p:spTree>
+    <p:extLst>
+      <p:ext uri="{BB962C8B-B14F-4D97-AF65-F5344CB8AC3E}">
+        <p14:creationId xmlns:p14="http://schemas.microsoft.com/office/powerpoint/2010/main" val="2744175393"/>
+      </p:ext>
+    </p:extLst>
+  </p:cSld>
+  <p:clrMapOvr>
+    <a:masterClrMapping/>
+  </p:clrMapOvr>
+  <p:timing>
+    <p:tnLst>
+      <p:par>
+        <p:cTn id="1" dur="indefinite" restart="never" nodeType="tmRoot">
+          <p:childTnLst>
+            <p:seq concurrent="1" nextAc="seek">
+              <p:cTn id="2" dur="indefinite" nodeType="mainSeq">
+                <p:childTnLst>
+                  <p:par>
+                    <p:cTn id="3" fill="hold">
+                      <p:stCondLst>
+                        <p:cond delay="indefinite"/>
+                      </p:stCondLst>
+                      <p:childTnLst>
+                        <p:par>
+                          <p:cTn id="4" fill="hold">
+                            <p:stCondLst>
+                              <p:cond delay="0"/>
+                            </p:stCondLst>
+                            <p:childTnLst>
+                              <p:par>
+                                <p:cTn id="5" presetID="1" presetClass="entr" presetSubtype="0" fill="hold" nodeType="clickEffect">
+                                  <p:stCondLst>
+                                    <p:cond delay="0"/>
+                                  </p:stCondLst>
+                                  <p:childTnLst>
+                                    <p:set>
+                                      <p:cBhvr>
+                                        <p:cTn id="6" dur="1" fill="hold">
+                                          <p:stCondLst>
+                                            <p:cond delay="0"/>
+                                          </p:stCondLst>
+                                        </p:cTn>
+                                        <p:tgtEl>
+                                          <p:spTgt spid="5"/>
+                                        </p:tgtEl>
+                                        <p:attrNameLst>
+                                          <p:attrName>style.visibility</p:attrName>
+                                        </p:attrNameLst>
+                                      </p:cBhvr>
+                                      <p:to>
+                                        <p:strVal val="visible"/>
+                                      </p:to>
+                                    </p:set>
+                                  </p:childTnLst>
+                                </p:cTn>
+                              </p:par>
+                            </p:childTnLst>
+                          </p:cTn>
+                        </p:par>
+                      </p:childTnLst>
+                    </p:cTn>
+                  </p:par>
+                  <p:par>
+                    <p:cTn id="7" fill="hold">
+                      <p:stCondLst>
+                        <p:cond delay="indefinite"/>
+                      </p:stCondLst>
+                      <p:childTnLst>
+                        <p:par>
+                          <p:cTn id="8" fill="hold">
+                            <p:stCondLst>
+                              <p:cond delay="0"/>
+                            </p:stCondLst>
+                            <p:childTnLst>
+                              <p:par>
+                                <p:cTn id="9" presetID="1" presetClass="entr" presetSubtype="0" fill="hold" nodeType="clickEffect">
+                                  <p:stCondLst>
+                                    <p:cond delay="0"/>
+                                  </p:stCondLst>
+                                  <p:childTnLst>
+                                    <p:set>
+                                      <p:cBhvr>
+                                        <p:cTn id="10" dur="1" fill="hold">
+                                          <p:stCondLst>
+                                            <p:cond delay="0"/>
+                                          </p:stCondLst>
+                                        </p:cTn>
+                                        <p:tgtEl>
+                                          <p:spTgt spid="6"/>
+                                        </p:tgtEl>
+                                        <p:attrNameLst>
+                                          <p:attrName>style.visibility</p:attrName>
+                                        </p:attrNameLst>
+                                      </p:cBhvr>
+                                      <p:to>
+                                        <p:strVal val="visible"/>
+                                      </p:to>
+                                    </p:set>
+                                  </p:childTnLst>
+                                </p:cTn>
+                              </p:par>
+                            </p:childTnLst>
+                          </p:cTn>
+                        </p:par>
+                      </p:childTnLst>
+                    </p:cTn>
+                  </p:par>
+                </p:childTnLst>
+              </p:cTn>
+              <p:prevCondLst>
+                <p:cond evt="onPrev" delay="0">
+                  <p:tgtEl>
+                    <p:sldTgt/>
+                  </p:tgtEl>
+                </p:cond>
+              </p:prevCondLst>
+              <p:nextCondLst>
+                <p:cond evt="onNext" delay="0">
+                  <p:tgtEl>
+                    <p:sldTgt/>
+                  </p:tgtEl>
+                </p:cond>
+              </p:nextCondLst>
+            </p:seq>
+          </p:childTnLst>
+        </p:cTn>
+      </p:par>
+    </p:tnLst>
+  </p:timing>
+</p:sld>
+</file>
+
+<file path=ppt/slides/slide27.xml><?xml version="1.0" encoding="utf-8"?>
+<p:sld xmlns:a="http://schemas.openxmlformats.org/drawingml/2006/main" xmlns:r="http://schemas.openxmlformats.org/officeDocument/2006/relationships" xmlns:p="http://schemas.openxmlformats.org/presentationml/2006/main">
+  <p:cSld>
+    <p:spTree>
+      <p:nvGrpSpPr>
+        <p:cNvPr id="1" name=""/>
+        <p:cNvGrpSpPr/>
+        <p:nvPr/>
+      </p:nvGrpSpPr>
+      <p:grpSpPr>
+        <a:xfrm>
+          <a:off x="0" y="0"/>
+          <a:ext cx="0" cy="0"/>
+          <a:chOff x="0" y="0"/>
+          <a:chExt cx="0" cy="0"/>
+        </a:xfrm>
+      </p:grpSpPr>
+      <p:sp>
+        <p:nvSpPr>
+          <p:cNvPr id="2" name="标题 1"/>
+          <p:cNvSpPr>
+            <a:spLocks noGrp="1"/>
+          </p:cNvSpPr>
+          <p:nvPr>
+            <p:ph type="title"/>
+          </p:nvPr>
+        </p:nvSpPr>
+        <p:spPr/>
+        <p:txBody>
+          <a:bodyPr/>
+          <a:lstStyle/>
+          <a:p>
+            <a:r>
+              <a:rPr lang="zh-CN" altLang="en-US" dirty="0" smtClean="0"/>
+              <a:t>给出结论</a:t>
+            </a:r>
+            <a:endParaRPr lang="zh-CN" altLang="en-US" dirty="0"/>
+          </a:p>
+        </p:txBody>
+      </p:sp>
+      <p:sp>
+        <p:nvSpPr>
+          <p:cNvPr id="3" name="内容占位符 2"/>
+          <p:cNvSpPr>
+            <a:spLocks noGrp="1"/>
+          </p:cNvSpPr>
+          <p:nvPr>
+            <p:ph idx="1"/>
+          </p:nvPr>
+        </p:nvSpPr>
+        <p:spPr/>
+        <p:txBody>
+          <a:bodyPr/>
+          <a:lstStyle/>
+          <a:p>
+            <a:r>
+              <a:rPr lang="zh-CN" altLang="en-US" dirty="0" smtClean="0"/>
+              <a:t>因为</a:t>
+            </a:r>
+            <a:r>
+              <a:rPr lang="en-US" altLang="zh-CN" dirty="0"/>
+              <a:t>-1.960 &lt; 0.927 &lt; </a:t>
+            </a:r>
+            <a:r>
+              <a:rPr lang="en-US" altLang="zh-CN" dirty="0" smtClean="0"/>
+              <a:t>1.960</a:t>
+            </a:r>
+            <a:r>
+              <a:rPr lang="zh-CN" altLang="en-US" dirty="0" smtClean="0"/>
+              <a:t>所以我们不能拒绝</a:t>
+            </a:r>
+            <a:r>
+              <a:rPr lang="en-US" altLang="zh-CN" dirty="0" smtClean="0"/>
+              <a:t>H0</a:t>
+            </a:r>
+            <a:r>
+              <a:rPr lang="zh-CN" altLang="en-US" dirty="0" smtClean="0"/>
+              <a:t>，现在的结果让我们无法在</a:t>
+            </a:r>
+            <a:r>
+              <a:rPr lang="en-US" altLang="zh-CN" dirty="0" smtClean="0"/>
+              <a:t>0.05</a:t>
+            </a:r>
+            <a:r>
+              <a:rPr lang="zh-CN" altLang="en-US" dirty="0" smtClean="0"/>
+              <a:t>的检验水平认为吸烟和非吸烟人群心血管疾病患病率存在差别。</a:t>
+            </a:r>
+            <a:endParaRPr lang="en-US" altLang="zh-CN" dirty="0" smtClean="0"/>
+          </a:p>
+          <a:p>
+            <a:r>
+              <a:rPr lang="zh-CN" altLang="en-US" dirty="0" smtClean="0"/>
+              <a:t>吸烟确实是心血管疾病的危险因素，那为什么我们的结果会是这样的呢？</a:t>
+            </a:r>
+            <a:endParaRPr lang="zh-CN" altLang="en-US" dirty="0"/>
+          </a:p>
+        </p:txBody>
+      </p:sp>
+    </p:spTree>
+    <p:extLst>
+      <p:ext uri="{BB962C8B-B14F-4D97-AF65-F5344CB8AC3E}">
+        <p14:creationId xmlns:p14="http://schemas.microsoft.com/office/powerpoint/2010/main" val="1682673261"/>
+      </p:ext>
+    </p:extLst>
+  </p:cSld>
+  <p:clrMapOvr>
+    <a:masterClrMapping/>
+  </p:clrMapOvr>
+  <p:timing>
+    <p:tnLst>
+      <p:par>
+        <p:cTn id="1" dur="indefinite" restart="never" nodeType="tmRoot"/>
+      </p:par>
+    </p:tnLst>
+  </p:timing>
+</p:sld>
+</file>
+
+<file path=ppt/slides/slide28.xml><?xml version="1.0" encoding="utf-8"?>
+<p:sld xmlns:a="http://schemas.openxmlformats.org/drawingml/2006/main" xmlns:r="http://schemas.openxmlformats.org/officeDocument/2006/relationships" xmlns:p="http://schemas.openxmlformats.org/presentationml/2006/main">
+  <p:cSld>
+    <p:spTree>
+      <p:nvGrpSpPr>
+        <p:cNvPr id="1" name=""/>
+        <p:cNvGrpSpPr/>
+        <p:nvPr/>
+      </p:nvGrpSpPr>
+      <p:grpSpPr>
+        <a:xfrm>
+          <a:off x="0" y="0"/>
+          <a:ext cx="0" cy="0"/>
+          <a:chOff x="0" y="0"/>
+          <a:chExt cx="0" cy="0"/>
+        </a:xfrm>
+      </p:grpSpPr>
+      <p:sp>
+        <p:nvSpPr>
+          <p:cNvPr id="2" name="标题 1"/>
+          <p:cNvSpPr>
+            <a:spLocks noGrp="1"/>
+          </p:cNvSpPr>
+          <p:nvPr>
+            <p:ph type="title"/>
+          </p:nvPr>
+        </p:nvSpPr>
+        <p:spPr/>
+        <p:txBody>
+          <a:bodyPr/>
+          <a:lstStyle/>
+          <a:p>
+            <a:r>
+              <a:rPr lang="zh-CN" altLang="en-US" dirty="0" smtClean="0"/>
+              <a:t>练习题</a:t>
+            </a:r>
+            <a:endParaRPr lang="zh-CN" altLang="en-US" dirty="0"/>
+          </a:p>
+        </p:txBody>
+      </p:sp>
+      <p:sp>
+        <p:nvSpPr>
+          <p:cNvPr id="3" name="内容占位符 2"/>
+          <p:cNvSpPr>
+            <a:spLocks noGrp="1"/>
+          </p:cNvSpPr>
+          <p:nvPr>
+            <p:ph idx="1"/>
+          </p:nvPr>
+        </p:nvSpPr>
+        <p:spPr/>
+        <p:txBody>
+          <a:bodyPr/>
+          <a:lstStyle/>
+          <a:p>
+            <a:r>
+              <a:rPr lang="zh-CN" altLang="en-US" dirty="0"/>
+              <a:t>一</a:t>
+            </a:r>
+            <a:r>
+              <a:rPr lang="zh-CN" altLang="en-US" dirty="0" smtClean="0"/>
+              <a:t>个</a:t>
+            </a:r>
+            <a:r>
+              <a:rPr lang="en-US" altLang="zh-CN" dirty="0" smtClean="0"/>
+              <a:t>RCT</a:t>
+            </a:r>
+            <a:r>
+              <a:rPr lang="zh-CN" altLang="en-US" dirty="0" smtClean="0"/>
+              <a:t>实验比较了两种止痛药物的效果，病人被随机分配至新药组（</a:t>
+            </a:r>
+            <a:r>
+              <a:rPr lang="en-US" altLang="zh-CN" dirty="0" smtClean="0"/>
+              <a:t>n1=50</a:t>
+            </a:r>
+            <a:r>
+              <a:rPr lang="zh-CN" altLang="en-US" dirty="0" smtClean="0"/>
+              <a:t>）和标准治疗对照组（</a:t>
+            </a:r>
+            <a:r>
+              <a:rPr lang="en-US" altLang="zh-CN" dirty="0" smtClean="0"/>
+              <a:t>n2=50</a:t>
+            </a:r>
+            <a:r>
+              <a:rPr lang="zh-CN" altLang="en-US" dirty="0" smtClean="0"/>
+              <a:t>），患者疗效如下表所示，分析两药是否有区别</a:t>
+            </a:r>
+            <a:endParaRPr lang="zh-CN" altLang="en-US" dirty="0"/>
+          </a:p>
+        </p:txBody>
+      </p:sp>
+      <p:graphicFrame>
+        <p:nvGraphicFramePr>
+          <p:cNvPr id="4" name="表格 3"/>
+          <p:cNvGraphicFramePr>
+            <a:graphicFrameLocks noGrp="1"/>
+          </p:cNvGraphicFramePr>
+          <p:nvPr>
+            <p:extLst>
+              <p:ext uri="{D42A27DB-BD31-4B8C-83A1-F6EECF244321}">
+                <p14:modId xmlns:p14="http://schemas.microsoft.com/office/powerpoint/2010/main" val="1494451340"/>
+              </p:ext>
+            </p:extLst>
+          </p:nvPr>
+        </p:nvGraphicFramePr>
+        <p:xfrm>
+          <a:off x="2015068" y="3352799"/>
+          <a:ext cx="8128000" cy="1112520"/>
+        </p:xfrm>
+        <a:graphic>
+          <a:graphicData uri="http://schemas.openxmlformats.org/drawingml/2006/table">
+            <a:tbl>
+              <a:tblPr firstRow="1" bandRow="1">
+                <a:tableStyleId>{5C22544A-7EE6-4342-B048-85BDC9FD1C3A}</a:tableStyleId>
+              </a:tblPr>
+              <a:tblGrid>
+                <a:gridCol w="2032000"/>
+                <a:gridCol w="2032000"/>
+                <a:gridCol w="2032000"/>
+                <a:gridCol w="2032000"/>
+              </a:tblGrid>
+              <a:tr h="370840">
+                <a:tc>
+                  <a:txBody>
+                    <a:bodyPr/>
+                    <a:lstStyle/>
+                    <a:p>
+                      <a:r>
+                        <a:rPr lang="zh-CN" altLang="en-US" dirty="0" smtClean="0"/>
+                        <a:t>治疗组</a:t>
+                      </a:r>
+                      <a:endParaRPr lang="zh-CN" altLang="en-US" dirty="0"/>
+                    </a:p>
+                  </a:txBody>
+                  <a:tcPr/>
+                </a:tc>
+                <a:tc>
+                  <a:txBody>
+                    <a:bodyPr/>
+                    <a:lstStyle/>
+                    <a:p>
+                      <a:r>
+                        <a:rPr lang="zh-CN" altLang="en-US" dirty="0" smtClean="0"/>
+                        <a:t>样本量</a:t>
+                      </a:r>
+                      <a:endParaRPr lang="zh-CN" altLang="en-US" dirty="0"/>
+                    </a:p>
+                  </a:txBody>
+                  <a:tcPr/>
+                </a:tc>
+                <a:tc>
+                  <a:txBody>
+                    <a:bodyPr/>
+                    <a:lstStyle/>
+                    <a:p>
+                      <a:r>
+                        <a:rPr lang="en-US" altLang="zh-CN" dirty="0" smtClean="0"/>
+                        <a:t>Vas</a:t>
+                      </a:r>
+                      <a:r>
+                        <a:rPr lang="zh-CN" altLang="en-US" dirty="0" smtClean="0"/>
+                        <a:t>降低</a:t>
+                      </a:r>
+                      <a:r>
+                        <a:rPr lang="en-US" altLang="zh-CN" dirty="0" smtClean="0"/>
+                        <a:t>3+</a:t>
+                      </a:r>
+                      <a:r>
+                        <a:rPr lang="zh-CN" altLang="en-US" dirty="0" smtClean="0"/>
+                        <a:t>人数</a:t>
+                      </a:r>
+                      <a:endParaRPr lang="zh-CN" altLang="en-US" dirty="0"/>
+                    </a:p>
+                  </a:txBody>
+                  <a:tcPr/>
+                </a:tc>
+                <a:tc>
+                  <a:txBody>
+                    <a:bodyPr/>
+                    <a:lstStyle/>
+                    <a:p>
+                      <a:r>
+                        <a:rPr lang="en-US" altLang="zh-CN" dirty="0" smtClean="0"/>
+                        <a:t>Vas</a:t>
+                      </a:r>
+                      <a:r>
+                        <a:rPr lang="zh-CN" altLang="en-US" dirty="0" smtClean="0"/>
+                        <a:t>降低</a:t>
+                      </a:r>
+                      <a:r>
+                        <a:rPr lang="en-US" altLang="zh-CN" dirty="0" smtClean="0"/>
+                        <a:t>3+</a:t>
+                      </a:r>
+                      <a:r>
+                        <a:rPr lang="zh-CN" altLang="en-US" dirty="0" smtClean="0"/>
+                        <a:t>比例</a:t>
+                      </a:r>
+                      <a:endParaRPr lang="zh-CN" altLang="en-US" dirty="0"/>
+                    </a:p>
+                  </a:txBody>
+                  <a:tcPr/>
+                </a:tc>
+              </a:tr>
+              <a:tr h="370840">
+                <a:tc>
+                  <a:txBody>
+                    <a:bodyPr/>
+                    <a:lstStyle/>
+                    <a:p>
+                      <a:pPr fontAlgn="t"/>
+                      <a:r>
+                        <a:rPr lang="zh-CN" altLang="en-US" dirty="0" smtClean="0">
+                          <a:effectLst/>
+                        </a:rPr>
+                        <a:t>新药</a:t>
+                      </a:r>
+                      <a:endParaRPr lang="en-US" dirty="0">
+                        <a:effectLst/>
+                      </a:endParaRPr>
+                    </a:p>
+                  </a:txBody>
+                  <a:tcPr/>
+                </a:tc>
+                <a:tc>
+                  <a:txBody>
+                    <a:bodyPr/>
+                    <a:lstStyle/>
+                    <a:p>
+                      <a:pPr algn="ctr" fontAlgn="t"/>
+                      <a:r>
+                        <a:rPr lang="en-US" altLang="zh-CN">
+                          <a:effectLst/>
+                        </a:rPr>
+                        <a:t>50</a:t>
+                      </a:r>
+                    </a:p>
+                  </a:txBody>
+                  <a:tcPr/>
+                </a:tc>
+                <a:tc>
+                  <a:txBody>
+                    <a:bodyPr/>
+                    <a:lstStyle/>
+                    <a:p>
+                      <a:pPr algn="ctr" fontAlgn="t"/>
+                      <a:r>
+                        <a:rPr lang="en-US" altLang="zh-CN">
+                          <a:effectLst/>
+                        </a:rPr>
+                        <a:t>23</a:t>
+                      </a:r>
+                    </a:p>
+                  </a:txBody>
+                  <a:tcPr/>
+                </a:tc>
+                <a:tc>
+                  <a:txBody>
+                    <a:bodyPr/>
+                    <a:lstStyle/>
+                    <a:p>
+                      <a:pPr algn="ctr" fontAlgn="t"/>
+                      <a:r>
+                        <a:rPr lang="en-US" altLang="zh-CN">
+                          <a:effectLst/>
+                        </a:rPr>
+                        <a:t>0.46</a:t>
+                      </a:r>
+                    </a:p>
+                  </a:txBody>
+                  <a:tcPr/>
+                </a:tc>
+              </a:tr>
+              <a:tr h="370840">
+                <a:tc>
+                  <a:txBody>
+                    <a:bodyPr/>
+                    <a:lstStyle/>
+                    <a:p>
+                      <a:pPr fontAlgn="t"/>
+                      <a:r>
+                        <a:rPr lang="zh-CN" altLang="en-US" dirty="0" smtClean="0">
+                          <a:effectLst/>
+                        </a:rPr>
+                        <a:t>标准对照</a:t>
+                      </a:r>
+                      <a:endParaRPr lang="en-US" dirty="0">
+                        <a:effectLst/>
+                      </a:endParaRPr>
+                    </a:p>
+                  </a:txBody>
+                  <a:tcPr/>
+                </a:tc>
+                <a:tc>
+                  <a:txBody>
+                    <a:bodyPr/>
+                    <a:lstStyle/>
+                    <a:p>
+                      <a:pPr algn="ctr" fontAlgn="t"/>
+                      <a:r>
+                        <a:rPr lang="en-US" altLang="zh-CN" dirty="0">
+                          <a:effectLst/>
+                        </a:rPr>
+                        <a:t>50</a:t>
+                      </a:r>
+                    </a:p>
+                  </a:txBody>
+                  <a:tcPr/>
+                </a:tc>
+                <a:tc>
+                  <a:txBody>
+                    <a:bodyPr/>
+                    <a:lstStyle/>
+                    <a:p>
+                      <a:pPr algn="ctr" fontAlgn="t"/>
+                      <a:r>
+                        <a:rPr lang="en-US" altLang="zh-CN">
+                          <a:effectLst/>
+                        </a:rPr>
+                        <a:t>11</a:t>
+                      </a:r>
+                    </a:p>
+                  </a:txBody>
+                  <a:tcPr/>
+                </a:tc>
+                <a:tc>
+                  <a:txBody>
+                    <a:bodyPr/>
+                    <a:lstStyle/>
+                    <a:p>
+                      <a:pPr algn="ctr" fontAlgn="t"/>
+                      <a:r>
+                        <a:rPr lang="en-US" altLang="zh-CN" dirty="0">
+                          <a:effectLst/>
+                        </a:rPr>
+                        <a:t>0.22</a:t>
+                      </a:r>
+                    </a:p>
+                  </a:txBody>
+                  <a:tcPr/>
+                </a:tc>
+              </a:tr>
+            </a:tbl>
+          </a:graphicData>
+        </a:graphic>
+      </p:graphicFrame>
+      <p:sp>
+        <p:nvSpPr>
+          <p:cNvPr id="5" name="矩形 4"/>
+          <p:cNvSpPr/>
+          <p:nvPr/>
+        </p:nvSpPr>
+        <p:spPr>
+          <a:xfrm>
+            <a:off x="1609818" y="4573822"/>
+            <a:ext cx="6096000" cy="2246769"/>
+          </a:xfrm>
+          <a:prstGeom prst="rect">
+            <a:avLst/>
+          </a:prstGeom>
+        </p:spPr>
+        <p:txBody>
+          <a:bodyPr>
+            <a:spAutoFit/>
+          </a:bodyPr>
+          <a:lstStyle/>
+          <a:p>
+            <a:pPr marL="514350" indent="-514350">
+              <a:buFont typeface="+mj-lt"/>
+              <a:buAutoNum type="arabicPeriod"/>
+            </a:pPr>
+            <a:r>
+              <a:rPr lang="zh-CN" altLang="en-US" sz="2800" dirty="0" smtClean="0"/>
+              <a:t>决定假设以及检验水平</a:t>
+            </a:r>
+            <a:endParaRPr lang="en-US" altLang="zh-CN" sz="2800" dirty="0" smtClean="0"/>
+          </a:p>
+          <a:p>
+            <a:pPr marL="514350" indent="-514350">
+              <a:buFont typeface="+mj-lt"/>
+              <a:buAutoNum type="arabicPeriod"/>
+            </a:pPr>
+            <a:r>
+              <a:rPr lang="zh-CN" altLang="en-US" sz="2800" dirty="0" smtClean="0"/>
+              <a:t>选择恰当的统计量</a:t>
+            </a:r>
+            <a:endParaRPr lang="en-US" altLang="zh-CN" sz="2800" dirty="0" smtClean="0"/>
+          </a:p>
+          <a:p>
+            <a:pPr marL="514350" indent="-514350">
+              <a:buFont typeface="+mj-lt"/>
+              <a:buAutoNum type="arabicPeriod"/>
+            </a:pPr>
+            <a:r>
+              <a:rPr lang="zh-CN" altLang="en-US" sz="2800" dirty="0" smtClean="0"/>
+              <a:t>决定判定标准</a:t>
+            </a:r>
+            <a:endParaRPr lang="en-US" altLang="zh-CN" sz="2800" dirty="0" smtClean="0"/>
+          </a:p>
+          <a:p>
+            <a:pPr marL="514350" indent="-514350">
+              <a:buFont typeface="+mj-lt"/>
+              <a:buAutoNum type="arabicPeriod"/>
+            </a:pPr>
+            <a:r>
+              <a:rPr lang="zh-CN" altLang="en-US" sz="2800" dirty="0" smtClean="0"/>
+              <a:t>计算统计量</a:t>
+            </a:r>
+            <a:endParaRPr lang="en-US" altLang="zh-CN" sz="2800" dirty="0" smtClean="0"/>
+          </a:p>
+          <a:p>
+            <a:pPr marL="514350" indent="-514350">
+              <a:buFont typeface="+mj-lt"/>
+              <a:buAutoNum type="arabicPeriod"/>
+            </a:pPr>
+            <a:r>
+              <a:rPr lang="zh-CN" altLang="en-US" sz="2800" dirty="0" smtClean="0"/>
+              <a:t>给出结论</a:t>
+            </a:r>
+            <a:endParaRPr lang="en-US" altLang="zh-CN" sz="2800" dirty="0" smtClean="0"/>
+          </a:p>
+        </p:txBody>
+      </p:sp>
+    </p:spTree>
+    <p:extLst>
+      <p:ext uri="{BB962C8B-B14F-4D97-AF65-F5344CB8AC3E}">
+        <p14:creationId xmlns:p14="http://schemas.microsoft.com/office/powerpoint/2010/main" val="3480212638"/>
+      </p:ext>
+    </p:extLst>
+  </p:cSld>
+  <p:clrMapOvr>
+    <a:masterClrMapping/>
+  </p:clrMapOvr>
+  <p:timing>
+    <p:tnLst>
+      <p:par>
+        <p:cTn id="1" dur="indefinite" restart="never" nodeType="tmRoot"/>
+      </p:par>
+    </p:tnLst>
+  </p:timing>
+</p:sld>
+</file>
+
+<file path=ppt/slides/slide29.xml><?xml version="1.0" encoding="utf-8"?>
+<p:sld xmlns:a="http://schemas.openxmlformats.org/drawingml/2006/main" xmlns:r="http://schemas.openxmlformats.org/officeDocument/2006/relationships" xmlns:p="http://schemas.openxmlformats.org/presentationml/2006/main">
+  <p:cSld>
+    <p:spTree>
+      <p:nvGrpSpPr>
+        <p:cNvPr id="1" name=""/>
+        <p:cNvGrpSpPr/>
+        <p:nvPr/>
+      </p:nvGrpSpPr>
+      <p:grpSpPr>
+        <a:xfrm>
+          <a:off x="0" y="0"/>
+          <a:ext cx="0" cy="0"/>
+          <a:chOff x="0" y="0"/>
+          <a:chExt cx="0" cy="0"/>
+        </a:xfrm>
+      </p:grpSpPr>
+      <p:sp>
+        <p:nvSpPr>
+          <p:cNvPr id="4" name="标题 3"/>
+          <p:cNvSpPr>
+            <a:spLocks noGrp="1"/>
+          </p:cNvSpPr>
+          <p:nvPr>
+            <p:ph type="title"/>
+          </p:nvPr>
+        </p:nvSpPr>
+        <p:spPr/>
+        <p:txBody>
+          <a:bodyPr/>
+          <a:lstStyle/>
+          <a:p>
+            <a:r>
+              <a:rPr lang="zh-CN" altLang="en-US" dirty="0" smtClean="0"/>
+              <a:t>置信区间与样本量</a:t>
+            </a:r>
+            <a:endParaRPr lang="zh-CN" altLang="en-US" dirty="0"/>
+          </a:p>
+        </p:txBody>
+      </p:sp>
+      <p:sp>
+        <p:nvSpPr>
+          <p:cNvPr id="5" name="文本占位符 4"/>
+          <p:cNvSpPr>
+            <a:spLocks noGrp="1"/>
+          </p:cNvSpPr>
+          <p:nvPr>
+            <p:ph type="body" idx="1"/>
+          </p:nvPr>
+        </p:nvSpPr>
+        <p:spPr/>
+        <p:txBody>
+          <a:bodyPr/>
+          <a:lstStyle/>
+          <a:p>
+            <a:endParaRPr lang="zh-CN" altLang="en-US"/>
+          </a:p>
+        </p:txBody>
+      </p:sp>
+    </p:spTree>
+    <p:extLst>
+      <p:ext uri="{BB962C8B-B14F-4D97-AF65-F5344CB8AC3E}">
+        <p14:creationId xmlns:p14="http://schemas.microsoft.com/office/powerpoint/2010/main" val="1220391935"/>
+      </p:ext>
+    </p:extLst>
+  </p:cSld>
+  <p:clrMapOvr>
+    <a:masterClrMapping/>
+  </p:clrMapOvr>
+  <p:timing>
+    <p:tnLst>
+      <p:par>
+        <p:cTn id="1" dur="indefinite" restart="never" nodeType="tmRoot"/>
+      </p:par>
+    </p:tnLst>
+  </p:timing>
+</p:sld>
+</file>
+
 <file path=ppt/slides/slide3.xml><?xml version="1.0" encoding="utf-8"?>
 <p:sld xmlns:a="http://schemas.openxmlformats.org/drawingml/2006/main" xmlns:r="http://schemas.openxmlformats.org/officeDocument/2006/relationships" xmlns:p="http://schemas.openxmlformats.org/presentationml/2006/main">
   <p:cSld>
@@ -6943,6 +9273,4652 @@
     <p:tnLst>
       <p:par>
         <p:cTn id="1" dur="indefinite" restart="never" nodeType="tmRoot"/>
+      </p:par>
+    </p:tnLst>
+  </p:timing>
+</p:sld>
+</file>
+
+<file path=ppt/slides/slide30.xml><?xml version="1.0" encoding="utf-8"?>
+<p:sld xmlns:a="http://schemas.openxmlformats.org/drawingml/2006/main" xmlns:r="http://schemas.openxmlformats.org/officeDocument/2006/relationships" xmlns:p="http://schemas.openxmlformats.org/presentationml/2006/main">
+  <p:cSld>
+    <p:spTree>
+      <p:nvGrpSpPr>
+        <p:cNvPr id="1" name=""/>
+        <p:cNvGrpSpPr/>
+        <p:nvPr/>
+      </p:nvGrpSpPr>
+      <p:grpSpPr>
+        <a:xfrm>
+          <a:off x="0" y="0"/>
+          <a:ext cx="0" cy="0"/>
+          <a:chOff x="0" y="0"/>
+          <a:chExt cx="0" cy="0"/>
+        </a:xfrm>
+      </p:grpSpPr>
+      <p:sp>
+        <p:nvSpPr>
+          <p:cNvPr id="4" name="标题 3"/>
+          <p:cNvSpPr>
+            <a:spLocks noGrp="1"/>
+          </p:cNvSpPr>
+          <p:nvPr>
+            <p:ph type="title"/>
+          </p:nvPr>
+        </p:nvSpPr>
+        <p:spPr/>
+        <p:txBody>
+          <a:bodyPr/>
+          <a:lstStyle/>
+          <a:p>
+            <a:endParaRPr lang="zh-CN" altLang="en-US" dirty="0"/>
+          </a:p>
+        </p:txBody>
+      </p:sp>
+      <p:pic>
+        <p:nvPicPr>
+          <p:cNvPr id="6" name="内容占位符 5"/>
+          <p:cNvPicPr>
+            <a:picLocks noGrp="1" noChangeAspect="1"/>
+          </p:cNvPicPr>
+          <p:nvPr>
+            <p:ph idx="1"/>
+          </p:nvPr>
+        </p:nvPicPr>
+        <p:blipFill>
+          <a:blip r:embed="rId2" cstate="print">
+            <a:extLst>
+              <a:ext uri="{28A0092B-C50C-407E-A947-70E740481C1C}">
+                <a14:useLocalDpi xmlns:a14="http://schemas.microsoft.com/office/drawing/2010/main" val="0"/>
+              </a:ext>
+            </a:extLst>
+          </a:blip>
+          <a:stretch>
+            <a:fillRect/>
+          </a:stretch>
+        </p:blipFill>
+        <p:spPr>
+          <a:xfrm>
+            <a:off x="1854200" y="0"/>
+            <a:ext cx="9118600" cy="6838951"/>
+          </a:xfrm>
+        </p:spPr>
+      </p:pic>
+    </p:spTree>
+    <p:extLst>
+      <p:ext uri="{BB962C8B-B14F-4D97-AF65-F5344CB8AC3E}">
+        <p14:creationId xmlns:p14="http://schemas.microsoft.com/office/powerpoint/2010/main" val="4205474710"/>
+      </p:ext>
+    </p:extLst>
+  </p:cSld>
+  <p:clrMapOvr>
+    <a:masterClrMapping/>
+  </p:clrMapOvr>
+  <p:timing>
+    <p:tnLst>
+      <p:par>
+        <p:cTn id="1" dur="indefinite" restart="never" nodeType="tmRoot"/>
+      </p:par>
+    </p:tnLst>
+  </p:timing>
+</p:sld>
+</file>
+
+<file path=ppt/slides/slide31.xml><?xml version="1.0" encoding="utf-8"?>
+<p:sld xmlns:a="http://schemas.openxmlformats.org/drawingml/2006/main" xmlns:r="http://schemas.openxmlformats.org/officeDocument/2006/relationships" xmlns:p="http://schemas.openxmlformats.org/presentationml/2006/main">
+  <p:cSld>
+    <p:spTree>
+      <p:nvGrpSpPr>
+        <p:cNvPr id="1" name=""/>
+        <p:cNvGrpSpPr/>
+        <p:nvPr/>
+      </p:nvGrpSpPr>
+      <p:grpSpPr>
+        <a:xfrm>
+          <a:off x="0" y="0"/>
+          <a:ext cx="0" cy="0"/>
+          <a:chOff x="0" y="0"/>
+          <a:chExt cx="0" cy="0"/>
+        </a:xfrm>
+      </p:grpSpPr>
+      <p:sp>
+        <p:nvSpPr>
+          <p:cNvPr id="2" name="标题 1"/>
+          <p:cNvSpPr>
+            <a:spLocks noGrp="1"/>
+          </p:cNvSpPr>
+          <p:nvPr>
+            <p:ph type="title"/>
+          </p:nvPr>
+        </p:nvSpPr>
+        <p:spPr/>
+        <p:txBody>
+          <a:bodyPr/>
+          <a:lstStyle/>
+          <a:p>
+            <a:r>
+              <a:rPr lang="zh-CN" altLang="en-US" dirty="0"/>
+              <a:t>置信区间</a:t>
+            </a:r>
+          </a:p>
+        </p:txBody>
+      </p:sp>
+      <mc:AlternateContent xmlns:mc="http://schemas.openxmlformats.org/markup-compatibility/2006">
+        <mc:Choice xmlns:a14="http://schemas.microsoft.com/office/drawing/2010/main" Requires="a14">
+          <p:sp>
+            <p:nvSpPr>
+              <p:cNvPr id="3" name="内容占位符 2"/>
+              <p:cNvSpPr>
+                <a:spLocks noGrp="1"/>
+              </p:cNvSpPr>
+              <p:nvPr>
+                <p:ph idx="1"/>
+              </p:nvPr>
+            </p:nvSpPr>
+            <p:spPr/>
+            <p:txBody>
+              <a:bodyPr>
+                <a:normAutofit fontScale="70000" lnSpcReduction="20000"/>
+              </a:bodyPr>
+              <a:lstStyle/>
+              <a:p>
+                <a:r>
+                  <a:rPr lang="zh-CN" altLang="en-US" dirty="0" smtClean="0"/>
+                  <a:t>单样本</a:t>
+                </a:r>
+                <a:r>
+                  <a:rPr lang="en-US" altLang="zh-CN" dirty="0" smtClean="0"/>
+                  <a:t>t</a:t>
+                </a:r>
+                <a:r>
+                  <a:rPr lang="zh-CN" altLang="en-US" dirty="0" smtClean="0"/>
+                  <a:t>检验</a:t>
+                </a:r>
+                <a14:m>
+                  <m:oMath xmlns:m="http://schemas.openxmlformats.org/officeDocument/2006/math">
+                    <m:acc>
+                      <m:accPr>
+                        <m:chr m:val="̅"/>
+                        <m:ctrlPr>
+                          <a:rPr lang="zh-CN" altLang="en-US" i="1" smtClean="0">
+                            <a:latin typeface="Cambria Math" panose="02040503050406030204" pitchFamily="18" charset="0"/>
+                          </a:rPr>
+                        </m:ctrlPr>
+                      </m:accPr>
+                      <m:e>
+                        <m:r>
+                          <a:rPr lang="en-US" altLang="zh-CN" b="0" i="1" smtClean="0">
+                            <a:latin typeface="Cambria Math" panose="02040503050406030204" pitchFamily="18" charset="0"/>
+                          </a:rPr>
+                          <m:t>𝑥</m:t>
+                        </m:r>
+                      </m:e>
+                    </m:acc>
+                    <m:r>
+                      <a:rPr lang="en-US" altLang="zh-CN" b="0" i="1" smtClean="0">
+                        <a:latin typeface="Cambria Math" panose="02040503050406030204" pitchFamily="18" charset="0"/>
+                        <a:ea typeface="Cambria Math" panose="02040503050406030204" pitchFamily="18" charset="0"/>
+                      </a:rPr>
+                      <m:t>±</m:t>
+                    </m:r>
+                    <m:sSub>
+                      <m:sSubPr>
+                        <m:ctrlPr>
+                          <a:rPr lang="en-US" altLang="zh-CN" b="0" i="1" smtClean="0">
+                            <a:latin typeface="Cambria Math" panose="02040503050406030204" pitchFamily="18" charset="0"/>
+                          </a:rPr>
+                        </m:ctrlPr>
+                      </m:sSubPr>
+                      <m:e>
+                        <m:r>
+                          <a:rPr lang="en-US" altLang="zh-CN" b="0" i="1" smtClean="0">
+                            <a:latin typeface="Cambria Math" panose="02040503050406030204" pitchFamily="18" charset="0"/>
+                          </a:rPr>
+                          <m:t>𝑡</m:t>
+                        </m:r>
+                      </m:e>
+                      <m:sub>
+                        <m:r>
+                          <a:rPr lang="zh-CN" altLang="en-US" b="0" i="1" smtClean="0">
+                            <a:latin typeface="Cambria Math" panose="02040503050406030204" pitchFamily="18" charset="0"/>
+                          </a:rPr>
+                          <m:t>𝛼</m:t>
+                        </m:r>
+                        <m:r>
+                          <a:rPr lang="en-US" altLang="zh-CN" b="0" i="1" smtClean="0">
+                            <a:latin typeface="Cambria Math" panose="02040503050406030204" pitchFamily="18" charset="0"/>
+                          </a:rPr>
+                          <m:t>/2</m:t>
+                        </m:r>
+                      </m:sub>
+                    </m:sSub>
+                    <m:r>
+                      <a:rPr lang="en-US" altLang="zh-CN" b="0" i="1" smtClean="0">
+                        <a:latin typeface="Cambria Math" panose="02040503050406030204" pitchFamily="18" charset="0"/>
+                      </a:rPr>
+                      <m:t>∗</m:t>
+                    </m:r>
+                    <m:f>
+                      <m:fPr>
+                        <m:ctrlPr>
+                          <a:rPr lang="en-US" altLang="zh-CN" b="0" i="1" smtClean="0">
+                            <a:latin typeface="Cambria Math" panose="02040503050406030204" pitchFamily="18" charset="0"/>
+                          </a:rPr>
+                        </m:ctrlPr>
+                      </m:fPr>
+                      <m:num>
+                        <m:r>
+                          <a:rPr lang="en-US" altLang="zh-CN" b="0" i="1" smtClean="0">
+                            <a:latin typeface="Cambria Math" panose="02040503050406030204" pitchFamily="18" charset="0"/>
+                          </a:rPr>
+                          <m:t>𝑠</m:t>
+                        </m:r>
+                      </m:num>
+                      <m:den>
+                        <m:rad>
+                          <m:radPr>
+                            <m:degHide m:val="on"/>
+                            <m:ctrlPr>
+                              <a:rPr lang="en-US" altLang="zh-CN" b="0" i="1" smtClean="0">
+                                <a:latin typeface="Cambria Math" panose="02040503050406030204" pitchFamily="18" charset="0"/>
+                              </a:rPr>
+                            </m:ctrlPr>
+                          </m:radPr>
+                          <m:deg/>
+                          <m:e>
+                            <m:r>
+                              <a:rPr lang="en-US" altLang="zh-CN" b="0" i="1" smtClean="0">
+                                <a:latin typeface="Cambria Math" panose="02040503050406030204" pitchFamily="18" charset="0"/>
+                              </a:rPr>
+                              <m:t>𝑛</m:t>
+                            </m:r>
+                          </m:e>
+                        </m:rad>
+                      </m:den>
+                    </m:f>
+                  </m:oMath>
+                </a14:m>
+                <a:endParaRPr lang="en-US" altLang="zh-CN" dirty="0" smtClean="0"/>
+              </a:p>
+              <a:p>
+                <a:r>
+                  <a:rPr lang="zh-CN" altLang="en-US" dirty="0"/>
+                  <a:t>配对</a:t>
+                </a:r>
+                <a:r>
+                  <a:rPr lang="zh-CN" altLang="en-US" dirty="0" smtClean="0"/>
+                  <a:t>样本</a:t>
+                </a:r>
+                <a:r>
+                  <a:rPr lang="en-US" altLang="zh-CN" dirty="0" smtClean="0"/>
+                  <a:t>t</a:t>
+                </a:r>
+                <a:r>
+                  <a:rPr lang="zh-CN" altLang="en-US" dirty="0" smtClean="0"/>
+                  <a:t>检验</a:t>
+                </a:r>
+                <a14:m>
+                  <m:oMath xmlns:m="http://schemas.openxmlformats.org/officeDocument/2006/math">
+                    <m:acc>
+                      <m:accPr>
+                        <m:chr m:val="̅"/>
+                        <m:ctrlPr>
+                          <a:rPr lang="zh-CN" altLang="en-US" i="1">
+                            <a:latin typeface="Cambria Math" panose="02040503050406030204" pitchFamily="18" charset="0"/>
+                          </a:rPr>
+                        </m:ctrlPr>
+                      </m:accPr>
+                      <m:e>
+                        <m:r>
+                          <a:rPr lang="en-US" altLang="zh-CN" b="0" i="1" smtClean="0">
+                            <a:latin typeface="Cambria Math" panose="02040503050406030204" pitchFamily="18" charset="0"/>
+                          </a:rPr>
+                          <m:t>𝑑</m:t>
+                        </m:r>
+                      </m:e>
+                    </m:acc>
+                    <m:r>
+                      <a:rPr lang="en-US" altLang="zh-CN" i="1">
+                        <a:latin typeface="Cambria Math" panose="02040503050406030204" pitchFamily="18" charset="0"/>
+                        <a:ea typeface="Cambria Math" panose="02040503050406030204" pitchFamily="18" charset="0"/>
+                      </a:rPr>
+                      <m:t>±</m:t>
+                    </m:r>
+                    <m:sSub>
+                      <m:sSubPr>
+                        <m:ctrlPr>
+                          <a:rPr lang="en-US" altLang="zh-CN" i="1">
+                            <a:latin typeface="Cambria Math" panose="02040503050406030204" pitchFamily="18" charset="0"/>
+                          </a:rPr>
+                        </m:ctrlPr>
+                      </m:sSubPr>
+                      <m:e>
+                        <m:r>
+                          <a:rPr lang="en-US" altLang="zh-CN" i="1">
+                            <a:latin typeface="Cambria Math" panose="02040503050406030204" pitchFamily="18" charset="0"/>
+                          </a:rPr>
+                          <m:t>𝑡</m:t>
+                        </m:r>
+                      </m:e>
+                      <m:sub>
+                        <m:r>
+                          <a:rPr lang="zh-CN" altLang="en-US" i="1">
+                            <a:latin typeface="Cambria Math" panose="02040503050406030204" pitchFamily="18" charset="0"/>
+                          </a:rPr>
+                          <m:t>𝛼</m:t>
+                        </m:r>
+                        <m:r>
+                          <a:rPr lang="en-US" altLang="zh-CN" i="1">
+                            <a:latin typeface="Cambria Math" panose="02040503050406030204" pitchFamily="18" charset="0"/>
+                          </a:rPr>
+                          <m:t>/2</m:t>
+                        </m:r>
+                      </m:sub>
+                    </m:sSub>
+                    <m:r>
+                      <a:rPr lang="en-US" altLang="zh-CN" i="1">
+                        <a:latin typeface="Cambria Math" panose="02040503050406030204" pitchFamily="18" charset="0"/>
+                      </a:rPr>
+                      <m:t>∗</m:t>
+                    </m:r>
+                    <m:f>
+                      <m:fPr>
+                        <m:ctrlPr>
+                          <a:rPr lang="en-US" altLang="zh-CN" i="1">
+                            <a:latin typeface="Cambria Math" panose="02040503050406030204" pitchFamily="18" charset="0"/>
+                          </a:rPr>
+                        </m:ctrlPr>
+                      </m:fPr>
+                      <m:num>
+                        <m:r>
+                          <a:rPr lang="en-US" altLang="zh-CN" i="1">
+                            <a:latin typeface="Cambria Math" panose="02040503050406030204" pitchFamily="18" charset="0"/>
+                          </a:rPr>
+                          <m:t>𝑠</m:t>
+                        </m:r>
+                      </m:num>
+                      <m:den>
+                        <m:rad>
+                          <m:radPr>
+                            <m:degHide m:val="on"/>
+                            <m:ctrlPr>
+                              <a:rPr lang="en-US" altLang="zh-CN" i="1">
+                                <a:latin typeface="Cambria Math" panose="02040503050406030204" pitchFamily="18" charset="0"/>
+                              </a:rPr>
+                            </m:ctrlPr>
+                          </m:radPr>
+                          <m:deg/>
+                          <m:e>
+                            <m:r>
+                              <a:rPr lang="en-US" altLang="zh-CN" i="1">
+                                <a:latin typeface="Cambria Math" panose="02040503050406030204" pitchFamily="18" charset="0"/>
+                              </a:rPr>
+                              <m:t>𝑛</m:t>
+                            </m:r>
+                          </m:e>
+                        </m:rad>
+                      </m:den>
+                    </m:f>
+                  </m:oMath>
+                </a14:m>
+                <a:endParaRPr lang="en-US" altLang="zh-CN" dirty="0" smtClean="0"/>
+              </a:p>
+              <a:p>
+                <a:r>
+                  <a:rPr lang="zh-CN" altLang="en-US" dirty="0" smtClean="0"/>
+                  <a:t>独立样本</a:t>
+                </a:r>
+                <a:r>
+                  <a:rPr lang="en-US" altLang="zh-CN" dirty="0" smtClean="0"/>
+                  <a:t>t</a:t>
+                </a:r>
+                <a:r>
+                  <a:rPr lang="zh-CN" altLang="en-US" dirty="0" smtClean="0"/>
+                  <a:t>检验</a:t>
+                </a:r>
+                <a14:m>
+                  <m:oMath xmlns:m="http://schemas.openxmlformats.org/officeDocument/2006/math">
+                    <m:sSub>
+                      <m:sSubPr>
+                        <m:ctrlPr>
+                          <a:rPr lang="en-US" altLang="zh-CN" b="0" i="1" smtClean="0">
+                            <a:latin typeface="Cambria Math" panose="02040503050406030204" pitchFamily="18" charset="0"/>
+                          </a:rPr>
+                        </m:ctrlPr>
+                      </m:sSubPr>
+                      <m:e>
+                        <m:r>
+                          <a:rPr lang="en-US" altLang="zh-CN" b="0" i="1" smtClean="0">
+                            <a:latin typeface="Cambria Math" panose="02040503050406030204" pitchFamily="18" charset="0"/>
+                          </a:rPr>
+                          <m:t>𝑠</m:t>
+                        </m:r>
+                      </m:e>
+                      <m:sub>
+                        <m:r>
+                          <a:rPr lang="en-US" altLang="zh-CN" b="0" i="1" smtClean="0">
+                            <a:latin typeface="Cambria Math" panose="02040503050406030204" pitchFamily="18" charset="0"/>
+                          </a:rPr>
+                          <m:t>𝑝</m:t>
+                        </m:r>
+                      </m:sub>
+                    </m:sSub>
+                    <m:r>
+                      <a:rPr lang="en-US" altLang="zh-CN" b="0" i="1" smtClean="0">
+                        <a:latin typeface="Cambria Math" panose="02040503050406030204" pitchFamily="18" charset="0"/>
+                      </a:rPr>
+                      <m:t>=</m:t>
+                    </m:r>
+                    <m:rad>
+                      <m:radPr>
+                        <m:degHide m:val="on"/>
+                        <m:ctrlPr>
+                          <a:rPr lang="en-US" altLang="zh-CN" b="0" i="1" smtClean="0">
+                            <a:latin typeface="Cambria Math" panose="02040503050406030204" pitchFamily="18" charset="0"/>
+                          </a:rPr>
+                        </m:ctrlPr>
+                      </m:radPr>
+                      <m:deg/>
+                      <m:e>
+                        <m:f>
+                          <m:fPr>
+                            <m:ctrlPr>
+                              <a:rPr lang="en-US" altLang="zh-CN" i="1">
+                                <a:latin typeface="Cambria Math" panose="02040503050406030204" pitchFamily="18" charset="0"/>
+                              </a:rPr>
+                            </m:ctrlPr>
+                          </m:fPr>
+                          <m:num>
+                            <m:d>
+                              <m:dPr>
+                                <m:ctrlPr>
+                                  <a:rPr lang="en-US" altLang="zh-CN" b="0" i="1" smtClean="0">
+                                    <a:latin typeface="Cambria Math" panose="02040503050406030204" pitchFamily="18" charset="0"/>
+                                  </a:rPr>
+                                </m:ctrlPr>
+                              </m:dPr>
+                              <m:e>
+                                <m:r>
+                                  <a:rPr lang="en-US" altLang="zh-CN" b="0" i="1" smtClean="0">
+                                    <a:latin typeface="Cambria Math" panose="02040503050406030204" pitchFamily="18" charset="0"/>
+                                  </a:rPr>
+                                  <m:t>𝑛</m:t>
+                                </m:r>
+                                <m:r>
+                                  <a:rPr lang="en-US" altLang="zh-CN" b="0" i="1" smtClean="0">
+                                    <a:latin typeface="Cambria Math" panose="02040503050406030204" pitchFamily="18" charset="0"/>
+                                  </a:rPr>
+                                  <m:t>1−1</m:t>
+                                </m:r>
+                              </m:e>
+                            </m:d>
+                            <m:sSup>
+                              <m:sSupPr>
+                                <m:ctrlPr>
+                                  <a:rPr lang="en-US" altLang="zh-CN" b="0" i="1" smtClean="0">
+                                    <a:latin typeface="Cambria Math" panose="02040503050406030204" pitchFamily="18" charset="0"/>
+                                  </a:rPr>
+                                </m:ctrlPr>
+                              </m:sSupPr>
+                              <m:e>
+                                <m:r>
+                                  <a:rPr lang="en-US" altLang="zh-CN" b="0" i="1" smtClean="0">
+                                    <a:latin typeface="Cambria Math" panose="02040503050406030204" pitchFamily="18" charset="0"/>
+                                  </a:rPr>
+                                  <m:t>𝑠</m:t>
+                                </m:r>
+                                <m:r>
+                                  <a:rPr lang="en-US" altLang="zh-CN" b="0" i="1" smtClean="0">
+                                    <a:latin typeface="Cambria Math" panose="02040503050406030204" pitchFamily="18" charset="0"/>
+                                  </a:rPr>
+                                  <m:t>1</m:t>
+                                </m:r>
+                              </m:e>
+                              <m:sup>
+                                <m:r>
+                                  <a:rPr lang="en-US" altLang="zh-CN" b="0" i="1" smtClean="0">
+                                    <a:latin typeface="Cambria Math" panose="02040503050406030204" pitchFamily="18" charset="0"/>
+                                  </a:rPr>
+                                  <m:t>2</m:t>
+                                </m:r>
+                              </m:sup>
+                            </m:sSup>
+                            <m:r>
+                              <a:rPr lang="en-US" altLang="zh-CN" b="0" i="1" smtClean="0">
+                                <a:latin typeface="Cambria Math" panose="02040503050406030204" pitchFamily="18" charset="0"/>
+                              </a:rPr>
+                              <m:t>+(</m:t>
+                            </m:r>
+                            <m:r>
+                              <a:rPr lang="en-US" altLang="zh-CN" b="0" i="1" smtClean="0">
+                                <a:latin typeface="Cambria Math" panose="02040503050406030204" pitchFamily="18" charset="0"/>
+                              </a:rPr>
+                              <m:t>𝑛</m:t>
+                            </m:r>
+                            <m:r>
+                              <a:rPr lang="en-US" altLang="zh-CN" b="0" i="1" smtClean="0">
+                                <a:latin typeface="Cambria Math" panose="02040503050406030204" pitchFamily="18" charset="0"/>
+                              </a:rPr>
+                              <m:t>2−1)</m:t>
+                            </m:r>
+                            <m:sSup>
+                              <m:sSupPr>
+                                <m:ctrlPr>
+                                  <a:rPr lang="en-US" altLang="zh-CN" b="0" i="1" smtClean="0">
+                                    <a:latin typeface="Cambria Math" panose="02040503050406030204" pitchFamily="18" charset="0"/>
+                                  </a:rPr>
+                                </m:ctrlPr>
+                              </m:sSupPr>
+                              <m:e>
+                                <m:r>
+                                  <a:rPr lang="en-US" altLang="zh-CN" b="0" i="1" smtClean="0">
+                                    <a:latin typeface="Cambria Math" panose="02040503050406030204" pitchFamily="18" charset="0"/>
+                                  </a:rPr>
+                                  <m:t>𝑠</m:t>
+                                </m:r>
+                                <m:r>
+                                  <a:rPr lang="en-US" altLang="zh-CN" b="0" i="1" smtClean="0">
+                                    <a:latin typeface="Cambria Math" panose="02040503050406030204" pitchFamily="18" charset="0"/>
+                                  </a:rPr>
+                                  <m:t>2</m:t>
+                                </m:r>
+                              </m:e>
+                              <m:sup>
+                                <m:r>
+                                  <a:rPr lang="en-US" altLang="zh-CN" b="0" i="1" smtClean="0">
+                                    <a:latin typeface="Cambria Math" panose="02040503050406030204" pitchFamily="18" charset="0"/>
+                                  </a:rPr>
+                                  <m:t>2</m:t>
+                                </m:r>
+                              </m:sup>
+                            </m:sSup>
+                          </m:num>
+                          <m:den>
+                            <m:r>
+                              <a:rPr lang="en-US" altLang="zh-CN" b="0" i="1" smtClean="0">
+                                <a:latin typeface="Cambria Math" panose="02040503050406030204" pitchFamily="18" charset="0"/>
+                              </a:rPr>
+                              <m:t>𝑛</m:t>
+                            </m:r>
+                            <m:r>
+                              <a:rPr lang="en-US" altLang="zh-CN" b="0" i="1" smtClean="0">
+                                <a:latin typeface="Cambria Math" panose="02040503050406030204" pitchFamily="18" charset="0"/>
+                              </a:rPr>
+                              <m:t>1+</m:t>
+                            </m:r>
+                            <m:r>
+                              <a:rPr lang="en-US" altLang="zh-CN" b="0" i="1" smtClean="0">
+                                <a:latin typeface="Cambria Math" panose="02040503050406030204" pitchFamily="18" charset="0"/>
+                              </a:rPr>
+                              <m:t>𝑛</m:t>
+                            </m:r>
+                            <m:r>
+                              <a:rPr lang="en-US" altLang="zh-CN" b="0" i="1" smtClean="0">
+                                <a:latin typeface="Cambria Math" panose="02040503050406030204" pitchFamily="18" charset="0"/>
+                              </a:rPr>
+                              <m:t>2−2</m:t>
+                            </m:r>
+                          </m:den>
+                        </m:f>
+                      </m:e>
+                    </m:rad>
+                  </m:oMath>
+                </a14:m>
+                <a:r>
+                  <a:rPr lang="en-US" altLang="zh-CN" dirty="0" smtClean="0"/>
+                  <a:t>, </a:t>
+                </a:r>
+                <a14:m>
+                  <m:oMath xmlns:m="http://schemas.openxmlformats.org/officeDocument/2006/math">
+                    <m:acc>
+                      <m:accPr>
+                        <m:chr m:val="̅"/>
+                        <m:ctrlPr>
+                          <a:rPr lang="zh-CN" altLang="en-US" i="1">
+                            <a:latin typeface="Cambria Math" panose="02040503050406030204" pitchFamily="18" charset="0"/>
+                          </a:rPr>
+                        </m:ctrlPr>
+                      </m:accPr>
+                      <m:e>
+                        <m:sSub>
+                          <m:sSubPr>
+                            <m:ctrlPr>
+                              <a:rPr lang="en-US" altLang="zh-CN" i="1" smtClean="0">
+                                <a:latin typeface="Cambria Math" panose="02040503050406030204" pitchFamily="18" charset="0"/>
+                              </a:rPr>
+                            </m:ctrlPr>
+                          </m:sSubPr>
+                          <m:e>
+                            <m:r>
+                              <a:rPr lang="en-US" altLang="zh-CN" b="0" i="1" smtClean="0">
+                                <a:latin typeface="Cambria Math" panose="02040503050406030204" pitchFamily="18" charset="0"/>
+                              </a:rPr>
+                              <m:t>𝑥</m:t>
+                            </m:r>
+                          </m:e>
+                          <m:sub>
+                            <m:r>
+                              <a:rPr lang="en-US" altLang="zh-CN" b="0" i="1" smtClean="0">
+                                <a:latin typeface="Cambria Math" panose="02040503050406030204" pitchFamily="18" charset="0"/>
+                              </a:rPr>
+                              <m:t>1</m:t>
+                            </m:r>
+                          </m:sub>
+                        </m:sSub>
+                      </m:e>
+                    </m:acc>
+                    <m:r>
+                      <a:rPr lang="en-US" altLang="zh-CN" b="0" i="1" smtClean="0">
+                        <a:latin typeface="Cambria Math" panose="02040503050406030204" pitchFamily="18" charset="0"/>
+                      </a:rPr>
+                      <m:t>−</m:t>
+                    </m:r>
+                    <m:acc>
+                      <m:accPr>
+                        <m:chr m:val="̅"/>
+                        <m:ctrlPr>
+                          <a:rPr lang="zh-CN" altLang="en-US" i="1">
+                            <a:latin typeface="Cambria Math" panose="02040503050406030204" pitchFamily="18" charset="0"/>
+                          </a:rPr>
+                        </m:ctrlPr>
+                      </m:accPr>
+                      <m:e>
+                        <m:sSub>
+                          <m:sSubPr>
+                            <m:ctrlPr>
+                              <a:rPr lang="en-US" altLang="zh-CN" i="1">
+                                <a:latin typeface="Cambria Math" panose="02040503050406030204" pitchFamily="18" charset="0"/>
+                              </a:rPr>
+                            </m:ctrlPr>
+                          </m:sSubPr>
+                          <m:e>
+                            <m:r>
+                              <a:rPr lang="en-US" altLang="zh-CN" i="1">
+                                <a:latin typeface="Cambria Math" panose="02040503050406030204" pitchFamily="18" charset="0"/>
+                              </a:rPr>
+                              <m:t>𝑥</m:t>
+                            </m:r>
+                          </m:e>
+                          <m:sub>
+                            <m:r>
+                              <a:rPr lang="en-US" altLang="zh-CN" b="0" i="1" smtClean="0">
+                                <a:latin typeface="Cambria Math" panose="02040503050406030204" pitchFamily="18" charset="0"/>
+                              </a:rPr>
+                              <m:t>2</m:t>
+                            </m:r>
+                          </m:sub>
+                        </m:sSub>
+                      </m:e>
+                    </m:acc>
+                    <m:r>
+                      <a:rPr lang="en-US" altLang="zh-CN" i="1">
+                        <a:latin typeface="Cambria Math" panose="02040503050406030204" pitchFamily="18" charset="0"/>
+                        <a:ea typeface="Cambria Math" panose="02040503050406030204" pitchFamily="18" charset="0"/>
+                      </a:rPr>
+                      <m:t>±</m:t>
+                    </m:r>
+                    <m:sSub>
+                      <m:sSubPr>
+                        <m:ctrlPr>
+                          <a:rPr lang="en-US" altLang="zh-CN" i="1">
+                            <a:latin typeface="Cambria Math" panose="02040503050406030204" pitchFamily="18" charset="0"/>
+                          </a:rPr>
+                        </m:ctrlPr>
+                      </m:sSubPr>
+                      <m:e>
+                        <m:r>
+                          <a:rPr lang="en-US" altLang="zh-CN" i="1">
+                            <a:latin typeface="Cambria Math" panose="02040503050406030204" pitchFamily="18" charset="0"/>
+                          </a:rPr>
+                          <m:t>𝑡</m:t>
+                        </m:r>
+                      </m:e>
+                      <m:sub>
+                        <m:r>
+                          <a:rPr lang="zh-CN" altLang="en-US" i="1">
+                            <a:latin typeface="Cambria Math" panose="02040503050406030204" pitchFamily="18" charset="0"/>
+                          </a:rPr>
+                          <m:t>𝛼</m:t>
+                        </m:r>
+                        <m:r>
+                          <a:rPr lang="en-US" altLang="zh-CN" i="1">
+                            <a:latin typeface="Cambria Math" panose="02040503050406030204" pitchFamily="18" charset="0"/>
+                          </a:rPr>
+                          <m:t>/2</m:t>
+                        </m:r>
+                      </m:sub>
+                    </m:sSub>
+                    <m:r>
+                      <a:rPr lang="en-US" altLang="zh-CN" i="1">
+                        <a:latin typeface="Cambria Math" panose="02040503050406030204" pitchFamily="18" charset="0"/>
+                      </a:rPr>
+                      <m:t>∗</m:t>
+                    </m:r>
+                    <m:rad>
+                      <m:radPr>
+                        <m:degHide m:val="on"/>
+                        <m:ctrlPr>
+                          <a:rPr lang="en-US" altLang="zh-CN" i="1">
+                            <a:latin typeface="Cambria Math" panose="02040503050406030204" pitchFamily="18" charset="0"/>
+                          </a:rPr>
+                        </m:ctrlPr>
+                      </m:radPr>
+                      <m:deg/>
+                      <m:e>
+                        <m:sSub>
+                          <m:sSubPr>
+                            <m:ctrlPr>
+                              <a:rPr lang="en-US" altLang="zh-CN" i="1">
+                                <a:latin typeface="Cambria Math" panose="02040503050406030204" pitchFamily="18" charset="0"/>
+                              </a:rPr>
+                            </m:ctrlPr>
+                          </m:sSubPr>
+                          <m:e>
+                            <m:r>
+                              <a:rPr lang="en-US" altLang="zh-CN" i="1">
+                                <a:latin typeface="Cambria Math" panose="02040503050406030204" pitchFamily="18" charset="0"/>
+                              </a:rPr>
+                              <m:t>𝑠</m:t>
+                            </m:r>
+                          </m:e>
+                          <m:sub>
+                            <m:r>
+                              <a:rPr lang="en-US" altLang="zh-CN" i="1">
+                                <a:latin typeface="Cambria Math" panose="02040503050406030204" pitchFamily="18" charset="0"/>
+                              </a:rPr>
+                              <m:t>𝑝</m:t>
+                            </m:r>
+                          </m:sub>
+                        </m:sSub>
+                        <m:r>
+                          <a:rPr lang="en-US" altLang="zh-CN" i="1">
+                            <a:latin typeface="Cambria Math" panose="02040503050406030204" pitchFamily="18" charset="0"/>
+                          </a:rPr>
+                          <m:t>(</m:t>
+                        </m:r>
+                        <m:f>
+                          <m:fPr>
+                            <m:ctrlPr>
+                              <a:rPr lang="en-US" altLang="zh-CN" i="1">
+                                <a:latin typeface="Cambria Math" panose="02040503050406030204" pitchFamily="18" charset="0"/>
+                              </a:rPr>
+                            </m:ctrlPr>
+                          </m:fPr>
+                          <m:num>
+                            <m:r>
+                              <a:rPr lang="en-US" altLang="zh-CN" i="1">
+                                <a:latin typeface="Cambria Math" panose="02040503050406030204" pitchFamily="18" charset="0"/>
+                              </a:rPr>
+                              <m:t>1</m:t>
+                            </m:r>
+                          </m:num>
+                          <m:den>
+                            <m:r>
+                              <a:rPr lang="en-US" altLang="zh-CN" i="1">
+                                <a:latin typeface="Cambria Math" panose="02040503050406030204" pitchFamily="18" charset="0"/>
+                              </a:rPr>
+                              <m:t>𝑛</m:t>
+                            </m:r>
+                            <m:r>
+                              <a:rPr lang="en-US" altLang="zh-CN" i="1">
+                                <a:latin typeface="Cambria Math" panose="02040503050406030204" pitchFamily="18" charset="0"/>
+                              </a:rPr>
+                              <m:t>1</m:t>
+                            </m:r>
+                          </m:den>
+                        </m:f>
+                        <m:r>
+                          <a:rPr lang="en-US" altLang="zh-CN" i="1">
+                            <a:latin typeface="Cambria Math" panose="02040503050406030204" pitchFamily="18" charset="0"/>
+                          </a:rPr>
+                          <m:t>+</m:t>
+                        </m:r>
+                        <m:f>
+                          <m:fPr>
+                            <m:ctrlPr>
+                              <a:rPr lang="en-US" altLang="zh-CN" i="1">
+                                <a:latin typeface="Cambria Math" panose="02040503050406030204" pitchFamily="18" charset="0"/>
+                              </a:rPr>
+                            </m:ctrlPr>
+                          </m:fPr>
+                          <m:num>
+                            <m:r>
+                              <a:rPr lang="en-US" altLang="zh-CN" i="1">
+                                <a:latin typeface="Cambria Math" panose="02040503050406030204" pitchFamily="18" charset="0"/>
+                              </a:rPr>
+                              <m:t>1</m:t>
+                            </m:r>
+                          </m:num>
+                          <m:den>
+                            <m:r>
+                              <a:rPr lang="en-US" altLang="zh-CN" i="1">
+                                <a:latin typeface="Cambria Math" panose="02040503050406030204" pitchFamily="18" charset="0"/>
+                              </a:rPr>
+                              <m:t>𝑛</m:t>
+                            </m:r>
+                            <m:r>
+                              <a:rPr lang="en-US" altLang="zh-CN" i="1">
+                                <a:latin typeface="Cambria Math" panose="02040503050406030204" pitchFamily="18" charset="0"/>
+                              </a:rPr>
+                              <m:t>2</m:t>
+                            </m:r>
+                          </m:den>
+                        </m:f>
+                        <m:r>
+                          <a:rPr lang="en-US" altLang="zh-CN" i="1">
+                            <a:latin typeface="Cambria Math" panose="02040503050406030204" pitchFamily="18" charset="0"/>
+                          </a:rPr>
+                          <m:t>)</m:t>
+                        </m:r>
+                      </m:e>
+                    </m:rad>
+                  </m:oMath>
+                </a14:m>
+                <a:endParaRPr lang="en-US" altLang="zh-CN" dirty="0" smtClean="0"/>
+              </a:p>
+              <a:p>
+                <a:r>
+                  <a:rPr lang="zh-CN" altLang="en-US" dirty="0"/>
+                  <a:t>单</a:t>
+                </a:r>
+                <a:r>
+                  <a:rPr lang="zh-CN" altLang="en-US" dirty="0" smtClean="0"/>
+                  <a:t>样本二项分布检验</a:t>
+                </a:r>
+                <a14:m>
+                  <m:oMath xmlns:m="http://schemas.openxmlformats.org/officeDocument/2006/math">
+                    <m:acc>
+                      <m:accPr>
+                        <m:chr m:val="̂"/>
+                        <m:ctrlPr>
+                          <a:rPr lang="en-US" altLang="zh-CN" b="0" i="1" smtClean="0">
+                            <a:latin typeface="Cambria Math" panose="02040503050406030204" pitchFamily="18" charset="0"/>
+                            <a:ea typeface="Cambria Math" panose="02040503050406030204" pitchFamily="18" charset="0"/>
+                          </a:rPr>
+                        </m:ctrlPr>
+                      </m:accPr>
+                      <m:e>
+                        <m:r>
+                          <a:rPr lang="en-US" altLang="zh-CN" b="0" i="1" smtClean="0">
+                            <a:latin typeface="Cambria Math" panose="02040503050406030204" pitchFamily="18" charset="0"/>
+                            <a:ea typeface="Cambria Math" panose="02040503050406030204" pitchFamily="18" charset="0"/>
+                          </a:rPr>
+                          <m:t>𝑝</m:t>
+                        </m:r>
+                      </m:e>
+                    </m:acc>
+                    <m:r>
+                      <a:rPr lang="en-US" altLang="zh-CN" i="1">
+                        <a:latin typeface="Cambria Math" panose="02040503050406030204" pitchFamily="18" charset="0"/>
+                        <a:ea typeface="Cambria Math" panose="02040503050406030204" pitchFamily="18" charset="0"/>
+                      </a:rPr>
+                      <m:t>±</m:t>
+                    </m:r>
+                    <m:sSub>
+                      <m:sSubPr>
+                        <m:ctrlPr>
+                          <a:rPr lang="en-US" altLang="zh-CN" i="1">
+                            <a:latin typeface="Cambria Math" panose="02040503050406030204" pitchFamily="18" charset="0"/>
+                          </a:rPr>
+                        </m:ctrlPr>
+                      </m:sSubPr>
+                      <m:e>
+                        <m:r>
+                          <a:rPr lang="en-US" altLang="zh-CN" b="0" i="1" smtClean="0">
+                            <a:latin typeface="Cambria Math" panose="02040503050406030204" pitchFamily="18" charset="0"/>
+                          </a:rPr>
+                          <m:t>𝑧</m:t>
+                        </m:r>
+                      </m:e>
+                      <m:sub>
+                        <m:r>
+                          <a:rPr lang="zh-CN" altLang="en-US" i="1">
+                            <a:latin typeface="Cambria Math" panose="02040503050406030204" pitchFamily="18" charset="0"/>
+                          </a:rPr>
+                          <m:t>𝛼</m:t>
+                        </m:r>
+                        <m:r>
+                          <a:rPr lang="en-US" altLang="zh-CN" i="1">
+                            <a:latin typeface="Cambria Math" panose="02040503050406030204" pitchFamily="18" charset="0"/>
+                          </a:rPr>
+                          <m:t>/2</m:t>
+                        </m:r>
+                      </m:sub>
+                    </m:sSub>
+                    <m:r>
+                      <a:rPr lang="en-US" altLang="zh-CN" b="0" i="1" smtClean="0">
+                        <a:latin typeface="Cambria Math" panose="02040503050406030204" pitchFamily="18" charset="0"/>
+                      </a:rPr>
+                      <m:t>∗</m:t>
+                    </m:r>
+                    <m:rad>
+                      <m:radPr>
+                        <m:degHide m:val="on"/>
+                        <m:ctrlPr>
+                          <a:rPr lang="en-US" altLang="zh-CN" b="0" i="1" smtClean="0">
+                            <a:latin typeface="Cambria Math" panose="02040503050406030204" pitchFamily="18" charset="0"/>
+                          </a:rPr>
+                        </m:ctrlPr>
+                      </m:radPr>
+                      <m:deg/>
+                      <m:e>
+                        <m:f>
+                          <m:fPr>
+                            <m:ctrlPr>
+                              <a:rPr lang="en-US" altLang="zh-CN" i="1">
+                                <a:latin typeface="Cambria Math" panose="02040503050406030204" pitchFamily="18" charset="0"/>
+                              </a:rPr>
+                            </m:ctrlPr>
+                          </m:fPr>
+                          <m:num>
+                            <m:r>
+                              <a:rPr lang="en-US" altLang="zh-CN" i="1">
+                                <a:latin typeface="Cambria Math" panose="02040503050406030204" pitchFamily="18" charset="0"/>
+                              </a:rPr>
+                              <m:t>𝑝</m:t>
+                            </m:r>
+                            <m:r>
+                              <a:rPr lang="en-US" altLang="zh-CN" i="1">
+                                <a:latin typeface="Cambria Math" panose="02040503050406030204" pitchFamily="18" charset="0"/>
+                              </a:rPr>
+                              <m:t>(1−</m:t>
+                            </m:r>
+                            <m:r>
+                              <a:rPr lang="en-US" altLang="zh-CN" i="1">
+                                <a:latin typeface="Cambria Math" panose="02040503050406030204" pitchFamily="18" charset="0"/>
+                              </a:rPr>
+                              <m:t>𝑝</m:t>
+                            </m:r>
+                            <m:r>
+                              <a:rPr lang="en-US" altLang="zh-CN" i="1">
+                                <a:latin typeface="Cambria Math" panose="02040503050406030204" pitchFamily="18" charset="0"/>
+                              </a:rPr>
+                              <m:t>)</m:t>
+                            </m:r>
+                          </m:num>
+                          <m:den>
+                            <m:r>
+                              <a:rPr lang="en-US" altLang="zh-CN" i="1">
+                                <a:latin typeface="Cambria Math" panose="02040503050406030204" pitchFamily="18" charset="0"/>
+                              </a:rPr>
+                              <m:t>𝑛</m:t>
+                            </m:r>
+                          </m:den>
+                        </m:f>
+                      </m:e>
+                    </m:rad>
+                  </m:oMath>
+                </a14:m>
+                <a:endParaRPr lang="en-US" altLang="zh-CN" dirty="0" smtClean="0"/>
+              </a:p>
+              <a:p>
+                <a:r>
+                  <a:rPr lang="en-US" altLang="zh-CN" dirty="0" smtClean="0"/>
+                  <a:t>2</a:t>
+                </a:r>
+                <a:r>
+                  <a:rPr lang="zh-CN" altLang="en-US" dirty="0" smtClean="0"/>
+                  <a:t>独立样本二项分布检验</a:t>
+                </a:r>
+                <a14:m>
+                  <m:oMath xmlns:m="http://schemas.openxmlformats.org/officeDocument/2006/math">
+                    <m:acc>
+                      <m:accPr>
+                        <m:chr m:val="̂"/>
+                        <m:ctrlPr>
+                          <a:rPr lang="en-US" altLang="zh-CN" i="1">
+                            <a:latin typeface="Cambria Math" panose="02040503050406030204" pitchFamily="18" charset="0"/>
+                            <a:ea typeface="Cambria Math" panose="02040503050406030204" pitchFamily="18" charset="0"/>
+                          </a:rPr>
+                        </m:ctrlPr>
+                      </m:accPr>
+                      <m:e>
+                        <m:r>
+                          <a:rPr lang="en-US" altLang="zh-CN" i="1">
+                            <a:latin typeface="Cambria Math" panose="02040503050406030204" pitchFamily="18" charset="0"/>
+                            <a:ea typeface="Cambria Math" panose="02040503050406030204" pitchFamily="18" charset="0"/>
+                          </a:rPr>
+                          <m:t>𝑝</m:t>
+                        </m:r>
+                      </m:e>
+                    </m:acc>
+                    <m:r>
+                      <a:rPr lang="en-US" altLang="zh-CN" b="0" i="1" smtClean="0">
+                        <a:latin typeface="Cambria Math" panose="02040503050406030204" pitchFamily="18" charset="0"/>
+                        <a:ea typeface="Cambria Math" panose="02040503050406030204" pitchFamily="18" charset="0"/>
+                      </a:rPr>
+                      <m:t>1−</m:t>
+                    </m:r>
+                    <m:acc>
+                      <m:accPr>
+                        <m:chr m:val="̂"/>
+                        <m:ctrlPr>
+                          <a:rPr lang="en-US" altLang="zh-CN" i="1">
+                            <a:latin typeface="Cambria Math" panose="02040503050406030204" pitchFamily="18" charset="0"/>
+                            <a:ea typeface="Cambria Math" panose="02040503050406030204" pitchFamily="18" charset="0"/>
+                          </a:rPr>
+                        </m:ctrlPr>
+                      </m:accPr>
+                      <m:e>
+                        <m:r>
+                          <a:rPr lang="en-US" altLang="zh-CN" i="1">
+                            <a:latin typeface="Cambria Math" panose="02040503050406030204" pitchFamily="18" charset="0"/>
+                            <a:ea typeface="Cambria Math" panose="02040503050406030204" pitchFamily="18" charset="0"/>
+                          </a:rPr>
+                          <m:t>𝑝</m:t>
+                        </m:r>
+                      </m:e>
+                    </m:acc>
+                    <m:r>
+                      <a:rPr lang="en-US" altLang="zh-CN" b="0" i="1" smtClean="0">
+                        <a:latin typeface="Cambria Math" panose="02040503050406030204" pitchFamily="18" charset="0"/>
+                        <a:ea typeface="Cambria Math" panose="02040503050406030204" pitchFamily="18" charset="0"/>
+                      </a:rPr>
+                      <m:t>2</m:t>
+                    </m:r>
+                    <m:r>
+                      <a:rPr lang="en-US" altLang="zh-CN" i="1">
+                        <a:latin typeface="Cambria Math" panose="02040503050406030204" pitchFamily="18" charset="0"/>
+                        <a:ea typeface="Cambria Math" panose="02040503050406030204" pitchFamily="18" charset="0"/>
+                      </a:rPr>
+                      <m:t>±</m:t>
+                    </m:r>
+                    <m:sSub>
+                      <m:sSubPr>
+                        <m:ctrlPr>
+                          <a:rPr lang="en-US" altLang="zh-CN" i="1">
+                            <a:latin typeface="Cambria Math" panose="02040503050406030204" pitchFamily="18" charset="0"/>
+                          </a:rPr>
+                        </m:ctrlPr>
+                      </m:sSubPr>
+                      <m:e>
+                        <m:r>
+                          <a:rPr lang="en-US" altLang="zh-CN" i="1">
+                            <a:latin typeface="Cambria Math" panose="02040503050406030204" pitchFamily="18" charset="0"/>
+                          </a:rPr>
+                          <m:t>𝑧</m:t>
+                        </m:r>
+                      </m:e>
+                      <m:sub>
+                        <m:f>
+                          <m:fPr>
+                            <m:ctrlPr>
+                              <a:rPr lang="en-US" altLang="zh-CN" i="1">
+                                <a:latin typeface="Cambria Math" panose="02040503050406030204" pitchFamily="18" charset="0"/>
+                              </a:rPr>
+                            </m:ctrlPr>
+                          </m:fPr>
+                          <m:num>
+                            <m:r>
+                              <a:rPr lang="zh-CN" altLang="en-US" i="1">
+                                <a:latin typeface="Cambria Math" panose="02040503050406030204" pitchFamily="18" charset="0"/>
+                              </a:rPr>
+                              <m:t>𝛼</m:t>
+                            </m:r>
+                          </m:num>
+                          <m:den>
+                            <m:r>
+                              <a:rPr lang="en-US" altLang="zh-CN" i="1">
+                                <a:latin typeface="Cambria Math" panose="02040503050406030204" pitchFamily="18" charset="0"/>
+                              </a:rPr>
+                              <m:t>2</m:t>
+                            </m:r>
+                          </m:den>
+                        </m:f>
+                      </m:sub>
+                    </m:sSub>
+                    <m:r>
+                      <a:rPr lang="en-US" altLang="zh-CN" i="1">
+                        <a:latin typeface="Cambria Math" panose="02040503050406030204" pitchFamily="18" charset="0"/>
+                      </a:rPr>
+                      <m:t>∗</m:t>
+                    </m:r>
+                    <m:rad>
+                      <m:radPr>
+                        <m:degHide m:val="on"/>
+                        <m:ctrlPr>
+                          <a:rPr lang="en-US" altLang="zh-CN" i="1">
+                            <a:latin typeface="Cambria Math" panose="02040503050406030204" pitchFamily="18" charset="0"/>
+                          </a:rPr>
+                        </m:ctrlPr>
+                      </m:radPr>
+                      <m:deg/>
+                      <m:e>
+                        <m:f>
+                          <m:fPr>
+                            <m:ctrlPr>
+                              <a:rPr lang="en-US" altLang="zh-CN" i="1" smtClean="0">
+                                <a:latin typeface="Cambria Math" panose="02040503050406030204" pitchFamily="18" charset="0"/>
+                              </a:rPr>
+                            </m:ctrlPr>
+                          </m:fPr>
+                          <m:num>
+                            <m:r>
+                              <a:rPr lang="en-US" altLang="zh-CN" i="1">
+                                <a:latin typeface="Cambria Math" panose="02040503050406030204" pitchFamily="18" charset="0"/>
+                              </a:rPr>
+                              <m:t>𝑝</m:t>
+                            </m:r>
+                            <m:r>
+                              <a:rPr lang="en-US" altLang="zh-CN" b="0" i="1" smtClean="0">
+                                <a:latin typeface="Cambria Math" panose="02040503050406030204" pitchFamily="18" charset="0"/>
+                              </a:rPr>
+                              <m:t>1</m:t>
+                            </m:r>
+                            <m:d>
+                              <m:dPr>
+                                <m:ctrlPr>
+                                  <a:rPr lang="en-US" altLang="zh-CN" b="0" i="1">
+                                    <a:latin typeface="Cambria Math" panose="02040503050406030204" pitchFamily="18" charset="0"/>
+                                  </a:rPr>
+                                </m:ctrlPr>
+                              </m:dPr>
+                              <m:e>
+                                <m:r>
+                                  <a:rPr lang="en-US" altLang="zh-CN" i="1">
+                                    <a:latin typeface="Cambria Math" panose="02040503050406030204" pitchFamily="18" charset="0"/>
+                                  </a:rPr>
+                                  <m:t>1−</m:t>
+                                </m:r>
+                                <m:r>
+                                  <a:rPr lang="en-US" altLang="zh-CN" i="1">
+                                    <a:latin typeface="Cambria Math" panose="02040503050406030204" pitchFamily="18" charset="0"/>
+                                  </a:rPr>
+                                  <m:t>𝑝</m:t>
+                                </m:r>
+                                <m:r>
+                                  <a:rPr lang="en-US" altLang="zh-CN" b="0" i="1" smtClean="0">
+                                    <a:latin typeface="Cambria Math" panose="02040503050406030204" pitchFamily="18" charset="0"/>
+                                  </a:rPr>
+                                  <m:t>1</m:t>
+                                </m:r>
+                              </m:e>
+                            </m:d>
+                          </m:num>
+                          <m:den>
+                            <m:r>
+                              <a:rPr lang="en-US" altLang="zh-CN" i="1">
+                                <a:latin typeface="Cambria Math" panose="02040503050406030204" pitchFamily="18" charset="0"/>
+                              </a:rPr>
+                              <m:t>𝑛</m:t>
+                            </m:r>
+                            <m:r>
+                              <a:rPr lang="en-US" altLang="zh-CN" b="0" i="1" smtClean="0">
+                                <a:latin typeface="Cambria Math" panose="02040503050406030204" pitchFamily="18" charset="0"/>
+                              </a:rPr>
+                              <m:t>1</m:t>
+                            </m:r>
+                          </m:den>
+                        </m:f>
+                        <m:r>
+                          <a:rPr lang="en-US" altLang="zh-CN" b="0" i="1" smtClean="0">
+                            <a:latin typeface="Cambria Math" panose="02040503050406030204" pitchFamily="18" charset="0"/>
+                          </a:rPr>
+                          <m:t>+</m:t>
+                        </m:r>
+                        <m:f>
+                          <m:fPr>
+                            <m:ctrlPr>
+                              <a:rPr lang="en-US" altLang="zh-CN" i="1">
+                                <a:latin typeface="Cambria Math" panose="02040503050406030204" pitchFamily="18" charset="0"/>
+                              </a:rPr>
+                            </m:ctrlPr>
+                          </m:fPr>
+                          <m:num>
+                            <m:r>
+                              <a:rPr lang="en-US" altLang="zh-CN" i="1">
+                                <a:latin typeface="Cambria Math" panose="02040503050406030204" pitchFamily="18" charset="0"/>
+                              </a:rPr>
+                              <m:t>𝑝</m:t>
+                            </m:r>
+                            <m:r>
+                              <a:rPr lang="en-US" altLang="zh-CN" b="0" i="1" smtClean="0">
+                                <a:latin typeface="Cambria Math" panose="02040503050406030204" pitchFamily="18" charset="0"/>
+                              </a:rPr>
+                              <m:t>2</m:t>
+                            </m:r>
+                            <m:r>
+                              <a:rPr lang="en-US" altLang="zh-CN" i="1">
+                                <a:latin typeface="Cambria Math" panose="02040503050406030204" pitchFamily="18" charset="0"/>
+                              </a:rPr>
+                              <m:t>(1−</m:t>
+                            </m:r>
+                            <m:r>
+                              <a:rPr lang="en-US" altLang="zh-CN" i="1">
+                                <a:latin typeface="Cambria Math" panose="02040503050406030204" pitchFamily="18" charset="0"/>
+                              </a:rPr>
+                              <m:t>𝑝</m:t>
+                            </m:r>
+                            <m:r>
+                              <a:rPr lang="en-US" altLang="zh-CN" b="0" i="1" smtClean="0">
+                                <a:latin typeface="Cambria Math" panose="02040503050406030204" pitchFamily="18" charset="0"/>
+                              </a:rPr>
+                              <m:t>2</m:t>
+                            </m:r>
+                            <m:r>
+                              <a:rPr lang="en-US" altLang="zh-CN" i="1">
+                                <a:latin typeface="Cambria Math" panose="02040503050406030204" pitchFamily="18" charset="0"/>
+                              </a:rPr>
+                              <m:t>)</m:t>
+                            </m:r>
+                          </m:num>
+                          <m:den>
+                            <m:r>
+                              <a:rPr lang="en-US" altLang="zh-CN" i="1">
+                                <a:latin typeface="Cambria Math" panose="02040503050406030204" pitchFamily="18" charset="0"/>
+                              </a:rPr>
+                              <m:t>𝑛</m:t>
+                            </m:r>
+                            <m:r>
+                              <a:rPr lang="en-US" altLang="zh-CN" b="0" i="1" smtClean="0">
+                                <a:latin typeface="Cambria Math" panose="02040503050406030204" pitchFamily="18" charset="0"/>
+                              </a:rPr>
+                              <m:t>2</m:t>
+                            </m:r>
+                          </m:den>
+                        </m:f>
+                      </m:e>
+                    </m:rad>
+                  </m:oMath>
+                </a14:m>
+                <a:endParaRPr lang="zh-CN" altLang="en-US" dirty="0"/>
+              </a:p>
+            </p:txBody>
+          </p:sp>
+        </mc:Choice>
+        <mc:Fallback>
+          <p:sp>
+            <p:nvSpPr>
+              <p:cNvPr id="3" name="内容占位符 2"/>
+              <p:cNvSpPr>
+                <a:spLocks noGrp="1" noRot="1" noChangeAspect="1" noMove="1" noResize="1" noEditPoints="1" noAdjustHandles="1" noChangeArrowheads="1" noChangeShapeType="1" noTextEdit="1"/>
+              </p:cNvSpPr>
+              <p:nvPr>
+                <p:ph idx="1"/>
+              </p:nvPr>
+            </p:nvSpPr>
+            <p:spPr>
+              <a:blipFill rotWithShape="0">
+                <a:blip r:embed="rId2"/>
+                <a:stretch>
+                  <a:fillRect l="-571"/>
+                </a:stretch>
+              </a:blipFill>
+            </p:spPr>
+            <p:txBody>
+              <a:bodyPr/>
+              <a:lstStyle/>
+              <a:p>
+                <a:r>
+                  <a:rPr lang="zh-CN" altLang="en-US">
+                    <a:noFill/>
+                  </a:rPr>
+                  <a:t> </a:t>
+                </a:r>
+              </a:p>
+            </p:txBody>
+          </p:sp>
+        </mc:Fallback>
+      </mc:AlternateContent>
+      <p:sp>
+        <p:nvSpPr>
+          <p:cNvPr id="4" name="矩形 3"/>
+          <p:cNvSpPr/>
+          <p:nvPr/>
+        </p:nvSpPr>
+        <p:spPr>
+          <a:xfrm>
+            <a:off x="3581399" y="1700014"/>
+            <a:ext cx="1185334" cy="571847"/>
+          </a:xfrm>
+          <a:prstGeom prst="rect">
+            <a:avLst/>
+          </a:prstGeom>
+          <a:noFill/>
+          <a:ln>
+            <a:solidFill>
+              <a:srgbClr val="FF0000"/>
+            </a:solidFill>
+          </a:ln>
+        </p:spPr>
+        <p:style>
+          <a:lnRef idx="2">
+            <a:schemeClr val="accent1">
+              <a:shade val="50000"/>
+            </a:schemeClr>
+          </a:lnRef>
+          <a:fillRef idx="1">
+            <a:schemeClr val="accent1"/>
+          </a:fillRef>
+          <a:effectRef idx="0">
+            <a:schemeClr val="accent1"/>
+          </a:effectRef>
+          <a:fontRef idx="minor">
+            <a:schemeClr val="lt1"/>
+          </a:fontRef>
+        </p:style>
+        <p:txBody>
+          <a:bodyPr rtlCol="0" anchor="ctr"/>
+          <a:lstStyle/>
+          <a:p>
+            <a:pPr algn="ctr"/>
+            <a:endParaRPr lang="zh-CN" altLang="en-US"/>
+          </a:p>
+        </p:txBody>
+      </p:sp>
+      <p:sp>
+        <p:nvSpPr>
+          <p:cNvPr id="5" name="矩形 4"/>
+          <p:cNvSpPr/>
+          <p:nvPr/>
+        </p:nvSpPr>
+        <p:spPr>
+          <a:xfrm>
+            <a:off x="3843866" y="2302933"/>
+            <a:ext cx="1185334" cy="571847"/>
+          </a:xfrm>
+          <a:prstGeom prst="rect">
+            <a:avLst/>
+          </a:prstGeom>
+          <a:noFill/>
+          <a:ln>
+            <a:solidFill>
+              <a:srgbClr val="FF0000"/>
+            </a:solidFill>
+          </a:ln>
+        </p:spPr>
+        <p:style>
+          <a:lnRef idx="2">
+            <a:schemeClr val="accent1">
+              <a:shade val="50000"/>
+            </a:schemeClr>
+          </a:lnRef>
+          <a:fillRef idx="1">
+            <a:schemeClr val="accent1"/>
+          </a:fillRef>
+          <a:effectRef idx="0">
+            <a:schemeClr val="accent1"/>
+          </a:effectRef>
+          <a:fontRef idx="minor">
+            <a:schemeClr val="lt1"/>
+          </a:fontRef>
+        </p:style>
+        <p:txBody>
+          <a:bodyPr rtlCol="0" anchor="ctr"/>
+          <a:lstStyle/>
+          <a:p>
+            <a:pPr algn="ctr"/>
+            <a:endParaRPr lang="zh-CN" altLang="en-US"/>
+          </a:p>
+        </p:txBody>
+      </p:sp>
+      <p:sp>
+        <p:nvSpPr>
+          <p:cNvPr id="6" name="矩形 5"/>
+          <p:cNvSpPr/>
+          <p:nvPr/>
+        </p:nvSpPr>
+        <p:spPr>
+          <a:xfrm>
+            <a:off x="7340599" y="2874780"/>
+            <a:ext cx="2302934" cy="892887"/>
+          </a:xfrm>
+          <a:prstGeom prst="rect">
+            <a:avLst/>
+          </a:prstGeom>
+          <a:noFill/>
+          <a:ln>
+            <a:solidFill>
+              <a:srgbClr val="FF0000"/>
+            </a:solidFill>
+          </a:ln>
+        </p:spPr>
+        <p:style>
+          <a:lnRef idx="2">
+            <a:schemeClr val="accent1">
+              <a:shade val="50000"/>
+            </a:schemeClr>
+          </a:lnRef>
+          <a:fillRef idx="1">
+            <a:schemeClr val="accent1"/>
+          </a:fillRef>
+          <a:effectRef idx="0">
+            <a:schemeClr val="accent1"/>
+          </a:effectRef>
+          <a:fontRef idx="minor">
+            <a:schemeClr val="lt1"/>
+          </a:fontRef>
+        </p:style>
+        <p:txBody>
+          <a:bodyPr rtlCol="0" anchor="ctr"/>
+          <a:lstStyle/>
+          <a:p>
+            <a:pPr algn="ctr"/>
+            <a:endParaRPr lang="zh-CN" altLang="en-US"/>
+          </a:p>
+        </p:txBody>
+      </p:sp>
+      <p:sp>
+        <p:nvSpPr>
+          <p:cNvPr id="7" name="矩形 6"/>
+          <p:cNvSpPr/>
+          <p:nvPr/>
+        </p:nvSpPr>
+        <p:spPr>
+          <a:xfrm>
+            <a:off x="4521199" y="3619847"/>
+            <a:ext cx="1693334" cy="782820"/>
+          </a:xfrm>
+          <a:prstGeom prst="rect">
+            <a:avLst/>
+          </a:prstGeom>
+          <a:noFill/>
+          <a:ln>
+            <a:solidFill>
+              <a:srgbClr val="FF0000"/>
+            </a:solidFill>
+          </a:ln>
+        </p:spPr>
+        <p:style>
+          <a:lnRef idx="2">
+            <a:schemeClr val="accent1">
+              <a:shade val="50000"/>
+            </a:schemeClr>
+          </a:lnRef>
+          <a:fillRef idx="1">
+            <a:schemeClr val="accent1"/>
+          </a:fillRef>
+          <a:effectRef idx="0">
+            <a:schemeClr val="accent1"/>
+          </a:effectRef>
+          <a:fontRef idx="minor">
+            <a:schemeClr val="lt1"/>
+          </a:fontRef>
+        </p:style>
+        <p:txBody>
+          <a:bodyPr rtlCol="0" anchor="ctr"/>
+          <a:lstStyle/>
+          <a:p>
+            <a:pPr algn="ctr"/>
+            <a:endParaRPr lang="zh-CN" altLang="en-US"/>
+          </a:p>
+        </p:txBody>
+      </p:sp>
+      <p:sp>
+        <p:nvSpPr>
+          <p:cNvPr id="8" name="矩形 7"/>
+          <p:cNvSpPr/>
+          <p:nvPr/>
+        </p:nvSpPr>
+        <p:spPr>
+          <a:xfrm>
+            <a:off x="5647265" y="4433738"/>
+            <a:ext cx="2878668" cy="878747"/>
+          </a:xfrm>
+          <a:prstGeom prst="rect">
+            <a:avLst/>
+          </a:prstGeom>
+          <a:noFill/>
+          <a:ln>
+            <a:solidFill>
+              <a:srgbClr val="FF0000"/>
+            </a:solidFill>
+          </a:ln>
+        </p:spPr>
+        <p:style>
+          <a:lnRef idx="2">
+            <a:schemeClr val="accent1">
+              <a:shade val="50000"/>
+            </a:schemeClr>
+          </a:lnRef>
+          <a:fillRef idx="1">
+            <a:schemeClr val="accent1"/>
+          </a:fillRef>
+          <a:effectRef idx="0">
+            <a:schemeClr val="accent1"/>
+          </a:effectRef>
+          <a:fontRef idx="minor">
+            <a:schemeClr val="lt1"/>
+          </a:fontRef>
+        </p:style>
+        <p:txBody>
+          <a:bodyPr rtlCol="0" anchor="ctr"/>
+          <a:lstStyle/>
+          <a:p>
+            <a:pPr algn="ctr"/>
+            <a:endParaRPr lang="zh-CN" altLang="en-US"/>
+          </a:p>
+        </p:txBody>
+      </p:sp>
+    </p:spTree>
+    <p:extLst>
+      <p:ext uri="{BB962C8B-B14F-4D97-AF65-F5344CB8AC3E}">
+        <p14:creationId xmlns:p14="http://schemas.microsoft.com/office/powerpoint/2010/main" val="222613355"/>
+      </p:ext>
+    </p:extLst>
+  </p:cSld>
+  <p:clrMapOvr>
+    <a:masterClrMapping/>
+  </p:clrMapOvr>
+  <p:timing>
+    <p:tnLst>
+      <p:par>
+        <p:cTn id="1" dur="indefinite" restart="never" nodeType="tmRoot">
+          <p:childTnLst>
+            <p:seq concurrent="1" nextAc="seek">
+              <p:cTn id="2" dur="indefinite" nodeType="mainSeq">
+                <p:childTnLst>
+                  <p:par>
+                    <p:cTn id="3" fill="hold">
+                      <p:stCondLst>
+                        <p:cond delay="indefinite"/>
+                      </p:stCondLst>
+                      <p:childTnLst>
+                        <p:par>
+                          <p:cTn id="4" fill="hold">
+                            <p:stCondLst>
+                              <p:cond delay="0"/>
+                            </p:stCondLst>
+                            <p:childTnLst>
+                              <p:par>
+                                <p:cTn id="5" presetID="1" presetClass="entr" presetSubtype="0" fill="hold" grpId="0" nodeType="clickEffect">
+                                  <p:stCondLst>
+                                    <p:cond delay="0"/>
+                                  </p:stCondLst>
+                                  <p:childTnLst>
+                                    <p:set>
+                                      <p:cBhvr>
+                                        <p:cTn id="6" dur="1" fill="hold">
+                                          <p:stCondLst>
+                                            <p:cond delay="0"/>
+                                          </p:stCondLst>
+                                        </p:cTn>
+                                        <p:tgtEl>
+                                          <p:spTgt spid="4"/>
+                                        </p:tgtEl>
+                                        <p:attrNameLst>
+                                          <p:attrName>style.visibility</p:attrName>
+                                        </p:attrNameLst>
+                                      </p:cBhvr>
+                                      <p:to>
+                                        <p:strVal val="visible"/>
+                                      </p:to>
+                                    </p:set>
+                                  </p:childTnLst>
+                                </p:cTn>
+                              </p:par>
+                              <p:par>
+                                <p:cTn id="7" presetID="1" presetClass="entr" presetSubtype="0" fill="hold" grpId="0" nodeType="withEffect">
+                                  <p:stCondLst>
+                                    <p:cond delay="0"/>
+                                  </p:stCondLst>
+                                  <p:childTnLst>
+                                    <p:set>
+                                      <p:cBhvr>
+                                        <p:cTn id="8" dur="1" fill="hold">
+                                          <p:stCondLst>
+                                            <p:cond delay="0"/>
+                                          </p:stCondLst>
+                                        </p:cTn>
+                                        <p:tgtEl>
+                                          <p:spTgt spid="5"/>
+                                        </p:tgtEl>
+                                        <p:attrNameLst>
+                                          <p:attrName>style.visibility</p:attrName>
+                                        </p:attrNameLst>
+                                      </p:cBhvr>
+                                      <p:to>
+                                        <p:strVal val="visible"/>
+                                      </p:to>
+                                    </p:set>
+                                  </p:childTnLst>
+                                </p:cTn>
+                              </p:par>
+                              <p:par>
+                                <p:cTn id="9" presetID="1" presetClass="entr" presetSubtype="0" fill="hold" grpId="0" nodeType="withEffect">
+                                  <p:stCondLst>
+                                    <p:cond delay="0"/>
+                                  </p:stCondLst>
+                                  <p:childTnLst>
+                                    <p:set>
+                                      <p:cBhvr>
+                                        <p:cTn id="10" dur="1" fill="hold">
+                                          <p:stCondLst>
+                                            <p:cond delay="0"/>
+                                          </p:stCondLst>
+                                        </p:cTn>
+                                        <p:tgtEl>
+                                          <p:spTgt spid="6"/>
+                                        </p:tgtEl>
+                                        <p:attrNameLst>
+                                          <p:attrName>style.visibility</p:attrName>
+                                        </p:attrNameLst>
+                                      </p:cBhvr>
+                                      <p:to>
+                                        <p:strVal val="visible"/>
+                                      </p:to>
+                                    </p:set>
+                                  </p:childTnLst>
+                                </p:cTn>
+                              </p:par>
+                              <p:par>
+                                <p:cTn id="11" presetID="1" presetClass="entr" presetSubtype="0" fill="hold" grpId="0" nodeType="withEffect">
+                                  <p:stCondLst>
+                                    <p:cond delay="0"/>
+                                  </p:stCondLst>
+                                  <p:childTnLst>
+                                    <p:set>
+                                      <p:cBhvr>
+                                        <p:cTn id="12" dur="1" fill="hold">
+                                          <p:stCondLst>
+                                            <p:cond delay="0"/>
+                                          </p:stCondLst>
+                                        </p:cTn>
+                                        <p:tgtEl>
+                                          <p:spTgt spid="7"/>
+                                        </p:tgtEl>
+                                        <p:attrNameLst>
+                                          <p:attrName>style.visibility</p:attrName>
+                                        </p:attrNameLst>
+                                      </p:cBhvr>
+                                      <p:to>
+                                        <p:strVal val="visible"/>
+                                      </p:to>
+                                    </p:set>
+                                  </p:childTnLst>
+                                </p:cTn>
+                              </p:par>
+                              <p:par>
+                                <p:cTn id="13" presetID="1" presetClass="entr" presetSubtype="0" fill="hold" grpId="0" nodeType="withEffect">
+                                  <p:stCondLst>
+                                    <p:cond delay="0"/>
+                                  </p:stCondLst>
+                                  <p:childTnLst>
+                                    <p:set>
+                                      <p:cBhvr>
+                                        <p:cTn id="14" dur="1" fill="hold">
+                                          <p:stCondLst>
+                                            <p:cond delay="0"/>
+                                          </p:stCondLst>
+                                        </p:cTn>
+                                        <p:tgtEl>
+                                          <p:spTgt spid="8"/>
+                                        </p:tgtEl>
+                                        <p:attrNameLst>
+                                          <p:attrName>style.visibility</p:attrName>
+                                        </p:attrNameLst>
+                                      </p:cBhvr>
+                                      <p:to>
+                                        <p:strVal val="visible"/>
+                                      </p:to>
+                                    </p:set>
+                                  </p:childTnLst>
+                                </p:cTn>
+                              </p:par>
+                            </p:childTnLst>
+                          </p:cTn>
+                        </p:par>
+                      </p:childTnLst>
+                    </p:cTn>
+                  </p:par>
+                </p:childTnLst>
+              </p:cTn>
+              <p:prevCondLst>
+                <p:cond evt="onPrev" delay="0">
+                  <p:tgtEl>
+                    <p:sldTgt/>
+                  </p:tgtEl>
+                </p:cond>
+              </p:prevCondLst>
+              <p:nextCondLst>
+                <p:cond evt="onNext" delay="0">
+                  <p:tgtEl>
+                    <p:sldTgt/>
+                  </p:tgtEl>
+                </p:cond>
+              </p:nextCondLst>
+            </p:seq>
+          </p:childTnLst>
+        </p:cTn>
+      </p:par>
+    </p:tnLst>
+    <p:bldLst>
+      <p:bldP spid="4" grpId="0" animBg="1"/>
+      <p:bldP spid="5" grpId="0" animBg="1"/>
+      <p:bldP spid="6" grpId="0" animBg="1"/>
+      <p:bldP spid="7" grpId="0" animBg="1"/>
+      <p:bldP spid="8" grpId="0" animBg="1"/>
+    </p:bldLst>
+  </p:timing>
+</p:sld>
+</file>
+
+<file path=ppt/slides/slide32.xml><?xml version="1.0" encoding="utf-8"?>
+<p:sld xmlns:a="http://schemas.openxmlformats.org/drawingml/2006/main" xmlns:r="http://schemas.openxmlformats.org/officeDocument/2006/relationships" xmlns:p="http://schemas.openxmlformats.org/presentationml/2006/main">
+  <p:cSld>
+    <p:spTree>
+      <p:nvGrpSpPr>
+        <p:cNvPr id="1" name=""/>
+        <p:cNvGrpSpPr/>
+        <p:nvPr/>
+      </p:nvGrpSpPr>
+      <p:grpSpPr>
+        <a:xfrm>
+          <a:off x="0" y="0"/>
+          <a:ext cx="0" cy="0"/>
+          <a:chOff x="0" y="0"/>
+          <a:chExt cx="0" cy="0"/>
+        </a:xfrm>
+      </p:grpSpPr>
+      <p:sp>
+        <p:nvSpPr>
+          <p:cNvPr id="2" name="标题 1"/>
+          <p:cNvSpPr>
+            <a:spLocks noGrp="1"/>
+          </p:cNvSpPr>
+          <p:nvPr>
+            <p:ph type="title"/>
+          </p:nvPr>
+        </p:nvSpPr>
+        <p:spPr/>
+        <p:txBody>
+          <a:bodyPr/>
+          <a:lstStyle/>
+          <a:p>
+            <a:r>
+              <a:rPr lang="zh-CN" altLang="en-US" dirty="0" smtClean="0"/>
+              <a:t>样本量计算，单样本连续变量</a:t>
+            </a:r>
+            <a:endParaRPr lang="zh-CN" altLang="en-US" dirty="0"/>
+          </a:p>
+        </p:txBody>
+      </p:sp>
+      <p:sp>
+        <p:nvSpPr>
+          <p:cNvPr id="3" name="内容占位符 2"/>
+          <p:cNvSpPr>
+            <a:spLocks noGrp="1"/>
+          </p:cNvSpPr>
+          <p:nvPr>
+            <p:ph idx="1"/>
+          </p:nvPr>
+        </p:nvSpPr>
+        <p:spPr/>
+        <p:txBody>
+          <a:bodyPr/>
+          <a:lstStyle/>
+          <a:p>
+            <a:r>
+              <a:rPr lang="zh-CN" altLang="en-US" dirty="0" smtClean="0"/>
+              <a:t>研究员向估计</a:t>
+            </a:r>
+            <a:r>
+              <a:rPr lang="en-US" altLang="zh-CN" dirty="0" smtClean="0"/>
+              <a:t>3</a:t>
+            </a:r>
+            <a:r>
+              <a:rPr lang="zh-CN" altLang="en-US" dirty="0" smtClean="0"/>
+              <a:t>到</a:t>
+            </a:r>
+            <a:r>
+              <a:rPr lang="en-US" altLang="zh-CN" dirty="0" smtClean="0"/>
+              <a:t>5</a:t>
+            </a:r>
+            <a:r>
+              <a:rPr lang="zh-CN" altLang="en-US" dirty="0" smtClean="0"/>
+              <a:t>岁具有先心病儿童的收缩压水平，样本量应该至少有多少呢？</a:t>
+            </a:r>
+            <a:endParaRPr lang="en-US" altLang="zh-CN" dirty="0" smtClean="0"/>
+          </a:p>
+          <a:p>
+            <a:r>
+              <a:rPr lang="zh-CN" altLang="en-US" dirty="0" smtClean="0"/>
+              <a:t>假设研究人员想让错误范围在</a:t>
+            </a:r>
+            <a:r>
+              <a:rPr lang="en-US" altLang="zh-CN" dirty="0" smtClean="0"/>
+              <a:t>5</a:t>
+            </a:r>
+            <a:r>
+              <a:rPr lang="zh-CN" altLang="en-US" dirty="0" smtClean="0"/>
+              <a:t>个</a:t>
+            </a:r>
+            <a:r>
+              <a:rPr lang="en-US" altLang="zh-CN" dirty="0" smtClean="0"/>
+              <a:t>mmHg</a:t>
+            </a:r>
+            <a:r>
+              <a:rPr lang="zh-CN" altLang="en-US" dirty="0" smtClean="0"/>
+              <a:t>以内</a:t>
+            </a:r>
+            <a:endParaRPr lang="en-US" altLang="zh-CN" dirty="0" smtClean="0"/>
+          </a:p>
+          <a:p>
+            <a:r>
+              <a:rPr lang="zh-CN" altLang="en-US" dirty="0" smtClean="0"/>
+              <a:t>通过文献阅读，研究人员发现既往的研究中，类似研究对象的收缩压标准差在</a:t>
+            </a:r>
+            <a:r>
+              <a:rPr lang="en-US" altLang="zh-CN" dirty="0" smtClean="0"/>
+              <a:t>15</a:t>
+            </a:r>
+            <a:r>
+              <a:rPr lang="zh-CN" altLang="en-US" dirty="0" smtClean="0"/>
+              <a:t>到</a:t>
+            </a:r>
+            <a:r>
+              <a:rPr lang="en-US" altLang="zh-CN" dirty="0" smtClean="0"/>
+              <a:t>20mmHg</a:t>
+            </a:r>
+            <a:r>
+              <a:rPr lang="zh-CN" altLang="en-US" dirty="0" smtClean="0"/>
+              <a:t>的范围里</a:t>
+            </a:r>
+            <a:endParaRPr lang="zh-CN" altLang="en-US" dirty="0"/>
+          </a:p>
+        </p:txBody>
+      </p:sp>
+      <p:pic>
+        <p:nvPicPr>
+          <p:cNvPr id="4" name="图片 3"/>
+          <p:cNvPicPr>
+            <a:picLocks noChangeAspect="1"/>
+          </p:cNvPicPr>
+          <p:nvPr/>
+        </p:nvPicPr>
+        <p:blipFill>
+          <a:blip r:embed="rId2"/>
+          <a:stretch>
+            <a:fillRect/>
+          </a:stretch>
+        </p:blipFill>
+        <p:spPr>
+          <a:xfrm>
+            <a:off x="6227763" y="934774"/>
+            <a:ext cx="1497542" cy="796312"/>
+          </a:xfrm>
+          <a:prstGeom prst="rect">
+            <a:avLst/>
+          </a:prstGeom>
+        </p:spPr>
+      </p:pic>
+      <p:pic>
+        <p:nvPicPr>
+          <p:cNvPr id="5" name="图片 4"/>
+          <p:cNvPicPr>
+            <a:picLocks noChangeAspect="1"/>
+          </p:cNvPicPr>
+          <p:nvPr/>
+        </p:nvPicPr>
+        <p:blipFill>
+          <a:blip r:embed="rId3"/>
+          <a:stretch>
+            <a:fillRect/>
+          </a:stretch>
+        </p:blipFill>
+        <p:spPr>
+          <a:xfrm>
+            <a:off x="4946120" y="4907491"/>
+            <a:ext cx="2638425" cy="666750"/>
+          </a:xfrm>
+          <a:prstGeom prst="rect">
+            <a:avLst/>
+          </a:prstGeom>
+        </p:spPr>
+      </p:pic>
+      <mc:AlternateContent xmlns:mc="http://schemas.openxmlformats.org/markup-compatibility/2006">
+        <mc:Choice xmlns:a14="http://schemas.microsoft.com/office/drawing/2010/main" Requires="a14">
+          <p:sp>
+            <p:nvSpPr>
+              <p:cNvPr id="6" name="矩形 5"/>
+              <p:cNvSpPr/>
+              <p:nvPr/>
+            </p:nvSpPr>
+            <p:spPr>
+              <a:xfrm>
+                <a:off x="4551604" y="1023678"/>
+                <a:ext cx="1547860" cy="618503"/>
+              </a:xfrm>
+              <a:prstGeom prst="rect">
+                <a:avLst/>
+              </a:prstGeom>
+            </p:spPr>
+            <p:txBody>
+              <a:bodyPr wrap="none">
+                <a:spAutoFit/>
+              </a:bodyPr>
+              <a:lstStyle/>
+              <a:p>
+                <a14:m>
+                  <m:oMathPara xmlns:m="http://schemas.openxmlformats.org/officeDocument/2006/math">
+                    <m:oMathParaPr>
+                      <m:jc m:val="centerGroup"/>
+                    </m:oMathParaPr>
+                    <m:oMath xmlns:m="http://schemas.openxmlformats.org/officeDocument/2006/math">
+                      <m:acc>
+                        <m:accPr>
+                          <m:chr m:val="̅"/>
+                          <m:ctrlPr>
+                            <a:rPr lang="zh-CN" altLang="en-US" i="1">
+                              <a:latin typeface="Cambria Math" panose="02040503050406030204" pitchFamily="18" charset="0"/>
+                            </a:rPr>
+                          </m:ctrlPr>
+                        </m:accPr>
+                        <m:e>
+                          <m:r>
+                            <a:rPr lang="en-US" altLang="zh-CN" i="1">
+                              <a:latin typeface="Cambria Math" panose="02040503050406030204" pitchFamily="18" charset="0"/>
+                            </a:rPr>
+                            <m:t>𝑥</m:t>
+                          </m:r>
+                        </m:e>
+                      </m:acc>
+                      <m:r>
+                        <a:rPr lang="en-US" altLang="zh-CN" i="1">
+                          <a:latin typeface="Cambria Math" panose="02040503050406030204" pitchFamily="18" charset="0"/>
+                          <a:ea typeface="Cambria Math" panose="02040503050406030204" pitchFamily="18" charset="0"/>
+                        </a:rPr>
+                        <m:t>±</m:t>
+                      </m:r>
+                      <m:sSub>
+                        <m:sSubPr>
+                          <m:ctrlPr>
+                            <a:rPr lang="en-US" altLang="zh-CN" i="1">
+                              <a:latin typeface="Cambria Math" panose="02040503050406030204" pitchFamily="18" charset="0"/>
+                            </a:rPr>
+                          </m:ctrlPr>
+                        </m:sSubPr>
+                        <m:e>
+                          <m:r>
+                            <a:rPr lang="en-US" altLang="zh-CN" i="1">
+                              <a:latin typeface="Cambria Math" panose="02040503050406030204" pitchFamily="18" charset="0"/>
+                            </a:rPr>
+                            <m:t>𝑡</m:t>
+                          </m:r>
+                        </m:e>
+                        <m:sub>
+                          <m:r>
+                            <a:rPr lang="zh-CN" altLang="en-US" i="1">
+                              <a:latin typeface="Cambria Math" panose="02040503050406030204" pitchFamily="18" charset="0"/>
+                            </a:rPr>
+                            <m:t>𝛼</m:t>
+                          </m:r>
+                          <m:r>
+                            <a:rPr lang="en-US" altLang="zh-CN" i="1">
+                              <a:latin typeface="Cambria Math" panose="02040503050406030204" pitchFamily="18" charset="0"/>
+                            </a:rPr>
+                            <m:t>/2</m:t>
+                          </m:r>
+                        </m:sub>
+                      </m:sSub>
+                      <m:r>
+                        <a:rPr lang="en-US" altLang="zh-CN" i="1">
+                          <a:latin typeface="Cambria Math" panose="02040503050406030204" pitchFamily="18" charset="0"/>
+                        </a:rPr>
+                        <m:t>∗</m:t>
+                      </m:r>
+                      <m:f>
+                        <m:fPr>
+                          <m:ctrlPr>
+                            <a:rPr lang="en-US" altLang="zh-CN" i="1">
+                              <a:latin typeface="Cambria Math" panose="02040503050406030204" pitchFamily="18" charset="0"/>
+                            </a:rPr>
+                          </m:ctrlPr>
+                        </m:fPr>
+                        <m:num>
+                          <m:r>
+                            <a:rPr lang="en-US" altLang="zh-CN" i="1">
+                              <a:latin typeface="Cambria Math" panose="02040503050406030204" pitchFamily="18" charset="0"/>
+                            </a:rPr>
+                            <m:t>𝑠</m:t>
+                          </m:r>
+                        </m:num>
+                        <m:den>
+                          <m:rad>
+                            <m:radPr>
+                              <m:degHide m:val="on"/>
+                              <m:ctrlPr>
+                                <a:rPr lang="en-US" altLang="zh-CN" i="1">
+                                  <a:latin typeface="Cambria Math" panose="02040503050406030204" pitchFamily="18" charset="0"/>
+                                </a:rPr>
+                              </m:ctrlPr>
+                            </m:radPr>
+                            <m:deg/>
+                            <m:e>
+                              <m:r>
+                                <a:rPr lang="en-US" altLang="zh-CN" i="1">
+                                  <a:latin typeface="Cambria Math" panose="02040503050406030204" pitchFamily="18" charset="0"/>
+                                </a:rPr>
+                                <m:t>𝑛</m:t>
+                              </m:r>
+                            </m:e>
+                          </m:rad>
+                        </m:den>
+                      </m:f>
+                    </m:oMath>
+                  </m:oMathPara>
+                </a14:m>
+                <a:endParaRPr lang="zh-CN" altLang="en-US" dirty="0"/>
+              </a:p>
+            </p:txBody>
+          </p:sp>
+        </mc:Choice>
+        <mc:Fallback>
+          <p:sp>
+            <p:nvSpPr>
+              <p:cNvPr id="6" name="矩形 5"/>
+              <p:cNvSpPr>
+                <a:spLocks noRot="1" noChangeAspect="1" noMove="1" noResize="1" noEditPoints="1" noAdjustHandles="1" noChangeArrowheads="1" noChangeShapeType="1" noTextEdit="1"/>
+              </p:cNvSpPr>
+              <p:nvPr/>
+            </p:nvSpPr>
+            <p:spPr>
+              <a:xfrm>
+                <a:off x="4551604" y="1023678"/>
+                <a:ext cx="1547860" cy="618503"/>
+              </a:xfrm>
+              <a:prstGeom prst="rect">
+                <a:avLst/>
+              </a:prstGeom>
+              <a:blipFill rotWithShape="0">
+                <a:blip r:embed="rId4"/>
+                <a:stretch>
+                  <a:fillRect/>
+                </a:stretch>
+              </a:blipFill>
+            </p:spPr>
+            <p:txBody>
+              <a:bodyPr/>
+              <a:lstStyle/>
+              <a:p>
+                <a:r>
+                  <a:rPr lang="zh-CN" altLang="en-US">
+                    <a:noFill/>
+                  </a:rPr>
+                  <a:t> </a:t>
+                </a:r>
+              </a:p>
+            </p:txBody>
+          </p:sp>
+        </mc:Fallback>
+      </mc:AlternateContent>
+    </p:spTree>
+    <p:extLst>
+      <p:ext uri="{BB962C8B-B14F-4D97-AF65-F5344CB8AC3E}">
+        <p14:creationId xmlns:p14="http://schemas.microsoft.com/office/powerpoint/2010/main" val="3022490068"/>
+      </p:ext>
+    </p:extLst>
+  </p:cSld>
+  <p:clrMapOvr>
+    <a:masterClrMapping/>
+  </p:clrMapOvr>
+  <p:timing>
+    <p:tnLst>
+      <p:par>
+        <p:cTn id="1" dur="indefinite" restart="never" nodeType="tmRoot">
+          <p:childTnLst>
+            <p:seq concurrent="1" nextAc="seek">
+              <p:cTn id="2" dur="indefinite" nodeType="mainSeq">
+                <p:childTnLst>
+                  <p:par>
+                    <p:cTn id="3" fill="hold">
+                      <p:stCondLst>
+                        <p:cond delay="indefinite"/>
+                      </p:stCondLst>
+                      <p:childTnLst>
+                        <p:par>
+                          <p:cTn id="4" fill="hold">
+                            <p:stCondLst>
+                              <p:cond delay="0"/>
+                            </p:stCondLst>
+                            <p:childTnLst>
+                              <p:par>
+                                <p:cTn id="5" presetID="1" presetClass="entr" presetSubtype="0" fill="hold" nodeType="clickEffect">
+                                  <p:stCondLst>
+                                    <p:cond delay="0"/>
+                                  </p:stCondLst>
+                                  <p:childTnLst>
+                                    <p:set>
+                                      <p:cBhvr>
+                                        <p:cTn id="6" dur="1" fill="hold">
+                                          <p:stCondLst>
+                                            <p:cond delay="0"/>
+                                          </p:stCondLst>
+                                        </p:cTn>
+                                        <p:tgtEl>
+                                          <p:spTgt spid="5"/>
+                                        </p:tgtEl>
+                                        <p:attrNameLst>
+                                          <p:attrName>style.visibility</p:attrName>
+                                        </p:attrNameLst>
+                                      </p:cBhvr>
+                                      <p:to>
+                                        <p:strVal val="visible"/>
+                                      </p:to>
+                                    </p:set>
+                                  </p:childTnLst>
+                                </p:cTn>
+                              </p:par>
+                            </p:childTnLst>
+                          </p:cTn>
+                        </p:par>
+                      </p:childTnLst>
+                    </p:cTn>
+                  </p:par>
+                </p:childTnLst>
+              </p:cTn>
+              <p:prevCondLst>
+                <p:cond evt="onPrev" delay="0">
+                  <p:tgtEl>
+                    <p:sldTgt/>
+                  </p:tgtEl>
+                </p:cond>
+              </p:prevCondLst>
+              <p:nextCondLst>
+                <p:cond evt="onNext" delay="0">
+                  <p:tgtEl>
+                    <p:sldTgt/>
+                  </p:tgtEl>
+                </p:cond>
+              </p:nextCondLst>
+            </p:seq>
+          </p:childTnLst>
+        </p:cTn>
+      </p:par>
+    </p:tnLst>
+  </p:timing>
+</p:sld>
+</file>
+
+<file path=ppt/slides/slide33.xml><?xml version="1.0" encoding="utf-8"?>
+<p:sld xmlns:a="http://schemas.openxmlformats.org/drawingml/2006/main" xmlns:r="http://schemas.openxmlformats.org/officeDocument/2006/relationships" xmlns:p="http://schemas.openxmlformats.org/presentationml/2006/main">
+  <p:cSld>
+    <p:spTree>
+      <p:nvGrpSpPr>
+        <p:cNvPr id="1" name=""/>
+        <p:cNvGrpSpPr/>
+        <p:nvPr/>
+      </p:nvGrpSpPr>
+      <p:grpSpPr>
+        <a:xfrm>
+          <a:off x="0" y="0"/>
+          <a:ext cx="0" cy="0"/>
+          <a:chOff x="0" y="0"/>
+          <a:chExt cx="0" cy="0"/>
+        </a:xfrm>
+      </p:grpSpPr>
+      <p:sp>
+        <p:nvSpPr>
+          <p:cNvPr id="2" name="标题 1"/>
+          <p:cNvSpPr>
+            <a:spLocks noGrp="1"/>
+          </p:cNvSpPr>
+          <p:nvPr>
+            <p:ph type="title"/>
+          </p:nvPr>
+        </p:nvSpPr>
+        <p:spPr/>
+        <p:txBody>
+          <a:bodyPr/>
+          <a:lstStyle/>
+          <a:p>
+            <a:r>
+              <a:rPr lang="zh-CN" altLang="en-US" dirty="0"/>
+              <a:t>样本量计算，单样本连续</a:t>
+            </a:r>
+            <a:r>
+              <a:rPr lang="zh-CN" altLang="en-US" dirty="0" smtClean="0"/>
+              <a:t>变量 练习</a:t>
+            </a:r>
+            <a:endParaRPr lang="zh-CN" altLang="en-US" dirty="0"/>
+          </a:p>
+        </p:txBody>
+      </p:sp>
+      <p:sp>
+        <p:nvSpPr>
+          <p:cNvPr id="3" name="内容占位符 2"/>
+          <p:cNvSpPr>
+            <a:spLocks noGrp="1"/>
+          </p:cNvSpPr>
+          <p:nvPr>
+            <p:ph idx="1"/>
+          </p:nvPr>
+        </p:nvSpPr>
+        <p:spPr/>
+        <p:txBody>
+          <a:bodyPr/>
+          <a:lstStyle/>
+          <a:p>
+            <a:r>
+              <a:rPr lang="zh-CN" altLang="en-US" dirty="0" smtClean="0"/>
+              <a:t>研究员想评估</a:t>
+            </a:r>
+            <a:r>
+              <a:rPr lang="en-US" altLang="zh-CN" dirty="0" smtClean="0"/>
+              <a:t>19</a:t>
+            </a:r>
+            <a:r>
+              <a:rPr lang="zh-CN" altLang="en-US" dirty="0" smtClean="0"/>
+              <a:t>岁及以下母亲产下的足月产婴儿体重水平。现在已知</a:t>
+            </a:r>
+            <a:r>
+              <a:rPr lang="en-US" altLang="zh-CN" dirty="0" smtClean="0"/>
+              <a:t>20</a:t>
+            </a:r>
+            <a:r>
+              <a:rPr lang="zh-CN" altLang="en-US" dirty="0" smtClean="0"/>
+              <a:t>岁及以上母亲产下的足月儿体重平均值是</a:t>
+            </a:r>
+            <a:r>
+              <a:rPr lang="en-US" altLang="zh-CN" dirty="0" smtClean="0"/>
+              <a:t>3510g</a:t>
+            </a:r>
+            <a:r>
+              <a:rPr lang="zh-CN" altLang="en-US" dirty="0" smtClean="0"/>
+              <a:t>，标准差</a:t>
+            </a:r>
+            <a:r>
+              <a:rPr lang="en-US" altLang="zh-CN" dirty="0" smtClean="0"/>
+              <a:t>385g</a:t>
+            </a:r>
+            <a:endParaRPr lang="en-US" altLang="zh-CN" dirty="0"/>
+          </a:p>
+          <a:p>
+            <a:r>
+              <a:rPr lang="zh-CN" altLang="en-US" dirty="0" smtClean="0"/>
+              <a:t>现在研究人员希望研究误差范围在</a:t>
+            </a:r>
+            <a:r>
+              <a:rPr lang="en-US" altLang="zh-CN" dirty="0" smtClean="0"/>
+              <a:t>100g</a:t>
+            </a:r>
+            <a:r>
+              <a:rPr lang="zh-CN" altLang="en-US" dirty="0" smtClean="0"/>
+              <a:t>以内</a:t>
+            </a:r>
+            <a:endParaRPr lang="en-US" altLang="zh-CN" dirty="0" smtClean="0"/>
+          </a:p>
+          <a:p>
+            <a:r>
+              <a:rPr lang="zh-CN" altLang="en-US" dirty="0" smtClean="0"/>
+              <a:t>那么这个研究的样本量至少要多少？</a:t>
+            </a:r>
+            <a:endParaRPr lang="en-US" altLang="zh-CN" dirty="0" smtClean="0"/>
+          </a:p>
+        </p:txBody>
+      </p:sp>
+      <p:pic>
+        <p:nvPicPr>
+          <p:cNvPr id="4" name="图片 3"/>
+          <p:cNvPicPr>
+            <a:picLocks noChangeAspect="1"/>
+          </p:cNvPicPr>
+          <p:nvPr/>
+        </p:nvPicPr>
+        <p:blipFill>
+          <a:blip r:embed="rId2"/>
+          <a:stretch>
+            <a:fillRect/>
+          </a:stretch>
+        </p:blipFill>
+        <p:spPr>
+          <a:xfrm>
+            <a:off x="5423429" y="957064"/>
+            <a:ext cx="1497542" cy="796312"/>
+          </a:xfrm>
+          <a:prstGeom prst="rect">
+            <a:avLst/>
+          </a:prstGeom>
+        </p:spPr>
+      </p:pic>
+    </p:spTree>
+    <p:extLst>
+      <p:ext uri="{BB962C8B-B14F-4D97-AF65-F5344CB8AC3E}">
+        <p14:creationId xmlns:p14="http://schemas.microsoft.com/office/powerpoint/2010/main" val="3385167061"/>
+      </p:ext>
+    </p:extLst>
+  </p:cSld>
+  <p:clrMapOvr>
+    <a:masterClrMapping/>
+  </p:clrMapOvr>
+  <p:timing>
+    <p:tnLst>
+      <p:par>
+        <p:cTn id="1" dur="indefinite" restart="never" nodeType="tmRoot"/>
+      </p:par>
+    </p:tnLst>
+  </p:timing>
+</p:sld>
+</file>
+
+<file path=ppt/slides/slide34.xml><?xml version="1.0" encoding="utf-8"?>
+<p:sld xmlns:a="http://schemas.openxmlformats.org/drawingml/2006/main" xmlns:r="http://schemas.openxmlformats.org/officeDocument/2006/relationships" xmlns:p="http://schemas.openxmlformats.org/presentationml/2006/main">
+  <p:cSld>
+    <p:spTree>
+      <p:nvGrpSpPr>
+        <p:cNvPr id="1" name=""/>
+        <p:cNvGrpSpPr/>
+        <p:nvPr/>
+      </p:nvGrpSpPr>
+      <p:grpSpPr>
+        <a:xfrm>
+          <a:off x="0" y="0"/>
+          <a:ext cx="0" cy="0"/>
+          <a:chOff x="0" y="0"/>
+          <a:chExt cx="0" cy="0"/>
+        </a:xfrm>
+      </p:grpSpPr>
+      <p:sp>
+        <p:nvSpPr>
+          <p:cNvPr id="2" name="标题 1"/>
+          <p:cNvSpPr>
+            <a:spLocks noGrp="1"/>
+          </p:cNvSpPr>
+          <p:nvPr>
+            <p:ph type="title"/>
+          </p:nvPr>
+        </p:nvSpPr>
+        <p:spPr/>
+        <p:txBody>
+          <a:bodyPr/>
+          <a:lstStyle/>
+          <a:p>
+            <a:r>
+              <a:rPr lang="zh-CN" altLang="en-US" dirty="0" smtClean="0"/>
+              <a:t>样本量计算，单样本二分类变量</a:t>
+            </a:r>
+            <a:endParaRPr lang="zh-CN" altLang="en-US" dirty="0"/>
+          </a:p>
+        </p:txBody>
+      </p:sp>
+      <p:sp>
+        <p:nvSpPr>
+          <p:cNvPr id="3" name="内容占位符 2"/>
+          <p:cNvSpPr>
+            <a:spLocks noGrp="1"/>
+          </p:cNvSpPr>
+          <p:nvPr>
+            <p:ph idx="1"/>
+          </p:nvPr>
+        </p:nvSpPr>
+        <p:spPr>
+          <a:xfrm>
+            <a:off x="1371600" y="2277532"/>
+            <a:ext cx="9601200" cy="3034953"/>
+          </a:xfrm>
+        </p:spPr>
+        <p:txBody>
+          <a:bodyPr/>
+          <a:lstStyle/>
+          <a:p>
+            <a:r>
+              <a:rPr lang="zh-CN" altLang="en-US" dirty="0" smtClean="0"/>
+              <a:t>研究者想调查大学新生里面吸烟人数的比例，这个研究至少要招募多少人才能保证比例的误差范围在</a:t>
+            </a:r>
+            <a:r>
+              <a:rPr lang="en-US" altLang="zh-CN" dirty="0" smtClean="0"/>
+              <a:t>5%</a:t>
+            </a:r>
+            <a:r>
+              <a:rPr lang="zh-CN" altLang="en-US" dirty="0" smtClean="0"/>
+              <a:t>以内呢？</a:t>
+            </a:r>
+            <a:endParaRPr lang="zh-CN" altLang="en-US" dirty="0"/>
+          </a:p>
+        </p:txBody>
+      </p:sp>
+      <p:pic>
+        <p:nvPicPr>
+          <p:cNvPr id="4" name="图片 3"/>
+          <p:cNvPicPr>
+            <a:picLocks noChangeAspect="1"/>
+          </p:cNvPicPr>
+          <p:nvPr/>
+        </p:nvPicPr>
+        <p:blipFill>
+          <a:blip r:embed="rId2"/>
+          <a:stretch>
+            <a:fillRect/>
+          </a:stretch>
+        </p:blipFill>
+        <p:spPr>
+          <a:xfrm>
+            <a:off x="6138333" y="1312498"/>
+            <a:ext cx="1600200" cy="676275"/>
+          </a:xfrm>
+          <a:prstGeom prst="rect">
+            <a:avLst/>
+          </a:prstGeom>
+        </p:spPr>
+      </p:pic>
+      <mc:AlternateContent xmlns:mc="http://schemas.openxmlformats.org/markup-compatibility/2006">
+        <mc:Choice xmlns:a14="http://schemas.microsoft.com/office/drawing/2010/main" Requires="a14">
+          <p:sp>
+            <p:nvSpPr>
+              <p:cNvPr id="5" name="矩形 4"/>
+              <p:cNvSpPr/>
+              <p:nvPr/>
+            </p:nvSpPr>
+            <p:spPr>
+              <a:xfrm>
+                <a:off x="3364473" y="1127452"/>
+                <a:ext cx="2313454" cy="910699"/>
+              </a:xfrm>
+              <a:prstGeom prst="rect">
+                <a:avLst/>
+              </a:prstGeom>
+            </p:spPr>
+            <p:txBody>
+              <a:bodyPr wrap="none">
+                <a:spAutoFit/>
+              </a:bodyPr>
+              <a:lstStyle/>
+              <a:p>
+                <a14:m>
+                  <m:oMathPara xmlns:m="http://schemas.openxmlformats.org/officeDocument/2006/math">
+                    <m:oMathParaPr>
+                      <m:jc m:val="centerGroup"/>
+                    </m:oMathParaPr>
+                    <m:oMath xmlns:m="http://schemas.openxmlformats.org/officeDocument/2006/math">
+                      <m:acc>
+                        <m:accPr>
+                          <m:chr m:val="̂"/>
+                          <m:ctrlPr>
+                            <a:rPr lang="en-US" altLang="zh-CN" i="1">
+                              <a:latin typeface="Cambria Math" panose="02040503050406030204" pitchFamily="18" charset="0"/>
+                              <a:ea typeface="Cambria Math" panose="02040503050406030204" pitchFamily="18" charset="0"/>
+                            </a:rPr>
+                          </m:ctrlPr>
+                        </m:accPr>
+                        <m:e>
+                          <m:r>
+                            <a:rPr lang="en-US" altLang="zh-CN" i="1">
+                              <a:latin typeface="Cambria Math" panose="02040503050406030204" pitchFamily="18" charset="0"/>
+                              <a:ea typeface="Cambria Math" panose="02040503050406030204" pitchFamily="18" charset="0"/>
+                            </a:rPr>
+                            <m:t>𝑝</m:t>
+                          </m:r>
+                        </m:e>
+                      </m:acc>
+                      <m:r>
+                        <a:rPr lang="en-US" altLang="zh-CN" i="1">
+                          <a:latin typeface="Cambria Math" panose="02040503050406030204" pitchFamily="18" charset="0"/>
+                          <a:ea typeface="Cambria Math" panose="02040503050406030204" pitchFamily="18" charset="0"/>
+                        </a:rPr>
+                        <m:t>±</m:t>
+                      </m:r>
+                      <m:sSub>
+                        <m:sSubPr>
+                          <m:ctrlPr>
+                            <a:rPr lang="en-US" altLang="zh-CN" i="1">
+                              <a:latin typeface="Cambria Math" panose="02040503050406030204" pitchFamily="18" charset="0"/>
+                            </a:rPr>
+                          </m:ctrlPr>
+                        </m:sSubPr>
+                        <m:e>
+                          <m:r>
+                            <a:rPr lang="en-US" altLang="zh-CN" i="1">
+                              <a:latin typeface="Cambria Math" panose="02040503050406030204" pitchFamily="18" charset="0"/>
+                            </a:rPr>
+                            <m:t>𝑧</m:t>
+                          </m:r>
+                        </m:e>
+                        <m:sub>
+                          <m:r>
+                            <a:rPr lang="zh-CN" altLang="en-US" i="1">
+                              <a:latin typeface="Cambria Math" panose="02040503050406030204" pitchFamily="18" charset="0"/>
+                            </a:rPr>
+                            <m:t>𝛼</m:t>
+                          </m:r>
+                          <m:r>
+                            <a:rPr lang="en-US" altLang="zh-CN" i="1">
+                              <a:latin typeface="Cambria Math" panose="02040503050406030204" pitchFamily="18" charset="0"/>
+                            </a:rPr>
+                            <m:t>/2</m:t>
+                          </m:r>
+                        </m:sub>
+                      </m:sSub>
+                      <m:r>
+                        <a:rPr lang="en-US" altLang="zh-CN" i="1">
+                          <a:latin typeface="Cambria Math" panose="02040503050406030204" pitchFamily="18" charset="0"/>
+                        </a:rPr>
+                        <m:t>∗</m:t>
+                      </m:r>
+                      <m:rad>
+                        <m:radPr>
+                          <m:degHide m:val="on"/>
+                          <m:ctrlPr>
+                            <a:rPr lang="en-US" altLang="zh-CN" i="1">
+                              <a:latin typeface="Cambria Math" panose="02040503050406030204" pitchFamily="18" charset="0"/>
+                            </a:rPr>
+                          </m:ctrlPr>
+                        </m:radPr>
+                        <m:deg/>
+                        <m:e>
+                          <m:f>
+                            <m:fPr>
+                              <m:ctrlPr>
+                                <a:rPr lang="en-US" altLang="zh-CN" i="1">
+                                  <a:latin typeface="Cambria Math" panose="02040503050406030204" pitchFamily="18" charset="0"/>
+                                </a:rPr>
+                              </m:ctrlPr>
+                            </m:fPr>
+                            <m:num>
+                              <m:r>
+                                <a:rPr lang="en-US" altLang="zh-CN" i="1">
+                                  <a:latin typeface="Cambria Math" panose="02040503050406030204" pitchFamily="18" charset="0"/>
+                                </a:rPr>
+                                <m:t>𝑝</m:t>
+                              </m:r>
+                              <m:r>
+                                <a:rPr lang="en-US" altLang="zh-CN" i="1">
+                                  <a:latin typeface="Cambria Math" panose="02040503050406030204" pitchFamily="18" charset="0"/>
+                                </a:rPr>
+                                <m:t>(1−</m:t>
+                              </m:r>
+                              <m:r>
+                                <a:rPr lang="en-US" altLang="zh-CN" i="1">
+                                  <a:latin typeface="Cambria Math" panose="02040503050406030204" pitchFamily="18" charset="0"/>
+                                </a:rPr>
+                                <m:t>𝑝</m:t>
+                              </m:r>
+                              <m:r>
+                                <a:rPr lang="en-US" altLang="zh-CN" i="1">
+                                  <a:latin typeface="Cambria Math" panose="02040503050406030204" pitchFamily="18" charset="0"/>
+                                </a:rPr>
+                                <m:t>)</m:t>
+                              </m:r>
+                            </m:num>
+                            <m:den>
+                              <m:r>
+                                <a:rPr lang="en-US" altLang="zh-CN" i="1">
+                                  <a:latin typeface="Cambria Math" panose="02040503050406030204" pitchFamily="18" charset="0"/>
+                                </a:rPr>
+                                <m:t>𝑛</m:t>
+                              </m:r>
+                            </m:den>
+                          </m:f>
+                        </m:e>
+                      </m:rad>
+                    </m:oMath>
+                  </m:oMathPara>
+                </a14:m>
+                <a:endParaRPr lang="zh-CN" altLang="en-US" dirty="0"/>
+              </a:p>
+            </p:txBody>
+          </p:sp>
+        </mc:Choice>
+        <mc:Fallback>
+          <p:sp>
+            <p:nvSpPr>
+              <p:cNvPr id="5" name="矩形 4"/>
+              <p:cNvSpPr>
+                <a:spLocks noRot="1" noChangeAspect="1" noMove="1" noResize="1" noEditPoints="1" noAdjustHandles="1" noChangeArrowheads="1" noChangeShapeType="1" noTextEdit="1"/>
+              </p:cNvSpPr>
+              <p:nvPr/>
+            </p:nvSpPr>
+            <p:spPr>
+              <a:xfrm>
+                <a:off x="3364473" y="1127452"/>
+                <a:ext cx="2313454" cy="910699"/>
+              </a:xfrm>
+              <a:prstGeom prst="rect">
+                <a:avLst/>
+              </a:prstGeom>
+              <a:blipFill rotWithShape="0">
+                <a:blip r:embed="rId3"/>
+                <a:stretch>
+                  <a:fillRect/>
+                </a:stretch>
+              </a:blipFill>
+            </p:spPr>
+            <p:txBody>
+              <a:bodyPr/>
+              <a:lstStyle/>
+              <a:p>
+                <a:r>
+                  <a:rPr lang="zh-CN" altLang="en-US">
+                    <a:noFill/>
+                  </a:rPr>
+                  <a:t> </a:t>
+                </a:r>
+              </a:p>
+            </p:txBody>
+          </p:sp>
+        </mc:Fallback>
+      </mc:AlternateContent>
+      <p:pic>
+        <p:nvPicPr>
+          <p:cNvPr id="6" name="图片 5"/>
+          <p:cNvPicPr>
+            <a:picLocks noChangeAspect="1"/>
+          </p:cNvPicPr>
+          <p:nvPr/>
+        </p:nvPicPr>
+        <p:blipFill>
+          <a:blip r:embed="rId4"/>
+          <a:stretch>
+            <a:fillRect/>
+          </a:stretch>
+        </p:blipFill>
+        <p:spPr>
+          <a:xfrm>
+            <a:off x="4238095" y="3504495"/>
+            <a:ext cx="3800475" cy="581025"/>
+          </a:xfrm>
+          <a:prstGeom prst="rect">
+            <a:avLst/>
+          </a:prstGeom>
+        </p:spPr>
+      </p:pic>
+      <p:pic>
+        <p:nvPicPr>
+          <p:cNvPr id="7" name="图片 6"/>
+          <p:cNvPicPr>
+            <a:picLocks noChangeAspect="1"/>
+          </p:cNvPicPr>
+          <p:nvPr/>
+        </p:nvPicPr>
+        <p:blipFill>
+          <a:blip r:embed="rId5"/>
+          <a:stretch>
+            <a:fillRect/>
+          </a:stretch>
+        </p:blipFill>
+        <p:spPr>
+          <a:xfrm>
+            <a:off x="2354261" y="4360127"/>
+            <a:ext cx="3013075" cy="2383477"/>
+          </a:xfrm>
+          <a:prstGeom prst="rect">
+            <a:avLst/>
+          </a:prstGeom>
+        </p:spPr>
+      </p:pic>
+      <p:sp>
+        <p:nvSpPr>
+          <p:cNvPr id="8" name="文本框 7"/>
+          <p:cNvSpPr txBox="1"/>
+          <p:nvPr/>
+        </p:nvSpPr>
+        <p:spPr>
+          <a:xfrm>
+            <a:off x="5588000" y="5370411"/>
+            <a:ext cx="5842000" cy="461665"/>
+          </a:xfrm>
+          <a:prstGeom prst="rect">
+            <a:avLst/>
+          </a:prstGeom>
+          <a:noFill/>
+        </p:spPr>
+        <p:txBody>
+          <a:bodyPr wrap="square" rtlCol="0">
+            <a:spAutoFit/>
+          </a:bodyPr>
+          <a:lstStyle/>
+          <a:p>
+            <a:r>
+              <a:rPr lang="zh-CN" altLang="en-US" sz="2400" dirty="0" smtClean="0"/>
+              <a:t>为什么</a:t>
+            </a:r>
+            <a:r>
+              <a:rPr lang="en-US" altLang="zh-CN" sz="2400" dirty="0" smtClean="0"/>
+              <a:t>p</a:t>
+            </a:r>
+            <a:r>
+              <a:rPr lang="zh-CN" altLang="en-US" sz="2400" dirty="0" smtClean="0"/>
+              <a:t>未知的时候，使</a:t>
+            </a:r>
+            <a:r>
+              <a:rPr lang="en-US" altLang="zh-CN" sz="2400" dirty="0" smtClean="0"/>
+              <a:t>p=0.5</a:t>
+            </a:r>
+            <a:r>
+              <a:rPr lang="zh-CN" altLang="en-US" sz="2400" dirty="0" smtClean="0"/>
+              <a:t>是最保险的？</a:t>
+            </a:r>
+            <a:endParaRPr lang="zh-CN" altLang="en-US" sz="2400" dirty="0"/>
+          </a:p>
+        </p:txBody>
+      </p:sp>
+    </p:spTree>
+    <p:extLst>
+      <p:ext uri="{BB962C8B-B14F-4D97-AF65-F5344CB8AC3E}">
+        <p14:creationId xmlns:p14="http://schemas.microsoft.com/office/powerpoint/2010/main" val="3421982939"/>
+      </p:ext>
+    </p:extLst>
+  </p:cSld>
+  <p:clrMapOvr>
+    <a:masterClrMapping/>
+  </p:clrMapOvr>
+  <p:timing>
+    <p:tnLst>
+      <p:par>
+        <p:cTn id="1" dur="indefinite" restart="never" nodeType="tmRoot">
+          <p:childTnLst>
+            <p:seq concurrent="1" nextAc="seek">
+              <p:cTn id="2" dur="indefinite" nodeType="mainSeq">
+                <p:childTnLst>
+                  <p:par>
+                    <p:cTn id="3" fill="hold">
+                      <p:stCondLst>
+                        <p:cond delay="indefinite"/>
+                      </p:stCondLst>
+                      <p:childTnLst>
+                        <p:par>
+                          <p:cTn id="4" fill="hold">
+                            <p:stCondLst>
+                              <p:cond delay="0"/>
+                            </p:stCondLst>
+                            <p:childTnLst>
+                              <p:par>
+                                <p:cTn id="5" presetID="1" presetClass="entr" presetSubtype="0" fill="hold" nodeType="clickEffect">
+                                  <p:stCondLst>
+                                    <p:cond delay="0"/>
+                                  </p:stCondLst>
+                                  <p:childTnLst>
+                                    <p:set>
+                                      <p:cBhvr>
+                                        <p:cTn id="6" dur="1" fill="hold">
+                                          <p:stCondLst>
+                                            <p:cond delay="0"/>
+                                          </p:stCondLst>
+                                        </p:cTn>
+                                        <p:tgtEl>
+                                          <p:spTgt spid="6"/>
+                                        </p:tgtEl>
+                                        <p:attrNameLst>
+                                          <p:attrName>style.visibility</p:attrName>
+                                        </p:attrNameLst>
+                                      </p:cBhvr>
+                                      <p:to>
+                                        <p:strVal val="visible"/>
+                                      </p:to>
+                                    </p:set>
+                                  </p:childTnLst>
+                                </p:cTn>
+                              </p:par>
+                            </p:childTnLst>
+                          </p:cTn>
+                        </p:par>
+                      </p:childTnLst>
+                    </p:cTn>
+                  </p:par>
+                  <p:par>
+                    <p:cTn id="7" fill="hold">
+                      <p:stCondLst>
+                        <p:cond delay="indefinite"/>
+                      </p:stCondLst>
+                      <p:childTnLst>
+                        <p:par>
+                          <p:cTn id="8" fill="hold">
+                            <p:stCondLst>
+                              <p:cond delay="0"/>
+                            </p:stCondLst>
+                            <p:childTnLst>
+                              <p:par>
+                                <p:cTn id="9" presetID="1" presetClass="entr" presetSubtype="0" fill="hold" nodeType="clickEffect">
+                                  <p:stCondLst>
+                                    <p:cond delay="0"/>
+                                  </p:stCondLst>
+                                  <p:childTnLst>
+                                    <p:set>
+                                      <p:cBhvr>
+                                        <p:cTn id="10" dur="1" fill="hold">
+                                          <p:stCondLst>
+                                            <p:cond delay="0"/>
+                                          </p:stCondLst>
+                                        </p:cTn>
+                                        <p:tgtEl>
+                                          <p:spTgt spid="7"/>
+                                        </p:tgtEl>
+                                        <p:attrNameLst>
+                                          <p:attrName>style.visibility</p:attrName>
+                                        </p:attrNameLst>
+                                      </p:cBhvr>
+                                      <p:to>
+                                        <p:strVal val="visible"/>
+                                      </p:to>
+                                    </p:set>
+                                  </p:childTnLst>
+                                </p:cTn>
+                              </p:par>
+                              <p:par>
+                                <p:cTn id="11" presetID="1" presetClass="entr" presetSubtype="0" fill="hold" grpId="0" nodeType="withEffect">
+                                  <p:stCondLst>
+                                    <p:cond delay="0"/>
+                                  </p:stCondLst>
+                                  <p:childTnLst>
+                                    <p:set>
+                                      <p:cBhvr>
+                                        <p:cTn id="12" dur="1" fill="hold">
+                                          <p:stCondLst>
+                                            <p:cond delay="0"/>
+                                          </p:stCondLst>
+                                        </p:cTn>
+                                        <p:tgtEl>
+                                          <p:spTgt spid="8"/>
+                                        </p:tgtEl>
+                                        <p:attrNameLst>
+                                          <p:attrName>style.visibility</p:attrName>
+                                        </p:attrNameLst>
+                                      </p:cBhvr>
+                                      <p:to>
+                                        <p:strVal val="visible"/>
+                                      </p:to>
+                                    </p:set>
+                                  </p:childTnLst>
+                                </p:cTn>
+                              </p:par>
+                            </p:childTnLst>
+                          </p:cTn>
+                        </p:par>
+                      </p:childTnLst>
+                    </p:cTn>
+                  </p:par>
+                </p:childTnLst>
+              </p:cTn>
+              <p:prevCondLst>
+                <p:cond evt="onPrev" delay="0">
+                  <p:tgtEl>
+                    <p:sldTgt/>
+                  </p:tgtEl>
+                </p:cond>
+              </p:prevCondLst>
+              <p:nextCondLst>
+                <p:cond evt="onNext" delay="0">
+                  <p:tgtEl>
+                    <p:sldTgt/>
+                  </p:tgtEl>
+                </p:cond>
+              </p:nextCondLst>
+            </p:seq>
+          </p:childTnLst>
+        </p:cTn>
+      </p:par>
+    </p:tnLst>
+    <p:bldLst>
+      <p:bldP spid="8" grpId="0"/>
+    </p:bldLst>
+  </p:timing>
+</p:sld>
+</file>
+
+<file path=ppt/slides/slide35.xml><?xml version="1.0" encoding="utf-8"?>
+<p:sld xmlns:a="http://schemas.openxmlformats.org/drawingml/2006/main" xmlns:r="http://schemas.openxmlformats.org/officeDocument/2006/relationships" xmlns:p="http://schemas.openxmlformats.org/presentationml/2006/main">
+  <p:cSld>
+    <p:spTree>
+      <p:nvGrpSpPr>
+        <p:cNvPr id="1" name=""/>
+        <p:cNvGrpSpPr/>
+        <p:nvPr/>
+      </p:nvGrpSpPr>
+      <p:grpSpPr>
+        <a:xfrm>
+          <a:off x="0" y="0"/>
+          <a:ext cx="0" cy="0"/>
+          <a:chOff x="0" y="0"/>
+          <a:chExt cx="0" cy="0"/>
+        </a:xfrm>
+      </p:grpSpPr>
+      <p:sp>
+        <p:nvSpPr>
+          <p:cNvPr id="2" name="标题 1"/>
+          <p:cNvSpPr>
+            <a:spLocks noGrp="1"/>
+          </p:cNvSpPr>
+          <p:nvPr>
+            <p:ph type="title"/>
+          </p:nvPr>
+        </p:nvSpPr>
+        <p:spPr/>
+        <p:txBody>
+          <a:bodyPr/>
+          <a:lstStyle/>
+          <a:p>
+            <a:r>
+              <a:rPr lang="zh-CN" altLang="en-US" dirty="0" smtClean="0"/>
+              <a:t>样本量计算，</a:t>
+            </a:r>
+            <a:r>
+              <a:rPr lang="en-US" altLang="zh-CN" dirty="0" smtClean="0"/>
+              <a:t>2</a:t>
+            </a:r>
+            <a:r>
+              <a:rPr lang="zh-CN" altLang="en-US" dirty="0" smtClean="0"/>
+              <a:t>独立样本均值比较</a:t>
+            </a:r>
+            <a:endParaRPr lang="zh-CN" altLang="en-US" dirty="0"/>
+          </a:p>
+        </p:txBody>
+      </p:sp>
+      <p:sp>
+        <p:nvSpPr>
+          <p:cNvPr id="3" name="内容占位符 2"/>
+          <p:cNvSpPr>
+            <a:spLocks noGrp="1"/>
+          </p:cNvSpPr>
+          <p:nvPr>
+            <p:ph idx="1"/>
+          </p:nvPr>
+        </p:nvSpPr>
+        <p:spPr>
+          <a:xfrm>
+            <a:off x="1371600" y="2108199"/>
+            <a:ext cx="9601200" cy="4089401"/>
+          </a:xfrm>
+        </p:spPr>
+        <p:txBody>
+          <a:bodyPr>
+            <a:normAutofit/>
+          </a:bodyPr>
+          <a:lstStyle/>
+          <a:p>
+            <a:r>
+              <a:rPr lang="zh-CN" altLang="en-US" dirty="0" smtClean="0"/>
+              <a:t>研究者想开展一个</a:t>
+            </a:r>
+            <a:r>
+              <a:rPr lang="en-US" altLang="zh-CN" dirty="0" err="1" smtClean="0"/>
+              <a:t>rct</a:t>
+            </a:r>
+            <a:r>
+              <a:rPr lang="zh-CN" altLang="en-US" dirty="0" smtClean="0"/>
+              <a:t>，研究某药物对提升</a:t>
+            </a:r>
+            <a:r>
+              <a:rPr lang="en-US" altLang="zh-CN" dirty="0" smtClean="0"/>
+              <a:t>HDL</a:t>
+            </a:r>
+            <a:r>
+              <a:rPr lang="zh-CN" altLang="en-US" dirty="0" smtClean="0"/>
+              <a:t>的效果，而对照组服用安慰剂。治疗</a:t>
+            </a:r>
+            <a:r>
+              <a:rPr lang="en-US" altLang="zh-CN" dirty="0" smtClean="0"/>
+              <a:t>12</a:t>
+            </a:r>
+            <a:r>
+              <a:rPr lang="zh-CN" altLang="en-US" dirty="0" smtClean="0"/>
+              <a:t>周以后测量患者</a:t>
+            </a:r>
+            <a:r>
+              <a:rPr lang="en-US" altLang="zh-CN" dirty="0" smtClean="0"/>
+              <a:t>HDL</a:t>
+            </a:r>
+            <a:r>
+              <a:rPr lang="zh-CN" altLang="en-US" dirty="0" smtClean="0"/>
+              <a:t>水平。从之前的研究经验来看，研究者预计会有</a:t>
+            </a:r>
+            <a:r>
+              <a:rPr lang="en-US" altLang="zh-CN" dirty="0" smtClean="0"/>
+              <a:t>10%</a:t>
+            </a:r>
+            <a:r>
+              <a:rPr lang="zh-CN" altLang="en-US" dirty="0" smtClean="0"/>
+              <a:t>的失访情况。研究者预计以</a:t>
+            </a:r>
+            <a:r>
+              <a:rPr lang="en-US" altLang="zh-CN" dirty="0" smtClean="0"/>
+              <a:t>95%</a:t>
+            </a:r>
+            <a:r>
+              <a:rPr lang="zh-CN" altLang="en-US" dirty="0" smtClean="0"/>
+              <a:t>的置信区间去评估治疗效果</a:t>
+            </a:r>
+            <a:endParaRPr lang="en-US" altLang="zh-CN" dirty="0" smtClean="0"/>
+          </a:p>
+          <a:p>
+            <a:r>
+              <a:rPr lang="zh-CN" altLang="en-US" dirty="0" smtClean="0"/>
+              <a:t>研究者希望误差范围在</a:t>
+            </a:r>
+            <a:r>
+              <a:rPr lang="en-US" altLang="zh-CN" dirty="0" smtClean="0"/>
+              <a:t>3</a:t>
+            </a:r>
+            <a:r>
+              <a:rPr lang="zh-CN" altLang="en-US" dirty="0" smtClean="0"/>
+              <a:t>个单位</a:t>
+            </a:r>
+            <a:endParaRPr lang="en-US" altLang="zh-CN" dirty="0" smtClean="0"/>
+          </a:p>
+          <a:p>
+            <a:r>
+              <a:rPr lang="zh-CN" altLang="en-US" dirty="0" smtClean="0"/>
+              <a:t>从既往的</a:t>
+            </a:r>
+            <a:r>
+              <a:rPr lang="en-US" altLang="zh-CN" dirty="0" smtClean="0"/>
+              <a:t>Framingham</a:t>
+            </a:r>
+            <a:r>
+              <a:rPr lang="zh-CN" altLang="en-US" dirty="0" smtClean="0"/>
+              <a:t>心脏病流调中我们可以知道，</a:t>
+            </a:r>
+            <a:r>
+              <a:rPr lang="en-US" altLang="zh-CN" dirty="0" smtClean="0"/>
+              <a:t>HDL</a:t>
+            </a:r>
+            <a:r>
+              <a:rPr lang="zh-CN" altLang="en-US" dirty="0" smtClean="0"/>
+              <a:t>的人群标准差是</a:t>
+            </a:r>
+            <a:r>
+              <a:rPr lang="en-US" altLang="zh-CN" dirty="0" smtClean="0"/>
+              <a:t>17.1</a:t>
+            </a:r>
+            <a:endParaRPr lang="zh-CN" altLang="en-US" dirty="0"/>
+          </a:p>
+        </p:txBody>
+      </p:sp>
+      <p:pic>
+        <p:nvPicPr>
+          <p:cNvPr id="4" name="图片 3"/>
+          <p:cNvPicPr>
+            <a:picLocks noChangeAspect="1"/>
+          </p:cNvPicPr>
+          <p:nvPr/>
+        </p:nvPicPr>
+        <p:blipFill>
+          <a:blip r:embed="rId2"/>
+          <a:stretch>
+            <a:fillRect/>
+          </a:stretch>
+        </p:blipFill>
+        <p:spPr>
+          <a:xfrm>
+            <a:off x="8294856" y="1005222"/>
+            <a:ext cx="1876688" cy="909472"/>
+          </a:xfrm>
+          <a:prstGeom prst="rect">
+            <a:avLst/>
+          </a:prstGeom>
+        </p:spPr>
+      </p:pic>
+      <mc:AlternateContent xmlns:mc="http://schemas.openxmlformats.org/markup-compatibility/2006">
+        <mc:Choice xmlns:a14="http://schemas.microsoft.com/office/drawing/2010/main" Requires="a14">
+          <p:sp>
+            <p:nvSpPr>
+              <p:cNvPr id="5" name="矩形 4"/>
+              <p:cNvSpPr/>
+              <p:nvPr/>
+            </p:nvSpPr>
+            <p:spPr>
+              <a:xfrm>
+                <a:off x="4777326" y="1003995"/>
+                <a:ext cx="3238130" cy="910699"/>
+              </a:xfrm>
+              <a:prstGeom prst="rect">
+                <a:avLst/>
+              </a:prstGeom>
+            </p:spPr>
+            <p:txBody>
+              <a:bodyPr wrap="none">
+                <a:spAutoFit/>
+              </a:bodyPr>
+              <a:lstStyle/>
+              <a:p>
+                <a14:m>
+                  <m:oMathPara xmlns:m="http://schemas.openxmlformats.org/officeDocument/2006/math">
+                    <m:oMathParaPr>
+                      <m:jc m:val="centerGroup"/>
+                    </m:oMathParaPr>
+                    <m:oMath xmlns:m="http://schemas.openxmlformats.org/officeDocument/2006/math">
+                      <m:acc>
+                        <m:accPr>
+                          <m:chr m:val="̅"/>
+                          <m:ctrlPr>
+                            <a:rPr lang="zh-CN" altLang="en-US" i="1">
+                              <a:latin typeface="Cambria Math" panose="02040503050406030204" pitchFamily="18" charset="0"/>
+                            </a:rPr>
+                          </m:ctrlPr>
+                        </m:accPr>
+                        <m:e>
+                          <m:sSub>
+                            <m:sSubPr>
+                              <m:ctrlPr>
+                                <a:rPr lang="en-US" altLang="zh-CN" i="1">
+                                  <a:latin typeface="Cambria Math" panose="02040503050406030204" pitchFamily="18" charset="0"/>
+                                </a:rPr>
+                              </m:ctrlPr>
+                            </m:sSubPr>
+                            <m:e>
+                              <m:r>
+                                <a:rPr lang="en-US" altLang="zh-CN" i="1">
+                                  <a:latin typeface="Cambria Math" panose="02040503050406030204" pitchFamily="18" charset="0"/>
+                                </a:rPr>
+                                <m:t>𝑥</m:t>
+                              </m:r>
+                            </m:e>
+                            <m:sub>
+                              <m:r>
+                                <a:rPr lang="en-US" altLang="zh-CN" i="1">
+                                  <a:latin typeface="Cambria Math" panose="02040503050406030204" pitchFamily="18" charset="0"/>
+                                </a:rPr>
+                                <m:t>1</m:t>
+                              </m:r>
+                            </m:sub>
+                          </m:sSub>
+                        </m:e>
+                      </m:acc>
+                      <m:r>
+                        <a:rPr lang="en-US" altLang="zh-CN" i="1">
+                          <a:latin typeface="Cambria Math" panose="02040503050406030204" pitchFamily="18" charset="0"/>
+                        </a:rPr>
+                        <m:t>−</m:t>
+                      </m:r>
+                      <m:acc>
+                        <m:accPr>
+                          <m:chr m:val="̅"/>
+                          <m:ctrlPr>
+                            <a:rPr lang="zh-CN" altLang="en-US" i="1">
+                              <a:latin typeface="Cambria Math" panose="02040503050406030204" pitchFamily="18" charset="0"/>
+                            </a:rPr>
+                          </m:ctrlPr>
+                        </m:accPr>
+                        <m:e>
+                          <m:sSub>
+                            <m:sSubPr>
+                              <m:ctrlPr>
+                                <a:rPr lang="en-US" altLang="zh-CN" i="1">
+                                  <a:latin typeface="Cambria Math" panose="02040503050406030204" pitchFamily="18" charset="0"/>
+                                </a:rPr>
+                              </m:ctrlPr>
+                            </m:sSubPr>
+                            <m:e>
+                              <m:r>
+                                <a:rPr lang="en-US" altLang="zh-CN" i="1">
+                                  <a:latin typeface="Cambria Math" panose="02040503050406030204" pitchFamily="18" charset="0"/>
+                                </a:rPr>
+                                <m:t>𝑥</m:t>
+                              </m:r>
+                            </m:e>
+                            <m:sub>
+                              <m:r>
+                                <a:rPr lang="en-US" altLang="zh-CN" i="1">
+                                  <a:latin typeface="Cambria Math" panose="02040503050406030204" pitchFamily="18" charset="0"/>
+                                </a:rPr>
+                                <m:t>2</m:t>
+                              </m:r>
+                            </m:sub>
+                          </m:sSub>
+                        </m:e>
+                      </m:acc>
+                      <m:r>
+                        <a:rPr lang="en-US" altLang="zh-CN" i="1">
+                          <a:latin typeface="Cambria Math" panose="02040503050406030204" pitchFamily="18" charset="0"/>
+                          <a:ea typeface="Cambria Math" panose="02040503050406030204" pitchFamily="18" charset="0"/>
+                        </a:rPr>
+                        <m:t>±</m:t>
+                      </m:r>
+                      <m:sSub>
+                        <m:sSubPr>
+                          <m:ctrlPr>
+                            <a:rPr lang="en-US" altLang="zh-CN" i="1">
+                              <a:latin typeface="Cambria Math" panose="02040503050406030204" pitchFamily="18" charset="0"/>
+                            </a:rPr>
+                          </m:ctrlPr>
+                        </m:sSubPr>
+                        <m:e>
+                          <m:r>
+                            <a:rPr lang="en-US" altLang="zh-CN" i="1">
+                              <a:latin typeface="Cambria Math" panose="02040503050406030204" pitchFamily="18" charset="0"/>
+                            </a:rPr>
+                            <m:t>𝑡</m:t>
+                          </m:r>
+                        </m:e>
+                        <m:sub>
+                          <m:r>
+                            <a:rPr lang="zh-CN" altLang="en-US" i="1">
+                              <a:latin typeface="Cambria Math" panose="02040503050406030204" pitchFamily="18" charset="0"/>
+                            </a:rPr>
+                            <m:t>𝛼</m:t>
+                          </m:r>
+                          <m:r>
+                            <a:rPr lang="en-US" altLang="zh-CN" i="1">
+                              <a:latin typeface="Cambria Math" panose="02040503050406030204" pitchFamily="18" charset="0"/>
+                            </a:rPr>
+                            <m:t>/2</m:t>
+                          </m:r>
+                        </m:sub>
+                      </m:sSub>
+                      <m:r>
+                        <a:rPr lang="en-US" altLang="zh-CN" i="1">
+                          <a:latin typeface="Cambria Math" panose="02040503050406030204" pitchFamily="18" charset="0"/>
+                        </a:rPr>
+                        <m:t>∗</m:t>
+                      </m:r>
+                      <m:rad>
+                        <m:radPr>
+                          <m:degHide m:val="on"/>
+                          <m:ctrlPr>
+                            <a:rPr lang="en-US" altLang="zh-CN" i="1">
+                              <a:latin typeface="Cambria Math" panose="02040503050406030204" pitchFamily="18" charset="0"/>
+                            </a:rPr>
+                          </m:ctrlPr>
+                        </m:radPr>
+                        <m:deg/>
+                        <m:e>
+                          <m:sSub>
+                            <m:sSubPr>
+                              <m:ctrlPr>
+                                <a:rPr lang="en-US" altLang="zh-CN" i="1">
+                                  <a:latin typeface="Cambria Math" panose="02040503050406030204" pitchFamily="18" charset="0"/>
+                                </a:rPr>
+                              </m:ctrlPr>
+                            </m:sSubPr>
+                            <m:e>
+                              <m:r>
+                                <a:rPr lang="en-US" altLang="zh-CN" i="1">
+                                  <a:latin typeface="Cambria Math" panose="02040503050406030204" pitchFamily="18" charset="0"/>
+                                </a:rPr>
+                                <m:t>𝑠</m:t>
+                              </m:r>
+                            </m:e>
+                            <m:sub>
+                              <m:r>
+                                <a:rPr lang="en-US" altLang="zh-CN" i="1">
+                                  <a:latin typeface="Cambria Math" panose="02040503050406030204" pitchFamily="18" charset="0"/>
+                                </a:rPr>
+                                <m:t>𝑝</m:t>
+                              </m:r>
+                            </m:sub>
+                          </m:sSub>
+                          <m:r>
+                            <a:rPr lang="en-US" altLang="zh-CN" i="1">
+                              <a:latin typeface="Cambria Math" panose="02040503050406030204" pitchFamily="18" charset="0"/>
+                            </a:rPr>
+                            <m:t>(</m:t>
+                          </m:r>
+                          <m:f>
+                            <m:fPr>
+                              <m:ctrlPr>
+                                <a:rPr lang="en-US" altLang="zh-CN" i="1">
+                                  <a:latin typeface="Cambria Math" panose="02040503050406030204" pitchFamily="18" charset="0"/>
+                                </a:rPr>
+                              </m:ctrlPr>
+                            </m:fPr>
+                            <m:num>
+                              <m:r>
+                                <a:rPr lang="en-US" altLang="zh-CN" i="1">
+                                  <a:latin typeface="Cambria Math" panose="02040503050406030204" pitchFamily="18" charset="0"/>
+                                </a:rPr>
+                                <m:t>1</m:t>
+                              </m:r>
+                            </m:num>
+                            <m:den>
+                              <m:r>
+                                <a:rPr lang="en-US" altLang="zh-CN" i="1">
+                                  <a:latin typeface="Cambria Math" panose="02040503050406030204" pitchFamily="18" charset="0"/>
+                                </a:rPr>
+                                <m:t>𝑛</m:t>
+                              </m:r>
+                              <m:r>
+                                <a:rPr lang="en-US" altLang="zh-CN" i="1">
+                                  <a:latin typeface="Cambria Math" panose="02040503050406030204" pitchFamily="18" charset="0"/>
+                                </a:rPr>
+                                <m:t>1</m:t>
+                              </m:r>
+                            </m:den>
+                          </m:f>
+                          <m:r>
+                            <a:rPr lang="en-US" altLang="zh-CN" i="1">
+                              <a:latin typeface="Cambria Math" panose="02040503050406030204" pitchFamily="18" charset="0"/>
+                            </a:rPr>
+                            <m:t>+</m:t>
+                          </m:r>
+                          <m:f>
+                            <m:fPr>
+                              <m:ctrlPr>
+                                <a:rPr lang="en-US" altLang="zh-CN" i="1">
+                                  <a:latin typeface="Cambria Math" panose="02040503050406030204" pitchFamily="18" charset="0"/>
+                                </a:rPr>
+                              </m:ctrlPr>
+                            </m:fPr>
+                            <m:num>
+                              <m:r>
+                                <a:rPr lang="en-US" altLang="zh-CN" i="1">
+                                  <a:latin typeface="Cambria Math" panose="02040503050406030204" pitchFamily="18" charset="0"/>
+                                </a:rPr>
+                                <m:t>1</m:t>
+                              </m:r>
+                            </m:num>
+                            <m:den>
+                              <m:r>
+                                <a:rPr lang="en-US" altLang="zh-CN" i="1">
+                                  <a:latin typeface="Cambria Math" panose="02040503050406030204" pitchFamily="18" charset="0"/>
+                                </a:rPr>
+                                <m:t>𝑛</m:t>
+                              </m:r>
+                              <m:r>
+                                <a:rPr lang="en-US" altLang="zh-CN" i="1">
+                                  <a:latin typeface="Cambria Math" panose="02040503050406030204" pitchFamily="18" charset="0"/>
+                                </a:rPr>
+                                <m:t>2</m:t>
+                              </m:r>
+                            </m:den>
+                          </m:f>
+                          <m:r>
+                            <a:rPr lang="en-US" altLang="zh-CN" i="1">
+                              <a:latin typeface="Cambria Math" panose="02040503050406030204" pitchFamily="18" charset="0"/>
+                            </a:rPr>
+                            <m:t>)</m:t>
+                          </m:r>
+                        </m:e>
+                      </m:rad>
+                    </m:oMath>
+                  </m:oMathPara>
+                </a14:m>
+                <a:endParaRPr lang="zh-CN" altLang="en-US" dirty="0"/>
+              </a:p>
+            </p:txBody>
+          </p:sp>
+        </mc:Choice>
+        <mc:Fallback>
+          <p:sp>
+            <p:nvSpPr>
+              <p:cNvPr id="5" name="矩形 4"/>
+              <p:cNvSpPr>
+                <a:spLocks noRot="1" noChangeAspect="1" noMove="1" noResize="1" noEditPoints="1" noAdjustHandles="1" noChangeArrowheads="1" noChangeShapeType="1" noTextEdit="1"/>
+              </p:cNvSpPr>
+              <p:nvPr/>
+            </p:nvSpPr>
+            <p:spPr>
+              <a:xfrm>
+                <a:off x="4777326" y="1003995"/>
+                <a:ext cx="3238130" cy="910699"/>
+              </a:xfrm>
+              <a:prstGeom prst="rect">
+                <a:avLst/>
+              </a:prstGeom>
+              <a:blipFill rotWithShape="0">
+                <a:blip r:embed="rId3"/>
+                <a:stretch>
+                  <a:fillRect/>
+                </a:stretch>
+              </a:blipFill>
+            </p:spPr>
+            <p:txBody>
+              <a:bodyPr/>
+              <a:lstStyle/>
+              <a:p>
+                <a:r>
+                  <a:rPr lang="zh-CN" altLang="en-US">
+                    <a:noFill/>
+                  </a:rPr>
+                  <a:t> </a:t>
+                </a:r>
+              </a:p>
+            </p:txBody>
+          </p:sp>
+        </mc:Fallback>
+      </mc:AlternateContent>
+      <mc:AlternateContent xmlns:mc="http://schemas.openxmlformats.org/markup-compatibility/2006">
+        <mc:Choice xmlns:a14="http://schemas.microsoft.com/office/drawing/2010/main" Requires="a14">
+          <p:sp>
+            <p:nvSpPr>
+              <p:cNvPr id="6" name="矩形 5"/>
+              <p:cNvSpPr/>
+              <p:nvPr/>
+            </p:nvSpPr>
+            <p:spPr>
+              <a:xfrm>
+                <a:off x="1166274" y="1003995"/>
+                <a:ext cx="3611052" cy="910699"/>
+              </a:xfrm>
+              <a:prstGeom prst="rect">
+                <a:avLst/>
+              </a:prstGeom>
+            </p:spPr>
+            <p:txBody>
+              <a:bodyPr wrap="none">
+                <a:spAutoFit/>
+              </a:bodyPr>
+              <a:lstStyle/>
+              <a:p>
+                <a14:m>
+                  <m:oMathPara xmlns:m="http://schemas.openxmlformats.org/officeDocument/2006/math">
+                    <m:oMathParaPr>
+                      <m:jc m:val="centerGroup"/>
+                    </m:oMathParaPr>
+                    <m:oMath xmlns:m="http://schemas.openxmlformats.org/officeDocument/2006/math">
+                      <m:sSub>
+                        <m:sSubPr>
+                          <m:ctrlPr>
+                            <a:rPr lang="en-US" altLang="zh-CN" i="1">
+                              <a:latin typeface="Cambria Math" panose="02040503050406030204" pitchFamily="18" charset="0"/>
+                            </a:rPr>
+                          </m:ctrlPr>
+                        </m:sSubPr>
+                        <m:e>
+                          <m:r>
+                            <a:rPr lang="en-US" altLang="zh-CN" i="1">
+                              <a:latin typeface="Cambria Math" panose="02040503050406030204" pitchFamily="18" charset="0"/>
+                            </a:rPr>
+                            <m:t>𝑠</m:t>
+                          </m:r>
+                        </m:e>
+                        <m:sub>
+                          <m:r>
+                            <a:rPr lang="en-US" altLang="zh-CN" i="1">
+                              <a:latin typeface="Cambria Math" panose="02040503050406030204" pitchFamily="18" charset="0"/>
+                            </a:rPr>
+                            <m:t>𝑝</m:t>
+                          </m:r>
+                        </m:sub>
+                      </m:sSub>
+                      <m:r>
+                        <a:rPr lang="en-US" altLang="zh-CN" i="1">
+                          <a:latin typeface="Cambria Math" panose="02040503050406030204" pitchFamily="18" charset="0"/>
+                        </a:rPr>
+                        <m:t>=</m:t>
+                      </m:r>
+                      <m:rad>
+                        <m:radPr>
+                          <m:degHide m:val="on"/>
+                          <m:ctrlPr>
+                            <a:rPr lang="en-US" altLang="zh-CN" i="1">
+                              <a:latin typeface="Cambria Math" panose="02040503050406030204" pitchFamily="18" charset="0"/>
+                            </a:rPr>
+                          </m:ctrlPr>
+                        </m:radPr>
+                        <m:deg/>
+                        <m:e>
+                          <m:f>
+                            <m:fPr>
+                              <m:ctrlPr>
+                                <a:rPr lang="en-US" altLang="zh-CN" i="1">
+                                  <a:latin typeface="Cambria Math" panose="02040503050406030204" pitchFamily="18" charset="0"/>
+                                </a:rPr>
+                              </m:ctrlPr>
+                            </m:fPr>
+                            <m:num>
+                              <m:d>
+                                <m:dPr>
+                                  <m:ctrlPr>
+                                    <a:rPr lang="en-US" altLang="zh-CN" i="1">
+                                      <a:latin typeface="Cambria Math" panose="02040503050406030204" pitchFamily="18" charset="0"/>
+                                    </a:rPr>
+                                  </m:ctrlPr>
+                                </m:dPr>
+                                <m:e>
+                                  <m:r>
+                                    <a:rPr lang="en-US" altLang="zh-CN" i="1">
+                                      <a:latin typeface="Cambria Math" panose="02040503050406030204" pitchFamily="18" charset="0"/>
+                                    </a:rPr>
+                                    <m:t>𝑛</m:t>
+                                  </m:r>
+                                  <m:r>
+                                    <a:rPr lang="en-US" altLang="zh-CN" i="1">
+                                      <a:latin typeface="Cambria Math" panose="02040503050406030204" pitchFamily="18" charset="0"/>
+                                    </a:rPr>
+                                    <m:t>1−1</m:t>
+                                  </m:r>
+                                </m:e>
+                              </m:d>
+                              <m:sSup>
+                                <m:sSupPr>
+                                  <m:ctrlPr>
+                                    <a:rPr lang="en-US" altLang="zh-CN" i="1">
+                                      <a:latin typeface="Cambria Math" panose="02040503050406030204" pitchFamily="18" charset="0"/>
+                                    </a:rPr>
+                                  </m:ctrlPr>
+                                </m:sSupPr>
+                                <m:e>
+                                  <m:r>
+                                    <a:rPr lang="en-US" altLang="zh-CN" i="1">
+                                      <a:latin typeface="Cambria Math" panose="02040503050406030204" pitchFamily="18" charset="0"/>
+                                    </a:rPr>
+                                    <m:t>𝑠</m:t>
+                                  </m:r>
+                                  <m:r>
+                                    <a:rPr lang="en-US" altLang="zh-CN" i="1">
+                                      <a:latin typeface="Cambria Math" panose="02040503050406030204" pitchFamily="18" charset="0"/>
+                                    </a:rPr>
+                                    <m:t>1</m:t>
+                                  </m:r>
+                                </m:e>
+                                <m:sup>
+                                  <m:r>
+                                    <a:rPr lang="en-US" altLang="zh-CN" i="1">
+                                      <a:latin typeface="Cambria Math" panose="02040503050406030204" pitchFamily="18" charset="0"/>
+                                    </a:rPr>
+                                    <m:t>2</m:t>
+                                  </m:r>
+                                </m:sup>
+                              </m:sSup>
+                              <m:r>
+                                <a:rPr lang="en-US" altLang="zh-CN" i="1">
+                                  <a:latin typeface="Cambria Math" panose="02040503050406030204" pitchFamily="18" charset="0"/>
+                                </a:rPr>
+                                <m:t>+(</m:t>
+                              </m:r>
+                              <m:r>
+                                <a:rPr lang="en-US" altLang="zh-CN" i="1">
+                                  <a:latin typeface="Cambria Math" panose="02040503050406030204" pitchFamily="18" charset="0"/>
+                                </a:rPr>
+                                <m:t>𝑛</m:t>
+                              </m:r>
+                              <m:r>
+                                <a:rPr lang="en-US" altLang="zh-CN" i="1">
+                                  <a:latin typeface="Cambria Math" panose="02040503050406030204" pitchFamily="18" charset="0"/>
+                                </a:rPr>
+                                <m:t>2−1)</m:t>
+                              </m:r>
+                              <m:sSup>
+                                <m:sSupPr>
+                                  <m:ctrlPr>
+                                    <a:rPr lang="en-US" altLang="zh-CN" i="1">
+                                      <a:latin typeface="Cambria Math" panose="02040503050406030204" pitchFamily="18" charset="0"/>
+                                    </a:rPr>
+                                  </m:ctrlPr>
+                                </m:sSupPr>
+                                <m:e>
+                                  <m:r>
+                                    <a:rPr lang="en-US" altLang="zh-CN" i="1">
+                                      <a:latin typeface="Cambria Math" panose="02040503050406030204" pitchFamily="18" charset="0"/>
+                                    </a:rPr>
+                                    <m:t>𝑠</m:t>
+                                  </m:r>
+                                  <m:r>
+                                    <a:rPr lang="en-US" altLang="zh-CN" i="1">
+                                      <a:latin typeface="Cambria Math" panose="02040503050406030204" pitchFamily="18" charset="0"/>
+                                    </a:rPr>
+                                    <m:t>2</m:t>
+                                  </m:r>
+                                </m:e>
+                                <m:sup>
+                                  <m:r>
+                                    <a:rPr lang="en-US" altLang="zh-CN" i="1">
+                                      <a:latin typeface="Cambria Math" panose="02040503050406030204" pitchFamily="18" charset="0"/>
+                                    </a:rPr>
+                                    <m:t>2</m:t>
+                                  </m:r>
+                                </m:sup>
+                              </m:sSup>
+                            </m:num>
+                            <m:den>
+                              <m:r>
+                                <a:rPr lang="en-US" altLang="zh-CN" i="1">
+                                  <a:latin typeface="Cambria Math" panose="02040503050406030204" pitchFamily="18" charset="0"/>
+                                </a:rPr>
+                                <m:t>𝑛</m:t>
+                              </m:r>
+                              <m:r>
+                                <a:rPr lang="en-US" altLang="zh-CN" i="1">
+                                  <a:latin typeface="Cambria Math" panose="02040503050406030204" pitchFamily="18" charset="0"/>
+                                </a:rPr>
+                                <m:t>1+</m:t>
+                              </m:r>
+                              <m:r>
+                                <a:rPr lang="en-US" altLang="zh-CN" i="1">
+                                  <a:latin typeface="Cambria Math" panose="02040503050406030204" pitchFamily="18" charset="0"/>
+                                </a:rPr>
+                                <m:t>𝑛</m:t>
+                              </m:r>
+                              <m:r>
+                                <a:rPr lang="en-US" altLang="zh-CN" i="1">
+                                  <a:latin typeface="Cambria Math" panose="02040503050406030204" pitchFamily="18" charset="0"/>
+                                </a:rPr>
+                                <m:t>2−2</m:t>
+                              </m:r>
+                            </m:den>
+                          </m:f>
+                        </m:e>
+                      </m:rad>
+                    </m:oMath>
+                  </m:oMathPara>
+                </a14:m>
+                <a:endParaRPr lang="zh-CN" altLang="en-US" dirty="0"/>
+              </a:p>
+            </p:txBody>
+          </p:sp>
+        </mc:Choice>
+        <mc:Fallback>
+          <p:sp>
+            <p:nvSpPr>
+              <p:cNvPr id="6" name="矩形 5"/>
+              <p:cNvSpPr>
+                <a:spLocks noRot="1" noChangeAspect="1" noMove="1" noResize="1" noEditPoints="1" noAdjustHandles="1" noChangeArrowheads="1" noChangeShapeType="1" noTextEdit="1"/>
+              </p:cNvSpPr>
+              <p:nvPr/>
+            </p:nvSpPr>
+            <p:spPr>
+              <a:xfrm>
+                <a:off x="1166274" y="1003995"/>
+                <a:ext cx="3611052" cy="910699"/>
+              </a:xfrm>
+              <a:prstGeom prst="rect">
+                <a:avLst/>
+              </a:prstGeom>
+              <a:blipFill rotWithShape="0">
+                <a:blip r:embed="rId4"/>
+                <a:stretch>
+                  <a:fillRect/>
+                </a:stretch>
+              </a:blipFill>
+            </p:spPr>
+            <p:txBody>
+              <a:bodyPr/>
+              <a:lstStyle/>
+              <a:p>
+                <a:r>
+                  <a:rPr lang="zh-CN" altLang="en-US">
+                    <a:noFill/>
+                  </a:rPr>
+                  <a:t> </a:t>
+                </a:r>
+              </a:p>
+            </p:txBody>
+          </p:sp>
+        </mc:Fallback>
+      </mc:AlternateContent>
+      <p:pic>
+        <p:nvPicPr>
+          <p:cNvPr id="7" name="图片 6"/>
+          <p:cNvPicPr>
+            <a:picLocks noChangeAspect="1"/>
+          </p:cNvPicPr>
+          <p:nvPr/>
+        </p:nvPicPr>
+        <p:blipFill>
+          <a:blip r:embed="rId5"/>
+          <a:stretch>
+            <a:fillRect/>
+          </a:stretch>
+        </p:blipFill>
+        <p:spPr>
+          <a:xfrm>
+            <a:off x="4581525" y="6043442"/>
+            <a:ext cx="3181350" cy="695325"/>
+          </a:xfrm>
+          <a:prstGeom prst="rect">
+            <a:avLst/>
+          </a:prstGeom>
+        </p:spPr>
+      </p:pic>
+    </p:spTree>
+    <p:extLst>
+      <p:ext uri="{BB962C8B-B14F-4D97-AF65-F5344CB8AC3E}">
+        <p14:creationId xmlns:p14="http://schemas.microsoft.com/office/powerpoint/2010/main" val="3908015265"/>
+      </p:ext>
+    </p:extLst>
+  </p:cSld>
+  <p:clrMapOvr>
+    <a:masterClrMapping/>
+  </p:clrMapOvr>
+  <p:timing>
+    <p:tnLst>
+      <p:par>
+        <p:cTn id="1" dur="indefinite" restart="never" nodeType="tmRoot">
+          <p:childTnLst>
+            <p:seq concurrent="1" nextAc="seek">
+              <p:cTn id="2" dur="indefinite" nodeType="mainSeq">
+                <p:childTnLst>
+                  <p:par>
+                    <p:cTn id="3" fill="hold">
+                      <p:stCondLst>
+                        <p:cond delay="indefinite"/>
+                      </p:stCondLst>
+                      <p:childTnLst>
+                        <p:par>
+                          <p:cTn id="4" fill="hold">
+                            <p:stCondLst>
+                              <p:cond delay="0"/>
+                            </p:stCondLst>
+                            <p:childTnLst>
+                              <p:par>
+                                <p:cTn id="5" presetID="1" presetClass="entr" presetSubtype="0" fill="hold" nodeType="clickEffect">
+                                  <p:stCondLst>
+                                    <p:cond delay="0"/>
+                                  </p:stCondLst>
+                                  <p:childTnLst>
+                                    <p:set>
+                                      <p:cBhvr>
+                                        <p:cTn id="6" dur="1" fill="hold">
+                                          <p:stCondLst>
+                                            <p:cond delay="0"/>
+                                          </p:stCondLst>
+                                        </p:cTn>
+                                        <p:tgtEl>
+                                          <p:spTgt spid="7"/>
+                                        </p:tgtEl>
+                                        <p:attrNameLst>
+                                          <p:attrName>style.visibility</p:attrName>
+                                        </p:attrNameLst>
+                                      </p:cBhvr>
+                                      <p:to>
+                                        <p:strVal val="visible"/>
+                                      </p:to>
+                                    </p:set>
+                                  </p:childTnLst>
+                                </p:cTn>
+                              </p:par>
+                            </p:childTnLst>
+                          </p:cTn>
+                        </p:par>
+                      </p:childTnLst>
+                    </p:cTn>
+                  </p:par>
+                </p:childTnLst>
+              </p:cTn>
+              <p:prevCondLst>
+                <p:cond evt="onPrev" delay="0">
+                  <p:tgtEl>
+                    <p:sldTgt/>
+                  </p:tgtEl>
+                </p:cond>
+              </p:prevCondLst>
+              <p:nextCondLst>
+                <p:cond evt="onNext" delay="0">
+                  <p:tgtEl>
+                    <p:sldTgt/>
+                  </p:tgtEl>
+                </p:cond>
+              </p:nextCondLst>
+            </p:seq>
+          </p:childTnLst>
+        </p:cTn>
+      </p:par>
+    </p:tnLst>
+  </p:timing>
+</p:sld>
+</file>
+
+<file path=ppt/slides/slide36.xml><?xml version="1.0" encoding="utf-8"?>
+<p:sld xmlns:a="http://schemas.openxmlformats.org/drawingml/2006/main" xmlns:r="http://schemas.openxmlformats.org/officeDocument/2006/relationships" xmlns:p="http://schemas.openxmlformats.org/presentationml/2006/main">
+  <p:cSld>
+    <p:spTree>
+      <p:nvGrpSpPr>
+        <p:cNvPr id="1" name=""/>
+        <p:cNvGrpSpPr/>
+        <p:nvPr/>
+      </p:nvGrpSpPr>
+      <p:grpSpPr>
+        <a:xfrm>
+          <a:off x="0" y="0"/>
+          <a:ext cx="0" cy="0"/>
+          <a:chOff x="0" y="0"/>
+          <a:chExt cx="0" cy="0"/>
+        </a:xfrm>
+      </p:grpSpPr>
+      <p:sp>
+        <p:nvSpPr>
+          <p:cNvPr id="2" name="标题 1"/>
+          <p:cNvSpPr>
+            <a:spLocks noGrp="1"/>
+          </p:cNvSpPr>
+          <p:nvPr>
+            <p:ph type="title"/>
+          </p:nvPr>
+        </p:nvSpPr>
+        <p:spPr/>
+        <p:txBody>
+          <a:bodyPr/>
+          <a:lstStyle/>
+          <a:p>
+            <a:r>
+              <a:rPr lang="zh-CN" altLang="en-US" dirty="0" smtClean="0"/>
+              <a:t>样本量计算，</a:t>
+            </a:r>
+            <a:r>
+              <a:rPr lang="en-US" altLang="zh-CN" dirty="0" smtClean="0"/>
+              <a:t>2</a:t>
+            </a:r>
+            <a:r>
+              <a:rPr lang="zh-CN" altLang="en-US" dirty="0" smtClean="0"/>
+              <a:t>独立样本比较 练习</a:t>
+            </a:r>
+            <a:endParaRPr lang="zh-CN" altLang="en-US" dirty="0"/>
+          </a:p>
+        </p:txBody>
+      </p:sp>
+      <p:sp>
+        <p:nvSpPr>
+          <p:cNvPr id="3" name="内容占位符 2"/>
+          <p:cNvSpPr>
+            <a:spLocks noGrp="1"/>
+          </p:cNvSpPr>
+          <p:nvPr>
+            <p:ph idx="1"/>
+          </p:nvPr>
+        </p:nvSpPr>
+        <p:spPr>
+          <a:xfrm>
+            <a:off x="1371600" y="1731085"/>
+            <a:ext cx="9601200" cy="3814581"/>
+          </a:xfrm>
+        </p:spPr>
+        <p:txBody>
+          <a:bodyPr>
+            <a:normAutofit lnSpcReduction="10000"/>
+          </a:bodyPr>
+          <a:lstStyle/>
+          <a:p>
+            <a:r>
+              <a:rPr lang="zh-CN" altLang="en-US" dirty="0" smtClean="0"/>
+              <a:t>研究者比较两种饮食方式对于儿童肥胖的影响，一种是低脂肪饮食，一种是低碳水化合物饮食。对参与者均随访</a:t>
+            </a:r>
+            <a:r>
+              <a:rPr lang="en-US" altLang="zh-CN" dirty="0" smtClean="0"/>
+              <a:t>8</a:t>
+            </a:r>
+            <a:r>
+              <a:rPr lang="zh-CN" altLang="en-US" dirty="0" smtClean="0"/>
+              <a:t>周。从既往在成人开展研究的经验来看，预期有</a:t>
+            </a:r>
+            <a:r>
+              <a:rPr lang="en-US" altLang="zh-CN" dirty="0" smtClean="0"/>
+              <a:t>20%</a:t>
+            </a:r>
+            <a:r>
+              <a:rPr lang="zh-CN" altLang="en-US" dirty="0" smtClean="0"/>
+              <a:t>的失访率。研究者准备采用</a:t>
+            </a:r>
+            <a:r>
+              <a:rPr lang="en-US" altLang="zh-CN" dirty="0" smtClean="0"/>
+              <a:t>95%</a:t>
+            </a:r>
+            <a:r>
+              <a:rPr lang="zh-CN" altLang="en-US" dirty="0" smtClean="0"/>
+              <a:t>置信区间评估效果</a:t>
+            </a:r>
+            <a:endParaRPr lang="en-US" altLang="zh-CN" dirty="0" smtClean="0"/>
+          </a:p>
+          <a:p>
+            <a:r>
+              <a:rPr lang="zh-CN" altLang="en-US" dirty="0" smtClean="0"/>
+              <a:t>误差的允许范围是</a:t>
+            </a:r>
+            <a:r>
+              <a:rPr lang="en-US" altLang="zh-CN" dirty="0" smtClean="0"/>
+              <a:t>3</a:t>
+            </a:r>
+            <a:r>
+              <a:rPr lang="zh-CN" altLang="en-US" dirty="0" smtClean="0"/>
+              <a:t>磅</a:t>
+            </a:r>
+            <a:endParaRPr lang="en-US" altLang="zh-CN" dirty="0" smtClean="0"/>
+          </a:p>
+          <a:p>
+            <a:r>
+              <a:rPr lang="zh-CN" altLang="en-US" dirty="0" smtClean="0"/>
+              <a:t>之前在成人的研究提示，低脂肪组的标准差是</a:t>
+            </a:r>
+            <a:r>
+              <a:rPr lang="en-US" altLang="zh-CN" dirty="0" smtClean="0"/>
+              <a:t>8.5</a:t>
+            </a:r>
+            <a:r>
+              <a:rPr lang="zh-CN" altLang="en-US" dirty="0" smtClean="0"/>
+              <a:t>磅，低碳水化各物饮食组标准差是</a:t>
+            </a:r>
+            <a:r>
+              <a:rPr lang="en-US" altLang="zh-CN" dirty="0" smtClean="0"/>
+              <a:t>7.7</a:t>
+            </a:r>
+            <a:r>
+              <a:rPr lang="zh-CN" altLang="en-US" dirty="0" smtClean="0"/>
+              <a:t>磅</a:t>
+            </a:r>
+            <a:endParaRPr lang="zh-CN" altLang="en-US" dirty="0"/>
+          </a:p>
+        </p:txBody>
+      </p:sp>
+    </p:spTree>
+    <p:extLst>
+      <p:ext uri="{BB962C8B-B14F-4D97-AF65-F5344CB8AC3E}">
+        <p14:creationId xmlns:p14="http://schemas.microsoft.com/office/powerpoint/2010/main" val="2382802754"/>
+      </p:ext>
+    </p:extLst>
+  </p:cSld>
+  <p:clrMapOvr>
+    <a:masterClrMapping/>
+  </p:clrMapOvr>
+  <p:timing>
+    <p:tnLst>
+      <p:par>
+        <p:cTn id="1" dur="indefinite" restart="never" nodeType="tmRoot"/>
+      </p:par>
+    </p:tnLst>
+  </p:timing>
+</p:sld>
+</file>
+
+<file path=ppt/slides/slide37.xml><?xml version="1.0" encoding="utf-8"?>
+<p:sld xmlns:a="http://schemas.openxmlformats.org/drawingml/2006/main" xmlns:r="http://schemas.openxmlformats.org/officeDocument/2006/relationships" xmlns:p="http://schemas.openxmlformats.org/presentationml/2006/main">
+  <p:cSld>
+    <p:spTree>
+      <p:nvGrpSpPr>
+        <p:cNvPr id="1" name=""/>
+        <p:cNvGrpSpPr/>
+        <p:nvPr/>
+      </p:nvGrpSpPr>
+      <p:grpSpPr>
+        <a:xfrm>
+          <a:off x="0" y="0"/>
+          <a:ext cx="0" cy="0"/>
+          <a:chOff x="0" y="0"/>
+          <a:chExt cx="0" cy="0"/>
+        </a:xfrm>
+      </p:grpSpPr>
+      <p:sp>
+        <p:nvSpPr>
+          <p:cNvPr id="2" name="标题 1"/>
+          <p:cNvSpPr>
+            <a:spLocks noGrp="1"/>
+          </p:cNvSpPr>
+          <p:nvPr>
+            <p:ph type="title"/>
+          </p:nvPr>
+        </p:nvSpPr>
+        <p:spPr/>
+        <p:txBody>
+          <a:bodyPr/>
+          <a:lstStyle/>
+          <a:p>
+            <a:r>
+              <a:rPr lang="zh-CN" altLang="en-US" dirty="0" smtClean="0"/>
+              <a:t>样本量计算，</a:t>
+            </a:r>
+            <a:r>
+              <a:rPr lang="en-US" altLang="zh-CN" dirty="0" smtClean="0"/>
+              <a:t>2</a:t>
+            </a:r>
+            <a:r>
+              <a:rPr lang="zh-CN" altLang="en-US" dirty="0" smtClean="0"/>
+              <a:t>配对样本</a:t>
+            </a:r>
+            <a:endParaRPr lang="zh-CN" altLang="en-US" dirty="0"/>
+          </a:p>
+        </p:txBody>
+      </p:sp>
+      <p:sp>
+        <p:nvSpPr>
+          <p:cNvPr id="3" name="内容占位符 2"/>
+          <p:cNvSpPr>
+            <a:spLocks noGrp="1"/>
+          </p:cNvSpPr>
+          <p:nvPr>
+            <p:ph idx="1"/>
+          </p:nvPr>
+        </p:nvSpPr>
+        <p:spPr>
+          <a:xfrm>
+            <a:off x="1371600" y="3352800"/>
+            <a:ext cx="9601200" cy="1959686"/>
+          </a:xfrm>
+        </p:spPr>
+        <p:txBody>
+          <a:bodyPr/>
+          <a:lstStyle/>
+          <a:p>
+            <a:r>
+              <a:rPr lang="en-US" altLang="zh-CN" dirty="0" smtClean="0"/>
+              <a:t>E</a:t>
+            </a:r>
+            <a:r>
+              <a:rPr lang="zh-CN" altLang="en-US" dirty="0" smtClean="0"/>
+              <a:t>是两组差的误差允许范围</a:t>
+            </a:r>
+            <a:endParaRPr lang="en-US" altLang="zh-CN" dirty="0" smtClean="0"/>
+          </a:p>
+          <a:p>
+            <a:r>
+              <a:rPr lang="en-US" altLang="zh-CN" dirty="0" err="1" smtClean="0"/>
+              <a:t>Sigma_d</a:t>
+            </a:r>
+            <a:r>
+              <a:rPr lang="zh-CN" altLang="en-US" dirty="0" smtClean="0"/>
+              <a:t>是以前研究提示的两组差的标准差</a:t>
+            </a:r>
+            <a:endParaRPr lang="zh-CN" altLang="en-US" dirty="0"/>
+          </a:p>
+        </p:txBody>
+      </p:sp>
+      <p:pic>
+        <p:nvPicPr>
+          <p:cNvPr id="4" name="图片 3"/>
+          <p:cNvPicPr>
+            <a:picLocks noChangeAspect="1"/>
+          </p:cNvPicPr>
+          <p:nvPr/>
+        </p:nvPicPr>
+        <p:blipFill>
+          <a:blip r:embed="rId2"/>
+          <a:stretch>
+            <a:fillRect/>
+          </a:stretch>
+        </p:blipFill>
+        <p:spPr>
+          <a:xfrm>
+            <a:off x="4883348" y="1731086"/>
+            <a:ext cx="2577703" cy="1181447"/>
+          </a:xfrm>
+          <a:prstGeom prst="rect">
+            <a:avLst/>
+          </a:prstGeom>
+        </p:spPr>
+      </p:pic>
+    </p:spTree>
+    <p:extLst>
+      <p:ext uri="{BB962C8B-B14F-4D97-AF65-F5344CB8AC3E}">
+        <p14:creationId xmlns:p14="http://schemas.microsoft.com/office/powerpoint/2010/main" val="1406304831"/>
+      </p:ext>
+    </p:extLst>
+  </p:cSld>
+  <p:clrMapOvr>
+    <a:masterClrMapping/>
+  </p:clrMapOvr>
+  <p:timing>
+    <p:tnLst>
+      <p:par>
+        <p:cTn id="1" dur="indefinite" restart="never" nodeType="tmRoot"/>
+      </p:par>
+    </p:tnLst>
+  </p:timing>
+</p:sld>
+</file>
+
+<file path=ppt/slides/slide38.xml><?xml version="1.0" encoding="utf-8"?>
+<p:sld xmlns:a="http://schemas.openxmlformats.org/drawingml/2006/main" xmlns:r="http://schemas.openxmlformats.org/officeDocument/2006/relationships" xmlns:p="http://schemas.openxmlformats.org/presentationml/2006/main">
+  <p:cSld>
+    <p:spTree>
+      <p:nvGrpSpPr>
+        <p:cNvPr id="1" name=""/>
+        <p:cNvGrpSpPr/>
+        <p:nvPr/>
+      </p:nvGrpSpPr>
+      <p:grpSpPr>
+        <a:xfrm>
+          <a:off x="0" y="0"/>
+          <a:ext cx="0" cy="0"/>
+          <a:chOff x="0" y="0"/>
+          <a:chExt cx="0" cy="0"/>
+        </a:xfrm>
+      </p:grpSpPr>
+      <p:sp>
+        <p:nvSpPr>
+          <p:cNvPr id="2" name="标题 1"/>
+          <p:cNvSpPr>
+            <a:spLocks noGrp="1"/>
+          </p:cNvSpPr>
+          <p:nvPr>
+            <p:ph type="title"/>
+          </p:nvPr>
+        </p:nvSpPr>
+        <p:spPr/>
+        <p:txBody>
+          <a:bodyPr/>
+          <a:lstStyle/>
+          <a:p>
+            <a:r>
+              <a:rPr lang="zh-CN" altLang="en-US" dirty="0" smtClean="0"/>
+              <a:t>样本量计算，</a:t>
+            </a:r>
+            <a:r>
+              <a:rPr lang="en-US" altLang="zh-CN" dirty="0" smtClean="0"/>
+              <a:t>2</a:t>
+            </a:r>
+            <a:r>
+              <a:rPr lang="zh-CN" altLang="en-US" dirty="0" smtClean="0"/>
+              <a:t>独立二分类变量</a:t>
+            </a:r>
+            <a:endParaRPr lang="zh-CN" altLang="en-US" dirty="0"/>
+          </a:p>
+        </p:txBody>
+      </p:sp>
+      <p:sp>
+        <p:nvSpPr>
+          <p:cNvPr id="3" name="内容占位符 2"/>
+          <p:cNvSpPr>
+            <a:spLocks noGrp="1"/>
+          </p:cNvSpPr>
+          <p:nvPr>
+            <p:ph idx="1"/>
+          </p:nvPr>
+        </p:nvSpPr>
+        <p:spPr>
+          <a:xfrm>
+            <a:off x="1371600" y="2328332"/>
+            <a:ext cx="9601200" cy="4114801"/>
+          </a:xfrm>
+        </p:spPr>
+        <p:txBody>
+          <a:bodyPr>
+            <a:normAutofit/>
+          </a:bodyPr>
+          <a:lstStyle/>
+          <a:p>
+            <a:r>
+              <a:rPr lang="zh-CN" altLang="en-US" dirty="0" smtClean="0"/>
+              <a:t>研究者想通过回顾性研究评价吸烟对于孕妇早产率的影响。正常孕周是</a:t>
+            </a:r>
+            <a:r>
+              <a:rPr lang="en-US" altLang="zh-CN" dirty="0" smtClean="0"/>
+              <a:t>40</a:t>
+            </a:r>
+            <a:r>
+              <a:rPr lang="zh-CN" altLang="en-US" dirty="0" smtClean="0"/>
+              <a:t>周，</a:t>
+            </a:r>
+            <a:r>
+              <a:rPr lang="en-US" altLang="zh-CN" dirty="0" smtClean="0"/>
+              <a:t>37</a:t>
+            </a:r>
+            <a:r>
+              <a:rPr lang="zh-CN" altLang="en-US" dirty="0" smtClean="0"/>
+              <a:t>周以前分娩则为早产。</a:t>
+            </a:r>
+            <a:r>
+              <a:rPr lang="en-US" altLang="zh-CN" dirty="0" smtClean="0"/>
+              <a:t>2005</a:t>
+            </a:r>
+            <a:r>
+              <a:rPr lang="zh-CN" altLang="en-US" dirty="0" smtClean="0"/>
+              <a:t>年全国普查的结果提示全美国每年约有</a:t>
+            </a:r>
+            <a:r>
+              <a:rPr lang="en-US" altLang="zh-CN" dirty="0" smtClean="0"/>
+              <a:t>12%</a:t>
+            </a:r>
+            <a:r>
+              <a:rPr lang="zh-CN" altLang="en-US" dirty="0" smtClean="0"/>
+              <a:t>新生儿为早产儿。</a:t>
+            </a:r>
+            <a:endParaRPr lang="en-US" altLang="zh-CN" dirty="0" smtClean="0"/>
+          </a:p>
+          <a:p>
+            <a:r>
+              <a:rPr lang="zh-CN" altLang="en-US" dirty="0" smtClean="0"/>
+              <a:t>研究者如果希望让误差在</a:t>
+            </a:r>
+            <a:r>
+              <a:rPr lang="en-US" altLang="zh-CN" dirty="0" smtClean="0"/>
+              <a:t>4%</a:t>
+            </a:r>
+            <a:r>
+              <a:rPr lang="zh-CN" altLang="en-US" dirty="0" smtClean="0"/>
+              <a:t>以内，需要保证多少的样本量？</a:t>
+            </a:r>
+            <a:endParaRPr lang="en-US" altLang="zh-CN" dirty="0" smtClean="0"/>
+          </a:p>
+          <a:p>
+            <a:endParaRPr lang="en-US" altLang="zh-CN" dirty="0"/>
+          </a:p>
+          <a:p>
+            <a:r>
+              <a:rPr lang="zh-CN" altLang="en-US" dirty="0" smtClean="0"/>
+              <a:t>研究者是否需要考虑失访率？</a:t>
+            </a:r>
+            <a:endParaRPr lang="zh-CN" altLang="en-US" dirty="0"/>
+          </a:p>
+        </p:txBody>
+      </p:sp>
+      <p:pic>
+        <p:nvPicPr>
+          <p:cNvPr id="5" name="图片 4"/>
+          <p:cNvPicPr>
+            <a:picLocks noChangeAspect="1"/>
+          </p:cNvPicPr>
+          <p:nvPr/>
+        </p:nvPicPr>
+        <p:blipFill>
+          <a:blip r:embed="rId2"/>
+          <a:stretch>
+            <a:fillRect/>
+          </a:stretch>
+        </p:blipFill>
+        <p:spPr>
+          <a:xfrm>
+            <a:off x="6691842" y="1423789"/>
+            <a:ext cx="3295650" cy="552450"/>
+          </a:xfrm>
+          <a:prstGeom prst="rect">
+            <a:avLst/>
+          </a:prstGeom>
+        </p:spPr>
+      </p:pic>
+      <mc:AlternateContent xmlns:mc="http://schemas.openxmlformats.org/markup-compatibility/2006">
+        <mc:Choice xmlns:a14="http://schemas.microsoft.com/office/drawing/2010/main" Requires="a14">
+          <p:sp>
+            <p:nvSpPr>
+              <p:cNvPr id="6" name="矩形 5"/>
+              <p:cNvSpPr/>
+              <p:nvPr/>
+            </p:nvSpPr>
+            <p:spPr>
+              <a:xfrm>
+                <a:off x="1813582" y="1241586"/>
+                <a:ext cx="4436279" cy="910699"/>
+              </a:xfrm>
+              <a:prstGeom prst="rect">
+                <a:avLst/>
+              </a:prstGeom>
+            </p:spPr>
+            <p:txBody>
+              <a:bodyPr wrap="none">
+                <a:spAutoFit/>
+              </a:bodyPr>
+              <a:lstStyle/>
+              <a:p>
+                <a14:m>
+                  <m:oMathPara xmlns:m="http://schemas.openxmlformats.org/officeDocument/2006/math">
+                    <m:oMathParaPr>
+                      <m:jc m:val="centerGroup"/>
+                    </m:oMathParaPr>
+                    <m:oMath xmlns:m="http://schemas.openxmlformats.org/officeDocument/2006/math">
+                      <m:acc>
+                        <m:accPr>
+                          <m:chr m:val="̂"/>
+                          <m:ctrlPr>
+                            <a:rPr lang="en-US" altLang="zh-CN" i="1">
+                              <a:latin typeface="Cambria Math" panose="02040503050406030204" pitchFamily="18" charset="0"/>
+                              <a:ea typeface="Cambria Math" panose="02040503050406030204" pitchFamily="18" charset="0"/>
+                            </a:rPr>
+                          </m:ctrlPr>
+                        </m:accPr>
+                        <m:e>
+                          <m:r>
+                            <a:rPr lang="en-US" altLang="zh-CN" i="1">
+                              <a:latin typeface="Cambria Math" panose="02040503050406030204" pitchFamily="18" charset="0"/>
+                              <a:ea typeface="Cambria Math" panose="02040503050406030204" pitchFamily="18" charset="0"/>
+                            </a:rPr>
+                            <m:t>𝑝</m:t>
+                          </m:r>
+                        </m:e>
+                      </m:acc>
+                      <m:r>
+                        <a:rPr lang="en-US" altLang="zh-CN" i="1">
+                          <a:latin typeface="Cambria Math" panose="02040503050406030204" pitchFamily="18" charset="0"/>
+                          <a:ea typeface="Cambria Math" panose="02040503050406030204" pitchFamily="18" charset="0"/>
+                        </a:rPr>
+                        <m:t>1−</m:t>
+                      </m:r>
+                      <m:acc>
+                        <m:accPr>
+                          <m:chr m:val="̂"/>
+                          <m:ctrlPr>
+                            <a:rPr lang="en-US" altLang="zh-CN" i="1">
+                              <a:latin typeface="Cambria Math" panose="02040503050406030204" pitchFamily="18" charset="0"/>
+                              <a:ea typeface="Cambria Math" panose="02040503050406030204" pitchFamily="18" charset="0"/>
+                            </a:rPr>
+                          </m:ctrlPr>
+                        </m:accPr>
+                        <m:e>
+                          <m:r>
+                            <a:rPr lang="en-US" altLang="zh-CN" i="1">
+                              <a:latin typeface="Cambria Math" panose="02040503050406030204" pitchFamily="18" charset="0"/>
+                              <a:ea typeface="Cambria Math" panose="02040503050406030204" pitchFamily="18" charset="0"/>
+                            </a:rPr>
+                            <m:t>𝑝</m:t>
+                          </m:r>
+                        </m:e>
+                      </m:acc>
+                      <m:r>
+                        <a:rPr lang="en-US" altLang="zh-CN" i="1">
+                          <a:latin typeface="Cambria Math" panose="02040503050406030204" pitchFamily="18" charset="0"/>
+                          <a:ea typeface="Cambria Math" panose="02040503050406030204" pitchFamily="18" charset="0"/>
+                        </a:rPr>
+                        <m:t>2</m:t>
+                      </m:r>
+                      <m:r>
+                        <a:rPr lang="en-US" altLang="zh-CN" i="1">
+                          <a:latin typeface="Cambria Math" panose="02040503050406030204" pitchFamily="18" charset="0"/>
+                          <a:ea typeface="Cambria Math" panose="02040503050406030204" pitchFamily="18" charset="0"/>
+                        </a:rPr>
+                        <m:t>±</m:t>
+                      </m:r>
+                      <m:sSub>
+                        <m:sSubPr>
+                          <m:ctrlPr>
+                            <a:rPr lang="en-US" altLang="zh-CN" i="1">
+                              <a:latin typeface="Cambria Math" panose="02040503050406030204" pitchFamily="18" charset="0"/>
+                            </a:rPr>
+                          </m:ctrlPr>
+                        </m:sSubPr>
+                        <m:e>
+                          <m:r>
+                            <a:rPr lang="en-US" altLang="zh-CN" i="1">
+                              <a:latin typeface="Cambria Math" panose="02040503050406030204" pitchFamily="18" charset="0"/>
+                            </a:rPr>
+                            <m:t>𝑧</m:t>
+                          </m:r>
+                        </m:e>
+                        <m:sub>
+                          <m:f>
+                            <m:fPr>
+                              <m:ctrlPr>
+                                <a:rPr lang="en-US" altLang="zh-CN" i="1">
+                                  <a:latin typeface="Cambria Math" panose="02040503050406030204" pitchFamily="18" charset="0"/>
+                                </a:rPr>
+                              </m:ctrlPr>
+                            </m:fPr>
+                            <m:num>
+                              <m:r>
+                                <a:rPr lang="zh-CN" altLang="en-US" i="1">
+                                  <a:latin typeface="Cambria Math" panose="02040503050406030204" pitchFamily="18" charset="0"/>
+                                </a:rPr>
+                                <m:t>𝛼</m:t>
+                              </m:r>
+                            </m:num>
+                            <m:den>
+                              <m:r>
+                                <a:rPr lang="en-US" altLang="zh-CN" i="1">
+                                  <a:latin typeface="Cambria Math" panose="02040503050406030204" pitchFamily="18" charset="0"/>
+                                </a:rPr>
+                                <m:t>2</m:t>
+                              </m:r>
+                            </m:den>
+                          </m:f>
+                        </m:sub>
+                      </m:sSub>
+                      <m:r>
+                        <a:rPr lang="en-US" altLang="zh-CN" i="1">
+                          <a:latin typeface="Cambria Math" panose="02040503050406030204" pitchFamily="18" charset="0"/>
+                        </a:rPr>
+                        <m:t>∗</m:t>
+                      </m:r>
+                      <m:rad>
+                        <m:radPr>
+                          <m:degHide m:val="on"/>
+                          <m:ctrlPr>
+                            <a:rPr lang="en-US" altLang="zh-CN" i="1">
+                              <a:latin typeface="Cambria Math" panose="02040503050406030204" pitchFamily="18" charset="0"/>
+                            </a:rPr>
+                          </m:ctrlPr>
+                        </m:radPr>
+                        <m:deg/>
+                        <m:e>
+                          <m:f>
+                            <m:fPr>
+                              <m:ctrlPr>
+                                <a:rPr lang="en-US" altLang="zh-CN" i="1">
+                                  <a:latin typeface="Cambria Math" panose="02040503050406030204" pitchFamily="18" charset="0"/>
+                                </a:rPr>
+                              </m:ctrlPr>
+                            </m:fPr>
+                            <m:num>
+                              <m:r>
+                                <a:rPr lang="en-US" altLang="zh-CN" i="1">
+                                  <a:latin typeface="Cambria Math" panose="02040503050406030204" pitchFamily="18" charset="0"/>
+                                </a:rPr>
+                                <m:t>𝑝</m:t>
+                              </m:r>
+                              <m:r>
+                                <a:rPr lang="en-US" altLang="zh-CN" i="1">
+                                  <a:latin typeface="Cambria Math" panose="02040503050406030204" pitchFamily="18" charset="0"/>
+                                </a:rPr>
+                                <m:t>1</m:t>
+                              </m:r>
+                              <m:d>
+                                <m:dPr>
+                                  <m:ctrlPr>
+                                    <a:rPr lang="en-US" altLang="zh-CN" i="1">
+                                      <a:latin typeface="Cambria Math" panose="02040503050406030204" pitchFamily="18" charset="0"/>
+                                    </a:rPr>
+                                  </m:ctrlPr>
+                                </m:dPr>
+                                <m:e>
+                                  <m:r>
+                                    <a:rPr lang="en-US" altLang="zh-CN" i="1">
+                                      <a:latin typeface="Cambria Math" panose="02040503050406030204" pitchFamily="18" charset="0"/>
+                                    </a:rPr>
+                                    <m:t>1−</m:t>
+                                  </m:r>
+                                  <m:r>
+                                    <a:rPr lang="en-US" altLang="zh-CN" i="1">
+                                      <a:latin typeface="Cambria Math" panose="02040503050406030204" pitchFamily="18" charset="0"/>
+                                    </a:rPr>
+                                    <m:t>𝑝</m:t>
+                                  </m:r>
+                                  <m:r>
+                                    <a:rPr lang="en-US" altLang="zh-CN" i="1">
+                                      <a:latin typeface="Cambria Math" panose="02040503050406030204" pitchFamily="18" charset="0"/>
+                                    </a:rPr>
+                                    <m:t>1</m:t>
+                                  </m:r>
+                                </m:e>
+                              </m:d>
+                            </m:num>
+                            <m:den>
+                              <m:r>
+                                <a:rPr lang="en-US" altLang="zh-CN" i="1">
+                                  <a:latin typeface="Cambria Math" panose="02040503050406030204" pitchFamily="18" charset="0"/>
+                                </a:rPr>
+                                <m:t>𝑛</m:t>
+                              </m:r>
+                              <m:r>
+                                <a:rPr lang="en-US" altLang="zh-CN" i="1">
+                                  <a:latin typeface="Cambria Math" panose="02040503050406030204" pitchFamily="18" charset="0"/>
+                                </a:rPr>
+                                <m:t>1</m:t>
+                              </m:r>
+                            </m:den>
+                          </m:f>
+                          <m:r>
+                            <a:rPr lang="en-US" altLang="zh-CN" i="1">
+                              <a:latin typeface="Cambria Math" panose="02040503050406030204" pitchFamily="18" charset="0"/>
+                            </a:rPr>
+                            <m:t>+</m:t>
+                          </m:r>
+                          <m:f>
+                            <m:fPr>
+                              <m:ctrlPr>
+                                <a:rPr lang="en-US" altLang="zh-CN" i="1">
+                                  <a:latin typeface="Cambria Math" panose="02040503050406030204" pitchFamily="18" charset="0"/>
+                                </a:rPr>
+                              </m:ctrlPr>
+                            </m:fPr>
+                            <m:num>
+                              <m:r>
+                                <a:rPr lang="en-US" altLang="zh-CN" i="1">
+                                  <a:latin typeface="Cambria Math" panose="02040503050406030204" pitchFamily="18" charset="0"/>
+                                </a:rPr>
+                                <m:t>𝑝</m:t>
+                              </m:r>
+                              <m:r>
+                                <a:rPr lang="en-US" altLang="zh-CN" i="1">
+                                  <a:latin typeface="Cambria Math" panose="02040503050406030204" pitchFamily="18" charset="0"/>
+                                </a:rPr>
+                                <m:t>2</m:t>
+                              </m:r>
+                              <m:r>
+                                <a:rPr lang="en-US" altLang="zh-CN" i="1">
+                                  <a:latin typeface="Cambria Math" panose="02040503050406030204" pitchFamily="18" charset="0"/>
+                                </a:rPr>
+                                <m:t>(1−</m:t>
+                              </m:r>
+                              <m:r>
+                                <a:rPr lang="en-US" altLang="zh-CN" i="1">
+                                  <a:latin typeface="Cambria Math" panose="02040503050406030204" pitchFamily="18" charset="0"/>
+                                </a:rPr>
+                                <m:t>𝑝</m:t>
+                              </m:r>
+                              <m:r>
+                                <a:rPr lang="en-US" altLang="zh-CN" i="1">
+                                  <a:latin typeface="Cambria Math" panose="02040503050406030204" pitchFamily="18" charset="0"/>
+                                </a:rPr>
+                                <m:t>2</m:t>
+                              </m:r>
+                              <m:r>
+                                <a:rPr lang="en-US" altLang="zh-CN" i="1">
+                                  <a:latin typeface="Cambria Math" panose="02040503050406030204" pitchFamily="18" charset="0"/>
+                                </a:rPr>
+                                <m:t>)</m:t>
+                              </m:r>
+                            </m:num>
+                            <m:den>
+                              <m:r>
+                                <a:rPr lang="en-US" altLang="zh-CN" i="1">
+                                  <a:latin typeface="Cambria Math" panose="02040503050406030204" pitchFamily="18" charset="0"/>
+                                </a:rPr>
+                                <m:t>𝑛</m:t>
+                              </m:r>
+                              <m:r>
+                                <a:rPr lang="en-US" altLang="zh-CN" i="1">
+                                  <a:latin typeface="Cambria Math" panose="02040503050406030204" pitchFamily="18" charset="0"/>
+                                </a:rPr>
+                                <m:t>2</m:t>
+                              </m:r>
+                            </m:den>
+                          </m:f>
+                        </m:e>
+                      </m:rad>
+                    </m:oMath>
+                  </m:oMathPara>
+                </a14:m>
+                <a:endParaRPr lang="zh-CN" altLang="en-US" dirty="0"/>
+              </a:p>
+            </p:txBody>
+          </p:sp>
+        </mc:Choice>
+        <mc:Fallback>
+          <p:sp>
+            <p:nvSpPr>
+              <p:cNvPr id="6" name="矩形 5"/>
+              <p:cNvSpPr>
+                <a:spLocks noRot="1" noChangeAspect="1" noMove="1" noResize="1" noEditPoints="1" noAdjustHandles="1" noChangeArrowheads="1" noChangeShapeType="1" noTextEdit="1"/>
+              </p:cNvSpPr>
+              <p:nvPr/>
+            </p:nvSpPr>
+            <p:spPr>
+              <a:xfrm>
+                <a:off x="1813582" y="1241586"/>
+                <a:ext cx="4436279" cy="910699"/>
+              </a:xfrm>
+              <a:prstGeom prst="rect">
+                <a:avLst/>
+              </a:prstGeom>
+              <a:blipFill rotWithShape="0">
+                <a:blip r:embed="rId3"/>
+                <a:stretch>
+                  <a:fillRect/>
+                </a:stretch>
+              </a:blipFill>
+            </p:spPr>
+            <p:txBody>
+              <a:bodyPr/>
+              <a:lstStyle/>
+              <a:p>
+                <a:r>
+                  <a:rPr lang="zh-CN" altLang="en-US">
+                    <a:noFill/>
+                  </a:rPr>
+                  <a:t> </a:t>
+                </a:r>
+              </a:p>
+            </p:txBody>
+          </p:sp>
+        </mc:Fallback>
+      </mc:AlternateContent>
+      <p:pic>
+        <p:nvPicPr>
+          <p:cNvPr id="7" name="图片 6"/>
+          <p:cNvPicPr>
+            <a:picLocks noChangeAspect="1"/>
+          </p:cNvPicPr>
+          <p:nvPr/>
+        </p:nvPicPr>
+        <p:blipFill>
+          <a:blip r:embed="rId4"/>
+          <a:stretch>
+            <a:fillRect/>
+          </a:stretch>
+        </p:blipFill>
+        <p:spPr>
+          <a:xfrm>
+            <a:off x="2768071" y="4651753"/>
+            <a:ext cx="7096125" cy="581025"/>
+          </a:xfrm>
+          <a:prstGeom prst="rect">
+            <a:avLst/>
+          </a:prstGeom>
+        </p:spPr>
+      </p:pic>
+    </p:spTree>
+    <p:extLst>
+      <p:ext uri="{BB962C8B-B14F-4D97-AF65-F5344CB8AC3E}">
+        <p14:creationId xmlns:p14="http://schemas.microsoft.com/office/powerpoint/2010/main" val="3045174711"/>
+      </p:ext>
+    </p:extLst>
+  </p:cSld>
+  <p:clrMapOvr>
+    <a:masterClrMapping/>
+  </p:clrMapOvr>
+  <p:timing>
+    <p:tnLst>
+      <p:par>
+        <p:cTn id="1" dur="indefinite" restart="never" nodeType="tmRoot">
+          <p:childTnLst>
+            <p:seq concurrent="1" nextAc="seek">
+              <p:cTn id="2" dur="indefinite" nodeType="mainSeq">
+                <p:childTnLst>
+                  <p:par>
+                    <p:cTn id="3" fill="hold">
+                      <p:stCondLst>
+                        <p:cond delay="indefinite"/>
+                      </p:stCondLst>
+                      <p:childTnLst>
+                        <p:par>
+                          <p:cTn id="4" fill="hold">
+                            <p:stCondLst>
+                              <p:cond delay="0"/>
+                            </p:stCondLst>
+                            <p:childTnLst>
+                              <p:par>
+                                <p:cTn id="5" presetID="1" presetClass="entr" presetSubtype="0" fill="hold" nodeType="clickEffect">
+                                  <p:stCondLst>
+                                    <p:cond delay="0"/>
+                                  </p:stCondLst>
+                                  <p:childTnLst>
+                                    <p:set>
+                                      <p:cBhvr>
+                                        <p:cTn id="6" dur="1" fill="hold">
+                                          <p:stCondLst>
+                                            <p:cond delay="0"/>
+                                          </p:stCondLst>
+                                        </p:cTn>
+                                        <p:tgtEl>
+                                          <p:spTgt spid="7"/>
+                                        </p:tgtEl>
+                                        <p:attrNameLst>
+                                          <p:attrName>style.visibility</p:attrName>
+                                        </p:attrNameLst>
+                                      </p:cBhvr>
+                                      <p:to>
+                                        <p:strVal val="visible"/>
+                                      </p:to>
+                                    </p:set>
+                                  </p:childTnLst>
+                                </p:cTn>
+                              </p:par>
+                            </p:childTnLst>
+                          </p:cTn>
+                        </p:par>
+                      </p:childTnLst>
+                    </p:cTn>
+                  </p:par>
+                </p:childTnLst>
+              </p:cTn>
+              <p:prevCondLst>
+                <p:cond evt="onPrev" delay="0">
+                  <p:tgtEl>
+                    <p:sldTgt/>
+                  </p:tgtEl>
+                </p:cond>
+              </p:prevCondLst>
+              <p:nextCondLst>
+                <p:cond evt="onNext" delay="0">
+                  <p:tgtEl>
+                    <p:sldTgt/>
+                  </p:tgtEl>
+                </p:cond>
+              </p:nextCondLst>
+            </p:seq>
+          </p:childTnLst>
+        </p:cTn>
       </p:par>
     </p:tnLst>
   </p:timing>
@@ -7180,8 +14156,8 @@
           </a:p>
         </p:txBody>
       </p:sp>
-      <mc:AlternateContent xmlns:mc="http://schemas.openxmlformats.org/markup-compatibility/2006">
-        <mc:Choice xmlns:a14="http://schemas.microsoft.com/office/drawing/2010/main" Requires="a14">
+      <mc:AlternateContent xmlns:mc="http://schemas.openxmlformats.org/markup-compatibility/2006" xmlns:a14="http://schemas.microsoft.com/office/drawing/2010/main">
+        <mc:Choice Requires="a14">
           <p:sp>
             <p:nvSpPr>
               <p:cNvPr id="3" name="内容占位符 2"/>
@@ -7542,7 +14518,7 @@
             </p:txBody>
           </p:sp>
         </mc:Choice>
-        <mc:Fallback>
+        <mc:Fallback xmlns="">
           <p:sp>
             <p:nvSpPr>
               <p:cNvPr id="3" name="内容占位符 2"/>
@@ -8293,8 +15269,8 @@
           </a:p>
         </p:txBody>
       </p:sp>
-      <mc:AlternateContent xmlns:mc="http://schemas.openxmlformats.org/markup-compatibility/2006">
-        <mc:Choice xmlns:a14="http://schemas.microsoft.com/office/drawing/2010/main" Requires="a14">
+      <mc:AlternateContent xmlns:mc="http://schemas.openxmlformats.org/markup-compatibility/2006" xmlns:a14="http://schemas.microsoft.com/office/drawing/2010/main">
+        <mc:Choice Requires="a14">
           <p:sp>
             <p:nvSpPr>
               <p:cNvPr id="3" name="内容占位符 2"/>
@@ -8431,7 +15407,7 @@
             </p:txBody>
           </p:sp>
         </mc:Choice>
-        <mc:Fallback>
+        <mc:Fallback xmlns="">
           <p:sp>
             <p:nvSpPr>
               <p:cNvPr id="3" name="内容占位符 2"/>

--- a/lect-6/二分变量的检验以及样本量估计.pptx
+++ b/lect-6/二分变量的检验以及样本量估计.pptx
@@ -318,7 +318,7 @@
           <a:p>
             <a:fld id="{D8E0950C-EF3C-4712-8EE4-5F7FAA755B56}" type="datetimeFigureOut">
               <a:rPr lang="zh-CN" altLang="en-US" smtClean="0"/>
-              <a:t>2019-3-14</a:t>
+              <a:t>2019-3-27</a:t>
             </a:fld>
             <a:endParaRPr lang="zh-CN" altLang="en-US"/>
           </a:p>
@@ -648,7 +648,7 @@
           <a:p>
             <a:fld id="{D8E0950C-EF3C-4712-8EE4-5F7FAA755B56}" type="datetimeFigureOut">
               <a:rPr lang="zh-CN" altLang="en-US" smtClean="0"/>
-              <a:t>2019-3-14</a:t>
+              <a:t>2019-3-27</a:t>
             </a:fld>
             <a:endParaRPr lang="zh-CN" altLang="en-US"/>
           </a:p>
@@ -828,7 +828,7 @@
           <a:p>
             <a:fld id="{D8E0950C-EF3C-4712-8EE4-5F7FAA755B56}" type="datetimeFigureOut">
               <a:rPr lang="zh-CN" altLang="en-US" smtClean="0"/>
-              <a:t>2019-3-14</a:t>
+              <a:t>2019-3-27</a:t>
             </a:fld>
             <a:endParaRPr lang="zh-CN" altLang="en-US"/>
           </a:p>
@@ -1026,7 +1026,7 @@
           <a:p>
             <a:fld id="{D8E0950C-EF3C-4712-8EE4-5F7FAA755B56}" type="datetimeFigureOut">
               <a:rPr lang="zh-CN" altLang="en-US" smtClean="0"/>
-              <a:t>2019-3-14</a:t>
+              <a:t>2019-3-27</a:t>
             </a:fld>
             <a:endParaRPr lang="zh-CN" altLang="en-US"/>
           </a:p>
@@ -1303,7 +1303,7 @@
           <a:p>
             <a:fld id="{D8E0950C-EF3C-4712-8EE4-5F7FAA755B56}" type="datetimeFigureOut">
               <a:rPr lang="zh-CN" altLang="en-US" smtClean="0"/>
-              <a:t>2019-3-14</a:t>
+              <a:t>2019-3-27</a:t>
             </a:fld>
             <a:endParaRPr lang="zh-CN" altLang="en-US"/>
           </a:p>
@@ -1697,7 +1697,7 @@
           <a:p>
             <a:fld id="{D8E0950C-EF3C-4712-8EE4-5F7FAA755B56}" type="datetimeFigureOut">
               <a:rPr lang="zh-CN" altLang="en-US" smtClean="0"/>
-              <a:t>2019-3-14</a:t>
+              <a:t>2019-3-27</a:t>
             </a:fld>
             <a:endParaRPr lang="zh-CN" altLang="en-US"/>
           </a:p>
@@ -2174,7 +2174,7 @@
           <a:p>
             <a:fld id="{D8E0950C-EF3C-4712-8EE4-5F7FAA755B56}" type="datetimeFigureOut">
               <a:rPr lang="zh-CN" altLang="en-US" smtClean="0"/>
-              <a:t>2019-3-14</a:t>
+              <a:t>2019-3-27</a:t>
             </a:fld>
             <a:endParaRPr lang="zh-CN" altLang="en-US"/>
           </a:p>
@@ -2292,7 +2292,7 @@
           <a:p>
             <a:fld id="{D8E0950C-EF3C-4712-8EE4-5F7FAA755B56}" type="datetimeFigureOut">
               <a:rPr lang="zh-CN" altLang="en-US" smtClean="0"/>
-              <a:t>2019-3-14</a:t>
+              <a:t>2019-3-27</a:t>
             </a:fld>
             <a:endParaRPr lang="zh-CN" altLang="en-US"/>
           </a:p>
@@ -2387,7 +2387,7 @@
           <a:p>
             <a:fld id="{D8E0950C-EF3C-4712-8EE4-5F7FAA755B56}" type="datetimeFigureOut">
               <a:rPr lang="zh-CN" altLang="en-US" smtClean="0"/>
-              <a:t>2019-3-14</a:t>
+              <a:t>2019-3-27</a:t>
             </a:fld>
             <a:endParaRPr lang="zh-CN" altLang="en-US"/>
           </a:p>
@@ -2733,7 +2733,7 @@
           <a:p>
             <a:fld id="{D8E0950C-EF3C-4712-8EE4-5F7FAA755B56}" type="datetimeFigureOut">
               <a:rPr lang="zh-CN" altLang="en-US" smtClean="0"/>
-              <a:t>2019-3-14</a:t>
+              <a:t>2019-3-27</a:t>
             </a:fld>
             <a:endParaRPr lang="zh-CN" altLang="en-US"/>
           </a:p>
@@ -3121,7 +3121,7 @@
           <a:p>
             <a:fld id="{D8E0950C-EF3C-4712-8EE4-5F7FAA755B56}" type="datetimeFigureOut">
               <a:rPr lang="zh-CN" altLang="en-US" smtClean="0"/>
-              <a:t>2019-3-14</a:t>
+              <a:t>2019-3-27</a:t>
             </a:fld>
             <a:endParaRPr lang="zh-CN" altLang="en-US"/>
           </a:p>
@@ -3399,7 +3399,7 @@
           <a:p>
             <a:fld id="{D8E0950C-EF3C-4712-8EE4-5F7FAA755B56}" type="datetimeFigureOut">
               <a:rPr lang="zh-CN" altLang="en-US" smtClean="0"/>
-              <a:t>2019-3-14</a:t>
+              <a:t>2019-3-27</a:t>
             </a:fld>
             <a:endParaRPr lang="zh-CN" altLang="en-US"/>
           </a:p>
@@ -9403,8 +9403,8 @@
           </a:p>
         </p:txBody>
       </p:sp>
-      <mc:AlternateContent xmlns:mc="http://schemas.openxmlformats.org/markup-compatibility/2006">
-        <mc:Choice xmlns:a14="http://schemas.microsoft.com/office/drawing/2010/main" Requires="a14">
+      <mc:AlternateContent xmlns:mc="http://schemas.openxmlformats.org/markup-compatibility/2006" xmlns:a14="http://schemas.microsoft.com/office/drawing/2010/main">
+        <mc:Choice Requires="a14">
           <p:sp>
             <p:nvSpPr>
               <p:cNvPr id="3" name="内容占位符 2"/>
@@ -10526,7 +10526,7 @@
             </p:txBody>
           </p:sp>
         </mc:Choice>
-        <mc:Fallback>
+        <mc:Fallback xmlns="">
           <p:sp>
             <p:nvSpPr>
               <p:cNvPr id="3" name="内容占位符 2"/>
@@ -11166,8 +11166,8 @@
           </a:prstGeom>
         </p:spPr>
       </p:pic>
-      <mc:AlternateContent xmlns:mc="http://schemas.openxmlformats.org/markup-compatibility/2006">
-        <mc:Choice xmlns:a14="http://schemas.microsoft.com/office/drawing/2010/main" Requires="a14">
+      <mc:AlternateContent xmlns:mc="http://schemas.openxmlformats.org/markup-compatibility/2006" xmlns:a14="http://schemas.microsoft.com/office/drawing/2010/main">
+        <mc:Choice Requires="a14">
           <p:sp>
             <p:nvSpPr>
               <p:cNvPr id="6" name="矩形 5"/>
@@ -11189,6 +11189,7 @@
               </a:bodyPr>
               <a:lstStyle/>
               <a:p>
+                <a:pPr/>
                 <a14:m>
                   <m:oMathPara xmlns:m="http://schemas.openxmlformats.org/officeDocument/2006/math">
                     <m:oMathParaPr>
@@ -11303,7 +11304,7 @@
             </p:txBody>
           </p:sp>
         </mc:Choice>
-        <mc:Fallback>
+        <mc:Fallback xmlns="">
           <p:sp>
             <p:nvSpPr>
               <p:cNvPr id="6" name="矩形 5"/>
@@ -11691,8 +11692,8 @@
           </a:prstGeom>
         </p:spPr>
       </p:pic>
-      <mc:AlternateContent xmlns:mc="http://schemas.openxmlformats.org/markup-compatibility/2006">
-        <mc:Choice xmlns:a14="http://schemas.microsoft.com/office/drawing/2010/main" Requires="a14">
+      <mc:AlternateContent xmlns:mc="http://schemas.openxmlformats.org/markup-compatibility/2006" xmlns:a14="http://schemas.microsoft.com/office/drawing/2010/main">
+        <mc:Choice Requires="a14">
           <p:sp>
             <p:nvSpPr>
               <p:cNvPr id="5" name="矩形 4"/>
@@ -11714,6 +11715,7 @@
               </a:bodyPr>
               <a:lstStyle/>
               <a:p>
+                <a:pPr/>
                 <a14:m>
                   <m:oMathPara xmlns:m="http://schemas.openxmlformats.org/officeDocument/2006/math">
                     <m:oMathParaPr>
@@ -11848,7 +11850,7 @@
             </p:txBody>
           </p:sp>
         </mc:Choice>
-        <mc:Fallback>
+        <mc:Fallback xmlns="">
           <p:sp>
             <p:nvSpPr>
               <p:cNvPr id="5" name="矩形 4"/>
@@ -12336,8 +12338,8 @@
           </a:prstGeom>
         </p:spPr>
       </p:pic>
-      <mc:AlternateContent xmlns:mc="http://schemas.openxmlformats.org/markup-compatibility/2006">
-        <mc:Choice xmlns:a14="http://schemas.microsoft.com/office/drawing/2010/main" Requires="a14">
+      <mc:AlternateContent xmlns:mc="http://schemas.openxmlformats.org/markup-compatibility/2006" xmlns:a14="http://schemas.microsoft.com/office/drawing/2010/main">
+        <mc:Choice Requires="a14">
           <p:sp>
             <p:nvSpPr>
               <p:cNvPr id="5" name="矩形 4"/>
@@ -12359,6 +12361,7 @@
               </a:bodyPr>
               <a:lstStyle/>
               <a:p>
+                <a:pPr/>
                 <a14:m>
                   <m:oMathPara xmlns:m="http://schemas.openxmlformats.org/officeDocument/2006/math">
                     <m:oMathParaPr>
@@ -12615,7 +12618,7 @@
             </p:txBody>
           </p:sp>
         </mc:Choice>
-        <mc:Fallback>
+        <mc:Fallback xmlns="">
           <p:sp>
             <p:nvSpPr>
               <p:cNvPr id="5" name="矩形 4"/>
@@ -12654,8 +12657,8 @@
           </p:sp>
         </mc:Fallback>
       </mc:AlternateContent>
-      <mc:AlternateContent xmlns:mc="http://schemas.openxmlformats.org/markup-compatibility/2006">
-        <mc:Choice xmlns:a14="http://schemas.microsoft.com/office/drawing/2010/main" Requires="a14">
+      <mc:AlternateContent xmlns:mc="http://schemas.openxmlformats.org/markup-compatibility/2006" xmlns:a14="http://schemas.microsoft.com/office/drawing/2010/main">
+        <mc:Choice Requires="a14">
           <p:sp>
             <p:nvSpPr>
               <p:cNvPr id="6" name="矩形 5"/>
@@ -12677,6 +12680,7 @@
               </a:bodyPr>
               <a:lstStyle/>
               <a:p>
+                <a:pPr/>
                 <a14:m>
                   <m:oMathPara xmlns:m="http://schemas.openxmlformats.org/officeDocument/2006/math">
                     <m:oMathParaPr>
@@ -12875,7 +12879,7 @@
             </p:txBody>
           </p:sp>
         </mc:Choice>
-        <mc:Fallback>
+        <mc:Fallback xmlns="">
           <p:sp>
             <p:nvSpPr>
               <p:cNvPr id="6" name="矩形 5"/>
@@ -12938,6 +12942,52 @@
           </a:prstGeom>
         </p:spPr>
       </p:pic>
+      <p:sp>
+        <p:nvSpPr>
+          <p:cNvPr id="8" name="矩形 7"/>
+          <p:cNvSpPr/>
+          <p:nvPr/>
+        </p:nvSpPr>
+        <p:spPr>
+          <a:xfrm>
+            <a:off x="9516862" y="1535837"/>
+            <a:ext cx="142043" cy="257452"/>
+          </a:xfrm>
+          <a:prstGeom prst="rect">
+            <a:avLst/>
+          </a:prstGeom>
+          <a:solidFill>
+            <a:schemeClr val="bg1"/>
+          </a:solidFill>
+          <a:ln>
+            <a:noFill/>
+          </a:ln>
+        </p:spPr>
+        <p:style>
+          <a:lnRef idx="2">
+            <a:schemeClr val="accent1">
+              <a:shade val="50000"/>
+            </a:schemeClr>
+          </a:lnRef>
+          <a:fillRef idx="1">
+            <a:schemeClr val="accent1"/>
+          </a:fillRef>
+          <a:effectRef idx="0">
+            <a:schemeClr val="accent1"/>
+          </a:effectRef>
+          <a:fontRef idx="minor">
+            <a:schemeClr val="lt1"/>
+          </a:fontRef>
+        </p:style>
+        <p:txBody>
+          <a:bodyPr rtlCol="0" anchor="ctr"/>
+          <a:lstStyle/>
+          <a:p>
+            <a:pPr algn="ctr"/>
+            <a:endParaRPr lang="zh-CN" altLang="en-US"/>
+          </a:p>
+        </p:txBody>
+      </p:sp>
     </p:spTree>
     <p:extLst>
       <p:ext uri="{BB962C8B-B14F-4D97-AF65-F5344CB8AC3E}">
@@ -13480,8 +13530,8 @@
           </a:prstGeom>
         </p:spPr>
       </p:pic>
-      <mc:AlternateContent xmlns:mc="http://schemas.openxmlformats.org/markup-compatibility/2006">
-        <mc:Choice xmlns:a14="http://schemas.microsoft.com/office/drawing/2010/main" Requires="a14">
+      <mc:AlternateContent xmlns:mc="http://schemas.openxmlformats.org/markup-compatibility/2006" xmlns:a14="http://schemas.microsoft.com/office/drawing/2010/main">
+        <mc:Choice Requires="a14">
           <p:sp>
             <p:nvSpPr>
               <p:cNvPr id="6" name="矩形 5"/>
@@ -13503,6 +13553,7 @@
               </a:bodyPr>
               <a:lstStyle/>
               <a:p>
+                <a:pPr/>
                 <a14:m>
                   <m:oMathPara xmlns:m="http://schemas.openxmlformats.org/officeDocument/2006/math">
                     <m:oMathParaPr>
@@ -13561,14 +13612,7 @@
                           <a:latin typeface="Cambria Math" panose="02040503050406030204" pitchFamily="18" charset="0"/>
                           <a:ea typeface="Cambria Math" panose="02040503050406030204" pitchFamily="18" charset="0"/>
                         </a:rPr>
-                        <m:t>2</m:t>
-                      </m:r>
-                      <m:r>
-                        <a:rPr lang="en-US" altLang="zh-CN" i="1">
-                          <a:latin typeface="Cambria Math" panose="02040503050406030204" pitchFamily="18" charset="0"/>
-                          <a:ea typeface="Cambria Math" panose="02040503050406030204" pitchFamily="18" charset="0"/>
-                        </a:rPr>
-                        <m:t>±</m:t>
+                        <m:t>2±</m:t>
                       </m:r>
                       <m:sSub>
                         <m:sSubPr>
@@ -13722,13 +13766,7 @@
                                 <a:rPr lang="en-US" altLang="zh-CN" i="1">
                                   <a:latin typeface="Cambria Math" panose="02040503050406030204" pitchFamily="18" charset="0"/>
                                 </a:rPr>
-                                <m:t>2</m:t>
-                              </m:r>
-                              <m:r>
-                                <a:rPr lang="en-US" altLang="zh-CN" i="1">
-                                  <a:latin typeface="Cambria Math" panose="02040503050406030204" pitchFamily="18" charset="0"/>
-                                </a:rPr>
-                                <m:t>(1−</m:t>
+                                <m:t>2(1−</m:t>
                               </m:r>
                               <m:r>
                                 <a:rPr lang="en-US" altLang="zh-CN" i="1">
@@ -13740,13 +13778,7 @@
                                 <a:rPr lang="en-US" altLang="zh-CN" i="1">
                                   <a:latin typeface="Cambria Math" panose="02040503050406030204" pitchFamily="18" charset="0"/>
                                 </a:rPr>
-                                <m:t>2</m:t>
-                              </m:r>
-                              <m:r>
-                                <a:rPr lang="en-US" altLang="zh-CN" i="1">
-                                  <a:latin typeface="Cambria Math" panose="02040503050406030204" pitchFamily="18" charset="0"/>
-                                </a:rPr>
-                                <m:t>)</m:t>
+                                <m:t>2)</m:t>
                               </m:r>
                             </m:num>
                             <m:den>
@@ -13774,7 +13806,7 @@
             </p:txBody>
           </p:sp>
         </mc:Choice>
-        <mc:Fallback>
+        <mc:Fallback xmlns="">
           <p:sp>
             <p:nvSpPr>
               <p:cNvPr id="6" name="矩形 5"/>

--- a/lect-6/二分变量的检验以及样本量估计.pptx
+++ b/lect-6/二分变量的检验以及样本量估计.pptx
@@ -43,6 +43,7 @@
     <p:sldId id="292" r:id="rId37"/>
     <p:sldId id="293" r:id="rId38"/>
     <p:sldId id="294" r:id="rId39"/>
+    <p:sldId id="295" r:id="rId40"/>
   </p:sldIdLst>
   <p:sldSz cx="12192000" cy="6858000"/>
   <p:notesSz cx="6858000" cy="9144000"/>
@@ -318,7 +319,7 @@
           <a:p>
             <a:fld id="{D8E0950C-EF3C-4712-8EE4-5F7FAA755B56}" type="datetimeFigureOut">
               <a:rPr lang="zh-CN" altLang="en-US" smtClean="0"/>
-              <a:t>2019-3-14</a:t>
+              <a:t>2019/3/16</a:t>
             </a:fld>
             <a:endParaRPr lang="zh-CN" altLang="en-US"/>
           </a:p>
@@ -648,7 +649,7 @@
           <a:p>
             <a:fld id="{D8E0950C-EF3C-4712-8EE4-5F7FAA755B56}" type="datetimeFigureOut">
               <a:rPr lang="zh-CN" altLang="en-US" smtClean="0"/>
-              <a:t>2019-3-14</a:t>
+              <a:t>2019/3/16</a:t>
             </a:fld>
             <a:endParaRPr lang="zh-CN" altLang="en-US"/>
           </a:p>
@@ -828,7 +829,7 @@
           <a:p>
             <a:fld id="{D8E0950C-EF3C-4712-8EE4-5F7FAA755B56}" type="datetimeFigureOut">
               <a:rPr lang="zh-CN" altLang="en-US" smtClean="0"/>
-              <a:t>2019-3-14</a:t>
+              <a:t>2019/3/16</a:t>
             </a:fld>
             <a:endParaRPr lang="zh-CN" altLang="en-US"/>
           </a:p>
@@ -1026,7 +1027,7 @@
           <a:p>
             <a:fld id="{D8E0950C-EF3C-4712-8EE4-5F7FAA755B56}" type="datetimeFigureOut">
               <a:rPr lang="zh-CN" altLang="en-US" smtClean="0"/>
-              <a:t>2019-3-14</a:t>
+              <a:t>2019/3/16</a:t>
             </a:fld>
             <a:endParaRPr lang="zh-CN" altLang="en-US"/>
           </a:p>
@@ -1303,7 +1304,7 @@
           <a:p>
             <a:fld id="{D8E0950C-EF3C-4712-8EE4-5F7FAA755B56}" type="datetimeFigureOut">
               <a:rPr lang="zh-CN" altLang="en-US" smtClean="0"/>
-              <a:t>2019-3-14</a:t>
+              <a:t>2019/3/16</a:t>
             </a:fld>
             <a:endParaRPr lang="zh-CN" altLang="en-US"/>
           </a:p>
@@ -1697,7 +1698,7 @@
           <a:p>
             <a:fld id="{D8E0950C-EF3C-4712-8EE4-5F7FAA755B56}" type="datetimeFigureOut">
               <a:rPr lang="zh-CN" altLang="en-US" smtClean="0"/>
-              <a:t>2019-3-14</a:t>
+              <a:t>2019/3/16</a:t>
             </a:fld>
             <a:endParaRPr lang="zh-CN" altLang="en-US"/>
           </a:p>
@@ -2174,7 +2175,7 @@
           <a:p>
             <a:fld id="{D8E0950C-EF3C-4712-8EE4-5F7FAA755B56}" type="datetimeFigureOut">
               <a:rPr lang="zh-CN" altLang="en-US" smtClean="0"/>
-              <a:t>2019-3-14</a:t>
+              <a:t>2019/3/16</a:t>
             </a:fld>
             <a:endParaRPr lang="zh-CN" altLang="en-US"/>
           </a:p>
@@ -2292,7 +2293,7 @@
           <a:p>
             <a:fld id="{D8E0950C-EF3C-4712-8EE4-5F7FAA755B56}" type="datetimeFigureOut">
               <a:rPr lang="zh-CN" altLang="en-US" smtClean="0"/>
-              <a:t>2019-3-14</a:t>
+              <a:t>2019/3/16</a:t>
             </a:fld>
             <a:endParaRPr lang="zh-CN" altLang="en-US"/>
           </a:p>
@@ -2387,7 +2388,7 @@
           <a:p>
             <a:fld id="{D8E0950C-EF3C-4712-8EE4-5F7FAA755B56}" type="datetimeFigureOut">
               <a:rPr lang="zh-CN" altLang="en-US" smtClean="0"/>
-              <a:t>2019-3-14</a:t>
+              <a:t>2019/3/16</a:t>
             </a:fld>
             <a:endParaRPr lang="zh-CN" altLang="en-US"/>
           </a:p>
@@ -2733,7 +2734,7 @@
           <a:p>
             <a:fld id="{D8E0950C-EF3C-4712-8EE4-5F7FAA755B56}" type="datetimeFigureOut">
               <a:rPr lang="zh-CN" altLang="en-US" smtClean="0"/>
-              <a:t>2019-3-14</a:t>
+              <a:t>2019/3/16</a:t>
             </a:fld>
             <a:endParaRPr lang="zh-CN" altLang="en-US"/>
           </a:p>
@@ -3121,7 +3122,7 @@
           <a:p>
             <a:fld id="{D8E0950C-EF3C-4712-8EE4-5F7FAA755B56}" type="datetimeFigureOut">
               <a:rPr lang="zh-CN" altLang="en-US" smtClean="0"/>
-              <a:t>2019-3-14</a:t>
+              <a:t>2019/3/16</a:t>
             </a:fld>
             <a:endParaRPr lang="zh-CN" altLang="en-US"/>
           </a:p>
@@ -3399,7 +3400,7 @@
           <a:p>
             <a:fld id="{D8E0950C-EF3C-4712-8EE4-5F7FAA755B56}" type="datetimeFigureOut">
               <a:rPr lang="zh-CN" altLang="en-US" smtClean="0"/>
-              <a:t>2019-3-14</a:t>
+              <a:t>2019/3/16</a:t>
             </a:fld>
             <a:endParaRPr lang="zh-CN" altLang="en-US"/>
           </a:p>
@@ -4040,7 +4041,7 @@
                         <m:chr m:val="̂"/>
                         <m:ctrlPr>
                           <a:rPr lang="en-US" altLang="zh-CN" i="1">
-                            <a:latin typeface="Cambria Math" panose="02040503050406030204" pitchFamily="18" charset="0"/>
+                            <a:latin typeface="Cambria Math" charset="0"/>
                           </a:rPr>
                         </m:ctrlPr>
                       </m:accPr>
@@ -4063,7 +4064,7 @@
                       <m:fPr>
                         <m:ctrlPr>
                           <a:rPr lang="en-US" altLang="zh-CN" i="1">
-                            <a:latin typeface="Cambria Math" panose="02040503050406030204" pitchFamily="18" charset="0"/>
+                            <a:latin typeface="Cambria Math" charset="0"/>
                           </a:rPr>
                         </m:ctrlPr>
                       </m:fPr>
@@ -4189,7 +4190,7 @@
                         <m:degHide m:val="on"/>
                         <m:ctrlPr>
                           <a:rPr lang="en-US" altLang="zh-CN" i="1">
-                            <a:latin typeface="Cambria Math" panose="02040503050406030204" pitchFamily="18" charset="0"/>
+                            <a:latin typeface="Cambria Math" charset="0"/>
                           </a:rPr>
                         </m:ctrlPr>
                       </m:radPr>
@@ -4278,7 +4279,7 @@
                         <m:degHide m:val="on"/>
                         <m:ctrlPr>
                           <a:rPr lang="en-US" altLang="zh-CN" i="1">
-                            <a:latin typeface="Cambria Math" panose="02040503050406030204" pitchFamily="18" charset="0"/>
+                            <a:latin typeface="Cambria Math" charset="0"/>
                           </a:rPr>
                         </m:ctrlPr>
                       </m:radPr>
@@ -4288,7 +4289,7 @@
                           <m:fPr>
                             <m:ctrlPr>
                               <a:rPr lang="en-US" altLang="zh-CN" i="1" smtClean="0">
-                                <a:latin typeface="Cambria Math" panose="02040503050406030204" pitchFamily="18" charset="0"/>
+                                <a:latin typeface="Cambria Math" charset="0"/>
                               </a:rPr>
                             </m:ctrlPr>
                           </m:fPr>
@@ -4730,7 +4731,7 @@
                       <m:fPr>
                         <m:ctrlPr>
                           <a:rPr lang="en-US" altLang="zh-CN" i="1" smtClean="0">
-                            <a:latin typeface="Cambria Math" panose="02040503050406030204" pitchFamily="18" charset="0"/>
+                            <a:latin typeface="Cambria Math" charset="0"/>
                           </a:rPr>
                         </m:ctrlPr>
                       </m:fPr>
@@ -5489,7 +5490,7 @@
                       <m:fPr>
                         <m:ctrlPr>
                           <a:rPr lang="en-US" altLang="zh-CN" i="1">
-                            <a:latin typeface="Cambria Math" panose="02040503050406030204" pitchFamily="18" charset="0"/>
+                            <a:latin typeface="Cambria Math" charset="0"/>
                           </a:rPr>
                         </m:ctrlPr>
                       </m:fPr>
@@ -5565,7 +5566,7 @@
                       <m:fPr>
                         <m:ctrlPr>
                           <a:rPr lang="en-US" altLang="zh-CN" i="1">
-                            <a:latin typeface="Cambria Math" panose="02040503050406030204" pitchFamily="18" charset="0"/>
+                            <a:latin typeface="Cambria Math" charset="0"/>
                           </a:rPr>
                         </m:ctrlPr>
                       </m:fPr>
@@ -5638,7 +5639,7 @@
                       <m:fPr>
                         <m:ctrlPr>
                           <a:rPr lang="en-US" altLang="zh-CN" i="1" smtClean="0">
-                            <a:latin typeface="Cambria Math" panose="02040503050406030204" pitchFamily="18" charset="0"/>
+                            <a:latin typeface="Cambria Math" charset="0"/>
                           </a:rPr>
                         </m:ctrlPr>
                       </m:fPr>
@@ -5648,7 +5649,7 @@
                             <m:chr m:val="̂"/>
                             <m:ctrlPr>
                               <a:rPr lang="en-US" altLang="zh-CN" i="1" smtClean="0">
-                                <a:latin typeface="Cambria Math" panose="02040503050406030204" pitchFamily="18" charset="0"/>
+                                <a:latin typeface="Cambria Math" charset="0"/>
                               </a:rPr>
                             </m:ctrlPr>
                           </m:accPr>
@@ -5671,7 +5672,7 @@
                           <m:sSubPr>
                             <m:ctrlPr>
                               <a:rPr lang="en-US" altLang="zh-CN" b="0" i="1" smtClean="0">
-                                <a:latin typeface="Cambria Math" panose="02040503050406030204" pitchFamily="18" charset="0"/>
+                                <a:latin typeface="Cambria Math" charset="0"/>
                               </a:rPr>
                             </m:ctrlPr>
                           </m:sSubPr>
@@ -5699,7 +5700,7 @@
                             <m:degHide m:val="on"/>
                             <m:ctrlPr>
                               <a:rPr lang="en-US" altLang="zh-CN" i="1" smtClean="0">
-                                <a:latin typeface="Cambria Math" panose="02040503050406030204" pitchFamily="18" charset="0"/>
+                                <a:latin typeface="Cambria Math" charset="0"/>
                               </a:rPr>
                             </m:ctrlPr>
                           </m:radPr>
@@ -5709,7 +5710,7 @@
                               <m:fPr>
                                 <m:ctrlPr>
                                   <a:rPr lang="en-US" altLang="zh-CN" i="1" smtClean="0">
-                                    <a:latin typeface="Cambria Math" panose="02040503050406030204" pitchFamily="18" charset="0"/>
+                                    <a:latin typeface="Cambria Math" charset="0"/>
                                   </a:rPr>
                                 </m:ctrlPr>
                               </m:fPr>
@@ -5718,7 +5719,7 @@
                                   <m:sSubPr>
                                     <m:ctrlPr>
                                       <a:rPr lang="en-US" altLang="zh-CN" b="0" i="1" smtClean="0">
-                                        <a:latin typeface="Cambria Math" panose="02040503050406030204" pitchFamily="18" charset="0"/>
+                                        <a:latin typeface="Cambria Math" charset="0"/>
                                       </a:rPr>
                                     </m:ctrlPr>
                                   </m:sSubPr>
@@ -5749,7 +5750,7 @@
                                   <m:sSubPr>
                                     <m:ctrlPr>
                                       <a:rPr lang="en-US" altLang="zh-CN" i="1">
-                                        <a:latin typeface="Cambria Math" panose="02040503050406030204" pitchFamily="18" charset="0"/>
+                                        <a:latin typeface="Cambria Math" charset="0"/>
                                       </a:rPr>
                                     </m:ctrlPr>
                                   </m:sSubPr>
@@ -6044,7 +6045,7 @@
                       <m:fPr>
                         <m:ctrlPr>
                           <a:rPr lang="en-US" altLang="zh-CN" i="1">
-                            <a:latin typeface="Cambria Math" panose="02040503050406030204" pitchFamily="18" charset="0"/>
+                            <a:latin typeface="Cambria Math" charset="0"/>
                           </a:rPr>
                         </m:ctrlPr>
                       </m:fPr>
@@ -6054,7 +6055,7 @@
                             <m:chr m:val="̂"/>
                             <m:ctrlPr>
                               <a:rPr lang="en-US" altLang="zh-CN" i="1">
-                                <a:latin typeface="Cambria Math" panose="02040503050406030204" pitchFamily="18" charset="0"/>
+                                <a:latin typeface="Cambria Math" charset="0"/>
                               </a:rPr>
                             </m:ctrlPr>
                           </m:accPr>
@@ -6077,7 +6078,7 @@
                           <m:sSubPr>
                             <m:ctrlPr>
                               <a:rPr lang="en-US" altLang="zh-CN" i="1">
-                                <a:latin typeface="Cambria Math" panose="02040503050406030204" pitchFamily="18" charset="0"/>
+                                <a:latin typeface="Cambria Math" charset="0"/>
                               </a:rPr>
                             </m:ctrlPr>
                           </m:sSubPr>
@@ -6105,7 +6106,7 @@
                             <m:degHide m:val="on"/>
                             <m:ctrlPr>
                               <a:rPr lang="en-US" altLang="zh-CN" i="1">
-                                <a:latin typeface="Cambria Math" panose="02040503050406030204" pitchFamily="18" charset="0"/>
+                                <a:latin typeface="Cambria Math" charset="0"/>
                               </a:rPr>
                             </m:ctrlPr>
                           </m:radPr>
@@ -6115,7 +6116,7 @@
                               <m:fPr>
                                 <m:ctrlPr>
                                   <a:rPr lang="en-US" altLang="zh-CN" i="1">
-                                    <a:latin typeface="Cambria Math" panose="02040503050406030204" pitchFamily="18" charset="0"/>
+                                    <a:latin typeface="Cambria Math" charset="0"/>
                                   </a:rPr>
                                 </m:ctrlPr>
                               </m:fPr>
@@ -6124,7 +6125,7 @@
                                   <m:sSubPr>
                                     <m:ctrlPr>
                                       <a:rPr lang="en-US" altLang="zh-CN" i="1">
-                                        <a:latin typeface="Cambria Math" panose="02040503050406030204" pitchFamily="18" charset="0"/>
+                                        <a:latin typeface="Cambria Math" charset="0"/>
                                       </a:rPr>
                                     </m:ctrlPr>
                                   </m:sSubPr>
@@ -6155,7 +6156,7 @@
                                   <m:sSubPr>
                                     <m:ctrlPr>
                                       <a:rPr lang="en-US" altLang="zh-CN" i="1">
-                                        <a:latin typeface="Cambria Math" panose="02040503050406030204" pitchFamily="18" charset="0"/>
+                                        <a:latin typeface="Cambria Math" charset="0"/>
                                       </a:rPr>
                                     </m:ctrlPr>
                                   </m:sSubPr>
@@ -9403,8 +9404,8 @@
           </a:p>
         </p:txBody>
       </p:sp>
-      <mc:AlternateContent xmlns:mc="http://schemas.openxmlformats.org/markup-compatibility/2006">
-        <mc:Choice xmlns:a14="http://schemas.microsoft.com/office/drawing/2010/main" Requires="a14">
+      <mc:AlternateContent xmlns:mc="http://schemas.openxmlformats.org/markup-compatibility/2006" xmlns:a14="http://schemas.microsoft.com/office/drawing/2010/main">
+        <mc:Choice Requires="a14">
           <p:sp>
             <p:nvSpPr>
               <p:cNvPr id="3" name="内容占位符 2"/>
@@ -9441,7 +9442,7 @@
                         <m:chr m:val="̅"/>
                         <m:ctrlPr>
                           <a:rPr lang="zh-CN" altLang="en-US" i="1" smtClean="0">
-                            <a:latin typeface="Cambria Math" panose="02040503050406030204" pitchFamily="18" charset="0"/>
+                            <a:latin typeface="Cambria Math" charset="0"/>
                           </a:rPr>
                         </m:ctrlPr>
                       </m:accPr>
@@ -9465,7 +9466,7 @@
                       <m:sSubPr>
                         <m:ctrlPr>
                           <a:rPr lang="en-US" altLang="zh-CN" b="0" i="1" smtClean="0">
-                            <a:latin typeface="Cambria Math" panose="02040503050406030204" pitchFamily="18" charset="0"/>
+                            <a:latin typeface="Cambria Math" charset="0"/>
                           </a:rPr>
                         </m:ctrlPr>
                       </m:sSubPr>
@@ -9502,7 +9503,7 @@
                       <m:fPr>
                         <m:ctrlPr>
                           <a:rPr lang="en-US" altLang="zh-CN" b="0" i="1" smtClean="0">
-                            <a:latin typeface="Cambria Math" panose="02040503050406030204" pitchFamily="18" charset="0"/>
+                            <a:latin typeface="Cambria Math" charset="0"/>
                           </a:rPr>
                         </m:ctrlPr>
                       </m:fPr>
@@ -9520,7 +9521,7 @@
                             <m:degHide m:val="on"/>
                             <m:ctrlPr>
                               <a:rPr lang="en-US" altLang="zh-CN" b="0" i="1" smtClean="0">
-                                <a:latin typeface="Cambria Math" panose="02040503050406030204" pitchFamily="18" charset="0"/>
+                                <a:latin typeface="Cambria Math" charset="0"/>
                               </a:rPr>
                             </m:ctrlPr>
                           </m:radPr>
@@ -9564,7 +9565,7 @@
                         <m:chr m:val="̅"/>
                         <m:ctrlPr>
                           <a:rPr lang="zh-CN" altLang="en-US" i="1">
-                            <a:latin typeface="Cambria Math" panose="02040503050406030204" pitchFamily="18" charset="0"/>
+                            <a:latin typeface="Cambria Math" charset="0"/>
                           </a:rPr>
                         </m:ctrlPr>
                       </m:accPr>
@@ -9588,7 +9589,7 @@
                       <m:sSubPr>
                         <m:ctrlPr>
                           <a:rPr lang="en-US" altLang="zh-CN" i="1">
-                            <a:latin typeface="Cambria Math" panose="02040503050406030204" pitchFamily="18" charset="0"/>
+                            <a:latin typeface="Cambria Math" charset="0"/>
                           </a:rPr>
                         </m:ctrlPr>
                       </m:sSubPr>
@@ -9625,7 +9626,7 @@
                       <m:fPr>
                         <m:ctrlPr>
                           <a:rPr lang="en-US" altLang="zh-CN" i="1">
-                            <a:latin typeface="Cambria Math" panose="02040503050406030204" pitchFamily="18" charset="0"/>
+                            <a:latin typeface="Cambria Math" charset="0"/>
                           </a:rPr>
                         </m:ctrlPr>
                       </m:fPr>
@@ -9643,7 +9644,7 @@
                             <m:degHide m:val="on"/>
                             <m:ctrlPr>
                               <a:rPr lang="en-US" altLang="zh-CN" i="1">
-                                <a:latin typeface="Cambria Math" panose="02040503050406030204" pitchFamily="18" charset="0"/>
+                                <a:latin typeface="Cambria Math" charset="0"/>
                               </a:rPr>
                             </m:ctrlPr>
                           </m:radPr>
@@ -9682,7 +9683,7 @@
                       <m:sSubPr>
                         <m:ctrlPr>
                           <a:rPr lang="en-US" altLang="zh-CN" b="0" i="1" smtClean="0">
-                            <a:latin typeface="Cambria Math" panose="02040503050406030204" pitchFamily="18" charset="0"/>
+                            <a:latin typeface="Cambria Math" charset="0"/>
                           </a:rPr>
                         </m:ctrlPr>
                       </m:sSubPr>
@@ -9714,7 +9715,7 @@
                         <m:degHide m:val="on"/>
                         <m:ctrlPr>
                           <a:rPr lang="en-US" altLang="zh-CN" b="0" i="1" smtClean="0">
-                            <a:latin typeface="Cambria Math" panose="02040503050406030204" pitchFamily="18" charset="0"/>
+                            <a:latin typeface="Cambria Math" charset="0"/>
                           </a:rPr>
                         </m:ctrlPr>
                       </m:radPr>
@@ -9724,7 +9725,7 @@
                           <m:fPr>
                             <m:ctrlPr>
                               <a:rPr lang="en-US" altLang="zh-CN" i="1">
-                                <a:latin typeface="Cambria Math" panose="02040503050406030204" pitchFamily="18" charset="0"/>
+                                <a:latin typeface="Cambria Math" charset="0"/>
                               </a:rPr>
                             </m:ctrlPr>
                           </m:fPr>
@@ -9733,7 +9734,7 @@
                               <m:dPr>
                                 <m:ctrlPr>
                                   <a:rPr lang="en-US" altLang="zh-CN" b="0" i="1" smtClean="0">
-                                    <a:latin typeface="Cambria Math" panose="02040503050406030204" pitchFamily="18" charset="0"/>
+                                    <a:latin typeface="Cambria Math" charset="0"/>
                                   </a:rPr>
                                 </m:ctrlPr>
                               </m:dPr>
@@ -9756,7 +9757,7 @@
                               <m:sSupPr>
                                 <m:ctrlPr>
                                   <a:rPr lang="en-US" altLang="zh-CN" b="0" i="1" smtClean="0">
-                                    <a:latin typeface="Cambria Math" panose="02040503050406030204" pitchFamily="18" charset="0"/>
+                                    <a:latin typeface="Cambria Math" charset="0"/>
                                   </a:rPr>
                                 </m:ctrlPr>
                               </m:sSupPr>
@@ -9805,7 +9806,7 @@
                               <m:sSupPr>
                                 <m:ctrlPr>
                                   <a:rPr lang="en-US" altLang="zh-CN" b="0" i="1" smtClean="0">
-                                    <a:latin typeface="Cambria Math" panose="02040503050406030204" pitchFamily="18" charset="0"/>
+                                    <a:latin typeface="Cambria Math" charset="0"/>
                                   </a:rPr>
                                 </m:ctrlPr>
                               </m:sSupPr>
@@ -9875,7 +9876,7 @@
                         <m:chr m:val="̅"/>
                         <m:ctrlPr>
                           <a:rPr lang="zh-CN" altLang="en-US" i="1">
-                            <a:latin typeface="Cambria Math" panose="02040503050406030204" pitchFamily="18" charset="0"/>
+                            <a:latin typeface="Cambria Math" charset="0"/>
                           </a:rPr>
                         </m:ctrlPr>
                       </m:accPr>
@@ -9884,7 +9885,7 @@
                           <m:sSubPr>
                             <m:ctrlPr>
                               <a:rPr lang="en-US" altLang="zh-CN" i="1" smtClean="0">
-                                <a:latin typeface="Cambria Math" panose="02040503050406030204" pitchFamily="18" charset="0"/>
+                                <a:latin typeface="Cambria Math" charset="0"/>
                               </a:rPr>
                             </m:ctrlPr>
                           </m:sSubPr>
@@ -9918,7 +9919,7 @@
                         <m:chr m:val="̅"/>
                         <m:ctrlPr>
                           <a:rPr lang="zh-CN" altLang="en-US" i="1">
-                            <a:latin typeface="Cambria Math" panose="02040503050406030204" pitchFamily="18" charset="0"/>
+                            <a:latin typeface="Cambria Math" charset="0"/>
                           </a:rPr>
                         </m:ctrlPr>
                       </m:accPr>
@@ -9927,7 +9928,7 @@
                           <m:sSubPr>
                             <m:ctrlPr>
                               <a:rPr lang="en-US" altLang="zh-CN" i="1">
-                                <a:latin typeface="Cambria Math" panose="02040503050406030204" pitchFamily="18" charset="0"/>
+                                <a:latin typeface="Cambria Math" charset="0"/>
                               </a:rPr>
                             </m:ctrlPr>
                           </m:sSubPr>
@@ -9961,7 +9962,7 @@
                       <m:sSubPr>
                         <m:ctrlPr>
                           <a:rPr lang="en-US" altLang="zh-CN" i="1">
-                            <a:latin typeface="Cambria Math" panose="02040503050406030204" pitchFamily="18" charset="0"/>
+                            <a:latin typeface="Cambria Math" charset="0"/>
                           </a:rPr>
                         </m:ctrlPr>
                       </m:sSubPr>
@@ -9999,7 +10000,7 @@
                         <m:degHide m:val="on"/>
                         <m:ctrlPr>
                           <a:rPr lang="en-US" altLang="zh-CN" i="1">
-                            <a:latin typeface="Cambria Math" panose="02040503050406030204" pitchFamily="18" charset="0"/>
+                            <a:latin typeface="Cambria Math" charset="0"/>
                           </a:rPr>
                         </m:ctrlPr>
                       </m:radPr>
@@ -10009,7 +10010,7 @@
                           <m:sSubPr>
                             <m:ctrlPr>
                               <a:rPr lang="en-US" altLang="zh-CN" i="1">
-                                <a:latin typeface="Cambria Math" panose="02040503050406030204" pitchFamily="18" charset="0"/>
+                                <a:latin typeface="Cambria Math" charset="0"/>
                               </a:rPr>
                             </m:ctrlPr>
                           </m:sSubPr>
@@ -10040,7 +10041,7 @@
                           <m:fPr>
                             <m:ctrlPr>
                               <a:rPr lang="en-US" altLang="zh-CN" i="1">
-                                <a:latin typeface="Cambria Math" panose="02040503050406030204" pitchFamily="18" charset="0"/>
+                                <a:latin typeface="Cambria Math" charset="0"/>
                               </a:rPr>
                             </m:ctrlPr>
                           </m:fPr>
@@ -10077,7 +10078,7 @@
                           <m:fPr>
                             <m:ctrlPr>
                               <a:rPr lang="en-US" altLang="zh-CN" i="1">
-                                <a:latin typeface="Cambria Math" panose="02040503050406030204" pitchFamily="18" charset="0"/>
+                                <a:latin typeface="Cambria Math" charset="0"/>
                               </a:rPr>
                             </m:ctrlPr>
                           </m:fPr>
@@ -10132,7 +10133,7 @@
                         <m:chr m:val="̂"/>
                         <m:ctrlPr>
                           <a:rPr lang="en-US" altLang="zh-CN" b="0" i="1" smtClean="0">
-                            <a:latin typeface="Cambria Math" panose="02040503050406030204" pitchFamily="18" charset="0"/>
+                            <a:latin typeface="Cambria Math" charset="0"/>
                             <a:ea typeface="Cambria Math" panose="02040503050406030204" pitchFamily="18" charset="0"/>
                           </a:rPr>
                         </m:ctrlPr>
@@ -10158,7 +10159,7 @@
                       <m:sSubPr>
                         <m:ctrlPr>
                           <a:rPr lang="en-US" altLang="zh-CN" i="1">
-                            <a:latin typeface="Cambria Math" panose="02040503050406030204" pitchFamily="18" charset="0"/>
+                            <a:latin typeface="Cambria Math" charset="0"/>
                           </a:rPr>
                         </m:ctrlPr>
                       </m:sSubPr>
@@ -10196,7 +10197,7 @@
                         <m:degHide m:val="on"/>
                         <m:ctrlPr>
                           <a:rPr lang="en-US" altLang="zh-CN" b="0" i="1" smtClean="0">
-                            <a:latin typeface="Cambria Math" panose="02040503050406030204" pitchFamily="18" charset="0"/>
+                            <a:latin typeface="Cambria Math" charset="0"/>
                           </a:rPr>
                         </m:ctrlPr>
                       </m:radPr>
@@ -10206,7 +10207,7 @@
                           <m:fPr>
                             <m:ctrlPr>
                               <a:rPr lang="en-US" altLang="zh-CN" i="1">
-                                <a:latin typeface="Cambria Math" panose="02040503050406030204" pitchFamily="18" charset="0"/>
+                                <a:latin typeface="Cambria Math" charset="0"/>
                               </a:rPr>
                             </m:ctrlPr>
                           </m:fPr>
@@ -10267,7 +10268,7 @@
                         <m:chr m:val="̂"/>
                         <m:ctrlPr>
                           <a:rPr lang="en-US" altLang="zh-CN" i="1">
-                            <a:latin typeface="Cambria Math" panose="02040503050406030204" pitchFamily="18" charset="0"/>
+                            <a:latin typeface="Cambria Math" charset="0"/>
                             <a:ea typeface="Cambria Math" panose="02040503050406030204" pitchFamily="18" charset="0"/>
                           </a:rPr>
                         </m:ctrlPr>
@@ -10294,7 +10295,7 @@
                         <m:chr m:val="̂"/>
                         <m:ctrlPr>
                           <a:rPr lang="en-US" altLang="zh-CN" i="1">
-                            <a:latin typeface="Cambria Math" panose="02040503050406030204" pitchFamily="18" charset="0"/>
+                            <a:latin typeface="Cambria Math" charset="0"/>
                             <a:ea typeface="Cambria Math" panose="02040503050406030204" pitchFamily="18" charset="0"/>
                           </a:rPr>
                         </m:ctrlPr>
@@ -10327,7 +10328,7 @@
                       <m:sSubPr>
                         <m:ctrlPr>
                           <a:rPr lang="en-US" altLang="zh-CN" i="1">
-                            <a:latin typeface="Cambria Math" panose="02040503050406030204" pitchFamily="18" charset="0"/>
+                            <a:latin typeface="Cambria Math" charset="0"/>
                           </a:rPr>
                         </m:ctrlPr>
                       </m:sSubPr>
@@ -10344,7 +10345,7 @@
                           <m:fPr>
                             <m:ctrlPr>
                               <a:rPr lang="en-US" altLang="zh-CN" i="1">
-                                <a:latin typeface="Cambria Math" panose="02040503050406030204" pitchFamily="18" charset="0"/>
+                                <a:latin typeface="Cambria Math" charset="0"/>
                               </a:rPr>
                             </m:ctrlPr>
                           </m:fPr>
@@ -10378,7 +10379,7 @@
                         <m:degHide m:val="on"/>
                         <m:ctrlPr>
                           <a:rPr lang="en-US" altLang="zh-CN" i="1">
-                            <a:latin typeface="Cambria Math" panose="02040503050406030204" pitchFamily="18" charset="0"/>
+                            <a:latin typeface="Cambria Math" charset="0"/>
                           </a:rPr>
                         </m:ctrlPr>
                       </m:radPr>
@@ -10388,7 +10389,7 @@
                           <m:fPr>
                             <m:ctrlPr>
                               <a:rPr lang="en-US" altLang="zh-CN" i="1" smtClean="0">
-                                <a:latin typeface="Cambria Math" panose="02040503050406030204" pitchFamily="18" charset="0"/>
+                                <a:latin typeface="Cambria Math" charset="0"/>
                               </a:rPr>
                             </m:ctrlPr>
                           </m:fPr>
@@ -10409,7 +10410,7 @@
                               <m:dPr>
                                 <m:ctrlPr>
                                   <a:rPr lang="en-US" altLang="zh-CN" b="0" i="1">
-                                    <a:latin typeface="Cambria Math" panose="02040503050406030204" pitchFamily="18" charset="0"/>
+                                    <a:latin typeface="Cambria Math" charset="0"/>
                                   </a:rPr>
                                 </m:ctrlPr>
                               </m:dPr>
@@ -10460,7 +10461,7 @@
                           <m:fPr>
                             <m:ctrlPr>
                               <a:rPr lang="en-US" altLang="zh-CN" i="1">
-                                <a:latin typeface="Cambria Math" panose="02040503050406030204" pitchFamily="18" charset="0"/>
+                                <a:latin typeface="Cambria Math" charset="0"/>
                               </a:rPr>
                             </m:ctrlPr>
                           </m:fPr>
@@ -10526,7 +10527,7 @@
             </p:txBody>
           </p:sp>
         </mc:Choice>
-        <mc:Fallback>
+        <mc:Fallback xmlns="">
           <p:sp>
             <p:nvSpPr>
               <p:cNvPr id="3" name="内容占位符 2"/>
@@ -11166,8 +11167,8 @@
           </a:prstGeom>
         </p:spPr>
       </p:pic>
-      <mc:AlternateContent xmlns:mc="http://schemas.openxmlformats.org/markup-compatibility/2006">
-        <mc:Choice xmlns:a14="http://schemas.microsoft.com/office/drawing/2010/main" Requires="a14">
+      <mc:AlternateContent xmlns:mc="http://schemas.openxmlformats.org/markup-compatibility/2006" xmlns:a14="http://schemas.microsoft.com/office/drawing/2010/main">
+        <mc:Choice Requires="a14">
           <p:sp>
             <p:nvSpPr>
               <p:cNvPr id="6" name="矩形 5"/>
@@ -11189,6 +11190,7 @@
               </a:bodyPr>
               <a:lstStyle/>
               <a:p>
+                <a:pPr/>
                 <a14:m>
                   <m:oMathPara xmlns:m="http://schemas.openxmlformats.org/officeDocument/2006/math">
                     <m:oMathParaPr>
@@ -11200,7 +11202,7 @@
                           <m:chr m:val="̅"/>
                           <m:ctrlPr>
                             <a:rPr lang="zh-CN" altLang="en-US" i="1">
-                              <a:latin typeface="Cambria Math" panose="02040503050406030204" pitchFamily="18" charset="0"/>
+                              <a:latin typeface="Cambria Math" charset="0"/>
                             </a:rPr>
                           </m:ctrlPr>
                         </m:accPr>
@@ -11224,7 +11226,7 @@
                         <m:sSubPr>
                           <m:ctrlPr>
                             <a:rPr lang="en-US" altLang="zh-CN" i="1">
-                              <a:latin typeface="Cambria Math" panose="02040503050406030204" pitchFamily="18" charset="0"/>
+                              <a:latin typeface="Cambria Math" charset="0"/>
                             </a:rPr>
                           </m:ctrlPr>
                         </m:sSubPr>
@@ -11261,7 +11263,7 @@
                         <m:fPr>
                           <m:ctrlPr>
                             <a:rPr lang="en-US" altLang="zh-CN" i="1">
-                              <a:latin typeface="Cambria Math" panose="02040503050406030204" pitchFamily="18" charset="0"/>
+                              <a:latin typeface="Cambria Math" charset="0"/>
                             </a:rPr>
                           </m:ctrlPr>
                         </m:fPr>
@@ -11279,7 +11281,7 @@
                               <m:degHide m:val="on"/>
                               <m:ctrlPr>
                                 <a:rPr lang="en-US" altLang="zh-CN" i="1">
-                                  <a:latin typeface="Cambria Math" panose="02040503050406030204" pitchFamily="18" charset="0"/>
+                                  <a:latin typeface="Cambria Math" charset="0"/>
                                 </a:rPr>
                               </m:ctrlPr>
                             </m:radPr>
@@ -11303,7 +11305,7 @@
             </p:txBody>
           </p:sp>
         </mc:Choice>
-        <mc:Fallback>
+        <mc:Fallback xmlns="">
           <p:sp>
             <p:nvSpPr>
               <p:cNvPr id="6" name="矩形 5"/>
@@ -11691,8 +11693,8 @@
           </a:prstGeom>
         </p:spPr>
       </p:pic>
-      <mc:AlternateContent xmlns:mc="http://schemas.openxmlformats.org/markup-compatibility/2006">
-        <mc:Choice xmlns:a14="http://schemas.microsoft.com/office/drawing/2010/main" Requires="a14">
+      <mc:AlternateContent xmlns:mc="http://schemas.openxmlformats.org/markup-compatibility/2006" xmlns:a14="http://schemas.microsoft.com/office/drawing/2010/main">
+        <mc:Choice Requires="a14">
           <p:sp>
             <p:nvSpPr>
               <p:cNvPr id="5" name="矩形 4"/>
@@ -11714,6 +11716,7 @@
               </a:bodyPr>
               <a:lstStyle/>
               <a:p>
+                <a:pPr/>
                 <a14:m>
                   <m:oMathPara xmlns:m="http://schemas.openxmlformats.org/officeDocument/2006/math">
                     <m:oMathParaPr>
@@ -11725,7 +11728,7 @@
                           <m:chr m:val="̂"/>
                           <m:ctrlPr>
                             <a:rPr lang="en-US" altLang="zh-CN" i="1">
-                              <a:latin typeface="Cambria Math" panose="02040503050406030204" pitchFamily="18" charset="0"/>
+                              <a:latin typeface="Cambria Math" charset="0"/>
                               <a:ea typeface="Cambria Math" panose="02040503050406030204" pitchFamily="18" charset="0"/>
                             </a:rPr>
                           </m:ctrlPr>
@@ -11751,7 +11754,7 @@
                         <m:sSubPr>
                           <m:ctrlPr>
                             <a:rPr lang="en-US" altLang="zh-CN" i="1">
-                              <a:latin typeface="Cambria Math" panose="02040503050406030204" pitchFamily="18" charset="0"/>
+                              <a:latin typeface="Cambria Math" charset="0"/>
                             </a:rPr>
                           </m:ctrlPr>
                         </m:sSubPr>
@@ -11789,7 +11792,7 @@
                           <m:degHide m:val="on"/>
                           <m:ctrlPr>
                             <a:rPr lang="en-US" altLang="zh-CN" i="1">
-                              <a:latin typeface="Cambria Math" panose="02040503050406030204" pitchFamily="18" charset="0"/>
+                              <a:latin typeface="Cambria Math" charset="0"/>
                             </a:rPr>
                           </m:ctrlPr>
                         </m:radPr>
@@ -11799,7 +11802,7 @@
                             <m:fPr>
                               <m:ctrlPr>
                                 <a:rPr lang="en-US" altLang="zh-CN" i="1">
-                                  <a:latin typeface="Cambria Math" panose="02040503050406030204" pitchFamily="18" charset="0"/>
+                                  <a:latin typeface="Cambria Math" charset="0"/>
                                 </a:rPr>
                               </m:ctrlPr>
                             </m:fPr>
@@ -11848,7 +11851,7 @@
             </p:txBody>
           </p:sp>
         </mc:Choice>
-        <mc:Fallback>
+        <mc:Fallback xmlns="">
           <p:sp>
             <p:nvSpPr>
               <p:cNvPr id="5" name="矩形 4"/>
@@ -12336,8 +12339,8 @@
           </a:prstGeom>
         </p:spPr>
       </p:pic>
-      <mc:AlternateContent xmlns:mc="http://schemas.openxmlformats.org/markup-compatibility/2006">
-        <mc:Choice xmlns:a14="http://schemas.microsoft.com/office/drawing/2010/main" Requires="a14">
+      <mc:AlternateContent xmlns:mc="http://schemas.openxmlformats.org/markup-compatibility/2006" xmlns:a14="http://schemas.microsoft.com/office/drawing/2010/main">
+        <mc:Choice Requires="a14">
           <p:sp>
             <p:nvSpPr>
               <p:cNvPr id="5" name="矩形 4"/>
@@ -12359,6 +12362,7 @@
               </a:bodyPr>
               <a:lstStyle/>
               <a:p>
+                <a:pPr/>
                 <a14:m>
                   <m:oMathPara xmlns:m="http://schemas.openxmlformats.org/officeDocument/2006/math">
                     <m:oMathParaPr>
@@ -12370,7 +12374,7 @@
                           <m:chr m:val="̅"/>
                           <m:ctrlPr>
                             <a:rPr lang="zh-CN" altLang="en-US" i="1">
-                              <a:latin typeface="Cambria Math" panose="02040503050406030204" pitchFamily="18" charset="0"/>
+                              <a:latin typeface="Cambria Math" charset="0"/>
                             </a:rPr>
                           </m:ctrlPr>
                         </m:accPr>
@@ -12379,7 +12383,7 @@
                             <m:sSubPr>
                               <m:ctrlPr>
                                 <a:rPr lang="en-US" altLang="zh-CN" i="1">
-                                  <a:latin typeface="Cambria Math" panose="02040503050406030204" pitchFamily="18" charset="0"/>
+                                  <a:latin typeface="Cambria Math" charset="0"/>
                                 </a:rPr>
                               </m:ctrlPr>
                             </m:sSubPr>
@@ -12413,7 +12417,7 @@
                           <m:chr m:val="̅"/>
                           <m:ctrlPr>
                             <a:rPr lang="zh-CN" altLang="en-US" i="1">
-                              <a:latin typeface="Cambria Math" panose="02040503050406030204" pitchFamily="18" charset="0"/>
+                              <a:latin typeface="Cambria Math" charset="0"/>
                             </a:rPr>
                           </m:ctrlPr>
                         </m:accPr>
@@ -12422,7 +12426,7 @@
                             <m:sSubPr>
                               <m:ctrlPr>
                                 <a:rPr lang="en-US" altLang="zh-CN" i="1">
-                                  <a:latin typeface="Cambria Math" panose="02040503050406030204" pitchFamily="18" charset="0"/>
+                                  <a:latin typeface="Cambria Math" charset="0"/>
                                 </a:rPr>
                               </m:ctrlPr>
                             </m:sSubPr>
@@ -12456,7 +12460,7 @@
                         <m:sSubPr>
                           <m:ctrlPr>
                             <a:rPr lang="en-US" altLang="zh-CN" i="1">
-                              <a:latin typeface="Cambria Math" panose="02040503050406030204" pitchFamily="18" charset="0"/>
+                              <a:latin typeface="Cambria Math" charset="0"/>
                             </a:rPr>
                           </m:ctrlPr>
                         </m:sSubPr>
@@ -12494,7 +12498,7 @@
                           <m:degHide m:val="on"/>
                           <m:ctrlPr>
                             <a:rPr lang="en-US" altLang="zh-CN" i="1">
-                              <a:latin typeface="Cambria Math" panose="02040503050406030204" pitchFamily="18" charset="0"/>
+                              <a:latin typeface="Cambria Math" charset="0"/>
                             </a:rPr>
                           </m:ctrlPr>
                         </m:radPr>
@@ -12504,7 +12508,7 @@
                             <m:sSubPr>
                               <m:ctrlPr>
                                 <a:rPr lang="en-US" altLang="zh-CN" i="1">
-                                  <a:latin typeface="Cambria Math" panose="02040503050406030204" pitchFamily="18" charset="0"/>
+                                  <a:latin typeface="Cambria Math" charset="0"/>
                                 </a:rPr>
                               </m:ctrlPr>
                             </m:sSubPr>
@@ -12535,7 +12539,7 @@
                             <m:fPr>
                               <m:ctrlPr>
                                 <a:rPr lang="en-US" altLang="zh-CN" i="1">
-                                  <a:latin typeface="Cambria Math" panose="02040503050406030204" pitchFamily="18" charset="0"/>
+                                  <a:latin typeface="Cambria Math" charset="0"/>
                                 </a:rPr>
                               </m:ctrlPr>
                             </m:fPr>
@@ -12572,7 +12576,7 @@
                             <m:fPr>
                               <m:ctrlPr>
                                 <a:rPr lang="en-US" altLang="zh-CN" i="1">
-                                  <a:latin typeface="Cambria Math" panose="02040503050406030204" pitchFamily="18" charset="0"/>
+                                  <a:latin typeface="Cambria Math" charset="0"/>
                                 </a:rPr>
                               </m:ctrlPr>
                             </m:fPr>
@@ -12615,7 +12619,7 @@
             </p:txBody>
           </p:sp>
         </mc:Choice>
-        <mc:Fallback>
+        <mc:Fallback xmlns="">
           <p:sp>
             <p:nvSpPr>
               <p:cNvPr id="5" name="矩形 4"/>
@@ -12654,8 +12658,8 @@
           </p:sp>
         </mc:Fallback>
       </mc:AlternateContent>
-      <mc:AlternateContent xmlns:mc="http://schemas.openxmlformats.org/markup-compatibility/2006">
-        <mc:Choice xmlns:a14="http://schemas.microsoft.com/office/drawing/2010/main" Requires="a14">
+      <mc:AlternateContent xmlns:mc="http://schemas.openxmlformats.org/markup-compatibility/2006" xmlns:a14="http://schemas.microsoft.com/office/drawing/2010/main">
+        <mc:Choice Requires="a14">
           <p:sp>
             <p:nvSpPr>
               <p:cNvPr id="6" name="矩形 5"/>
@@ -12677,6 +12681,7 @@
               </a:bodyPr>
               <a:lstStyle/>
               <a:p>
+                <a:pPr/>
                 <a14:m>
                   <m:oMathPara xmlns:m="http://schemas.openxmlformats.org/officeDocument/2006/math">
                     <m:oMathParaPr>
@@ -12687,7 +12692,7 @@
                         <m:sSubPr>
                           <m:ctrlPr>
                             <a:rPr lang="en-US" altLang="zh-CN" i="1">
-                              <a:latin typeface="Cambria Math" panose="02040503050406030204" pitchFamily="18" charset="0"/>
+                              <a:latin typeface="Cambria Math" charset="0"/>
                             </a:rPr>
                           </m:ctrlPr>
                         </m:sSubPr>
@@ -12719,7 +12724,7 @@
                           <m:degHide m:val="on"/>
                           <m:ctrlPr>
                             <a:rPr lang="en-US" altLang="zh-CN" i="1">
-                              <a:latin typeface="Cambria Math" panose="02040503050406030204" pitchFamily="18" charset="0"/>
+                              <a:latin typeface="Cambria Math" charset="0"/>
                             </a:rPr>
                           </m:ctrlPr>
                         </m:radPr>
@@ -12729,7 +12734,7 @@
                             <m:fPr>
                               <m:ctrlPr>
                                 <a:rPr lang="en-US" altLang="zh-CN" i="1">
-                                  <a:latin typeface="Cambria Math" panose="02040503050406030204" pitchFamily="18" charset="0"/>
+                                  <a:latin typeface="Cambria Math" charset="0"/>
                                 </a:rPr>
                               </m:ctrlPr>
                             </m:fPr>
@@ -12738,7 +12743,7 @@
                                 <m:dPr>
                                   <m:ctrlPr>
                                     <a:rPr lang="en-US" altLang="zh-CN" i="1">
-                                      <a:latin typeface="Cambria Math" panose="02040503050406030204" pitchFamily="18" charset="0"/>
+                                      <a:latin typeface="Cambria Math" charset="0"/>
                                     </a:rPr>
                                   </m:ctrlPr>
                                 </m:dPr>
@@ -12761,7 +12766,7 @@
                                 <m:sSupPr>
                                   <m:ctrlPr>
                                     <a:rPr lang="en-US" altLang="zh-CN" i="1">
-                                      <a:latin typeface="Cambria Math" panose="02040503050406030204" pitchFamily="18" charset="0"/>
+                                      <a:latin typeface="Cambria Math" charset="0"/>
                                     </a:rPr>
                                   </m:ctrlPr>
                                 </m:sSupPr>
@@ -12810,7 +12815,7 @@
                                 <m:sSupPr>
                                   <m:ctrlPr>
                                     <a:rPr lang="en-US" altLang="zh-CN" i="1">
-                                      <a:latin typeface="Cambria Math" panose="02040503050406030204" pitchFamily="18" charset="0"/>
+                                      <a:latin typeface="Cambria Math" charset="0"/>
                                     </a:rPr>
                                   </m:ctrlPr>
                                 </m:sSupPr>
@@ -12875,7 +12880,7 @@
             </p:txBody>
           </p:sp>
         </mc:Choice>
-        <mc:Fallback>
+        <mc:Fallback xmlns="">
           <p:sp>
             <p:nvSpPr>
               <p:cNvPr id="6" name="矩形 5"/>
@@ -13480,8 +13485,8 @@
           </a:prstGeom>
         </p:spPr>
       </p:pic>
-      <mc:AlternateContent xmlns:mc="http://schemas.openxmlformats.org/markup-compatibility/2006">
-        <mc:Choice xmlns:a14="http://schemas.microsoft.com/office/drawing/2010/main" Requires="a14">
+      <mc:AlternateContent xmlns:mc="http://schemas.openxmlformats.org/markup-compatibility/2006" xmlns:a14="http://schemas.microsoft.com/office/drawing/2010/main">
+        <mc:Choice Requires="a14">
           <p:sp>
             <p:nvSpPr>
               <p:cNvPr id="6" name="矩形 5"/>
@@ -13503,6 +13508,7 @@
               </a:bodyPr>
               <a:lstStyle/>
               <a:p>
+                <a:pPr/>
                 <a14:m>
                   <m:oMathPara xmlns:m="http://schemas.openxmlformats.org/officeDocument/2006/math">
                     <m:oMathParaPr>
@@ -13514,7 +13520,7 @@
                           <m:chr m:val="̂"/>
                           <m:ctrlPr>
                             <a:rPr lang="en-US" altLang="zh-CN" i="1">
-                              <a:latin typeface="Cambria Math" panose="02040503050406030204" pitchFamily="18" charset="0"/>
+                              <a:latin typeface="Cambria Math" charset="0"/>
                               <a:ea typeface="Cambria Math" panose="02040503050406030204" pitchFamily="18" charset="0"/>
                             </a:rPr>
                           </m:ctrlPr>
@@ -13541,7 +13547,7 @@
                           <m:chr m:val="̂"/>
                           <m:ctrlPr>
                             <a:rPr lang="en-US" altLang="zh-CN" i="1">
-                              <a:latin typeface="Cambria Math" panose="02040503050406030204" pitchFamily="18" charset="0"/>
+                              <a:latin typeface="Cambria Math" charset="0"/>
                               <a:ea typeface="Cambria Math" panose="02040503050406030204" pitchFamily="18" charset="0"/>
                             </a:rPr>
                           </m:ctrlPr>
@@ -13561,20 +13567,13 @@
                           <a:latin typeface="Cambria Math" panose="02040503050406030204" pitchFamily="18" charset="0"/>
                           <a:ea typeface="Cambria Math" panose="02040503050406030204" pitchFamily="18" charset="0"/>
                         </a:rPr>
-                        <m:t>2</m:t>
-                      </m:r>
-                      <m:r>
-                        <a:rPr lang="en-US" altLang="zh-CN" i="1">
-                          <a:latin typeface="Cambria Math" panose="02040503050406030204" pitchFamily="18" charset="0"/>
-                          <a:ea typeface="Cambria Math" panose="02040503050406030204" pitchFamily="18" charset="0"/>
-                        </a:rPr>
-                        <m:t>±</m:t>
+                        <m:t>2±</m:t>
                       </m:r>
                       <m:sSub>
                         <m:sSubPr>
                           <m:ctrlPr>
                             <a:rPr lang="en-US" altLang="zh-CN" i="1">
-                              <a:latin typeface="Cambria Math" panose="02040503050406030204" pitchFamily="18" charset="0"/>
+                              <a:latin typeface="Cambria Math" charset="0"/>
                             </a:rPr>
                           </m:ctrlPr>
                         </m:sSubPr>
@@ -13591,7 +13590,7 @@
                             <m:fPr>
                               <m:ctrlPr>
                                 <a:rPr lang="en-US" altLang="zh-CN" i="1">
-                                  <a:latin typeface="Cambria Math" panose="02040503050406030204" pitchFamily="18" charset="0"/>
+                                  <a:latin typeface="Cambria Math" charset="0"/>
                                 </a:rPr>
                               </m:ctrlPr>
                             </m:fPr>
@@ -13625,7 +13624,7 @@
                           <m:degHide m:val="on"/>
                           <m:ctrlPr>
                             <a:rPr lang="en-US" altLang="zh-CN" i="1">
-                              <a:latin typeface="Cambria Math" panose="02040503050406030204" pitchFamily="18" charset="0"/>
+                              <a:latin typeface="Cambria Math" charset="0"/>
                             </a:rPr>
                           </m:ctrlPr>
                         </m:radPr>
@@ -13635,7 +13634,7 @@
                             <m:fPr>
                               <m:ctrlPr>
                                 <a:rPr lang="en-US" altLang="zh-CN" i="1">
-                                  <a:latin typeface="Cambria Math" panose="02040503050406030204" pitchFamily="18" charset="0"/>
+                                  <a:latin typeface="Cambria Math" charset="0"/>
                                 </a:rPr>
                               </m:ctrlPr>
                             </m:fPr>
@@ -13656,7 +13655,7 @@
                                 <m:dPr>
                                   <m:ctrlPr>
                                     <a:rPr lang="en-US" altLang="zh-CN" i="1">
-                                      <a:latin typeface="Cambria Math" panose="02040503050406030204" pitchFamily="18" charset="0"/>
+                                      <a:latin typeface="Cambria Math" charset="0"/>
                                     </a:rPr>
                                   </m:ctrlPr>
                                 </m:dPr>
@@ -13707,7 +13706,7 @@
                             <m:fPr>
                               <m:ctrlPr>
                                 <a:rPr lang="en-US" altLang="zh-CN" i="1">
-                                  <a:latin typeface="Cambria Math" panose="02040503050406030204" pitchFamily="18" charset="0"/>
+                                  <a:latin typeface="Cambria Math" charset="0"/>
                                 </a:rPr>
                               </m:ctrlPr>
                             </m:fPr>
@@ -13722,13 +13721,7 @@
                                 <a:rPr lang="en-US" altLang="zh-CN" i="1">
                                   <a:latin typeface="Cambria Math" panose="02040503050406030204" pitchFamily="18" charset="0"/>
                                 </a:rPr>
-                                <m:t>2</m:t>
-                              </m:r>
-                              <m:r>
-                                <a:rPr lang="en-US" altLang="zh-CN" i="1">
-                                  <a:latin typeface="Cambria Math" panose="02040503050406030204" pitchFamily="18" charset="0"/>
-                                </a:rPr>
-                                <m:t>(1−</m:t>
+                                <m:t>2(1−</m:t>
                               </m:r>
                               <m:r>
                                 <a:rPr lang="en-US" altLang="zh-CN" i="1">
@@ -13740,13 +13733,7 @@
                                 <a:rPr lang="en-US" altLang="zh-CN" i="1">
                                   <a:latin typeface="Cambria Math" panose="02040503050406030204" pitchFamily="18" charset="0"/>
                                 </a:rPr>
-                                <m:t>2</m:t>
-                              </m:r>
-                              <m:r>
-                                <a:rPr lang="en-US" altLang="zh-CN" i="1">
-                                  <a:latin typeface="Cambria Math" panose="02040503050406030204" pitchFamily="18" charset="0"/>
-                                </a:rPr>
-                                <m:t>)</m:t>
+                                <m:t>2)</m:t>
                               </m:r>
                             </m:num>
                             <m:den>
@@ -13774,7 +13761,7 @@
             </p:txBody>
           </p:sp>
         </mc:Choice>
-        <mc:Fallback>
+        <mc:Fallback xmlns="">
           <p:sp>
             <p:nvSpPr>
               <p:cNvPr id="6" name="矩形 5"/>
@@ -13925,6 +13912,206 @@
 </p:sld>
 </file>
 
+<file path=ppt/slides/slide39.xml><?xml version="1.0" encoding="utf-8"?>
+<p:sld xmlns:a="http://schemas.openxmlformats.org/drawingml/2006/main" xmlns:r="http://schemas.openxmlformats.org/officeDocument/2006/relationships" xmlns:p="http://schemas.openxmlformats.org/presentationml/2006/main">
+  <p:cSld>
+    <p:spTree>
+      <p:nvGrpSpPr>
+        <p:cNvPr id="1" name=""/>
+        <p:cNvGrpSpPr/>
+        <p:nvPr/>
+      </p:nvGrpSpPr>
+      <p:grpSpPr>
+        <a:xfrm>
+          <a:off x="0" y="0"/>
+          <a:ext cx="0" cy="0"/>
+          <a:chOff x="0" y="0"/>
+          <a:chExt cx="0" cy="0"/>
+        </a:xfrm>
+      </p:grpSpPr>
+      <p:sp>
+        <p:nvSpPr>
+          <p:cNvPr id="2" name="标题 1"/>
+          <p:cNvSpPr>
+            <a:spLocks noGrp="1"/>
+          </p:cNvSpPr>
+          <p:nvPr>
+            <p:ph type="title"/>
+          </p:nvPr>
+        </p:nvSpPr>
+        <p:spPr/>
+        <p:txBody>
+          <a:bodyPr/>
+          <a:lstStyle/>
+          <a:p>
+            <a:r>
+              <a:rPr kumimoji="1" lang="zh-CN" altLang="en-US" dirty="0" smtClean="0"/>
+              <a:t>作业</a:t>
+            </a:r>
+            <a:r>
+              <a:rPr kumimoji="1" lang="en-US" altLang="zh-CN" dirty="0" smtClean="0"/>
+              <a:t>2</a:t>
+            </a:r>
+            <a:endParaRPr kumimoji="1" lang="zh-CN" altLang="en-US" dirty="0"/>
+          </a:p>
+        </p:txBody>
+      </p:sp>
+      <p:sp>
+        <p:nvSpPr>
+          <p:cNvPr id="3" name="内容占位符 2"/>
+          <p:cNvSpPr>
+            <a:spLocks noGrp="1"/>
+          </p:cNvSpPr>
+          <p:nvPr>
+            <p:ph idx="1"/>
+          </p:nvPr>
+        </p:nvSpPr>
+        <p:spPr>
+          <a:xfrm>
+            <a:off x="1371600" y="1731085"/>
+            <a:ext cx="9601200" cy="4457063"/>
+          </a:xfrm>
+        </p:spPr>
+        <p:txBody>
+          <a:bodyPr>
+            <a:normAutofit/>
+          </a:bodyPr>
+          <a:lstStyle/>
+          <a:p>
+            <a:r>
+              <a:rPr kumimoji="1" lang="zh-CN" altLang="en-US" dirty="0" smtClean="0"/>
+              <a:t>研究者希望了解降血脂药</a:t>
+            </a:r>
+            <a:r>
+              <a:rPr kumimoji="1" lang="en-US" altLang="zh-CN" dirty="0" smtClean="0"/>
+              <a:t>A</a:t>
+            </a:r>
+            <a:r>
+              <a:rPr kumimoji="1" lang="zh-CN" altLang="en-US" dirty="0" smtClean="0"/>
+              <a:t>的治疗效果准备开展</a:t>
+            </a:r>
+            <a:r>
+              <a:rPr kumimoji="1" lang="en-US" altLang="zh-CN" dirty="0" smtClean="0"/>
+              <a:t>RCT</a:t>
+            </a:r>
+            <a:r>
+              <a:rPr kumimoji="1" lang="zh-CN" altLang="en-US" dirty="0" smtClean="0"/>
+              <a:t>研究。对照组使用辛伐他丁。既往研究提示辛伐他丁降低血脂平均值是</a:t>
+            </a:r>
+            <a:r>
+              <a:rPr kumimoji="1" lang="en-US" altLang="zh-CN" dirty="0" smtClean="0"/>
+              <a:t>1</a:t>
+            </a:r>
+            <a:r>
+              <a:rPr kumimoji="1" lang="zh-CN" altLang="en-US" dirty="0" smtClean="0"/>
+              <a:t>单位，标准差是</a:t>
+            </a:r>
+            <a:r>
+              <a:rPr kumimoji="1" lang="en-US" altLang="zh-CN" smtClean="0"/>
+              <a:t>0.3~0.6</a:t>
+            </a:r>
+            <a:r>
+              <a:rPr kumimoji="1" lang="zh-CN" altLang="en-US" smtClean="0"/>
+              <a:t>个</a:t>
+            </a:r>
+            <a:r>
+              <a:rPr kumimoji="1" lang="zh-CN" altLang="en-US" dirty="0" smtClean="0"/>
+              <a:t>单位。预计降脂药</a:t>
+            </a:r>
+            <a:r>
+              <a:rPr kumimoji="1" lang="en-US" altLang="zh-CN" dirty="0" smtClean="0"/>
+              <a:t>A</a:t>
+            </a:r>
+            <a:r>
+              <a:rPr kumimoji="1" lang="zh-CN" altLang="en-US" dirty="0" smtClean="0"/>
+              <a:t>降低血脂的平均值是</a:t>
+            </a:r>
+            <a:r>
+              <a:rPr kumimoji="1" lang="en-US" altLang="zh-CN" dirty="0" smtClean="0"/>
+              <a:t>1.5</a:t>
+            </a:r>
+            <a:r>
+              <a:rPr kumimoji="1" lang="zh-CN" altLang="en-US" dirty="0" smtClean="0"/>
+              <a:t>到</a:t>
+            </a:r>
+            <a:r>
+              <a:rPr kumimoji="1" lang="en-US" altLang="zh-CN" dirty="0" smtClean="0"/>
+              <a:t>2</a:t>
+            </a:r>
+            <a:r>
+              <a:rPr kumimoji="1" lang="zh-CN" altLang="en-US" dirty="0" smtClean="0"/>
+              <a:t>个单位。</a:t>
+            </a:r>
+            <a:endParaRPr kumimoji="1" lang="en-US" altLang="zh-CN" dirty="0" smtClean="0"/>
+          </a:p>
+          <a:p>
+            <a:r>
+              <a:rPr kumimoji="1" lang="en-US" altLang="zh-CN" dirty="0" smtClean="0"/>
+              <a:t>1.</a:t>
+            </a:r>
+            <a:r>
+              <a:rPr kumimoji="1" lang="zh-CN" altLang="en-US" dirty="0" smtClean="0"/>
+              <a:t> 估计样本量的时候，可允许的误差范围（</a:t>
+            </a:r>
+            <a:r>
+              <a:rPr kumimoji="1" lang="en-US" altLang="zh-CN" dirty="0" smtClean="0"/>
+              <a:t>E</a:t>
+            </a:r>
+            <a:r>
+              <a:rPr kumimoji="1" lang="zh-CN" altLang="en-US" dirty="0" smtClean="0"/>
+              <a:t>）是什么？</a:t>
+            </a:r>
+            <a:endParaRPr kumimoji="1" lang="en-US" altLang="zh-CN" dirty="0" smtClean="0"/>
+          </a:p>
+          <a:p>
+            <a:r>
+              <a:rPr kumimoji="1" lang="en-US" altLang="zh-CN" dirty="0" smtClean="0"/>
+              <a:t>2.</a:t>
+            </a:r>
+            <a:r>
+              <a:rPr kumimoji="1" lang="zh-CN" altLang="en-US" dirty="0" smtClean="0"/>
+              <a:t> 目前不清楚</a:t>
+            </a:r>
+            <a:r>
+              <a:rPr kumimoji="1" lang="en-US" altLang="zh-CN" dirty="0" smtClean="0"/>
+              <a:t>A</a:t>
+            </a:r>
+            <a:r>
+              <a:rPr kumimoji="1" lang="zh-CN" altLang="en-US" dirty="0" smtClean="0"/>
+              <a:t>药血脂降低值的标准差，应该如何处理？</a:t>
+            </a:r>
+            <a:endParaRPr kumimoji="1" lang="en-US" altLang="zh-CN" dirty="0" smtClean="0"/>
+          </a:p>
+          <a:p>
+            <a:r>
+              <a:rPr kumimoji="1" lang="en-US" altLang="zh-CN" dirty="0"/>
+              <a:t>3</a:t>
+            </a:r>
+            <a:r>
+              <a:rPr kumimoji="1" lang="en-US" altLang="zh-CN" dirty="0" smtClean="0"/>
+              <a:t>.</a:t>
+            </a:r>
+            <a:r>
+              <a:rPr kumimoji="1" lang="zh-CN" altLang="en-US" dirty="0" smtClean="0"/>
+              <a:t> 请根据本题的数据估算最小样本量</a:t>
+            </a:r>
+            <a:endParaRPr kumimoji="1" lang="zh-CN" altLang="en-US" dirty="0"/>
+          </a:p>
+        </p:txBody>
+      </p:sp>
+    </p:spTree>
+    <p:extLst>
+      <p:ext uri="{BB962C8B-B14F-4D97-AF65-F5344CB8AC3E}">
+        <p14:creationId xmlns:p14="http://schemas.microsoft.com/office/powerpoint/2010/main" val="419041791"/>
+      </p:ext>
+    </p:extLst>
+  </p:cSld>
+  <p:clrMapOvr>
+    <a:masterClrMapping/>
+  </p:clrMapOvr>
+</p:sld>
+</file>
+
 <file path=ppt/slides/slide4.xml><?xml version="1.0" encoding="utf-8"?>
 <p:sld xmlns:a="http://schemas.openxmlformats.org/drawingml/2006/main" xmlns:r="http://schemas.openxmlformats.org/officeDocument/2006/relationships" xmlns:p="http://schemas.openxmlformats.org/presentationml/2006/main">
   <p:cSld>
@@ -14208,7 +14395,7 @@
                       <m:dPr>
                         <m:ctrlPr>
                           <a:rPr lang="en-US" altLang="zh-CN" b="0" i="1" smtClean="0">
-                            <a:latin typeface="Cambria Math" panose="02040503050406030204" pitchFamily="18" charset="0"/>
+                            <a:latin typeface="Cambria Math" charset="0"/>
                           </a:rPr>
                         </m:ctrlPr>
                       </m:dPr>
@@ -14237,7 +14424,7 @@
                       <m:dPr>
                         <m:ctrlPr>
                           <a:rPr lang="en-US" altLang="zh-CN" b="0" i="1" smtClean="0">
-                            <a:latin typeface="Cambria Math" panose="02040503050406030204" pitchFamily="18" charset="0"/>
+                            <a:latin typeface="Cambria Math" charset="0"/>
                           </a:rPr>
                         </m:ctrlPr>
                       </m:dPr>
@@ -14266,7 +14453,7 @@
                       <m:sSupPr>
                         <m:ctrlPr>
                           <a:rPr lang="en-US" altLang="zh-CN" b="0" i="1" smtClean="0">
-                            <a:latin typeface="Cambria Math" panose="02040503050406030204" pitchFamily="18" charset="0"/>
+                            <a:latin typeface="Cambria Math" charset="0"/>
                           </a:rPr>
                         </m:ctrlPr>
                       </m:sSupPr>
@@ -14291,7 +14478,7 @@
                       <m:sSupPr>
                         <m:ctrlPr>
                           <a:rPr lang="en-US" altLang="zh-CN" b="0" i="1" smtClean="0">
-                            <a:latin typeface="Cambria Math" panose="02040503050406030204" pitchFamily="18" charset="0"/>
+                            <a:latin typeface="Cambria Math" charset="0"/>
                           </a:rPr>
                         </m:ctrlPr>
                       </m:sSupPr>
@@ -14346,7 +14533,7 @@
                       <m:fPr>
                         <m:ctrlPr>
                           <a:rPr lang="en-US" altLang="zh-CN" b="0" i="1" smtClean="0">
-                            <a:latin typeface="Cambria Math" panose="02040503050406030204" pitchFamily="18" charset="0"/>
+                            <a:latin typeface="Cambria Math" charset="0"/>
                           </a:rPr>
                         </m:ctrlPr>
                       </m:fPr>
@@ -14381,7 +14568,7 @@
                           <m:dPr>
                             <m:ctrlPr>
                               <a:rPr lang="en-US" altLang="zh-CN" b="0" i="1" smtClean="0">
-                                <a:latin typeface="Cambria Math" panose="02040503050406030204" pitchFamily="18" charset="0"/>
+                                <a:latin typeface="Cambria Math" charset="0"/>
                               </a:rPr>
                             </m:ctrlPr>
                           </m:dPr>
@@ -14418,7 +14605,7 @@
                       <m:sSupPr>
                         <m:ctrlPr>
                           <a:rPr lang="en-US" altLang="zh-CN" i="1">
-                            <a:latin typeface="Cambria Math" panose="02040503050406030204" pitchFamily="18" charset="0"/>
+                            <a:latin typeface="Cambria Math" charset="0"/>
                           </a:rPr>
                         </m:ctrlPr>
                       </m:sSupPr>
@@ -14443,7 +14630,7 @@
                       <m:sSupPr>
                         <m:ctrlPr>
                           <a:rPr lang="en-US" altLang="zh-CN" i="1">
-                            <a:latin typeface="Cambria Math" panose="02040503050406030204" pitchFamily="18" charset="0"/>
+                            <a:latin typeface="Cambria Math" charset="0"/>
                           </a:rPr>
                         </m:ctrlPr>
                       </m:sSupPr>
@@ -15368,7 +15555,7 @@
                         <m:degHide m:val="on"/>
                         <m:ctrlPr>
                           <a:rPr lang="en-US" altLang="zh-CN" b="0" i="1" smtClean="0">
-                            <a:latin typeface="Cambria Math" panose="02040503050406030204" pitchFamily="18" charset="0"/>
+                            <a:latin typeface="Cambria Math" charset="0"/>
                           </a:rPr>
                         </m:ctrlPr>
                       </m:radPr>

--- a/lect-6/二分变量的检验以及样本量估计.pptx
+++ b/lect-6/二分变量的检验以及样本量估计.pptx
@@ -43,6 +43,7 @@
     <p:sldId id="292" r:id="rId37"/>
     <p:sldId id="293" r:id="rId38"/>
     <p:sldId id="294" r:id="rId39"/>
+    <p:sldId id="295" r:id="rId40"/>
   </p:sldIdLst>
   <p:sldSz cx="12192000" cy="6858000"/>
   <p:notesSz cx="6858000" cy="9144000"/>
@@ -318,7 +319,7 @@
           <a:p>
             <a:fld id="{D8E0950C-EF3C-4712-8EE4-5F7FAA755B56}" type="datetimeFigureOut">
               <a:rPr lang="zh-CN" altLang="en-US" smtClean="0"/>
-              <a:t>2019-3-27</a:t>
+              <a:t>2019/3/16</a:t>
             </a:fld>
             <a:endParaRPr lang="zh-CN" altLang="en-US"/>
           </a:p>
@@ -648,7 +649,7 @@
           <a:p>
             <a:fld id="{D8E0950C-EF3C-4712-8EE4-5F7FAA755B56}" type="datetimeFigureOut">
               <a:rPr lang="zh-CN" altLang="en-US" smtClean="0"/>
-              <a:t>2019-3-27</a:t>
+              <a:t>2019/3/16</a:t>
             </a:fld>
             <a:endParaRPr lang="zh-CN" altLang="en-US"/>
           </a:p>
@@ -828,7 +829,7 @@
           <a:p>
             <a:fld id="{D8E0950C-EF3C-4712-8EE4-5F7FAA755B56}" type="datetimeFigureOut">
               <a:rPr lang="zh-CN" altLang="en-US" smtClean="0"/>
-              <a:t>2019-3-27</a:t>
+              <a:t>2019/3/16</a:t>
             </a:fld>
             <a:endParaRPr lang="zh-CN" altLang="en-US"/>
           </a:p>
@@ -1026,7 +1027,7 @@
           <a:p>
             <a:fld id="{D8E0950C-EF3C-4712-8EE4-5F7FAA755B56}" type="datetimeFigureOut">
               <a:rPr lang="zh-CN" altLang="en-US" smtClean="0"/>
-              <a:t>2019-3-27</a:t>
+              <a:t>2019/3/16</a:t>
             </a:fld>
             <a:endParaRPr lang="zh-CN" altLang="en-US"/>
           </a:p>
@@ -1303,7 +1304,7 @@
           <a:p>
             <a:fld id="{D8E0950C-EF3C-4712-8EE4-5F7FAA755B56}" type="datetimeFigureOut">
               <a:rPr lang="zh-CN" altLang="en-US" smtClean="0"/>
-              <a:t>2019-3-27</a:t>
+              <a:t>2019/3/16</a:t>
             </a:fld>
             <a:endParaRPr lang="zh-CN" altLang="en-US"/>
           </a:p>
@@ -1697,7 +1698,7 @@
           <a:p>
             <a:fld id="{D8E0950C-EF3C-4712-8EE4-5F7FAA755B56}" type="datetimeFigureOut">
               <a:rPr lang="zh-CN" altLang="en-US" smtClean="0"/>
-              <a:t>2019-3-27</a:t>
+              <a:t>2019/3/16</a:t>
             </a:fld>
             <a:endParaRPr lang="zh-CN" altLang="en-US"/>
           </a:p>
@@ -2174,7 +2175,7 @@
           <a:p>
             <a:fld id="{D8E0950C-EF3C-4712-8EE4-5F7FAA755B56}" type="datetimeFigureOut">
               <a:rPr lang="zh-CN" altLang="en-US" smtClean="0"/>
-              <a:t>2019-3-27</a:t>
+              <a:t>2019/3/16</a:t>
             </a:fld>
             <a:endParaRPr lang="zh-CN" altLang="en-US"/>
           </a:p>
@@ -2292,7 +2293,7 @@
           <a:p>
             <a:fld id="{D8E0950C-EF3C-4712-8EE4-5F7FAA755B56}" type="datetimeFigureOut">
               <a:rPr lang="zh-CN" altLang="en-US" smtClean="0"/>
-              <a:t>2019-3-27</a:t>
+              <a:t>2019/3/16</a:t>
             </a:fld>
             <a:endParaRPr lang="zh-CN" altLang="en-US"/>
           </a:p>
@@ -2387,7 +2388,7 @@
           <a:p>
             <a:fld id="{D8E0950C-EF3C-4712-8EE4-5F7FAA755B56}" type="datetimeFigureOut">
               <a:rPr lang="zh-CN" altLang="en-US" smtClean="0"/>
-              <a:t>2019-3-27</a:t>
+              <a:t>2019/3/16</a:t>
             </a:fld>
             <a:endParaRPr lang="zh-CN" altLang="en-US"/>
           </a:p>
@@ -2733,7 +2734,7 @@
           <a:p>
             <a:fld id="{D8E0950C-EF3C-4712-8EE4-5F7FAA755B56}" type="datetimeFigureOut">
               <a:rPr lang="zh-CN" altLang="en-US" smtClean="0"/>
-              <a:t>2019-3-27</a:t>
+              <a:t>2019/3/16</a:t>
             </a:fld>
             <a:endParaRPr lang="zh-CN" altLang="en-US"/>
           </a:p>
@@ -3121,7 +3122,7 @@
           <a:p>
             <a:fld id="{D8E0950C-EF3C-4712-8EE4-5F7FAA755B56}" type="datetimeFigureOut">
               <a:rPr lang="zh-CN" altLang="en-US" smtClean="0"/>
-              <a:t>2019-3-27</a:t>
+              <a:t>2019/3/16</a:t>
             </a:fld>
             <a:endParaRPr lang="zh-CN" altLang="en-US"/>
           </a:p>
@@ -3399,7 +3400,7 @@
           <a:p>
             <a:fld id="{D8E0950C-EF3C-4712-8EE4-5F7FAA755B56}" type="datetimeFigureOut">
               <a:rPr lang="zh-CN" altLang="en-US" smtClean="0"/>
-              <a:t>2019-3-27</a:t>
+              <a:t>2019/3/16</a:t>
             </a:fld>
             <a:endParaRPr lang="zh-CN" altLang="en-US"/>
           </a:p>
@@ -4040,7 +4041,7 @@
                         <m:chr m:val="̂"/>
                         <m:ctrlPr>
                           <a:rPr lang="en-US" altLang="zh-CN" i="1">
-                            <a:latin typeface="Cambria Math" panose="02040503050406030204" pitchFamily="18" charset="0"/>
+                            <a:latin typeface="Cambria Math" charset="0"/>
                           </a:rPr>
                         </m:ctrlPr>
                       </m:accPr>
@@ -4063,7 +4064,7 @@
                       <m:fPr>
                         <m:ctrlPr>
                           <a:rPr lang="en-US" altLang="zh-CN" i="1">
-                            <a:latin typeface="Cambria Math" panose="02040503050406030204" pitchFamily="18" charset="0"/>
+                            <a:latin typeface="Cambria Math" charset="0"/>
                           </a:rPr>
                         </m:ctrlPr>
                       </m:fPr>
@@ -4189,7 +4190,7 @@
                         <m:degHide m:val="on"/>
                         <m:ctrlPr>
                           <a:rPr lang="en-US" altLang="zh-CN" i="1">
-                            <a:latin typeface="Cambria Math" panose="02040503050406030204" pitchFamily="18" charset="0"/>
+                            <a:latin typeface="Cambria Math" charset="0"/>
                           </a:rPr>
                         </m:ctrlPr>
                       </m:radPr>
@@ -4278,7 +4279,7 @@
                         <m:degHide m:val="on"/>
                         <m:ctrlPr>
                           <a:rPr lang="en-US" altLang="zh-CN" i="1">
-                            <a:latin typeface="Cambria Math" panose="02040503050406030204" pitchFamily="18" charset="0"/>
+                            <a:latin typeface="Cambria Math" charset="0"/>
                           </a:rPr>
                         </m:ctrlPr>
                       </m:radPr>
@@ -4288,7 +4289,7 @@
                           <m:fPr>
                             <m:ctrlPr>
                               <a:rPr lang="en-US" altLang="zh-CN" i="1" smtClean="0">
-                                <a:latin typeface="Cambria Math" panose="02040503050406030204" pitchFamily="18" charset="0"/>
+                                <a:latin typeface="Cambria Math" charset="0"/>
                               </a:rPr>
                             </m:ctrlPr>
                           </m:fPr>
@@ -4730,7 +4731,7 @@
                       <m:fPr>
                         <m:ctrlPr>
                           <a:rPr lang="en-US" altLang="zh-CN" i="1" smtClean="0">
-                            <a:latin typeface="Cambria Math" panose="02040503050406030204" pitchFamily="18" charset="0"/>
+                            <a:latin typeface="Cambria Math" charset="0"/>
                           </a:rPr>
                         </m:ctrlPr>
                       </m:fPr>
@@ -5489,7 +5490,7 @@
                       <m:fPr>
                         <m:ctrlPr>
                           <a:rPr lang="en-US" altLang="zh-CN" i="1">
-                            <a:latin typeface="Cambria Math" panose="02040503050406030204" pitchFamily="18" charset="0"/>
+                            <a:latin typeface="Cambria Math" charset="0"/>
                           </a:rPr>
                         </m:ctrlPr>
                       </m:fPr>
@@ -5565,7 +5566,7 @@
                       <m:fPr>
                         <m:ctrlPr>
                           <a:rPr lang="en-US" altLang="zh-CN" i="1">
-                            <a:latin typeface="Cambria Math" panose="02040503050406030204" pitchFamily="18" charset="0"/>
+                            <a:latin typeface="Cambria Math" charset="0"/>
                           </a:rPr>
                         </m:ctrlPr>
                       </m:fPr>
@@ -5638,7 +5639,7 @@
                       <m:fPr>
                         <m:ctrlPr>
                           <a:rPr lang="en-US" altLang="zh-CN" i="1" smtClean="0">
-                            <a:latin typeface="Cambria Math" panose="02040503050406030204" pitchFamily="18" charset="0"/>
+                            <a:latin typeface="Cambria Math" charset="0"/>
                           </a:rPr>
                         </m:ctrlPr>
                       </m:fPr>
@@ -5648,7 +5649,7 @@
                             <m:chr m:val="̂"/>
                             <m:ctrlPr>
                               <a:rPr lang="en-US" altLang="zh-CN" i="1" smtClean="0">
-                                <a:latin typeface="Cambria Math" panose="02040503050406030204" pitchFamily="18" charset="0"/>
+                                <a:latin typeface="Cambria Math" charset="0"/>
                               </a:rPr>
                             </m:ctrlPr>
                           </m:accPr>
@@ -5671,7 +5672,7 @@
                           <m:sSubPr>
                             <m:ctrlPr>
                               <a:rPr lang="en-US" altLang="zh-CN" b="0" i="1" smtClean="0">
-                                <a:latin typeface="Cambria Math" panose="02040503050406030204" pitchFamily="18" charset="0"/>
+                                <a:latin typeface="Cambria Math" charset="0"/>
                               </a:rPr>
                             </m:ctrlPr>
                           </m:sSubPr>
@@ -5699,7 +5700,7 @@
                             <m:degHide m:val="on"/>
                             <m:ctrlPr>
                               <a:rPr lang="en-US" altLang="zh-CN" i="1" smtClean="0">
-                                <a:latin typeface="Cambria Math" panose="02040503050406030204" pitchFamily="18" charset="0"/>
+                                <a:latin typeface="Cambria Math" charset="0"/>
                               </a:rPr>
                             </m:ctrlPr>
                           </m:radPr>
@@ -5709,7 +5710,7 @@
                               <m:fPr>
                                 <m:ctrlPr>
                                   <a:rPr lang="en-US" altLang="zh-CN" i="1" smtClean="0">
-                                    <a:latin typeface="Cambria Math" panose="02040503050406030204" pitchFamily="18" charset="0"/>
+                                    <a:latin typeface="Cambria Math" charset="0"/>
                                   </a:rPr>
                                 </m:ctrlPr>
                               </m:fPr>
@@ -5718,7 +5719,7 @@
                                   <m:sSubPr>
                                     <m:ctrlPr>
                                       <a:rPr lang="en-US" altLang="zh-CN" b="0" i="1" smtClean="0">
-                                        <a:latin typeface="Cambria Math" panose="02040503050406030204" pitchFamily="18" charset="0"/>
+                                        <a:latin typeface="Cambria Math" charset="0"/>
                                       </a:rPr>
                                     </m:ctrlPr>
                                   </m:sSubPr>
@@ -5749,7 +5750,7 @@
                                   <m:sSubPr>
                                     <m:ctrlPr>
                                       <a:rPr lang="en-US" altLang="zh-CN" i="1">
-                                        <a:latin typeface="Cambria Math" panose="02040503050406030204" pitchFamily="18" charset="0"/>
+                                        <a:latin typeface="Cambria Math" charset="0"/>
                                       </a:rPr>
                                     </m:ctrlPr>
                                   </m:sSubPr>
@@ -6044,7 +6045,7 @@
                       <m:fPr>
                         <m:ctrlPr>
                           <a:rPr lang="en-US" altLang="zh-CN" i="1">
-                            <a:latin typeface="Cambria Math" panose="02040503050406030204" pitchFamily="18" charset="0"/>
+                            <a:latin typeface="Cambria Math" charset="0"/>
                           </a:rPr>
                         </m:ctrlPr>
                       </m:fPr>
@@ -6054,7 +6055,7 @@
                             <m:chr m:val="̂"/>
                             <m:ctrlPr>
                               <a:rPr lang="en-US" altLang="zh-CN" i="1">
-                                <a:latin typeface="Cambria Math" panose="02040503050406030204" pitchFamily="18" charset="0"/>
+                                <a:latin typeface="Cambria Math" charset="0"/>
                               </a:rPr>
                             </m:ctrlPr>
                           </m:accPr>
@@ -6077,7 +6078,7 @@
                           <m:sSubPr>
                             <m:ctrlPr>
                               <a:rPr lang="en-US" altLang="zh-CN" i="1">
-                                <a:latin typeface="Cambria Math" panose="02040503050406030204" pitchFamily="18" charset="0"/>
+                                <a:latin typeface="Cambria Math" charset="0"/>
                               </a:rPr>
                             </m:ctrlPr>
                           </m:sSubPr>
@@ -6105,7 +6106,7 @@
                             <m:degHide m:val="on"/>
                             <m:ctrlPr>
                               <a:rPr lang="en-US" altLang="zh-CN" i="1">
-                                <a:latin typeface="Cambria Math" panose="02040503050406030204" pitchFamily="18" charset="0"/>
+                                <a:latin typeface="Cambria Math" charset="0"/>
                               </a:rPr>
                             </m:ctrlPr>
                           </m:radPr>
@@ -6115,7 +6116,7 @@
                               <m:fPr>
                                 <m:ctrlPr>
                                   <a:rPr lang="en-US" altLang="zh-CN" i="1">
-                                    <a:latin typeface="Cambria Math" panose="02040503050406030204" pitchFamily="18" charset="0"/>
+                                    <a:latin typeface="Cambria Math" charset="0"/>
                                   </a:rPr>
                                 </m:ctrlPr>
                               </m:fPr>
@@ -6124,7 +6125,7 @@
                                   <m:sSubPr>
                                     <m:ctrlPr>
                                       <a:rPr lang="en-US" altLang="zh-CN" i="1">
-                                        <a:latin typeface="Cambria Math" panose="02040503050406030204" pitchFamily="18" charset="0"/>
+                                        <a:latin typeface="Cambria Math" charset="0"/>
                                       </a:rPr>
                                     </m:ctrlPr>
                                   </m:sSubPr>
@@ -6155,7 +6156,7 @@
                                   <m:sSubPr>
                                     <m:ctrlPr>
                                       <a:rPr lang="en-US" altLang="zh-CN" i="1">
-                                        <a:latin typeface="Cambria Math" panose="02040503050406030204" pitchFamily="18" charset="0"/>
+                                        <a:latin typeface="Cambria Math" charset="0"/>
                                       </a:rPr>
                                     </m:ctrlPr>
                                   </m:sSubPr>
@@ -9441,7 +9442,7 @@
                         <m:chr m:val="̅"/>
                         <m:ctrlPr>
                           <a:rPr lang="zh-CN" altLang="en-US" i="1" smtClean="0">
-                            <a:latin typeface="Cambria Math" panose="02040503050406030204" pitchFamily="18" charset="0"/>
+                            <a:latin typeface="Cambria Math" charset="0"/>
                           </a:rPr>
                         </m:ctrlPr>
                       </m:accPr>
@@ -9465,7 +9466,7 @@
                       <m:sSubPr>
                         <m:ctrlPr>
                           <a:rPr lang="en-US" altLang="zh-CN" b="0" i="1" smtClean="0">
-                            <a:latin typeface="Cambria Math" panose="02040503050406030204" pitchFamily="18" charset="0"/>
+                            <a:latin typeface="Cambria Math" charset="0"/>
                           </a:rPr>
                         </m:ctrlPr>
                       </m:sSubPr>
@@ -9502,7 +9503,7 @@
                       <m:fPr>
                         <m:ctrlPr>
                           <a:rPr lang="en-US" altLang="zh-CN" b="0" i="1" smtClean="0">
-                            <a:latin typeface="Cambria Math" panose="02040503050406030204" pitchFamily="18" charset="0"/>
+                            <a:latin typeface="Cambria Math" charset="0"/>
                           </a:rPr>
                         </m:ctrlPr>
                       </m:fPr>
@@ -9520,7 +9521,7 @@
                             <m:degHide m:val="on"/>
                             <m:ctrlPr>
                               <a:rPr lang="en-US" altLang="zh-CN" b="0" i="1" smtClean="0">
-                                <a:latin typeface="Cambria Math" panose="02040503050406030204" pitchFamily="18" charset="0"/>
+                                <a:latin typeface="Cambria Math" charset="0"/>
                               </a:rPr>
                             </m:ctrlPr>
                           </m:radPr>
@@ -9564,7 +9565,7 @@
                         <m:chr m:val="̅"/>
                         <m:ctrlPr>
                           <a:rPr lang="zh-CN" altLang="en-US" i="1">
-                            <a:latin typeface="Cambria Math" panose="02040503050406030204" pitchFamily="18" charset="0"/>
+                            <a:latin typeface="Cambria Math" charset="0"/>
                           </a:rPr>
                         </m:ctrlPr>
                       </m:accPr>
@@ -9588,7 +9589,7 @@
                       <m:sSubPr>
                         <m:ctrlPr>
                           <a:rPr lang="en-US" altLang="zh-CN" i="1">
-                            <a:latin typeface="Cambria Math" panose="02040503050406030204" pitchFamily="18" charset="0"/>
+                            <a:latin typeface="Cambria Math" charset="0"/>
                           </a:rPr>
                         </m:ctrlPr>
                       </m:sSubPr>
@@ -9625,7 +9626,7 @@
                       <m:fPr>
                         <m:ctrlPr>
                           <a:rPr lang="en-US" altLang="zh-CN" i="1">
-                            <a:latin typeface="Cambria Math" panose="02040503050406030204" pitchFamily="18" charset="0"/>
+                            <a:latin typeface="Cambria Math" charset="0"/>
                           </a:rPr>
                         </m:ctrlPr>
                       </m:fPr>
@@ -9643,7 +9644,7 @@
                             <m:degHide m:val="on"/>
                             <m:ctrlPr>
                               <a:rPr lang="en-US" altLang="zh-CN" i="1">
-                                <a:latin typeface="Cambria Math" panose="02040503050406030204" pitchFamily="18" charset="0"/>
+                                <a:latin typeface="Cambria Math" charset="0"/>
                               </a:rPr>
                             </m:ctrlPr>
                           </m:radPr>
@@ -9682,7 +9683,7 @@
                       <m:sSubPr>
                         <m:ctrlPr>
                           <a:rPr lang="en-US" altLang="zh-CN" b="0" i="1" smtClean="0">
-                            <a:latin typeface="Cambria Math" panose="02040503050406030204" pitchFamily="18" charset="0"/>
+                            <a:latin typeface="Cambria Math" charset="0"/>
                           </a:rPr>
                         </m:ctrlPr>
                       </m:sSubPr>
@@ -9714,7 +9715,7 @@
                         <m:degHide m:val="on"/>
                         <m:ctrlPr>
                           <a:rPr lang="en-US" altLang="zh-CN" b="0" i="1" smtClean="0">
-                            <a:latin typeface="Cambria Math" panose="02040503050406030204" pitchFamily="18" charset="0"/>
+                            <a:latin typeface="Cambria Math" charset="0"/>
                           </a:rPr>
                         </m:ctrlPr>
                       </m:radPr>
@@ -9724,7 +9725,7 @@
                           <m:fPr>
                             <m:ctrlPr>
                               <a:rPr lang="en-US" altLang="zh-CN" i="1">
-                                <a:latin typeface="Cambria Math" panose="02040503050406030204" pitchFamily="18" charset="0"/>
+                                <a:latin typeface="Cambria Math" charset="0"/>
                               </a:rPr>
                             </m:ctrlPr>
                           </m:fPr>
@@ -9733,7 +9734,7 @@
                               <m:dPr>
                                 <m:ctrlPr>
                                   <a:rPr lang="en-US" altLang="zh-CN" b="0" i="1" smtClean="0">
-                                    <a:latin typeface="Cambria Math" panose="02040503050406030204" pitchFamily="18" charset="0"/>
+                                    <a:latin typeface="Cambria Math" charset="0"/>
                                   </a:rPr>
                                 </m:ctrlPr>
                               </m:dPr>
@@ -9756,7 +9757,7 @@
                               <m:sSupPr>
                                 <m:ctrlPr>
                                   <a:rPr lang="en-US" altLang="zh-CN" b="0" i="1" smtClean="0">
-                                    <a:latin typeface="Cambria Math" panose="02040503050406030204" pitchFamily="18" charset="0"/>
+                                    <a:latin typeface="Cambria Math" charset="0"/>
                                   </a:rPr>
                                 </m:ctrlPr>
                               </m:sSupPr>
@@ -9805,7 +9806,7 @@
                               <m:sSupPr>
                                 <m:ctrlPr>
                                   <a:rPr lang="en-US" altLang="zh-CN" b="0" i="1" smtClean="0">
-                                    <a:latin typeface="Cambria Math" panose="02040503050406030204" pitchFamily="18" charset="0"/>
+                                    <a:latin typeface="Cambria Math" charset="0"/>
                                   </a:rPr>
                                 </m:ctrlPr>
                               </m:sSupPr>
@@ -9875,7 +9876,7 @@
                         <m:chr m:val="̅"/>
                         <m:ctrlPr>
                           <a:rPr lang="zh-CN" altLang="en-US" i="1">
-                            <a:latin typeface="Cambria Math" panose="02040503050406030204" pitchFamily="18" charset="0"/>
+                            <a:latin typeface="Cambria Math" charset="0"/>
                           </a:rPr>
                         </m:ctrlPr>
                       </m:accPr>
@@ -9884,7 +9885,7 @@
                           <m:sSubPr>
                             <m:ctrlPr>
                               <a:rPr lang="en-US" altLang="zh-CN" i="1" smtClean="0">
-                                <a:latin typeface="Cambria Math" panose="02040503050406030204" pitchFamily="18" charset="0"/>
+                                <a:latin typeface="Cambria Math" charset="0"/>
                               </a:rPr>
                             </m:ctrlPr>
                           </m:sSubPr>
@@ -9918,7 +9919,7 @@
                         <m:chr m:val="̅"/>
                         <m:ctrlPr>
                           <a:rPr lang="zh-CN" altLang="en-US" i="1">
-                            <a:latin typeface="Cambria Math" panose="02040503050406030204" pitchFamily="18" charset="0"/>
+                            <a:latin typeface="Cambria Math" charset="0"/>
                           </a:rPr>
                         </m:ctrlPr>
                       </m:accPr>
@@ -9927,7 +9928,7 @@
                           <m:sSubPr>
                             <m:ctrlPr>
                               <a:rPr lang="en-US" altLang="zh-CN" i="1">
-                                <a:latin typeface="Cambria Math" panose="02040503050406030204" pitchFamily="18" charset="0"/>
+                                <a:latin typeface="Cambria Math" charset="0"/>
                               </a:rPr>
                             </m:ctrlPr>
                           </m:sSubPr>
@@ -9961,7 +9962,7 @@
                       <m:sSubPr>
                         <m:ctrlPr>
                           <a:rPr lang="en-US" altLang="zh-CN" i="1">
-                            <a:latin typeface="Cambria Math" panose="02040503050406030204" pitchFamily="18" charset="0"/>
+                            <a:latin typeface="Cambria Math" charset="0"/>
                           </a:rPr>
                         </m:ctrlPr>
                       </m:sSubPr>
@@ -9999,7 +10000,7 @@
                         <m:degHide m:val="on"/>
                         <m:ctrlPr>
                           <a:rPr lang="en-US" altLang="zh-CN" i="1">
-                            <a:latin typeface="Cambria Math" panose="02040503050406030204" pitchFamily="18" charset="0"/>
+                            <a:latin typeface="Cambria Math" charset="0"/>
                           </a:rPr>
                         </m:ctrlPr>
                       </m:radPr>
@@ -10009,7 +10010,7 @@
                           <m:sSubPr>
                             <m:ctrlPr>
                               <a:rPr lang="en-US" altLang="zh-CN" i="1">
-                                <a:latin typeface="Cambria Math" panose="02040503050406030204" pitchFamily="18" charset="0"/>
+                                <a:latin typeface="Cambria Math" charset="0"/>
                               </a:rPr>
                             </m:ctrlPr>
                           </m:sSubPr>
@@ -10040,7 +10041,7 @@
                           <m:fPr>
                             <m:ctrlPr>
                               <a:rPr lang="en-US" altLang="zh-CN" i="1">
-                                <a:latin typeface="Cambria Math" panose="02040503050406030204" pitchFamily="18" charset="0"/>
+                                <a:latin typeface="Cambria Math" charset="0"/>
                               </a:rPr>
                             </m:ctrlPr>
                           </m:fPr>
@@ -10077,7 +10078,7 @@
                           <m:fPr>
                             <m:ctrlPr>
                               <a:rPr lang="en-US" altLang="zh-CN" i="1">
-                                <a:latin typeface="Cambria Math" panose="02040503050406030204" pitchFamily="18" charset="0"/>
+                                <a:latin typeface="Cambria Math" charset="0"/>
                               </a:rPr>
                             </m:ctrlPr>
                           </m:fPr>
@@ -10132,7 +10133,7 @@
                         <m:chr m:val="̂"/>
                         <m:ctrlPr>
                           <a:rPr lang="en-US" altLang="zh-CN" b="0" i="1" smtClean="0">
-                            <a:latin typeface="Cambria Math" panose="02040503050406030204" pitchFamily="18" charset="0"/>
+                            <a:latin typeface="Cambria Math" charset="0"/>
                             <a:ea typeface="Cambria Math" panose="02040503050406030204" pitchFamily="18" charset="0"/>
                           </a:rPr>
                         </m:ctrlPr>
@@ -10158,7 +10159,7 @@
                       <m:sSubPr>
                         <m:ctrlPr>
                           <a:rPr lang="en-US" altLang="zh-CN" i="1">
-                            <a:latin typeface="Cambria Math" panose="02040503050406030204" pitchFamily="18" charset="0"/>
+                            <a:latin typeface="Cambria Math" charset="0"/>
                           </a:rPr>
                         </m:ctrlPr>
                       </m:sSubPr>
@@ -10196,7 +10197,7 @@
                         <m:degHide m:val="on"/>
                         <m:ctrlPr>
                           <a:rPr lang="en-US" altLang="zh-CN" b="0" i="1" smtClean="0">
-                            <a:latin typeface="Cambria Math" panose="02040503050406030204" pitchFamily="18" charset="0"/>
+                            <a:latin typeface="Cambria Math" charset="0"/>
                           </a:rPr>
                         </m:ctrlPr>
                       </m:radPr>
@@ -10206,7 +10207,7 @@
                           <m:fPr>
                             <m:ctrlPr>
                               <a:rPr lang="en-US" altLang="zh-CN" i="1">
-                                <a:latin typeface="Cambria Math" panose="02040503050406030204" pitchFamily="18" charset="0"/>
+                                <a:latin typeface="Cambria Math" charset="0"/>
                               </a:rPr>
                             </m:ctrlPr>
                           </m:fPr>
@@ -10267,7 +10268,7 @@
                         <m:chr m:val="̂"/>
                         <m:ctrlPr>
                           <a:rPr lang="en-US" altLang="zh-CN" i="1">
-                            <a:latin typeface="Cambria Math" panose="02040503050406030204" pitchFamily="18" charset="0"/>
+                            <a:latin typeface="Cambria Math" charset="0"/>
                             <a:ea typeface="Cambria Math" panose="02040503050406030204" pitchFamily="18" charset="0"/>
                           </a:rPr>
                         </m:ctrlPr>
@@ -10294,7 +10295,7 @@
                         <m:chr m:val="̂"/>
                         <m:ctrlPr>
                           <a:rPr lang="en-US" altLang="zh-CN" i="1">
-                            <a:latin typeface="Cambria Math" panose="02040503050406030204" pitchFamily="18" charset="0"/>
+                            <a:latin typeface="Cambria Math" charset="0"/>
                             <a:ea typeface="Cambria Math" panose="02040503050406030204" pitchFamily="18" charset="0"/>
                           </a:rPr>
                         </m:ctrlPr>
@@ -10327,7 +10328,7 @@
                       <m:sSubPr>
                         <m:ctrlPr>
                           <a:rPr lang="en-US" altLang="zh-CN" i="1">
-                            <a:latin typeface="Cambria Math" panose="02040503050406030204" pitchFamily="18" charset="0"/>
+                            <a:latin typeface="Cambria Math" charset="0"/>
                           </a:rPr>
                         </m:ctrlPr>
                       </m:sSubPr>
@@ -10344,7 +10345,7 @@
                           <m:fPr>
                             <m:ctrlPr>
                               <a:rPr lang="en-US" altLang="zh-CN" i="1">
-                                <a:latin typeface="Cambria Math" panose="02040503050406030204" pitchFamily="18" charset="0"/>
+                                <a:latin typeface="Cambria Math" charset="0"/>
                               </a:rPr>
                             </m:ctrlPr>
                           </m:fPr>
@@ -10378,7 +10379,7 @@
                         <m:degHide m:val="on"/>
                         <m:ctrlPr>
                           <a:rPr lang="en-US" altLang="zh-CN" i="1">
-                            <a:latin typeface="Cambria Math" panose="02040503050406030204" pitchFamily="18" charset="0"/>
+                            <a:latin typeface="Cambria Math" charset="0"/>
                           </a:rPr>
                         </m:ctrlPr>
                       </m:radPr>
@@ -10388,7 +10389,7 @@
                           <m:fPr>
                             <m:ctrlPr>
                               <a:rPr lang="en-US" altLang="zh-CN" i="1" smtClean="0">
-                                <a:latin typeface="Cambria Math" panose="02040503050406030204" pitchFamily="18" charset="0"/>
+                                <a:latin typeface="Cambria Math" charset="0"/>
                               </a:rPr>
                             </m:ctrlPr>
                           </m:fPr>
@@ -10409,7 +10410,7 @@
                               <m:dPr>
                                 <m:ctrlPr>
                                   <a:rPr lang="en-US" altLang="zh-CN" b="0" i="1">
-                                    <a:latin typeface="Cambria Math" panose="02040503050406030204" pitchFamily="18" charset="0"/>
+                                    <a:latin typeface="Cambria Math" charset="0"/>
                                   </a:rPr>
                                 </m:ctrlPr>
                               </m:dPr>
@@ -10460,7 +10461,7 @@
                           <m:fPr>
                             <m:ctrlPr>
                               <a:rPr lang="en-US" altLang="zh-CN" i="1">
-                                <a:latin typeface="Cambria Math" panose="02040503050406030204" pitchFamily="18" charset="0"/>
+                                <a:latin typeface="Cambria Math" charset="0"/>
                               </a:rPr>
                             </m:ctrlPr>
                           </m:fPr>
@@ -11201,7 +11202,7 @@
                           <m:chr m:val="̅"/>
                           <m:ctrlPr>
                             <a:rPr lang="zh-CN" altLang="en-US" i="1">
-                              <a:latin typeface="Cambria Math" panose="02040503050406030204" pitchFamily="18" charset="0"/>
+                              <a:latin typeface="Cambria Math" charset="0"/>
                             </a:rPr>
                           </m:ctrlPr>
                         </m:accPr>
@@ -11225,7 +11226,7 @@
                         <m:sSubPr>
                           <m:ctrlPr>
                             <a:rPr lang="en-US" altLang="zh-CN" i="1">
-                              <a:latin typeface="Cambria Math" panose="02040503050406030204" pitchFamily="18" charset="0"/>
+                              <a:latin typeface="Cambria Math" charset="0"/>
                             </a:rPr>
                           </m:ctrlPr>
                         </m:sSubPr>
@@ -11262,7 +11263,7 @@
                         <m:fPr>
                           <m:ctrlPr>
                             <a:rPr lang="en-US" altLang="zh-CN" i="1">
-                              <a:latin typeface="Cambria Math" panose="02040503050406030204" pitchFamily="18" charset="0"/>
+                              <a:latin typeface="Cambria Math" charset="0"/>
                             </a:rPr>
                           </m:ctrlPr>
                         </m:fPr>
@@ -11280,7 +11281,7 @@
                               <m:degHide m:val="on"/>
                               <m:ctrlPr>
                                 <a:rPr lang="en-US" altLang="zh-CN" i="1">
-                                  <a:latin typeface="Cambria Math" panose="02040503050406030204" pitchFamily="18" charset="0"/>
+                                  <a:latin typeface="Cambria Math" charset="0"/>
                                 </a:rPr>
                               </m:ctrlPr>
                             </m:radPr>
@@ -11727,7 +11728,7 @@
                           <m:chr m:val="̂"/>
                           <m:ctrlPr>
                             <a:rPr lang="en-US" altLang="zh-CN" i="1">
-                              <a:latin typeface="Cambria Math" panose="02040503050406030204" pitchFamily="18" charset="0"/>
+                              <a:latin typeface="Cambria Math" charset="0"/>
                               <a:ea typeface="Cambria Math" panose="02040503050406030204" pitchFamily="18" charset="0"/>
                             </a:rPr>
                           </m:ctrlPr>
@@ -11753,7 +11754,7 @@
                         <m:sSubPr>
                           <m:ctrlPr>
                             <a:rPr lang="en-US" altLang="zh-CN" i="1">
-                              <a:latin typeface="Cambria Math" panose="02040503050406030204" pitchFamily="18" charset="0"/>
+                              <a:latin typeface="Cambria Math" charset="0"/>
                             </a:rPr>
                           </m:ctrlPr>
                         </m:sSubPr>
@@ -11791,7 +11792,7 @@
                           <m:degHide m:val="on"/>
                           <m:ctrlPr>
                             <a:rPr lang="en-US" altLang="zh-CN" i="1">
-                              <a:latin typeface="Cambria Math" panose="02040503050406030204" pitchFamily="18" charset="0"/>
+                              <a:latin typeface="Cambria Math" charset="0"/>
                             </a:rPr>
                           </m:ctrlPr>
                         </m:radPr>
@@ -11801,7 +11802,7 @@
                             <m:fPr>
                               <m:ctrlPr>
                                 <a:rPr lang="en-US" altLang="zh-CN" i="1">
-                                  <a:latin typeface="Cambria Math" panose="02040503050406030204" pitchFamily="18" charset="0"/>
+                                  <a:latin typeface="Cambria Math" charset="0"/>
                                 </a:rPr>
                               </m:ctrlPr>
                             </m:fPr>
@@ -12373,7 +12374,7 @@
                           <m:chr m:val="̅"/>
                           <m:ctrlPr>
                             <a:rPr lang="zh-CN" altLang="en-US" i="1">
-                              <a:latin typeface="Cambria Math" panose="02040503050406030204" pitchFamily="18" charset="0"/>
+                              <a:latin typeface="Cambria Math" charset="0"/>
                             </a:rPr>
                           </m:ctrlPr>
                         </m:accPr>
@@ -12382,7 +12383,7 @@
                             <m:sSubPr>
                               <m:ctrlPr>
                                 <a:rPr lang="en-US" altLang="zh-CN" i="1">
-                                  <a:latin typeface="Cambria Math" panose="02040503050406030204" pitchFamily="18" charset="0"/>
+                                  <a:latin typeface="Cambria Math" charset="0"/>
                                 </a:rPr>
                               </m:ctrlPr>
                             </m:sSubPr>
@@ -12416,7 +12417,7 @@
                           <m:chr m:val="̅"/>
                           <m:ctrlPr>
                             <a:rPr lang="zh-CN" altLang="en-US" i="1">
-                              <a:latin typeface="Cambria Math" panose="02040503050406030204" pitchFamily="18" charset="0"/>
+                              <a:latin typeface="Cambria Math" charset="0"/>
                             </a:rPr>
                           </m:ctrlPr>
                         </m:accPr>
@@ -12425,7 +12426,7 @@
                             <m:sSubPr>
                               <m:ctrlPr>
                                 <a:rPr lang="en-US" altLang="zh-CN" i="1">
-                                  <a:latin typeface="Cambria Math" panose="02040503050406030204" pitchFamily="18" charset="0"/>
+                                  <a:latin typeface="Cambria Math" charset="0"/>
                                 </a:rPr>
                               </m:ctrlPr>
                             </m:sSubPr>
@@ -12459,7 +12460,7 @@
                         <m:sSubPr>
                           <m:ctrlPr>
                             <a:rPr lang="en-US" altLang="zh-CN" i="1">
-                              <a:latin typeface="Cambria Math" panose="02040503050406030204" pitchFamily="18" charset="0"/>
+                              <a:latin typeface="Cambria Math" charset="0"/>
                             </a:rPr>
                           </m:ctrlPr>
                         </m:sSubPr>
@@ -12497,7 +12498,7 @@
                           <m:degHide m:val="on"/>
                           <m:ctrlPr>
                             <a:rPr lang="en-US" altLang="zh-CN" i="1">
-                              <a:latin typeface="Cambria Math" panose="02040503050406030204" pitchFamily="18" charset="0"/>
+                              <a:latin typeface="Cambria Math" charset="0"/>
                             </a:rPr>
                           </m:ctrlPr>
                         </m:radPr>
@@ -12507,7 +12508,7 @@
                             <m:sSubPr>
                               <m:ctrlPr>
                                 <a:rPr lang="en-US" altLang="zh-CN" i="1">
-                                  <a:latin typeface="Cambria Math" panose="02040503050406030204" pitchFamily="18" charset="0"/>
+                                  <a:latin typeface="Cambria Math" charset="0"/>
                                 </a:rPr>
                               </m:ctrlPr>
                             </m:sSubPr>
@@ -12538,7 +12539,7 @@
                             <m:fPr>
                               <m:ctrlPr>
                                 <a:rPr lang="en-US" altLang="zh-CN" i="1">
-                                  <a:latin typeface="Cambria Math" panose="02040503050406030204" pitchFamily="18" charset="0"/>
+                                  <a:latin typeface="Cambria Math" charset="0"/>
                                 </a:rPr>
                               </m:ctrlPr>
                             </m:fPr>
@@ -12575,7 +12576,7 @@
                             <m:fPr>
                               <m:ctrlPr>
                                 <a:rPr lang="en-US" altLang="zh-CN" i="1">
-                                  <a:latin typeface="Cambria Math" panose="02040503050406030204" pitchFamily="18" charset="0"/>
+                                  <a:latin typeface="Cambria Math" charset="0"/>
                                 </a:rPr>
                               </m:ctrlPr>
                             </m:fPr>
@@ -12691,7 +12692,7 @@
                         <m:sSubPr>
                           <m:ctrlPr>
                             <a:rPr lang="en-US" altLang="zh-CN" i="1">
-                              <a:latin typeface="Cambria Math" panose="02040503050406030204" pitchFamily="18" charset="0"/>
+                              <a:latin typeface="Cambria Math" charset="0"/>
                             </a:rPr>
                           </m:ctrlPr>
                         </m:sSubPr>
@@ -12723,7 +12724,7 @@
                           <m:degHide m:val="on"/>
                           <m:ctrlPr>
                             <a:rPr lang="en-US" altLang="zh-CN" i="1">
-                              <a:latin typeface="Cambria Math" panose="02040503050406030204" pitchFamily="18" charset="0"/>
+                              <a:latin typeface="Cambria Math" charset="0"/>
                             </a:rPr>
                           </m:ctrlPr>
                         </m:radPr>
@@ -12733,7 +12734,7 @@
                             <m:fPr>
                               <m:ctrlPr>
                                 <a:rPr lang="en-US" altLang="zh-CN" i="1">
-                                  <a:latin typeface="Cambria Math" panose="02040503050406030204" pitchFamily="18" charset="0"/>
+                                  <a:latin typeface="Cambria Math" charset="0"/>
                                 </a:rPr>
                               </m:ctrlPr>
                             </m:fPr>
@@ -12742,7 +12743,7 @@
                                 <m:dPr>
                                   <m:ctrlPr>
                                     <a:rPr lang="en-US" altLang="zh-CN" i="1">
-                                      <a:latin typeface="Cambria Math" panose="02040503050406030204" pitchFamily="18" charset="0"/>
+                                      <a:latin typeface="Cambria Math" charset="0"/>
                                     </a:rPr>
                                   </m:ctrlPr>
                                 </m:dPr>
@@ -12765,7 +12766,7 @@
                                 <m:sSupPr>
                                   <m:ctrlPr>
                                     <a:rPr lang="en-US" altLang="zh-CN" i="1">
-                                      <a:latin typeface="Cambria Math" panose="02040503050406030204" pitchFamily="18" charset="0"/>
+                                      <a:latin typeface="Cambria Math" charset="0"/>
                                     </a:rPr>
                                   </m:ctrlPr>
                                 </m:sSupPr>
@@ -12814,7 +12815,7 @@
                                 <m:sSupPr>
                                   <m:ctrlPr>
                                     <a:rPr lang="en-US" altLang="zh-CN" i="1">
-                                      <a:latin typeface="Cambria Math" panose="02040503050406030204" pitchFamily="18" charset="0"/>
+                                      <a:latin typeface="Cambria Math" charset="0"/>
                                     </a:rPr>
                                   </m:ctrlPr>
                                 </m:sSupPr>
@@ -12942,52 +12943,6 @@
           </a:prstGeom>
         </p:spPr>
       </p:pic>
-      <p:sp>
-        <p:nvSpPr>
-          <p:cNvPr id="8" name="矩形 7"/>
-          <p:cNvSpPr/>
-          <p:nvPr/>
-        </p:nvSpPr>
-        <p:spPr>
-          <a:xfrm>
-            <a:off x="9516862" y="1535837"/>
-            <a:ext cx="142043" cy="257452"/>
-          </a:xfrm>
-          <a:prstGeom prst="rect">
-            <a:avLst/>
-          </a:prstGeom>
-          <a:solidFill>
-            <a:schemeClr val="bg1"/>
-          </a:solidFill>
-          <a:ln>
-            <a:noFill/>
-          </a:ln>
-        </p:spPr>
-        <p:style>
-          <a:lnRef idx="2">
-            <a:schemeClr val="accent1">
-              <a:shade val="50000"/>
-            </a:schemeClr>
-          </a:lnRef>
-          <a:fillRef idx="1">
-            <a:schemeClr val="accent1"/>
-          </a:fillRef>
-          <a:effectRef idx="0">
-            <a:schemeClr val="accent1"/>
-          </a:effectRef>
-          <a:fontRef idx="minor">
-            <a:schemeClr val="lt1"/>
-          </a:fontRef>
-        </p:style>
-        <p:txBody>
-          <a:bodyPr rtlCol="0" anchor="ctr"/>
-          <a:lstStyle/>
-          <a:p>
-            <a:pPr algn="ctr"/>
-            <a:endParaRPr lang="zh-CN" altLang="en-US"/>
-          </a:p>
-        </p:txBody>
-      </p:sp>
     </p:spTree>
     <p:extLst>
       <p:ext uri="{BB962C8B-B14F-4D97-AF65-F5344CB8AC3E}">
@@ -13565,7 +13520,7 @@
                           <m:chr m:val="̂"/>
                           <m:ctrlPr>
                             <a:rPr lang="en-US" altLang="zh-CN" i="1">
-                              <a:latin typeface="Cambria Math" panose="02040503050406030204" pitchFamily="18" charset="0"/>
+                              <a:latin typeface="Cambria Math" charset="0"/>
                               <a:ea typeface="Cambria Math" panose="02040503050406030204" pitchFamily="18" charset="0"/>
                             </a:rPr>
                           </m:ctrlPr>
@@ -13592,7 +13547,7 @@
                           <m:chr m:val="̂"/>
                           <m:ctrlPr>
                             <a:rPr lang="en-US" altLang="zh-CN" i="1">
-                              <a:latin typeface="Cambria Math" panose="02040503050406030204" pitchFamily="18" charset="0"/>
+                              <a:latin typeface="Cambria Math" charset="0"/>
                               <a:ea typeface="Cambria Math" panose="02040503050406030204" pitchFamily="18" charset="0"/>
                             </a:rPr>
                           </m:ctrlPr>
@@ -13618,7 +13573,7 @@
                         <m:sSubPr>
                           <m:ctrlPr>
                             <a:rPr lang="en-US" altLang="zh-CN" i="1">
-                              <a:latin typeface="Cambria Math" panose="02040503050406030204" pitchFamily="18" charset="0"/>
+                              <a:latin typeface="Cambria Math" charset="0"/>
                             </a:rPr>
                           </m:ctrlPr>
                         </m:sSubPr>
@@ -13635,7 +13590,7 @@
                             <m:fPr>
                               <m:ctrlPr>
                                 <a:rPr lang="en-US" altLang="zh-CN" i="1">
-                                  <a:latin typeface="Cambria Math" panose="02040503050406030204" pitchFamily="18" charset="0"/>
+                                  <a:latin typeface="Cambria Math" charset="0"/>
                                 </a:rPr>
                               </m:ctrlPr>
                             </m:fPr>
@@ -13669,7 +13624,7 @@
                           <m:degHide m:val="on"/>
                           <m:ctrlPr>
                             <a:rPr lang="en-US" altLang="zh-CN" i="1">
-                              <a:latin typeface="Cambria Math" panose="02040503050406030204" pitchFamily="18" charset="0"/>
+                              <a:latin typeface="Cambria Math" charset="0"/>
                             </a:rPr>
                           </m:ctrlPr>
                         </m:radPr>
@@ -13679,7 +13634,7 @@
                             <m:fPr>
                               <m:ctrlPr>
                                 <a:rPr lang="en-US" altLang="zh-CN" i="1">
-                                  <a:latin typeface="Cambria Math" panose="02040503050406030204" pitchFamily="18" charset="0"/>
+                                  <a:latin typeface="Cambria Math" charset="0"/>
                                 </a:rPr>
                               </m:ctrlPr>
                             </m:fPr>
@@ -13700,7 +13655,7 @@
                                 <m:dPr>
                                   <m:ctrlPr>
                                     <a:rPr lang="en-US" altLang="zh-CN" i="1">
-                                      <a:latin typeface="Cambria Math" panose="02040503050406030204" pitchFamily="18" charset="0"/>
+                                      <a:latin typeface="Cambria Math" charset="0"/>
                                     </a:rPr>
                                   </m:ctrlPr>
                                 </m:dPr>
@@ -13751,7 +13706,7 @@
                             <m:fPr>
                               <m:ctrlPr>
                                 <a:rPr lang="en-US" altLang="zh-CN" i="1">
-                                  <a:latin typeface="Cambria Math" panose="02040503050406030204" pitchFamily="18" charset="0"/>
+                                  <a:latin typeface="Cambria Math" charset="0"/>
                                 </a:rPr>
                               </m:ctrlPr>
                             </m:fPr>
@@ -13957,6 +13912,206 @@
 </p:sld>
 </file>
 
+<file path=ppt/slides/slide39.xml><?xml version="1.0" encoding="utf-8"?>
+<p:sld xmlns:a="http://schemas.openxmlformats.org/drawingml/2006/main" xmlns:r="http://schemas.openxmlformats.org/officeDocument/2006/relationships" xmlns:p="http://schemas.openxmlformats.org/presentationml/2006/main">
+  <p:cSld>
+    <p:spTree>
+      <p:nvGrpSpPr>
+        <p:cNvPr id="1" name=""/>
+        <p:cNvGrpSpPr/>
+        <p:nvPr/>
+      </p:nvGrpSpPr>
+      <p:grpSpPr>
+        <a:xfrm>
+          <a:off x="0" y="0"/>
+          <a:ext cx="0" cy="0"/>
+          <a:chOff x="0" y="0"/>
+          <a:chExt cx="0" cy="0"/>
+        </a:xfrm>
+      </p:grpSpPr>
+      <p:sp>
+        <p:nvSpPr>
+          <p:cNvPr id="2" name="标题 1"/>
+          <p:cNvSpPr>
+            <a:spLocks noGrp="1"/>
+          </p:cNvSpPr>
+          <p:nvPr>
+            <p:ph type="title"/>
+          </p:nvPr>
+        </p:nvSpPr>
+        <p:spPr/>
+        <p:txBody>
+          <a:bodyPr/>
+          <a:lstStyle/>
+          <a:p>
+            <a:r>
+              <a:rPr kumimoji="1" lang="zh-CN" altLang="en-US" dirty="0" smtClean="0"/>
+              <a:t>作业</a:t>
+            </a:r>
+            <a:r>
+              <a:rPr kumimoji="1" lang="en-US" altLang="zh-CN" dirty="0" smtClean="0"/>
+              <a:t>2</a:t>
+            </a:r>
+            <a:endParaRPr kumimoji="1" lang="zh-CN" altLang="en-US" dirty="0"/>
+          </a:p>
+        </p:txBody>
+      </p:sp>
+      <p:sp>
+        <p:nvSpPr>
+          <p:cNvPr id="3" name="内容占位符 2"/>
+          <p:cNvSpPr>
+            <a:spLocks noGrp="1"/>
+          </p:cNvSpPr>
+          <p:nvPr>
+            <p:ph idx="1"/>
+          </p:nvPr>
+        </p:nvSpPr>
+        <p:spPr>
+          <a:xfrm>
+            <a:off x="1371600" y="1731085"/>
+            <a:ext cx="9601200" cy="4457063"/>
+          </a:xfrm>
+        </p:spPr>
+        <p:txBody>
+          <a:bodyPr>
+            <a:normAutofit/>
+          </a:bodyPr>
+          <a:lstStyle/>
+          <a:p>
+            <a:r>
+              <a:rPr kumimoji="1" lang="zh-CN" altLang="en-US" dirty="0" smtClean="0"/>
+              <a:t>研究者希望了解降血脂药</a:t>
+            </a:r>
+            <a:r>
+              <a:rPr kumimoji="1" lang="en-US" altLang="zh-CN" dirty="0" smtClean="0"/>
+              <a:t>A</a:t>
+            </a:r>
+            <a:r>
+              <a:rPr kumimoji="1" lang="zh-CN" altLang="en-US" dirty="0" smtClean="0"/>
+              <a:t>的治疗效果准备开展</a:t>
+            </a:r>
+            <a:r>
+              <a:rPr kumimoji="1" lang="en-US" altLang="zh-CN" dirty="0" smtClean="0"/>
+              <a:t>RCT</a:t>
+            </a:r>
+            <a:r>
+              <a:rPr kumimoji="1" lang="zh-CN" altLang="en-US" dirty="0" smtClean="0"/>
+              <a:t>研究。对照组使用辛伐他丁。既往研究提示辛伐他丁降低血脂平均值是</a:t>
+            </a:r>
+            <a:r>
+              <a:rPr kumimoji="1" lang="en-US" altLang="zh-CN" dirty="0" smtClean="0"/>
+              <a:t>1</a:t>
+            </a:r>
+            <a:r>
+              <a:rPr kumimoji="1" lang="zh-CN" altLang="en-US" dirty="0" smtClean="0"/>
+              <a:t>单位，标准差是</a:t>
+            </a:r>
+            <a:r>
+              <a:rPr kumimoji="1" lang="en-US" altLang="zh-CN" smtClean="0"/>
+              <a:t>0.3~0.6</a:t>
+            </a:r>
+            <a:r>
+              <a:rPr kumimoji="1" lang="zh-CN" altLang="en-US" smtClean="0"/>
+              <a:t>个</a:t>
+            </a:r>
+            <a:r>
+              <a:rPr kumimoji="1" lang="zh-CN" altLang="en-US" dirty="0" smtClean="0"/>
+              <a:t>单位。预计降脂药</a:t>
+            </a:r>
+            <a:r>
+              <a:rPr kumimoji="1" lang="en-US" altLang="zh-CN" dirty="0" smtClean="0"/>
+              <a:t>A</a:t>
+            </a:r>
+            <a:r>
+              <a:rPr kumimoji="1" lang="zh-CN" altLang="en-US" dirty="0" smtClean="0"/>
+              <a:t>降低血脂的平均值是</a:t>
+            </a:r>
+            <a:r>
+              <a:rPr kumimoji="1" lang="en-US" altLang="zh-CN" dirty="0" smtClean="0"/>
+              <a:t>1.5</a:t>
+            </a:r>
+            <a:r>
+              <a:rPr kumimoji="1" lang="zh-CN" altLang="en-US" dirty="0" smtClean="0"/>
+              <a:t>到</a:t>
+            </a:r>
+            <a:r>
+              <a:rPr kumimoji="1" lang="en-US" altLang="zh-CN" dirty="0" smtClean="0"/>
+              <a:t>2</a:t>
+            </a:r>
+            <a:r>
+              <a:rPr kumimoji="1" lang="zh-CN" altLang="en-US" dirty="0" smtClean="0"/>
+              <a:t>个单位。</a:t>
+            </a:r>
+            <a:endParaRPr kumimoji="1" lang="en-US" altLang="zh-CN" dirty="0" smtClean="0"/>
+          </a:p>
+          <a:p>
+            <a:r>
+              <a:rPr kumimoji="1" lang="en-US" altLang="zh-CN" dirty="0" smtClean="0"/>
+              <a:t>1.</a:t>
+            </a:r>
+            <a:r>
+              <a:rPr kumimoji="1" lang="zh-CN" altLang="en-US" dirty="0" smtClean="0"/>
+              <a:t> 估计样本量的时候，可允许的误差范围（</a:t>
+            </a:r>
+            <a:r>
+              <a:rPr kumimoji="1" lang="en-US" altLang="zh-CN" dirty="0" smtClean="0"/>
+              <a:t>E</a:t>
+            </a:r>
+            <a:r>
+              <a:rPr kumimoji="1" lang="zh-CN" altLang="en-US" dirty="0" smtClean="0"/>
+              <a:t>）是什么？</a:t>
+            </a:r>
+            <a:endParaRPr kumimoji="1" lang="en-US" altLang="zh-CN" dirty="0" smtClean="0"/>
+          </a:p>
+          <a:p>
+            <a:r>
+              <a:rPr kumimoji="1" lang="en-US" altLang="zh-CN" dirty="0" smtClean="0"/>
+              <a:t>2.</a:t>
+            </a:r>
+            <a:r>
+              <a:rPr kumimoji="1" lang="zh-CN" altLang="en-US" dirty="0" smtClean="0"/>
+              <a:t> 目前不清楚</a:t>
+            </a:r>
+            <a:r>
+              <a:rPr kumimoji="1" lang="en-US" altLang="zh-CN" dirty="0" smtClean="0"/>
+              <a:t>A</a:t>
+            </a:r>
+            <a:r>
+              <a:rPr kumimoji="1" lang="zh-CN" altLang="en-US" dirty="0" smtClean="0"/>
+              <a:t>药血脂降低值的标准差，应该如何处理？</a:t>
+            </a:r>
+            <a:endParaRPr kumimoji="1" lang="en-US" altLang="zh-CN" dirty="0" smtClean="0"/>
+          </a:p>
+          <a:p>
+            <a:r>
+              <a:rPr kumimoji="1" lang="en-US" altLang="zh-CN" dirty="0"/>
+              <a:t>3</a:t>
+            </a:r>
+            <a:r>
+              <a:rPr kumimoji="1" lang="en-US" altLang="zh-CN" dirty="0" smtClean="0"/>
+              <a:t>.</a:t>
+            </a:r>
+            <a:r>
+              <a:rPr kumimoji="1" lang="zh-CN" altLang="en-US" dirty="0" smtClean="0"/>
+              <a:t> 请根据本题的数据估算最小样本量</a:t>
+            </a:r>
+            <a:endParaRPr kumimoji="1" lang="zh-CN" altLang="en-US" dirty="0"/>
+          </a:p>
+        </p:txBody>
+      </p:sp>
+    </p:spTree>
+    <p:extLst>
+      <p:ext uri="{BB962C8B-B14F-4D97-AF65-F5344CB8AC3E}">
+        <p14:creationId xmlns:p14="http://schemas.microsoft.com/office/powerpoint/2010/main" val="419041791"/>
+      </p:ext>
+    </p:extLst>
+  </p:cSld>
+  <p:clrMapOvr>
+    <a:masterClrMapping/>
+  </p:clrMapOvr>
+</p:sld>
+</file>
+
 <file path=ppt/slides/slide4.xml><?xml version="1.0" encoding="utf-8"?>
 <p:sld xmlns:a="http://schemas.openxmlformats.org/drawingml/2006/main" xmlns:r="http://schemas.openxmlformats.org/officeDocument/2006/relationships" xmlns:p="http://schemas.openxmlformats.org/presentationml/2006/main">
   <p:cSld>
@@ -14240,7 +14395,7 @@
                       <m:dPr>
                         <m:ctrlPr>
                           <a:rPr lang="en-US" altLang="zh-CN" b="0" i="1" smtClean="0">
-                            <a:latin typeface="Cambria Math" panose="02040503050406030204" pitchFamily="18" charset="0"/>
+                            <a:latin typeface="Cambria Math" charset="0"/>
                           </a:rPr>
                         </m:ctrlPr>
                       </m:dPr>
@@ -14269,7 +14424,7 @@
                       <m:dPr>
                         <m:ctrlPr>
                           <a:rPr lang="en-US" altLang="zh-CN" b="0" i="1" smtClean="0">
-                            <a:latin typeface="Cambria Math" panose="02040503050406030204" pitchFamily="18" charset="0"/>
+                            <a:latin typeface="Cambria Math" charset="0"/>
                           </a:rPr>
                         </m:ctrlPr>
                       </m:dPr>
@@ -14298,7 +14453,7 @@
                       <m:sSupPr>
                         <m:ctrlPr>
                           <a:rPr lang="en-US" altLang="zh-CN" b="0" i="1" smtClean="0">
-                            <a:latin typeface="Cambria Math" panose="02040503050406030204" pitchFamily="18" charset="0"/>
+                            <a:latin typeface="Cambria Math" charset="0"/>
                           </a:rPr>
                         </m:ctrlPr>
                       </m:sSupPr>
@@ -14323,7 +14478,7 @@
                       <m:sSupPr>
                         <m:ctrlPr>
                           <a:rPr lang="en-US" altLang="zh-CN" b="0" i="1" smtClean="0">
-                            <a:latin typeface="Cambria Math" panose="02040503050406030204" pitchFamily="18" charset="0"/>
+                            <a:latin typeface="Cambria Math" charset="0"/>
                           </a:rPr>
                         </m:ctrlPr>
                       </m:sSupPr>
@@ -14378,7 +14533,7 @@
                       <m:fPr>
                         <m:ctrlPr>
                           <a:rPr lang="en-US" altLang="zh-CN" b="0" i="1" smtClean="0">
-                            <a:latin typeface="Cambria Math" panose="02040503050406030204" pitchFamily="18" charset="0"/>
+                            <a:latin typeface="Cambria Math" charset="0"/>
                           </a:rPr>
                         </m:ctrlPr>
                       </m:fPr>
@@ -14413,7 +14568,7 @@
                           <m:dPr>
                             <m:ctrlPr>
                               <a:rPr lang="en-US" altLang="zh-CN" b="0" i="1" smtClean="0">
-                                <a:latin typeface="Cambria Math" panose="02040503050406030204" pitchFamily="18" charset="0"/>
+                                <a:latin typeface="Cambria Math" charset="0"/>
                               </a:rPr>
                             </m:ctrlPr>
                           </m:dPr>
@@ -14450,7 +14605,7 @@
                       <m:sSupPr>
                         <m:ctrlPr>
                           <a:rPr lang="en-US" altLang="zh-CN" i="1">
-                            <a:latin typeface="Cambria Math" panose="02040503050406030204" pitchFamily="18" charset="0"/>
+                            <a:latin typeface="Cambria Math" charset="0"/>
                           </a:rPr>
                         </m:ctrlPr>
                       </m:sSupPr>
@@ -14475,7 +14630,7 @@
                       <m:sSupPr>
                         <m:ctrlPr>
                           <a:rPr lang="en-US" altLang="zh-CN" i="1">
-                            <a:latin typeface="Cambria Math" panose="02040503050406030204" pitchFamily="18" charset="0"/>
+                            <a:latin typeface="Cambria Math" charset="0"/>
                           </a:rPr>
                         </m:ctrlPr>
                       </m:sSupPr>
@@ -15400,7 +15555,7 @@
                         <m:degHide m:val="on"/>
                         <m:ctrlPr>
                           <a:rPr lang="en-US" altLang="zh-CN" b="0" i="1" smtClean="0">
-                            <a:latin typeface="Cambria Math" panose="02040503050406030204" pitchFamily="18" charset="0"/>
+                            <a:latin typeface="Cambria Math" charset="0"/>
                           </a:rPr>
                         </m:ctrlPr>
                       </m:radPr>
